--- a/Courseware/ExploratoryAndUnitTesting.pptx
+++ b/Courseware/ExploratoryAndUnitTesting.pptx
@@ -5,30 +5,31 @@
     <p:sldMasterId id="2147483660" r:id="rId1"/>
   </p:sldMasterIdLst>
   <p:notesMasterIdLst>
-    <p:notesMasterId r:id="rId23"/>
+    <p:notesMasterId r:id="rId24"/>
   </p:notesMasterIdLst>
   <p:sldIdLst>
     <p:sldId id="256" r:id="rId2"/>
     <p:sldId id="278" r:id="rId3"/>
-    <p:sldId id="279" r:id="rId4"/>
-    <p:sldId id="280" r:id="rId5"/>
-    <p:sldId id="281" r:id="rId6"/>
-    <p:sldId id="258" r:id="rId7"/>
-    <p:sldId id="271" r:id="rId8"/>
+    <p:sldId id="271" r:id="rId4"/>
+    <p:sldId id="279" r:id="rId5"/>
+    <p:sldId id="280" r:id="rId6"/>
+    <p:sldId id="281" r:id="rId7"/>
+    <p:sldId id="258" r:id="rId8"/>
     <p:sldId id="273" r:id="rId9"/>
     <p:sldId id="274" r:id="rId10"/>
-    <p:sldId id="275" r:id="rId11"/>
-    <p:sldId id="257" r:id="rId12"/>
-    <p:sldId id="259" r:id="rId13"/>
-    <p:sldId id="272" r:id="rId14"/>
+    <p:sldId id="257" r:id="rId11"/>
+    <p:sldId id="259" r:id="rId12"/>
+    <p:sldId id="272" r:id="rId13"/>
+    <p:sldId id="286" r:id="rId14"/>
     <p:sldId id="276" r:id="rId15"/>
     <p:sldId id="277" r:id="rId16"/>
     <p:sldId id="261" r:id="rId17"/>
     <p:sldId id="260" r:id="rId18"/>
-    <p:sldId id="285" r:id="rId19"/>
-    <p:sldId id="262" r:id="rId20"/>
-    <p:sldId id="283" r:id="rId21"/>
-    <p:sldId id="284" r:id="rId22"/>
+    <p:sldId id="275" r:id="rId19"/>
+    <p:sldId id="285" r:id="rId20"/>
+    <p:sldId id="262" r:id="rId21"/>
+    <p:sldId id="283" r:id="rId22"/>
+    <p:sldId id="284" r:id="rId23"/>
   </p:sldIdLst>
   <p:sldSz cx="9144000" cy="6858000" type="screen4x3"/>
   <p:notesSz cx="6858000" cy="9144000"/>
@@ -6681,7 +6682,7 @@
           <a:p>
             <a:fld id="{D528D0B4-805C-4745-AB2E-3D7B50F3279A}" type="datetimeFigureOut">
               <a:rPr lang="en-US" smtClean="0"/>
-              <a:t>05/11/15</a:t>
+              <a:t>11/5/15</a:t>
             </a:fld>
             <a:endParaRPr lang="en-US"/>
           </a:p>
@@ -7504,7 +7505,7 @@
             <a:fld id="{C9C4ABBD-F665-47FC-BB70-872A5BF534E2}" type="slidenum">
               <a:rPr lang="fi-FI" smtClean="0"/>
               <a:pPr/>
-              <a:t>19</a:t>
+              <a:t>20</a:t>
             </a:fld>
             <a:endParaRPr lang="fi-FI"/>
           </a:p>
@@ -7699,7 +7700,7 @@
           <a:p>
             <a:fld id="{A0A11959-0A35-0947-9E1F-BCB5B4FA896A}" type="datetimeFigureOut">
               <a:rPr lang="en-US" smtClean="0"/>
-              <a:t>05/11/15</a:t>
+              <a:t>11/5/15</a:t>
             </a:fld>
             <a:endParaRPr lang="en-US"/>
           </a:p>
@@ -7869,7 +7870,7 @@
           <a:p>
             <a:fld id="{A0A11959-0A35-0947-9E1F-BCB5B4FA896A}" type="datetimeFigureOut">
               <a:rPr lang="en-US" smtClean="0"/>
-              <a:t>05/11/15</a:t>
+              <a:t>11/5/15</a:t>
             </a:fld>
             <a:endParaRPr lang="en-US"/>
           </a:p>
@@ -8049,7 +8050,7 @@
           <a:p>
             <a:fld id="{A0A11959-0A35-0947-9E1F-BCB5B4FA896A}" type="datetimeFigureOut">
               <a:rPr lang="en-US" smtClean="0"/>
-              <a:t>05/11/15</a:t>
+              <a:t>11/5/15</a:t>
             </a:fld>
             <a:endParaRPr lang="en-US"/>
           </a:p>
@@ -8219,7 +8220,7 @@
           <a:p>
             <a:fld id="{A0A11959-0A35-0947-9E1F-BCB5B4FA896A}" type="datetimeFigureOut">
               <a:rPr lang="en-US" smtClean="0"/>
-              <a:t>05/11/15</a:t>
+              <a:t>11/5/15</a:t>
             </a:fld>
             <a:endParaRPr lang="en-US"/>
           </a:p>
@@ -8465,7 +8466,7 @@
           <a:p>
             <a:fld id="{A0A11959-0A35-0947-9E1F-BCB5B4FA896A}" type="datetimeFigureOut">
               <a:rPr lang="en-US" smtClean="0"/>
-              <a:t>05/11/15</a:t>
+              <a:t>11/5/15</a:t>
             </a:fld>
             <a:endParaRPr lang="en-US"/>
           </a:p>
@@ -8753,7 +8754,7 @@
           <a:p>
             <a:fld id="{A0A11959-0A35-0947-9E1F-BCB5B4FA896A}" type="datetimeFigureOut">
               <a:rPr lang="en-US" smtClean="0"/>
-              <a:t>05/11/15</a:t>
+              <a:t>11/5/15</a:t>
             </a:fld>
             <a:endParaRPr lang="en-US"/>
           </a:p>
@@ -9175,7 +9176,7 @@
           <a:p>
             <a:fld id="{A0A11959-0A35-0947-9E1F-BCB5B4FA896A}" type="datetimeFigureOut">
               <a:rPr lang="en-US" smtClean="0"/>
-              <a:t>05/11/15</a:t>
+              <a:t>11/5/15</a:t>
             </a:fld>
             <a:endParaRPr lang="en-US"/>
           </a:p>
@@ -9293,7 +9294,7 @@
           <a:p>
             <a:fld id="{A0A11959-0A35-0947-9E1F-BCB5B4FA896A}" type="datetimeFigureOut">
               <a:rPr lang="en-US" smtClean="0"/>
-              <a:t>05/11/15</a:t>
+              <a:t>11/5/15</a:t>
             </a:fld>
             <a:endParaRPr lang="en-US"/>
           </a:p>
@@ -9388,7 +9389,7 @@
           <a:p>
             <a:fld id="{A0A11959-0A35-0947-9E1F-BCB5B4FA896A}" type="datetimeFigureOut">
               <a:rPr lang="en-US" smtClean="0"/>
-              <a:t>05/11/15</a:t>
+              <a:t>11/5/15</a:t>
             </a:fld>
             <a:endParaRPr lang="en-US"/>
           </a:p>
@@ -9665,7 +9666,7 @@
           <a:p>
             <a:fld id="{A0A11959-0A35-0947-9E1F-BCB5B4FA896A}" type="datetimeFigureOut">
               <a:rPr lang="en-US" smtClean="0"/>
-              <a:t>05/11/15</a:t>
+              <a:t>11/5/15</a:t>
             </a:fld>
             <a:endParaRPr lang="en-US"/>
           </a:p>
@@ -9922,7 +9923,7 @@
           <a:p>
             <a:fld id="{A0A11959-0A35-0947-9E1F-BCB5B4FA896A}" type="datetimeFigureOut">
               <a:rPr lang="en-US" smtClean="0"/>
-              <a:t>05/11/15</a:t>
+              <a:t>11/5/15</a:t>
             </a:fld>
             <a:endParaRPr lang="en-US"/>
           </a:p>
@@ -10135,7 +10136,7 @@
           <a:p>
             <a:fld id="{A0A11959-0A35-0947-9E1F-BCB5B4FA896A}" type="datetimeFigureOut">
               <a:rPr lang="en-US" smtClean="0"/>
-              <a:t>05/11/15</a:t>
+              <a:t>11/5/15</a:t>
             </a:fld>
             <a:endParaRPr lang="en-US"/>
           </a:p>
@@ -10634,126 +10635,6 @@
           <a:chExt cx="0" cy="0"/>
         </a:xfrm>
       </p:grpSpPr>
-      <p:pic>
-        <p:nvPicPr>
-          <p:cNvPr id="2" name="Picture 1" descr="Screen Shot 2015-10-20 at 21.35.08.png"/>
-          <p:cNvPicPr>
-            <a:picLocks noChangeAspect="1"/>
-          </p:cNvPicPr>
-          <p:nvPr/>
-        </p:nvPicPr>
-        <p:blipFill>
-          <a:blip r:embed="rId2">
-            <a:extLst>
-              <a:ext uri="{28A0092B-C50C-407E-A947-70E740481C1C}">
-                <a14:useLocalDpi xmlns:a14="http://schemas.microsoft.com/office/drawing/2010/main" val="0"/>
-              </a:ext>
-            </a:extLst>
-          </a:blip>
-          <a:stretch>
-            <a:fillRect/>
-          </a:stretch>
-        </p:blipFill>
-        <p:spPr>
-          <a:xfrm>
-            <a:off x="1394200" y="1112483"/>
-            <a:ext cx="6600281" cy="4357878"/>
-          </a:xfrm>
-          <a:prstGeom prst="rect">
-            <a:avLst/>
-          </a:prstGeom>
-        </p:spPr>
-      </p:pic>
-      <p:sp>
-        <p:nvSpPr>
-          <p:cNvPr id="3" name="TextBox 2"/>
-          <p:cNvSpPr txBox="1"/>
-          <p:nvPr/>
-        </p:nvSpPr>
-        <p:spPr>
-          <a:xfrm>
-            <a:off x="1394200" y="5702415"/>
-            <a:ext cx="5993949" cy="830997"/>
-          </a:xfrm>
-          <a:prstGeom prst="rect">
-            <a:avLst/>
-          </a:prstGeom>
-          <a:noFill/>
-        </p:spPr>
-        <p:txBody>
-          <a:bodyPr wrap="none" rtlCol="0">
-            <a:spAutoFit/>
-          </a:bodyPr>
-          <a:lstStyle/>
-          <a:p>
-            <a:r>
-              <a:rPr lang="en-US" sz="2400" dirty="0" smtClean="0"/>
-              <a:t>http://</a:t>
-            </a:r>
-            <a:r>
-              <a:rPr lang="en-US" sz="2400" dirty="0" err="1" smtClean="0"/>
-              <a:t>leanpub.org</a:t>
-            </a:r>
-            <a:r>
-              <a:rPr lang="en-US" sz="2400" dirty="0" smtClean="0"/>
-              <a:t>/</a:t>
-            </a:r>
-            <a:r>
-              <a:rPr lang="en-US" sz="2400" dirty="0" err="1" smtClean="0"/>
-              <a:t>mobprogrammingguidebook</a:t>
-            </a:r>
-            <a:endParaRPr lang="en-US" sz="2400" dirty="0" smtClean="0"/>
-          </a:p>
-          <a:p>
-            <a:r>
-              <a:rPr lang="en-US" sz="2400" dirty="0" smtClean="0"/>
-              <a:t>#</a:t>
-            </a:r>
-            <a:r>
-              <a:rPr lang="en-US" sz="2400" dirty="0" err="1" smtClean="0"/>
-              <a:t>MobProgrammingGuidebook</a:t>
-            </a:r>
-            <a:endParaRPr lang="en-US" sz="2400" dirty="0"/>
-          </a:p>
-        </p:txBody>
-      </p:sp>
-    </p:spTree>
-    <p:extLst>
-      <p:ext uri="{BB962C8B-B14F-4D97-AF65-F5344CB8AC3E}">
-        <p14:creationId xmlns:p14="http://schemas.microsoft.com/office/powerpoint/2010/main" val="1008014723"/>
-      </p:ext>
-    </p:extLst>
-  </p:cSld>
-  <p:clrMapOvr>
-    <a:masterClrMapping/>
-  </p:clrMapOvr>
-  <p:timing>
-    <p:tnLst>
-      <p:par>
-        <p:cTn xmlns:p14="http://schemas.microsoft.com/office/powerpoint/2010/main" id="1" dur="indefinite" restart="never" nodeType="tmRoot"/>
-      </p:par>
-    </p:tnLst>
-  </p:timing>
-</p:sld>
-</file>
-
-<file path=ppt/slides/slide11.xml><?xml version="1.0" encoding="utf-8"?>
-<p:sld xmlns:a="http://schemas.openxmlformats.org/drawingml/2006/main" xmlns:r="http://schemas.openxmlformats.org/officeDocument/2006/relationships" xmlns:p="http://schemas.openxmlformats.org/presentationml/2006/main">
-  <p:cSld>
-    <p:spTree>
-      <p:nvGrpSpPr>
-        <p:cNvPr id="1" name=""/>
-        <p:cNvGrpSpPr/>
-        <p:nvPr/>
-      </p:nvGrpSpPr>
-      <p:grpSpPr>
-        <a:xfrm>
-          <a:off x="0" y="0"/>
-          <a:ext cx="0" cy="0"/>
-          <a:chOff x="0" y="0"/>
-          <a:chExt cx="0" cy="0"/>
-        </a:xfrm>
-      </p:grpSpPr>
       <p:sp>
         <p:nvSpPr>
           <p:cNvPr id="2" name="Title 1"/>
@@ -10852,7 +10733,7 @@
 </p:sld>
 </file>
 
-<file path=ppt/slides/slide12.xml><?xml version="1.0" encoding="utf-8"?>
+<file path=ppt/slides/slide11.xml><?xml version="1.0" encoding="utf-8"?>
 <p:sld xmlns:a="http://schemas.openxmlformats.org/drawingml/2006/main" xmlns:r="http://schemas.openxmlformats.org/officeDocument/2006/relationships" xmlns:p="http://schemas.openxmlformats.org/presentationml/2006/main">
   <p:cSld>
     <p:spTree>
@@ -11169,7 +11050,7 @@
 </p:sld>
 </file>
 
-<file path=ppt/slides/slide13.xml><?xml version="1.0" encoding="utf-8"?>
+<file path=ppt/slides/slide12.xml><?xml version="1.0" encoding="utf-8"?>
 <p:sld xmlns:a="http://schemas.openxmlformats.org/drawingml/2006/main" xmlns:r="http://schemas.openxmlformats.org/officeDocument/2006/relationships" xmlns:p="http://schemas.openxmlformats.org/presentationml/2006/main">
   <p:cSld>
     <p:spTree>
@@ -11316,6 +11197,60 @@
       </p:par>
     </p:tnLst>
   </p:timing>
+</p:sld>
+</file>
+
+<file path=ppt/slides/slide13.xml><?xml version="1.0" encoding="utf-8"?>
+<p:sld xmlns:a="http://schemas.openxmlformats.org/drawingml/2006/main" xmlns:r="http://schemas.openxmlformats.org/officeDocument/2006/relationships" xmlns:p="http://schemas.openxmlformats.org/presentationml/2006/main">
+  <p:cSld>
+    <p:spTree>
+      <p:nvGrpSpPr>
+        <p:cNvPr id="1" name=""/>
+        <p:cNvGrpSpPr/>
+        <p:nvPr/>
+      </p:nvGrpSpPr>
+      <p:grpSpPr>
+        <a:xfrm>
+          <a:off x="0" y="0"/>
+          <a:ext cx="0" cy="0"/>
+          <a:chOff x="0" y="0"/>
+          <a:chExt cx="0" cy="0"/>
+        </a:xfrm>
+      </p:grpSpPr>
+      <p:pic>
+        <p:nvPicPr>
+          <p:cNvPr id="26" name="Picture 25"/>
+          <p:cNvPicPr>
+            <a:picLocks noChangeAspect="1"/>
+          </p:cNvPicPr>
+          <p:nvPr/>
+        </p:nvPicPr>
+        <p:blipFill>
+          <a:blip r:embed="rId2"/>
+          <a:stretch>
+            <a:fillRect/>
+          </a:stretch>
+        </p:blipFill>
+        <p:spPr>
+          <a:xfrm>
+            <a:off x="234950" y="1035050"/>
+            <a:ext cx="8712200" cy="4800600"/>
+          </a:xfrm>
+          <a:prstGeom prst="rect">
+            <a:avLst/>
+          </a:prstGeom>
+        </p:spPr>
+      </p:pic>
+    </p:spTree>
+    <p:extLst>
+      <p:ext uri="{BB962C8B-B14F-4D97-AF65-F5344CB8AC3E}">
+        <p14:creationId xmlns:p14="http://schemas.microsoft.com/office/powerpoint/2010/main" val="4170771497"/>
+      </p:ext>
+    </p:extLst>
+  </p:cSld>
+  <p:clrMapOvr>
+    <a:masterClrMapping/>
+  </p:clrMapOvr>
 </p:sld>
 </file>
 
@@ -14988,6 +14923,108 @@
       </p:grpSpPr>
       <p:sp>
         <p:nvSpPr>
+          <p:cNvPr id="3" name="TextBox 2"/>
+          <p:cNvSpPr txBox="1"/>
+          <p:nvPr/>
+        </p:nvSpPr>
+        <p:spPr>
+          <a:xfrm>
+            <a:off x="0" y="5835765"/>
+            <a:ext cx="9144000" cy="461665"/>
+          </a:xfrm>
+          <a:prstGeom prst="rect">
+            <a:avLst/>
+          </a:prstGeom>
+          <a:noFill/>
+        </p:spPr>
+        <p:txBody>
+          <a:bodyPr wrap="square" rtlCol="0">
+            <a:spAutoFit/>
+          </a:bodyPr>
+          <a:lstStyle/>
+          <a:p>
+            <a:pPr algn="ctr"/>
+            <a:r>
+              <a:rPr lang="en-US" sz="2400" dirty="0" smtClean="0"/>
+              <a:t>#</a:t>
+            </a:r>
+            <a:r>
+              <a:rPr lang="en-US" sz="2400" dirty="0" err="1" smtClean="0"/>
+              <a:t>MobProgrammingGuidebook</a:t>
+            </a:r>
+            <a:endParaRPr lang="en-US" sz="2400" dirty="0"/>
+          </a:p>
+        </p:txBody>
+      </p:sp>
+      <p:pic>
+        <p:nvPicPr>
+          <p:cNvPr id="26" name="Picture 25" descr="Screen Shot 2015-11-05 at 8.12.21 AM.png"/>
+          <p:cNvPicPr>
+            <a:picLocks noChangeAspect="1"/>
+          </p:cNvPicPr>
+          <p:nvPr/>
+        </p:nvPicPr>
+        <p:blipFill>
+          <a:blip r:embed="rId2">
+            <a:extLst>
+              <a:ext uri="{28A0092B-C50C-407E-A947-70E740481C1C}">
+                <a14:useLocalDpi xmlns:a14="http://schemas.microsoft.com/office/drawing/2010/main" val="0"/>
+              </a:ext>
+            </a:extLst>
+          </a:blip>
+          <a:stretch>
+            <a:fillRect/>
+          </a:stretch>
+        </p:blipFill>
+        <p:spPr>
+          <a:xfrm>
+            <a:off x="1104901" y="366257"/>
+            <a:ext cx="6197600" cy="5336158"/>
+          </a:xfrm>
+          <a:prstGeom prst="rect">
+            <a:avLst/>
+          </a:prstGeom>
+        </p:spPr>
+      </p:pic>
+    </p:spTree>
+    <p:extLst>
+      <p:ext uri="{BB962C8B-B14F-4D97-AF65-F5344CB8AC3E}">
+        <p14:creationId xmlns:p14="http://schemas.microsoft.com/office/powerpoint/2010/main" val="1008014723"/>
+      </p:ext>
+    </p:extLst>
+  </p:cSld>
+  <p:clrMapOvr>
+    <a:masterClrMapping/>
+  </p:clrMapOvr>
+  <p:timing>
+    <p:tnLst>
+      <p:par>
+        <p:cTn xmlns:p14="http://schemas.microsoft.com/office/powerpoint/2010/main" id="1" dur="indefinite" restart="never" nodeType="tmRoot"/>
+      </p:par>
+    </p:tnLst>
+  </p:timing>
+</p:sld>
+</file>
+
+<file path=ppt/slides/slide19.xml><?xml version="1.0" encoding="utf-8"?>
+<p:sld xmlns:a="http://schemas.openxmlformats.org/drawingml/2006/main" xmlns:r="http://schemas.openxmlformats.org/officeDocument/2006/relationships" xmlns:p="http://schemas.openxmlformats.org/presentationml/2006/main">
+  <p:cSld>
+    <p:spTree>
+      <p:nvGrpSpPr>
+        <p:cNvPr id="1" name=""/>
+        <p:cNvGrpSpPr/>
+        <p:nvPr/>
+      </p:nvGrpSpPr>
+      <p:grpSpPr>
+        <a:xfrm>
+          <a:off x="0" y="0"/>
+          <a:ext cx="0" cy="0"/>
+          <a:chOff x="0" y="0"/>
+          <a:chExt cx="0" cy="0"/>
+        </a:xfrm>
+      </p:grpSpPr>
+      <p:sp>
+        <p:nvSpPr>
           <p:cNvPr id="4" name="TextBox 3"/>
           <p:cNvSpPr txBox="1"/>
           <p:nvPr/>
@@ -15150,19 +15187,11 @@
           <a:p>
             <a:r>
               <a:rPr lang="en-US" sz="3200" dirty="0" smtClean="0"/>
-              <a:t>Twitter: </a:t>
-            </a:r>
-            <a:r>
-              <a:rPr lang="en-US" sz="3200" dirty="0" smtClean="0"/>
-              <a:t>@</a:t>
+              <a:t>Twitter: @</a:t>
             </a:r>
             <a:r>
               <a:rPr lang="en-US" sz="3200" dirty="0" err="1" smtClean="0"/>
-              <a:t>L</a:t>
-            </a:r>
-            <a:r>
-              <a:rPr lang="en-US" sz="3200" dirty="0" err="1" smtClean="0"/>
-              <a:t>lewellynFalco</a:t>
+              <a:t>LlewellynFalco</a:t>
             </a:r>
             <a:endParaRPr lang="en-US" sz="3200" dirty="0" smtClean="0"/>
           </a:p>
@@ -15232,7 +15261,249 @@
 </p:sld>
 </file>
 
-<file path=ppt/slides/slide19.xml><?xml version="1.0" encoding="utf-8"?>
+<file path=ppt/slides/slide2.xml><?xml version="1.0" encoding="utf-8"?>
+<p:sld xmlns:a="http://schemas.openxmlformats.org/drawingml/2006/main" xmlns:r="http://schemas.openxmlformats.org/officeDocument/2006/relationships" xmlns:p="http://schemas.openxmlformats.org/presentationml/2006/main">
+  <p:cSld>
+    <p:spTree>
+      <p:nvGrpSpPr>
+        <p:cNvPr id="1" name=""/>
+        <p:cNvGrpSpPr/>
+        <p:nvPr/>
+      </p:nvGrpSpPr>
+      <p:grpSpPr>
+        <a:xfrm>
+          <a:off x="0" y="0"/>
+          <a:ext cx="0" cy="0"/>
+          <a:chOff x="0" y="0"/>
+          <a:chExt cx="0" cy="0"/>
+        </a:xfrm>
+      </p:grpSpPr>
+      <p:sp>
+        <p:nvSpPr>
+          <p:cNvPr id="4" name="Title 3"/>
+          <p:cNvSpPr>
+            <a:spLocks noGrp="1"/>
+          </p:cNvSpPr>
+          <p:nvPr>
+            <p:ph type="title"/>
+          </p:nvPr>
+        </p:nvSpPr>
+        <p:spPr>
+          <a:xfrm>
+            <a:off x="798946" y="377774"/>
+            <a:ext cx="7772400" cy="1362075"/>
+          </a:xfrm>
+        </p:spPr>
+        <p:txBody>
+          <a:bodyPr>
+            <a:noAutofit/>
+          </a:bodyPr>
+          <a:lstStyle/>
+          <a:p>
+            <a:pPr algn="ctr"/>
+            <a:r>
+              <a:rPr lang="en-US" sz="5400" dirty="0" smtClean="0"/>
+              <a:t>Course Vision</a:t>
+            </a:r>
+            <a:br>
+              <a:rPr lang="en-US" sz="5400" dirty="0" smtClean="0"/>
+            </a:br>
+            <a:endParaRPr lang="en-US" sz="5400" dirty="0"/>
+          </a:p>
+        </p:txBody>
+      </p:sp>
+      <p:pic>
+        <p:nvPicPr>
+          <p:cNvPr id="7" name="Picture 6" descr="Llewellyn.jpg"/>
+          <p:cNvPicPr>
+            <a:picLocks noChangeAspect="1"/>
+          </p:cNvPicPr>
+          <p:nvPr/>
+        </p:nvPicPr>
+        <p:blipFill>
+          <a:blip r:embed="rId2">
+            <a:extLst>
+              <a:ext uri="{28A0092B-C50C-407E-A947-70E740481C1C}">
+                <a14:useLocalDpi xmlns:a14="http://schemas.microsoft.com/office/drawing/2010/main" val="0"/>
+              </a:ext>
+            </a:extLst>
+          </a:blip>
+          <a:stretch>
+            <a:fillRect/>
+          </a:stretch>
+        </p:blipFill>
+        <p:spPr>
+          <a:xfrm>
+            <a:off x="5491523" y="2220485"/>
+            <a:ext cx="2343025" cy="2343025"/>
+          </a:xfrm>
+          <a:prstGeom prst="rect">
+            <a:avLst/>
+          </a:prstGeom>
+          <a:ln>
+            <a:noFill/>
+          </a:ln>
+          <a:effectLst>
+            <a:outerShdw blurRad="292100" dist="139700" dir="2700000" algn="tl" rotWithShape="0">
+              <a:srgbClr val="333333">
+                <a:alpha val="65000"/>
+              </a:srgbClr>
+            </a:outerShdw>
+          </a:effectLst>
+        </p:spPr>
+      </p:pic>
+      <p:sp>
+        <p:nvSpPr>
+          <p:cNvPr id="8" name="TextBox 7"/>
+          <p:cNvSpPr txBox="1"/>
+          <p:nvPr/>
+        </p:nvSpPr>
+        <p:spPr>
+          <a:xfrm>
+            <a:off x="1375530" y="4926921"/>
+            <a:ext cx="2486228" cy="461665"/>
+          </a:xfrm>
+          <a:prstGeom prst="rect">
+            <a:avLst/>
+          </a:prstGeom>
+          <a:noFill/>
+        </p:spPr>
+        <p:txBody>
+          <a:bodyPr wrap="none" rtlCol="0">
+            <a:spAutoFit/>
+          </a:bodyPr>
+          <a:lstStyle/>
+          <a:p>
+            <a:pPr algn="ctr"/>
+            <a:r>
+              <a:rPr lang="en-US" sz="2400" dirty="0" smtClean="0"/>
+              <a:t>Exploratory Tester</a:t>
+            </a:r>
+            <a:endParaRPr lang="en-US" sz="2400" dirty="0"/>
+          </a:p>
+        </p:txBody>
+      </p:sp>
+      <p:sp>
+        <p:nvSpPr>
+          <p:cNvPr id="9" name="TextBox 8"/>
+          <p:cNvSpPr txBox="1"/>
+          <p:nvPr/>
+        </p:nvSpPr>
+        <p:spPr>
+          <a:xfrm>
+            <a:off x="5274906" y="4926921"/>
+            <a:ext cx="2880716" cy="461665"/>
+          </a:xfrm>
+          <a:prstGeom prst="rect">
+            <a:avLst/>
+          </a:prstGeom>
+          <a:noFill/>
+        </p:spPr>
+        <p:txBody>
+          <a:bodyPr wrap="none" rtlCol="0">
+            <a:spAutoFit/>
+          </a:bodyPr>
+          <a:lstStyle/>
+          <a:p>
+            <a:pPr algn="ctr"/>
+            <a:r>
+              <a:rPr lang="en-US" sz="2400" dirty="0" smtClean="0"/>
+              <a:t>Extreme Programmer</a:t>
+            </a:r>
+            <a:endParaRPr lang="en-US" sz="2400" dirty="0"/>
+          </a:p>
+        </p:txBody>
+      </p:sp>
+      <p:sp>
+        <p:nvSpPr>
+          <p:cNvPr id="2" name="TextBox 1"/>
+          <p:cNvSpPr txBox="1"/>
+          <p:nvPr/>
+        </p:nvSpPr>
+        <p:spPr>
+          <a:xfrm>
+            <a:off x="2023264" y="5629101"/>
+            <a:ext cx="5243818" cy="646331"/>
+          </a:xfrm>
+          <a:prstGeom prst="rect">
+            <a:avLst/>
+          </a:prstGeom>
+          <a:noFill/>
+        </p:spPr>
+        <p:txBody>
+          <a:bodyPr wrap="none" rtlCol="0">
+            <a:spAutoFit/>
+          </a:bodyPr>
+          <a:lstStyle/>
+          <a:p>
+            <a:pPr algn="ctr"/>
+            <a:r>
+              <a:rPr lang="en-US" sz="3600" b="1" dirty="0" smtClean="0">
+                <a:solidFill>
+                  <a:schemeClr val="accent3"/>
+                </a:solidFill>
+              </a:rPr>
+              <a:t>MOB PROGRAMMING</a:t>
+            </a:r>
+            <a:endParaRPr lang="en-US" sz="3600" b="1" dirty="0">
+              <a:solidFill>
+                <a:schemeClr val="accent3"/>
+              </a:solidFill>
+            </a:endParaRPr>
+          </a:p>
+        </p:txBody>
+      </p:sp>
+      <p:pic>
+        <p:nvPicPr>
+          <p:cNvPr id="3" name="Picture 2" descr="maaret_square.jpg"/>
+          <p:cNvPicPr>
+            <a:picLocks noChangeAspect="1"/>
+          </p:cNvPicPr>
+          <p:nvPr/>
+        </p:nvPicPr>
+        <p:blipFill>
+          <a:blip r:embed="rId3">
+            <a:extLst>
+              <a:ext uri="{28A0092B-C50C-407E-A947-70E740481C1C}">
+                <a14:useLocalDpi xmlns:a14="http://schemas.microsoft.com/office/drawing/2010/main" val="0"/>
+              </a:ext>
+            </a:extLst>
+          </a:blip>
+          <a:stretch>
+            <a:fillRect/>
+          </a:stretch>
+        </p:blipFill>
+        <p:spPr>
+          <a:xfrm>
+            <a:off x="1400059" y="2273721"/>
+            <a:ext cx="2343025" cy="2343025"/>
+          </a:xfrm>
+          <a:prstGeom prst="rect">
+            <a:avLst/>
+          </a:prstGeom>
+        </p:spPr>
+      </p:pic>
+    </p:spTree>
+    <p:extLst>
+      <p:ext uri="{BB962C8B-B14F-4D97-AF65-F5344CB8AC3E}">
+        <p14:creationId xmlns:p14="http://schemas.microsoft.com/office/powerpoint/2010/main" val="1303557016"/>
+      </p:ext>
+    </p:extLst>
+  </p:cSld>
+  <p:clrMapOvr>
+    <a:masterClrMapping/>
+  </p:clrMapOvr>
+  <p:timing>
+    <p:tnLst>
+      <p:par>
+        <p:cTn xmlns:p14="http://schemas.microsoft.com/office/powerpoint/2010/main" id="1" dur="indefinite" restart="never" nodeType="tmRoot"/>
+      </p:par>
+    </p:tnLst>
+  </p:timing>
+</p:sld>
+</file>
+
+<file path=ppt/slides/slide20.xml><?xml version="1.0" encoding="utf-8"?>
 <p:sld xmlns:a="http://schemas.openxmlformats.org/drawingml/2006/main" xmlns:r="http://schemas.openxmlformats.org/officeDocument/2006/relationships" xmlns:p="http://schemas.openxmlformats.org/presentationml/2006/main">
   <p:cSld>
     <p:spTree>
@@ -15369,249 +15640,7 @@
 </p:sld>
 </file>
 
-<file path=ppt/slides/slide2.xml><?xml version="1.0" encoding="utf-8"?>
-<p:sld xmlns:a="http://schemas.openxmlformats.org/drawingml/2006/main" xmlns:r="http://schemas.openxmlformats.org/officeDocument/2006/relationships" xmlns:p="http://schemas.openxmlformats.org/presentationml/2006/main">
-  <p:cSld>
-    <p:spTree>
-      <p:nvGrpSpPr>
-        <p:cNvPr id="1" name=""/>
-        <p:cNvGrpSpPr/>
-        <p:nvPr/>
-      </p:nvGrpSpPr>
-      <p:grpSpPr>
-        <a:xfrm>
-          <a:off x="0" y="0"/>
-          <a:ext cx="0" cy="0"/>
-          <a:chOff x="0" y="0"/>
-          <a:chExt cx="0" cy="0"/>
-        </a:xfrm>
-      </p:grpSpPr>
-      <p:sp>
-        <p:nvSpPr>
-          <p:cNvPr id="4" name="Title 3"/>
-          <p:cNvSpPr>
-            <a:spLocks noGrp="1"/>
-          </p:cNvSpPr>
-          <p:nvPr>
-            <p:ph type="title"/>
-          </p:nvPr>
-        </p:nvSpPr>
-        <p:spPr>
-          <a:xfrm>
-            <a:off x="798946" y="377774"/>
-            <a:ext cx="7772400" cy="1362075"/>
-          </a:xfrm>
-        </p:spPr>
-        <p:txBody>
-          <a:bodyPr>
-            <a:noAutofit/>
-          </a:bodyPr>
-          <a:lstStyle/>
-          <a:p>
-            <a:pPr algn="ctr"/>
-            <a:r>
-              <a:rPr lang="en-US" sz="5400" dirty="0" smtClean="0"/>
-              <a:t>Course Vision</a:t>
-            </a:r>
-            <a:br>
-              <a:rPr lang="en-US" sz="5400" dirty="0" smtClean="0"/>
-            </a:br>
-            <a:endParaRPr lang="en-US" sz="5400" dirty="0"/>
-          </a:p>
-        </p:txBody>
-      </p:sp>
-      <p:pic>
-        <p:nvPicPr>
-          <p:cNvPr id="7" name="Picture 6" descr="Llewellyn.jpg"/>
-          <p:cNvPicPr>
-            <a:picLocks noChangeAspect="1"/>
-          </p:cNvPicPr>
-          <p:nvPr/>
-        </p:nvPicPr>
-        <p:blipFill>
-          <a:blip r:embed="rId2">
-            <a:extLst>
-              <a:ext uri="{28A0092B-C50C-407E-A947-70E740481C1C}">
-                <a14:useLocalDpi xmlns:a14="http://schemas.microsoft.com/office/drawing/2010/main" val="0"/>
-              </a:ext>
-            </a:extLst>
-          </a:blip>
-          <a:stretch>
-            <a:fillRect/>
-          </a:stretch>
-        </p:blipFill>
-        <p:spPr>
-          <a:xfrm>
-            <a:off x="5491523" y="2220485"/>
-            <a:ext cx="2343025" cy="2343025"/>
-          </a:xfrm>
-          <a:prstGeom prst="rect">
-            <a:avLst/>
-          </a:prstGeom>
-          <a:ln>
-            <a:noFill/>
-          </a:ln>
-          <a:effectLst>
-            <a:outerShdw blurRad="292100" dist="139700" dir="2700000" algn="tl" rotWithShape="0">
-              <a:srgbClr val="333333">
-                <a:alpha val="65000"/>
-              </a:srgbClr>
-            </a:outerShdw>
-          </a:effectLst>
-        </p:spPr>
-      </p:pic>
-      <p:sp>
-        <p:nvSpPr>
-          <p:cNvPr id="8" name="TextBox 7"/>
-          <p:cNvSpPr txBox="1"/>
-          <p:nvPr/>
-        </p:nvSpPr>
-        <p:spPr>
-          <a:xfrm>
-            <a:off x="1375530" y="4926921"/>
-            <a:ext cx="2486228" cy="461665"/>
-          </a:xfrm>
-          <a:prstGeom prst="rect">
-            <a:avLst/>
-          </a:prstGeom>
-          <a:noFill/>
-        </p:spPr>
-        <p:txBody>
-          <a:bodyPr wrap="none" rtlCol="0">
-            <a:spAutoFit/>
-          </a:bodyPr>
-          <a:lstStyle/>
-          <a:p>
-            <a:pPr algn="ctr"/>
-            <a:r>
-              <a:rPr lang="en-US" sz="2400" dirty="0" smtClean="0"/>
-              <a:t>Exploratory Tester</a:t>
-            </a:r>
-            <a:endParaRPr lang="en-US" sz="2400" dirty="0"/>
-          </a:p>
-        </p:txBody>
-      </p:sp>
-      <p:sp>
-        <p:nvSpPr>
-          <p:cNvPr id="9" name="TextBox 8"/>
-          <p:cNvSpPr txBox="1"/>
-          <p:nvPr/>
-        </p:nvSpPr>
-        <p:spPr>
-          <a:xfrm>
-            <a:off x="5274906" y="4926921"/>
-            <a:ext cx="2880716" cy="461665"/>
-          </a:xfrm>
-          <a:prstGeom prst="rect">
-            <a:avLst/>
-          </a:prstGeom>
-          <a:noFill/>
-        </p:spPr>
-        <p:txBody>
-          <a:bodyPr wrap="none" rtlCol="0">
-            <a:spAutoFit/>
-          </a:bodyPr>
-          <a:lstStyle/>
-          <a:p>
-            <a:pPr algn="ctr"/>
-            <a:r>
-              <a:rPr lang="en-US" sz="2400" dirty="0" smtClean="0"/>
-              <a:t>Extreme Programmer</a:t>
-            </a:r>
-            <a:endParaRPr lang="en-US" sz="2400" dirty="0"/>
-          </a:p>
-        </p:txBody>
-      </p:sp>
-      <p:sp>
-        <p:nvSpPr>
-          <p:cNvPr id="2" name="TextBox 1"/>
-          <p:cNvSpPr txBox="1"/>
-          <p:nvPr/>
-        </p:nvSpPr>
-        <p:spPr>
-          <a:xfrm>
-            <a:off x="2023264" y="5629101"/>
-            <a:ext cx="5243818" cy="646331"/>
-          </a:xfrm>
-          <a:prstGeom prst="rect">
-            <a:avLst/>
-          </a:prstGeom>
-          <a:noFill/>
-        </p:spPr>
-        <p:txBody>
-          <a:bodyPr wrap="none" rtlCol="0">
-            <a:spAutoFit/>
-          </a:bodyPr>
-          <a:lstStyle/>
-          <a:p>
-            <a:pPr algn="ctr"/>
-            <a:r>
-              <a:rPr lang="en-US" sz="3600" b="1" dirty="0" smtClean="0">
-                <a:solidFill>
-                  <a:schemeClr val="accent3"/>
-                </a:solidFill>
-              </a:rPr>
-              <a:t>MOB PROGRAMMING</a:t>
-            </a:r>
-            <a:endParaRPr lang="en-US" sz="3600" b="1" dirty="0">
-              <a:solidFill>
-                <a:schemeClr val="accent3"/>
-              </a:solidFill>
-            </a:endParaRPr>
-          </a:p>
-        </p:txBody>
-      </p:sp>
-      <p:pic>
-        <p:nvPicPr>
-          <p:cNvPr id="3" name="Picture 2" descr="maaret_square.jpg"/>
-          <p:cNvPicPr>
-            <a:picLocks noChangeAspect="1"/>
-          </p:cNvPicPr>
-          <p:nvPr/>
-        </p:nvPicPr>
-        <p:blipFill>
-          <a:blip r:embed="rId3">
-            <a:extLst>
-              <a:ext uri="{28A0092B-C50C-407E-A947-70E740481C1C}">
-                <a14:useLocalDpi xmlns:a14="http://schemas.microsoft.com/office/drawing/2010/main" val="0"/>
-              </a:ext>
-            </a:extLst>
-          </a:blip>
-          <a:stretch>
-            <a:fillRect/>
-          </a:stretch>
-        </p:blipFill>
-        <p:spPr>
-          <a:xfrm>
-            <a:off x="1400059" y="2273721"/>
-            <a:ext cx="2343025" cy="2343025"/>
-          </a:xfrm>
-          <a:prstGeom prst="rect">
-            <a:avLst/>
-          </a:prstGeom>
-        </p:spPr>
-      </p:pic>
-    </p:spTree>
-    <p:extLst>
-      <p:ext uri="{BB962C8B-B14F-4D97-AF65-F5344CB8AC3E}">
-        <p14:creationId xmlns:p14="http://schemas.microsoft.com/office/powerpoint/2010/main" val="1303557016"/>
-      </p:ext>
-    </p:extLst>
-  </p:cSld>
-  <p:clrMapOvr>
-    <a:masterClrMapping/>
-  </p:clrMapOvr>
-  <p:timing>
-    <p:tnLst>
-      <p:par>
-        <p:cTn xmlns:p14="http://schemas.microsoft.com/office/powerpoint/2010/main" id="1" dur="indefinite" restart="never" nodeType="tmRoot"/>
-      </p:par>
-    </p:tnLst>
-  </p:timing>
-</p:sld>
-</file>
-
-<file path=ppt/slides/slide20.xml><?xml version="1.0" encoding="utf-8"?>
+<file path=ppt/slides/slide21.xml><?xml version="1.0" encoding="utf-8"?>
 <p:sld xmlns:a="http://schemas.openxmlformats.org/drawingml/2006/main" xmlns:r="http://schemas.openxmlformats.org/officeDocument/2006/relationships" xmlns:p="http://schemas.openxmlformats.org/presentationml/2006/main">
   <p:cSld>
     <p:spTree>
@@ -15730,7 +15759,7 @@
 </p:sld>
 </file>
 
-<file path=ppt/slides/slide21.xml><?xml version="1.0" encoding="utf-8"?>
+<file path=ppt/slides/slide22.xml><?xml version="1.0" encoding="utf-8"?>
 <p:sld xmlns:a="http://schemas.openxmlformats.org/drawingml/2006/main" xmlns:r="http://schemas.openxmlformats.org/officeDocument/2006/relationships" xmlns:p="http://schemas.openxmlformats.org/presentationml/2006/main">
   <p:cSld>
     <p:spTree>
@@ -16018,6 +16047,191 @@
       </p:grpSpPr>
       <p:sp>
         <p:nvSpPr>
+          <p:cNvPr id="2" name="Title 1"/>
+          <p:cNvSpPr>
+            <a:spLocks noGrp="1"/>
+          </p:cNvSpPr>
+          <p:nvPr>
+            <p:ph type="title"/>
+          </p:nvPr>
+        </p:nvSpPr>
+        <p:spPr/>
+        <p:txBody>
+          <a:bodyPr/>
+          <a:lstStyle/>
+          <a:p>
+            <a:r>
+              <a:rPr lang="en-US" dirty="0" smtClean="0"/>
+              <a:t>Strong Style Pairing</a:t>
+            </a:r>
+            <a:endParaRPr lang="en-US" dirty="0"/>
+          </a:p>
+        </p:txBody>
+      </p:sp>
+      <p:pic>
+        <p:nvPicPr>
+          <p:cNvPr id="5" name="Picture 4"/>
+          <p:cNvPicPr>
+            <a:picLocks noChangeAspect="1"/>
+          </p:cNvPicPr>
+          <p:nvPr/>
+        </p:nvPicPr>
+        <p:blipFill>
+          <a:blip r:embed="rId2"/>
+          <a:stretch>
+            <a:fillRect/>
+          </a:stretch>
+        </p:blipFill>
+        <p:spPr>
+          <a:xfrm>
+            <a:off x="1926224" y="3170072"/>
+            <a:ext cx="4507805" cy="3058059"/>
+          </a:xfrm>
+          <a:prstGeom prst="rect">
+            <a:avLst/>
+          </a:prstGeom>
+        </p:spPr>
+      </p:pic>
+      <p:sp>
+        <p:nvSpPr>
+          <p:cNvPr id="6" name="TextBox 5"/>
+          <p:cNvSpPr txBox="1"/>
+          <p:nvPr/>
+        </p:nvSpPr>
+        <p:spPr>
+          <a:xfrm>
+            <a:off x="624886" y="1395590"/>
+            <a:ext cx="7619580" cy="1754327"/>
+          </a:xfrm>
+          <a:prstGeom prst="rect">
+            <a:avLst/>
+          </a:prstGeom>
+          <a:noFill/>
+        </p:spPr>
+        <p:txBody>
+          <a:bodyPr wrap="square" rtlCol="0">
+            <a:spAutoFit/>
+          </a:bodyPr>
+          <a:lstStyle/>
+          <a:p>
+            <a:pPr algn="ctr"/>
+            <a:r>
+              <a:rPr lang="en-US" sz="3600" dirty="0" smtClean="0">
+                <a:latin typeface="Arial"/>
+                <a:cs typeface="Arial"/>
+              </a:rPr>
+              <a:t>“For an idea to go from your head to the computer it </a:t>
+            </a:r>
+            <a:r>
+              <a:rPr lang="en-US" sz="3600" b="1" i="1" dirty="0" smtClean="0">
+                <a:latin typeface="Arial"/>
+                <a:cs typeface="Arial"/>
+              </a:rPr>
+              <a:t>must</a:t>
+            </a:r>
+            <a:r>
+              <a:rPr lang="en-US" sz="3600" dirty="0" smtClean="0">
+                <a:latin typeface="Arial"/>
+                <a:cs typeface="Arial"/>
+              </a:rPr>
+              <a:t> go though someone else’s hands”</a:t>
+            </a:r>
+            <a:endParaRPr lang="en-US" sz="3600" dirty="0">
+              <a:latin typeface="Arial"/>
+              <a:cs typeface="Arial"/>
+            </a:endParaRPr>
+          </a:p>
+        </p:txBody>
+      </p:sp>
+      <p:sp>
+        <p:nvSpPr>
+          <p:cNvPr id="7" name="Rectangle 6"/>
+          <p:cNvSpPr/>
+          <p:nvPr/>
+        </p:nvSpPr>
+        <p:spPr>
+          <a:xfrm>
+            <a:off x="1411032" y="6418666"/>
+            <a:ext cx="7732967" cy="338554"/>
+          </a:xfrm>
+          <a:prstGeom prst="rect">
+            <a:avLst/>
+          </a:prstGeom>
+        </p:spPr>
+        <p:txBody>
+          <a:bodyPr wrap="square">
+            <a:spAutoFit/>
+          </a:bodyPr>
+          <a:lstStyle/>
+          <a:p>
+            <a:pPr algn="r"/>
+            <a:r>
+              <a:rPr lang="en-US" sz="1600" dirty="0" smtClean="0"/>
+              <a:t>  *http://</a:t>
+            </a:r>
+            <a:r>
+              <a:rPr lang="en-US" sz="1600" dirty="0" err="1" smtClean="0"/>
+              <a:t>llewellynfalco.blogspot.fi</a:t>
+            </a:r>
+            <a:r>
+              <a:rPr lang="en-US" sz="1600" dirty="0" smtClean="0"/>
+              <a:t>/2014/06/</a:t>
+            </a:r>
+            <a:r>
+              <a:rPr lang="en-US" sz="1600" dirty="0" err="1" smtClean="0"/>
+              <a:t>llewellyns</a:t>
+            </a:r>
+            <a:r>
+              <a:rPr lang="en-US" sz="1600" dirty="0" smtClean="0"/>
+              <a:t>-strong-style-</a:t>
+            </a:r>
+            <a:r>
+              <a:rPr lang="en-US" sz="1600" dirty="0" err="1" smtClean="0"/>
+              <a:t>pairing.html</a:t>
+            </a:r>
+            <a:endParaRPr lang="en-US" sz="1600" dirty="0"/>
+          </a:p>
+        </p:txBody>
+      </p:sp>
+    </p:spTree>
+    <p:extLst>
+      <p:ext uri="{BB962C8B-B14F-4D97-AF65-F5344CB8AC3E}">
+        <p14:creationId xmlns:p14="http://schemas.microsoft.com/office/powerpoint/2010/main" val="3728210434"/>
+      </p:ext>
+    </p:extLst>
+  </p:cSld>
+  <p:clrMapOvr>
+    <a:masterClrMapping/>
+  </p:clrMapOvr>
+  <p:timing>
+    <p:tnLst>
+      <p:par>
+        <p:cTn xmlns:p14="http://schemas.microsoft.com/office/powerpoint/2010/main" id="1" dur="indefinite" restart="never" nodeType="tmRoot"/>
+      </p:par>
+    </p:tnLst>
+  </p:timing>
+</p:sld>
+</file>
+
+<file path=ppt/slides/slide4.xml><?xml version="1.0" encoding="utf-8"?>
+<p:sld xmlns:a="http://schemas.openxmlformats.org/drawingml/2006/main" xmlns:r="http://schemas.openxmlformats.org/officeDocument/2006/relationships" xmlns:p="http://schemas.openxmlformats.org/presentationml/2006/main">
+  <p:cSld>
+    <p:spTree>
+      <p:nvGrpSpPr>
+        <p:cNvPr id="1" name=""/>
+        <p:cNvGrpSpPr/>
+        <p:nvPr/>
+      </p:nvGrpSpPr>
+      <p:grpSpPr>
+        <a:xfrm>
+          <a:off x="0" y="0"/>
+          <a:ext cx="0" cy="0"/>
+          <a:chOff x="0" y="0"/>
+          <a:chExt cx="0" cy="0"/>
+        </a:xfrm>
+      </p:grpSpPr>
+      <p:sp>
+        <p:nvSpPr>
           <p:cNvPr id="4" name="Title 3"/>
           <p:cNvSpPr>
             <a:spLocks noGrp="1"/>
@@ -16302,7 +16516,7 @@
 </p:sld>
 </file>
 
-<file path=ppt/slides/slide4.xml><?xml version="1.0" encoding="utf-8"?>
+<file path=ppt/slides/slide5.xml><?xml version="1.0" encoding="utf-8"?>
 <p:sld xmlns:a="http://schemas.openxmlformats.org/drawingml/2006/main" xmlns:r="http://schemas.openxmlformats.org/officeDocument/2006/relationships" xmlns:p="http://schemas.openxmlformats.org/presentationml/2006/main" show="0">
   <p:cSld>
     <p:spTree>
@@ -16400,7 +16614,7 @@
 </p:sld>
 </file>
 
-<file path=ppt/slides/slide5.xml><?xml version="1.0" encoding="utf-8"?>
+<file path=ppt/slides/slide6.xml><?xml version="1.0" encoding="utf-8"?>
 <p:sld xmlns:a="http://schemas.openxmlformats.org/drawingml/2006/main" xmlns:r="http://schemas.openxmlformats.org/officeDocument/2006/relationships" xmlns:p="http://schemas.openxmlformats.org/presentationml/2006/main" show="0">
   <p:cSld>
     <p:spTree>
@@ -16498,7 +16712,7 @@
 </p:sld>
 </file>
 
-<file path=ppt/slides/slide6.xml><?xml version="1.0" encoding="utf-8"?>
+<file path=ppt/slides/slide7.xml><?xml version="1.0" encoding="utf-8"?>
 <p:sld xmlns:a="http://schemas.openxmlformats.org/drawingml/2006/main" xmlns:r="http://schemas.openxmlformats.org/officeDocument/2006/relationships" xmlns:p="http://schemas.openxmlformats.org/presentationml/2006/main">
   <p:cSld>
     <p:spTree>
@@ -16574,191 +16788,6 @@
     <p:extLst>
       <p:ext uri="{BB962C8B-B14F-4D97-AF65-F5344CB8AC3E}">
         <p14:creationId xmlns:p14="http://schemas.microsoft.com/office/powerpoint/2010/main" val="3277514267"/>
-      </p:ext>
-    </p:extLst>
-  </p:cSld>
-  <p:clrMapOvr>
-    <a:masterClrMapping/>
-  </p:clrMapOvr>
-  <p:timing>
-    <p:tnLst>
-      <p:par>
-        <p:cTn xmlns:p14="http://schemas.microsoft.com/office/powerpoint/2010/main" id="1" dur="indefinite" restart="never" nodeType="tmRoot"/>
-      </p:par>
-    </p:tnLst>
-  </p:timing>
-</p:sld>
-</file>
-
-<file path=ppt/slides/slide7.xml><?xml version="1.0" encoding="utf-8"?>
-<p:sld xmlns:a="http://schemas.openxmlformats.org/drawingml/2006/main" xmlns:r="http://schemas.openxmlformats.org/officeDocument/2006/relationships" xmlns:p="http://schemas.openxmlformats.org/presentationml/2006/main">
-  <p:cSld>
-    <p:spTree>
-      <p:nvGrpSpPr>
-        <p:cNvPr id="1" name=""/>
-        <p:cNvGrpSpPr/>
-        <p:nvPr/>
-      </p:nvGrpSpPr>
-      <p:grpSpPr>
-        <a:xfrm>
-          <a:off x="0" y="0"/>
-          <a:ext cx="0" cy="0"/>
-          <a:chOff x="0" y="0"/>
-          <a:chExt cx="0" cy="0"/>
-        </a:xfrm>
-      </p:grpSpPr>
-      <p:sp>
-        <p:nvSpPr>
-          <p:cNvPr id="2" name="Title 1"/>
-          <p:cNvSpPr>
-            <a:spLocks noGrp="1"/>
-          </p:cNvSpPr>
-          <p:nvPr>
-            <p:ph type="title"/>
-          </p:nvPr>
-        </p:nvSpPr>
-        <p:spPr/>
-        <p:txBody>
-          <a:bodyPr/>
-          <a:lstStyle/>
-          <a:p>
-            <a:r>
-              <a:rPr lang="en-US" dirty="0" smtClean="0"/>
-              <a:t>Strong Style Pairing</a:t>
-            </a:r>
-            <a:endParaRPr lang="en-US" dirty="0"/>
-          </a:p>
-        </p:txBody>
-      </p:sp>
-      <p:pic>
-        <p:nvPicPr>
-          <p:cNvPr id="5" name="Picture 4"/>
-          <p:cNvPicPr>
-            <a:picLocks noChangeAspect="1"/>
-          </p:cNvPicPr>
-          <p:nvPr/>
-        </p:nvPicPr>
-        <p:blipFill>
-          <a:blip r:embed="rId2"/>
-          <a:stretch>
-            <a:fillRect/>
-          </a:stretch>
-        </p:blipFill>
-        <p:spPr>
-          <a:xfrm>
-            <a:off x="1926224" y="3170072"/>
-            <a:ext cx="4507805" cy="3058059"/>
-          </a:xfrm>
-          <a:prstGeom prst="rect">
-            <a:avLst/>
-          </a:prstGeom>
-        </p:spPr>
-      </p:pic>
-      <p:sp>
-        <p:nvSpPr>
-          <p:cNvPr id="6" name="TextBox 5"/>
-          <p:cNvSpPr txBox="1"/>
-          <p:nvPr/>
-        </p:nvSpPr>
-        <p:spPr>
-          <a:xfrm>
-            <a:off x="624886" y="1395590"/>
-            <a:ext cx="7619580" cy="1754327"/>
-          </a:xfrm>
-          <a:prstGeom prst="rect">
-            <a:avLst/>
-          </a:prstGeom>
-          <a:noFill/>
-        </p:spPr>
-        <p:txBody>
-          <a:bodyPr wrap="square" rtlCol="0">
-            <a:spAutoFit/>
-          </a:bodyPr>
-          <a:lstStyle/>
-          <a:p>
-            <a:pPr algn="ctr"/>
-            <a:r>
-              <a:rPr lang="en-US" sz="3600" dirty="0" smtClean="0">
-                <a:latin typeface="Arial"/>
-                <a:cs typeface="Arial"/>
-              </a:rPr>
-              <a:t>“For an idea to go from your head to the computer it </a:t>
-            </a:r>
-            <a:r>
-              <a:rPr lang="en-US" sz="3600" b="1" i="1" dirty="0" smtClean="0">
-                <a:latin typeface="Arial"/>
-                <a:cs typeface="Arial"/>
-              </a:rPr>
-              <a:t>must</a:t>
-            </a:r>
-            <a:r>
-              <a:rPr lang="en-US" sz="3600" dirty="0" smtClean="0">
-                <a:latin typeface="Arial"/>
-                <a:cs typeface="Arial"/>
-              </a:rPr>
-              <a:t> go though someone else’s hands”</a:t>
-            </a:r>
-            <a:endParaRPr lang="en-US" sz="3600" dirty="0">
-              <a:latin typeface="Arial"/>
-              <a:cs typeface="Arial"/>
-            </a:endParaRPr>
-          </a:p>
-        </p:txBody>
-      </p:sp>
-      <p:sp>
-        <p:nvSpPr>
-          <p:cNvPr id="7" name="Rectangle 6"/>
-          <p:cNvSpPr/>
-          <p:nvPr/>
-        </p:nvSpPr>
-        <p:spPr>
-          <a:xfrm>
-            <a:off x="1411032" y="6418666"/>
-            <a:ext cx="7732967" cy="338554"/>
-          </a:xfrm>
-          <a:prstGeom prst="rect">
-            <a:avLst/>
-          </a:prstGeom>
-        </p:spPr>
-        <p:txBody>
-          <a:bodyPr wrap="square">
-            <a:spAutoFit/>
-          </a:bodyPr>
-          <a:lstStyle/>
-          <a:p>
-            <a:pPr algn="r"/>
-            <a:r>
-              <a:rPr lang="en-US" sz="1600" dirty="0" smtClean="0"/>
-              <a:t>  *http://</a:t>
-            </a:r>
-            <a:r>
-              <a:rPr lang="en-US" sz="1600" dirty="0" err="1" smtClean="0"/>
-              <a:t>llewellynfalco.blogspot.fi</a:t>
-            </a:r>
-            <a:r>
-              <a:rPr lang="en-US" sz="1600" dirty="0" smtClean="0"/>
-              <a:t>/2014/06/</a:t>
-            </a:r>
-            <a:r>
-              <a:rPr lang="en-US" sz="1600" dirty="0" err="1" smtClean="0"/>
-              <a:t>llewellyns</a:t>
-            </a:r>
-            <a:r>
-              <a:rPr lang="en-US" sz="1600" dirty="0" smtClean="0"/>
-              <a:t>-strong-style-</a:t>
-            </a:r>
-            <a:r>
-              <a:rPr lang="en-US" sz="1600" dirty="0" err="1" smtClean="0"/>
-              <a:t>pairing.html</a:t>
-            </a:r>
-            <a:endParaRPr lang="en-US" sz="1600" dirty="0"/>
-          </a:p>
-        </p:txBody>
-      </p:sp>
-    </p:spTree>
-    <p:extLst>
-      <p:ext uri="{BB962C8B-B14F-4D97-AF65-F5344CB8AC3E}">
-        <p14:creationId xmlns:p14="http://schemas.microsoft.com/office/powerpoint/2010/main" val="3728210434"/>
       </p:ext>
     </p:extLst>
   </p:cSld>
@@ -17677,6 +17706,71 @@
       </p:sp>
       <p:sp>
         <p:nvSpPr>
+          <p:cNvPr id="2" name="Rectangle 1"/>
+          <p:cNvSpPr/>
+          <p:nvPr/>
+        </p:nvSpPr>
+        <p:spPr>
+          <a:xfrm>
+            <a:off x="1536701" y="1397000"/>
+            <a:ext cx="3657600" cy="2940050"/>
+          </a:xfrm>
+          <a:prstGeom prst="rect">
+            <a:avLst/>
+          </a:prstGeom>
+          <a:gradFill flip="none" rotWithShape="1">
+            <a:gsLst>
+              <a:gs pos="0">
+                <a:schemeClr val="dk1">
+                  <a:shade val="51000"/>
+                  <a:satMod val="130000"/>
+                  <a:alpha val="65000"/>
+                </a:schemeClr>
+              </a:gs>
+              <a:gs pos="80000">
+                <a:schemeClr val="dk1">
+                  <a:shade val="93000"/>
+                  <a:satMod val="130000"/>
+                  <a:alpha val="65000"/>
+                </a:schemeClr>
+              </a:gs>
+              <a:gs pos="100000">
+                <a:schemeClr val="dk1">
+                  <a:shade val="94000"/>
+                  <a:satMod val="135000"/>
+                  <a:alpha val="65000"/>
+                </a:schemeClr>
+              </a:gs>
+            </a:gsLst>
+            <a:lin ang="16200000" scaled="0"/>
+            <a:tileRect/>
+          </a:gradFill>
+        </p:spPr>
+        <p:style>
+          <a:lnRef idx="1">
+            <a:schemeClr val="dk1"/>
+          </a:lnRef>
+          <a:fillRef idx="3">
+            <a:schemeClr val="dk1"/>
+          </a:fillRef>
+          <a:effectRef idx="2">
+            <a:schemeClr val="dk1"/>
+          </a:effectRef>
+          <a:fontRef idx="minor">
+            <a:schemeClr val="lt1"/>
+          </a:fontRef>
+        </p:style>
+        <p:txBody>
+          <a:bodyPr rtlCol="0" anchor="ctr"/>
+          <a:lstStyle/>
+          <a:p>
+            <a:pPr algn="ctr"/>
+            <a:endParaRPr lang="en-US"/>
+          </a:p>
+        </p:txBody>
+      </p:sp>
+      <p:sp>
+        <p:nvSpPr>
           <p:cNvPr id="10" name="Freeform 9"/>
           <p:cNvSpPr/>
           <p:nvPr/>
@@ -17867,7 +17961,7 @@
               </a:path>
             </a:pathLst>
           </a:custGeom>
-          <a:ln w="50800">
+          <a:ln w="101600" cmpd="sng">
             <a:solidFill>
               <a:srgbClr val="800000"/>
             </a:solidFill>
@@ -18259,7 +18353,7 @@
                             </p:stCondLst>
                             <p:childTnLst>
                               <p:par>
-                                <p:cTn id="13" presetID="22" presetClass="entr" presetSubtype="8" fill="hold" grpId="0" nodeType="clickEffect">
+                                <p:cTn id="13" presetID="1" presetClass="entr" presetSubtype="0" fill="hold" grpId="0" nodeType="clickEffect">
                                   <p:stCondLst>
                                     <p:cond delay="0"/>
                                   </p:stCondLst>
@@ -18267,6 +18361,51 @@
                                     <p:set>
                                       <p:cBhvr>
                                         <p:cTn id="14" dur="1" fill="hold">
+                                          <p:stCondLst>
+                                            <p:cond delay="0"/>
+                                          </p:stCondLst>
+                                        </p:cTn>
+                                        <p:tgtEl>
+                                          <p:spTgt spid="2"/>
+                                        </p:tgtEl>
+                                        <p:attrNameLst>
+                                          <p:attrName>style.visibility</p:attrName>
+                                        </p:attrNameLst>
+                                      </p:cBhvr>
+                                      <p:to>
+                                        <p:strVal val="visible"/>
+                                      </p:to>
+                                    </p:set>
+                                  </p:childTnLst>
+                                </p:cTn>
+                              </p:par>
+                            </p:childTnLst>
+                          </p:cTn>
+                        </p:par>
+                      </p:childTnLst>
+                    </p:cTn>
+                  </p:par>
+                  <p:par>
+                    <p:cTn id="15" fill="hold">
+                      <p:stCondLst>
+                        <p:cond delay="indefinite"/>
+                      </p:stCondLst>
+                      <p:childTnLst>
+                        <p:par>
+                          <p:cTn id="16" fill="hold">
+                            <p:stCondLst>
+                              <p:cond delay="0"/>
+                            </p:stCondLst>
+                            <p:childTnLst>
+                              <p:par>
+                                <p:cTn id="17" presetID="22" presetClass="entr" presetSubtype="8" fill="hold" grpId="0" nodeType="clickEffect">
+                                  <p:stCondLst>
+                                    <p:cond delay="0"/>
+                                  </p:stCondLst>
+                                  <p:childTnLst>
+                                    <p:set>
+                                      <p:cBhvr>
+                                        <p:cTn id="18" dur="1" fill="hold">
                                           <p:stCondLst>
                                             <p:cond delay="0"/>
                                           </p:stCondLst>
@@ -18284,7 +18423,7 @@
                                     </p:set>
                                     <p:animEffect transition="in" filter="wipe(left)">
                                       <p:cBhvr>
-                                        <p:cTn id="15" dur="500"/>
+                                        <p:cTn id="19" dur="500"/>
                                         <p:tgtEl>
                                           <p:spTgt spid="10"/>
                                         </p:tgtEl>
@@ -18323,6 +18462,7 @@
     <p:bldLst>
       <p:bldP spid="8" grpId="0" animBg="1"/>
       <p:bldP spid="9" grpId="0" animBg="1"/>
+      <p:bldP spid="2" grpId="0" animBg="1"/>
       <p:bldP spid="10" grpId="0" animBg="1"/>
     </p:bldLst>
   </p:timing>

--- a/Courseware/ExploratoryAndUnitTesting.pptx
+++ b/Courseware/ExploratoryAndUnitTesting.pptx
@@ -14,10 +14,10 @@
     <p:sldId id="279" r:id="rId5"/>
     <p:sldId id="280" r:id="rId6"/>
     <p:sldId id="281" r:id="rId7"/>
-    <p:sldId id="258" r:id="rId8"/>
-    <p:sldId id="273" r:id="rId9"/>
-    <p:sldId id="274" r:id="rId10"/>
-    <p:sldId id="257" r:id="rId11"/>
+    <p:sldId id="273" r:id="rId8"/>
+    <p:sldId id="274" r:id="rId9"/>
+    <p:sldId id="257" r:id="rId10"/>
+    <p:sldId id="258" r:id="rId11"/>
     <p:sldId id="259" r:id="rId12"/>
     <p:sldId id="272" r:id="rId13"/>
     <p:sldId id="286" r:id="rId14"/>
@@ -10637,7 +10637,7 @@
       </p:grpSpPr>
       <p:sp>
         <p:nvSpPr>
-          <p:cNvPr id="2" name="Title 1"/>
+          <p:cNvPr id="4" name="Title 3"/>
           <p:cNvSpPr>
             <a:spLocks noGrp="1"/>
           </p:cNvSpPr>
@@ -10654,69 +10654,46 @@
           <a:p>
             <a:r>
               <a:rPr lang="en-US" dirty="0" smtClean="0"/>
-              <a:t>Mob Programming Rules</a:t>
-            </a:r>
-            <a:br>
-              <a:rPr lang="en-US" dirty="0" smtClean="0"/>
-            </a:br>
-            <a:r>
-              <a:rPr lang="en-US" dirty="0" smtClean="0"/>
-              <a:t>for Exploratory Testing Activity</a:t>
+              <a:t>Testing as Performance (Exploring) vs. Testing as Artifact Creation</a:t>
             </a:r>
             <a:endParaRPr lang="en-US" dirty="0"/>
           </a:p>
         </p:txBody>
       </p:sp>
-      <p:sp>
-        <p:nvSpPr>
-          <p:cNvPr id="3" name="Content Placeholder 2"/>
-          <p:cNvSpPr>
-            <a:spLocks noGrp="1"/>
-          </p:cNvSpPr>
-          <p:nvPr>
-            <p:ph idx="1"/>
-          </p:nvPr>
-        </p:nvSpPr>
-        <p:spPr/>
-        <p:txBody>
-          <a:bodyPr/>
-          <a:lstStyle/>
-          <a:p>
-            <a:pPr algn="ctr"/>
-            <a:endParaRPr lang="en-US" dirty="0" smtClean="0"/>
-          </a:p>
-          <a:p>
-            <a:pPr algn="ctr"/>
-            <a:endParaRPr lang="en-US" dirty="0"/>
-          </a:p>
-          <a:p>
-            <a:pPr algn="ctr"/>
-            <a:r>
-              <a:rPr lang="en-US" dirty="0" smtClean="0"/>
-              <a:t>No thinking as the driver</a:t>
-            </a:r>
-          </a:p>
-          <a:p>
-            <a:pPr algn="ctr"/>
-            <a:r>
-              <a:rPr lang="en-US" dirty="0" smtClean="0"/>
-              <a:t>Yes, and…</a:t>
-            </a:r>
-          </a:p>
-          <a:p>
-            <a:pPr algn="ctr"/>
-            <a:r>
-              <a:rPr lang="en-US" dirty="0" smtClean="0"/>
-              <a:t>Kindness, consideration and respect</a:t>
-            </a:r>
-            <a:endParaRPr lang="en-US" dirty="0"/>
-          </a:p>
-        </p:txBody>
-      </p:sp>
+      <p:pic>
+        <p:nvPicPr>
+          <p:cNvPr id="8" name="Picture 7" descr="SpiderPic.jpg"/>
+          <p:cNvPicPr>
+            <a:picLocks noChangeAspect="1"/>
+          </p:cNvPicPr>
+          <p:nvPr/>
+        </p:nvPicPr>
+        <p:blipFill>
+          <a:blip r:embed="rId2">
+            <a:extLst>
+              <a:ext uri="{28A0092B-C50C-407E-A947-70E740481C1C}">
+                <a14:useLocalDpi xmlns:a14="http://schemas.microsoft.com/office/drawing/2010/main" val="0"/>
+              </a:ext>
+            </a:extLst>
+          </a:blip>
+          <a:stretch>
+            <a:fillRect/>
+          </a:stretch>
+        </p:blipFill>
+        <p:spPr>
+          <a:xfrm>
+            <a:off x="2485110" y="1939156"/>
+            <a:ext cx="4100462" cy="4118768"/>
+          </a:xfrm>
+          <a:prstGeom prst="rect">
+            <a:avLst/>
+          </a:prstGeom>
+        </p:spPr>
+      </p:pic>
     </p:spTree>
     <p:extLst>
       <p:ext uri="{BB962C8B-B14F-4D97-AF65-F5344CB8AC3E}">
-        <p14:creationId xmlns:p14="http://schemas.microsoft.com/office/powerpoint/2010/main" val="407345441"/>
+        <p14:creationId xmlns:p14="http://schemas.microsoft.com/office/powerpoint/2010/main" val="3277514267"/>
       </p:ext>
     </p:extLst>
   </p:cSld>
@@ -11251,6 +11228,13 @@
   <p:clrMapOvr>
     <a:masterClrMapping/>
   </p:clrMapOvr>
+  <p:timing>
+    <p:tnLst>
+      <p:par>
+        <p:cTn xmlns:p14="http://schemas.microsoft.com/office/powerpoint/2010/main" id="1" dur="indefinite" restart="never" nodeType="tmRoot"/>
+      </p:par>
+    </p:tnLst>
+  </p:timing>
 </p:sld>
 </file>
 
@@ -15756,6 +15740,13 @@
   <p:clrMapOvr>
     <a:masterClrMapping/>
   </p:clrMapOvr>
+  <p:timing>
+    <p:tnLst>
+      <p:par>
+        <p:cTn xmlns:p14="http://schemas.microsoft.com/office/powerpoint/2010/main" id="1" dur="indefinite" restart="never" nodeType="tmRoot"/>
+      </p:par>
+    </p:tnLst>
+  </p:timing>
 </p:sld>
 </file>
 
@@ -16713,98 +16704,6 @@
 </file>
 
 <file path=ppt/slides/slide7.xml><?xml version="1.0" encoding="utf-8"?>
-<p:sld xmlns:a="http://schemas.openxmlformats.org/drawingml/2006/main" xmlns:r="http://schemas.openxmlformats.org/officeDocument/2006/relationships" xmlns:p="http://schemas.openxmlformats.org/presentationml/2006/main">
-  <p:cSld>
-    <p:spTree>
-      <p:nvGrpSpPr>
-        <p:cNvPr id="1" name=""/>
-        <p:cNvGrpSpPr/>
-        <p:nvPr/>
-      </p:nvGrpSpPr>
-      <p:grpSpPr>
-        <a:xfrm>
-          <a:off x="0" y="0"/>
-          <a:ext cx="0" cy="0"/>
-          <a:chOff x="0" y="0"/>
-          <a:chExt cx="0" cy="0"/>
-        </a:xfrm>
-      </p:grpSpPr>
-      <p:sp>
-        <p:nvSpPr>
-          <p:cNvPr id="4" name="Title 3"/>
-          <p:cNvSpPr>
-            <a:spLocks noGrp="1"/>
-          </p:cNvSpPr>
-          <p:nvPr>
-            <p:ph type="title"/>
-          </p:nvPr>
-        </p:nvSpPr>
-        <p:spPr/>
-        <p:txBody>
-          <a:bodyPr>
-            <a:normAutofit fontScale="90000"/>
-          </a:bodyPr>
-          <a:lstStyle/>
-          <a:p>
-            <a:r>
-              <a:rPr lang="en-US" dirty="0" smtClean="0"/>
-              <a:t>Testing as Performance (Exploring) vs. Testing as Artifact Creation</a:t>
-            </a:r>
-            <a:endParaRPr lang="en-US" dirty="0"/>
-          </a:p>
-        </p:txBody>
-      </p:sp>
-      <p:pic>
-        <p:nvPicPr>
-          <p:cNvPr id="8" name="Picture 7" descr="SpiderPic.jpg"/>
-          <p:cNvPicPr>
-            <a:picLocks noChangeAspect="1"/>
-          </p:cNvPicPr>
-          <p:nvPr/>
-        </p:nvPicPr>
-        <p:blipFill>
-          <a:blip r:embed="rId2">
-            <a:extLst>
-              <a:ext uri="{28A0092B-C50C-407E-A947-70E740481C1C}">
-                <a14:useLocalDpi xmlns:a14="http://schemas.microsoft.com/office/drawing/2010/main" val="0"/>
-              </a:ext>
-            </a:extLst>
-          </a:blip>
-          <a:stretch>
-            <a:fillRect/>
-          </a:stretch>
-        </p:blipFill>
-        <p:spPr>
-          <a:xfrm>
-            <a:off x="2485110" y="1939156"/>
-            <a:ext cx="4100462" cy="4118768"/>
-          </a:xfrm>
-          <a:prstGeom prst="rect">
-            <a:avLst/>
-          </a:prstGeom>
-        </p:spPr>
-      </p:pic>
-    </p:spTree>
-    <p:extLst>
-      <p:ext uri="{BB962C8B-B14F-4D97-AF65-F5344CB8AC3E}">
-        <p14:creationId xmlns:p14="http://schemas.microsoft.com/office/powerpoint/2010/main" val="3277514267"/>
-      </p:ext>
-    </p:extLst>
-  </p:cSld>
-  <p:clrMapOvr>
-    <a:masterClrMapping/>
-  </p:clrMapOvr>
-  <p:timing>
-    <p:tnLst>
-      <p:par>
-        <p:cTn xmlns:p14="http://schemas.microsoft.com/office/powerpoint/2010/main" id="1" dur="indefinite" restart="never" nodeType="tmRoot"/>
-      </p:par>
-    </p:tnLst>
-  </p:timing>
-</p:sld>
-</file>
-
-<file path=ppt/slides/slide8.xml><?xml version="1.0" encoding="utf-8"?>
 <p:sld xmlns:a="http://schemas.openxmlformats.org/drawingml/2006/main" xmlns:r="http://schemas.openxmlformats.org/officeDocument/2006/relationships" xmlns:p="http://schemas.openxmlformats.org/presentationml/2006/main">
   <p:cSld>
     <p:spTree>
@@ -17243,7 +17142,7 @@
 </p:sld>
 </file>
 
-<file path=ppt/slides/slide9.xml><?xml version="1.0" encoding="utf-8"?>
+<file path=ppt/slides/slide8.xml><?xml version="1.0" encoding="utf-8"?>
 <p:sld xmlns:a="http://schemas.openxmlformats.org/drawingml/2006/main" xmlns:r="http://schemas.openxmlformats.org/officeDocument/2006/relationships" xmlns:p="http://schemas.openxmlformats.org/presentationml/2006/main">
   <p:cSld>
     <p:spTree>
@@ -18465,6 +18364,121 @@
       <p:bldP spid="2" grpId="0" animBg="1"/>
       <p:bldP spid="10" grpId="0" animBg="1"/>
     </p:bldLst>
+  </p:timing>
+</p:sld>
+</file>
+
+<file path=ppt/slides/slide9.xml><?xml version="1.0" encoding="utf-8"?>
+<p:sld xmlns:a="http://schemas.openxmlformats.org/drawingml/2006/main" xmlns:r="http://schemas.openxmlformats.org/officeDocument/2006/relationships" xmlns:p="http://schemas.openxmlformats.org/presentationml/2006/main">
+  <p:cSld>
+    <p:spTree>
+      <p:nvGrpSpPr>
+        <p:cNvPr id="1" name=""/>
+        <p:cNvGrpSpPr/>
+        <p:nvPr/>
+      </p:nvGrpSpPr>
+      <p:grpSpPr>
+        <a:xfrm>
+          <a:off x="0" y="0"/>
+          <a:ext cx="0" cy="0"/>
+          <a:chOff x="0" y="0"/>
+          <a:chExt cx="0" cy="0"/>
+        </a:xfrm>
+      </p:grpSpPr>
+      <p:sp>
+        <p:nvSpPr>
+          <p:cNvPr id="2" name="Title 1"/>
+          <p:cNvSpPr>
+            <a:spLocks noGrp="1"/>
+          </p:cNvSpPr>
+          <p:nvPr>
+            <p:ph type="title"/>
+          </p:nvPr>
+        </p:nvSpPr>
+        <p:spPr/>
+        <p:txBody>
+          <a:bodyPr>
+            <a:normAutofit fontScale="90000"/>
+          </a:bodyPr>
+          <a:lstStyle/>
+          <a:p>
+            <a:r>
+              <a:rPr lang="en-US" dirty="0" smtClean="0"/>
+              <a:t>Mob Programming Rules</a:t>
+            </a:r>
+            <a:br>
+              <a:rPr lang="en-US" dirty="0" smtClean="0"/>
+            </a:br>
+            <a:r>
+              <a:rPr lang="en-US" dirty="0" smtClean="0"/>
+              <a:t>for Exploratory Testing Activity</a:t>
+            </a:r>
+            <a:endParaRPr lang="en-US" dirty="0"/>
+          </a:p>
+        </p:txBody>
+      </p:sp>
+      <p:sp>
+        <p:nvSpPr>
+          <p:cNvPr id="3" name="Content Placeholder 2"/>
+          <p:cNvSpPr>
+            <a:spLocks noGrp="1"/>
+          </p:cNvSpPr>
+          <p:nvPr>
+            <p:ph idx="1"/>
+          </p:nvPr>
+        </p:nvSpPr>
+        <p:spPr/>
+        <p:txBody>
+          <a:bodyPr/>
+          <a:lstStyle/>
+          <a:p>
+            <a:pPr algn="ctr"/>
+            <a:endParaRPr lang="en-US" dirty="0" smtClean="0"/>
+          </a:p>
+          <a:p>
+            <a:pPr algn="ctr"/>
+            <a:endParaRPr lang="en-US" dirty="0"/>
+          </a:p>
+          <a:p>
+            <a:pPr algn="ctr"/>
+            <a:r>
+              <a:rPr lang="en-US" dirty="0" smtClean="0"/>
+              <a:t>No thinking as the driver</a:t>
+            </a:r>
+          </a:p>
+          <a:p>
+            <a:pPr algn="ctr"/>
+            <a:r>
+              <a:rPr lang="en-US" dirty="0" smtClean="0"/>
+              <a:t>Yes, and…</a:t>
+            </a:r>
+          </a:p>
+          <a:p>
+            <a:pPr algn="ctr"/>
+            <a:r>
+              <a:rPr lang="en-US" dirty="0" smtClean="0"/>
+              <a:t>Kindness, consideration and respect</a:t>
+            </a:r>
+            <a:endParaRPr lang="en-US" dirty="0"/>
+          </a:p>
+        </p:txBody>
+      </p:sp>
+    </p:spTree>
+    <p:extLst>
+      <p:ext uri="{BB962C8B-B14F-4D97-AF65-F5344CB8AC3E}">
+        <p14:creationId xmlns:p14="http://schemas.microsoft.com/office/powerpoint/2010/main" val="407345441"/>
+      </p:ext>
+    </p:extLst>
+  </p:cSld>
+  <p:clrMapOvr>
+    <a:masterClrMapping/>
+  </p:clrMapOvr>
+  <p:timing>
+    <p:tnLst>
+      <p:par>
+        <p:cTn xmlns:p14="http://schemas.microsoft.com/office/powerpoint/2010/main" id="1" dur="indefinite" restart="never" nodeType="tmRoot"/>
+      </p:par>
+    </p:tnLst>
   </p:timing>
 </p:sld>
 </file>

--- a/Courseware/ExploratoryAndUnitTesting.pptx
+++ b/Courseware/ExploratoryAndUnitTesting.pptx
@@ -5,31 +5,43 @@
     <p:sldMasterId id="2147483660" r:id="rId1"/>
   </p:sldMasterIdLst>
   <p:notesMasterIdLst>
-    <p:notesMasterId r:id="rId24"/>
+    <p:notesMasterId r:id="rId36"/>
   </p:notesMasterIdLst>
   <p:sldIdLst>
     <p:sldId id="256" r:id="rId2"/>
-    <p:sldId id="278" r:id="rId3"/>
-    <p:sldId id="271" r:id="rId4"/>
-    <p:sldId id="279" r:id="rId5"/>
-    <p:sldId id="280" r:id="rId6"/>
-    <p:sldId id="281" r:id="rId7"/>
-    <p:sldId id="273" r:id="rId8"/>
-    <p:sldId id="274" r:id="rId9"/>
-    <p:sldId id="257" r:id="rId10"/>
-    <p:sldId id="258" r:id="rId11"/>
-    <p:sldId id="259" r:id="rId12"/>
-    <p:sldId id="272" r:id="rId13"/>
-    <p:sldId id="286" r:id="rId14"/>
-    <p:sldId id="276" r:id="rId15"/>
-    <p:sldId id="277" r:id="rId16"/>
-    <p:sldId id="261" r:id="rId17"/>
-    <p:sldId id="260" r:id="rId18"/>
-    <p:sldId id="275" r:id="rId19"/>
-    <p:sldId id="285" r:id="rId20"/>
-    <p:sldId id="262" r:id="rId21"/>
-    <p:sldId id="283" r:id="rId22"/>
-    <p:sldId id="284" r:id="rId23"/>
+    <p:sldId id="287" r:id="rId3"/>
+    <p:sldId id="278" r:id="rId4"/>
+    <p:sldId id="271" r:id="rId5"/>
+    <p:sldId id="279" r:id="rId6"/>
+    <p:sldId id="280" r:id="rId7"/>
+    <p:sldId id="281" r:id="rId8"/>
+    <p:sldId id="273" r:id="rId9"/>
+    <p:sldId id="274" r:id="rId10"/>
+    <p:sldId id="257" r:id="rId11"/>
+    <p:sldId id="258" r:id="rId12"/>
+    <p:sldId id="259" r:id="rId13"/>
+    <p:sldId id="272" r:id="rId14"/>
+    <p:sldId id="286" r:id="rId15"/>
+    <p:sldId id="276" r:id="rId16"/>
+    <p:sldId id="277" r:id="rId17"/>
+    <p:sldId id="261" r:id="rId18"/>
+    <p:sldId id="260" r:id="rId19"/>
+    <p:sldId id="289" r:id="rId20"/>
+    <p:sldId id="290" r:id="rId21"/>
+    <p:sldId id="295" r:id="rId22"/>
+    <p:sldId id="296" r:id="rId23"/>
+    <p:sldId id="297" r:id="rId24"/>
+    <p:sldId id="298" r:id="rId25"/>
+    <p:sldId id="299" r:id="rId26"/>
+    <p:sldId id="300" r:id="rId27"/>
+    <p:sldId id="301" r:id="rId28"/>
+    <p:sldId id="302" r:id="rId29"/>
+    <p:sldId id="288" r:id="rId30"/>
+    <p:sldId id="275" r:id="rId31"/>
+    <p:sldId id="285" r:id="rId32"/>
+    <p:sldId id="262" r:id="rId33"/>
+    <p:sldId id="283" r:id="rId34"/>
+    <p:sldId id="284" r:id="rId35"/>
   </p:sldIdLst>
   <p:sldSz cx="9144000" cy="6858000" type="screen4x3"/>
   <p:notesSz cx="6858000" cy="9144000"/>
@@ -6682,7 +6694,7 @@
           <a:p>
             <a:fld id="{D528D0B4-805C-4745-AB2E-3D7B50F3279A}" type="datetimeFigureOut">
               <a:rPr lang="en-US" smtClean="0"/>
-              <a:t>11/5/15</a:t>
+              <a:t>3/8/16</a:t>
             </a:fld>
             <a:endParaRPr lang="en-US"/>
           </a:p>
@@ -7028,7 +7040,7 @@
           <a:p>
             <a:fld id="{DDB516CE-D814-CC47-9A3A-08F3D723435B}" type="slidenum">
               <a:rPr lang="en-US" smtClean="0"/>
-              <a:t>14</a:t>
+              <a:t>15</a:t>
             </a:fld>
             <a:endParaRPr lang="en-US"/>
           </a:p>
@@ -7233,7 +7245,7 @@
           <a:p>
             <a:fld id="{DDB516CE-D814-CC47-9A3A-08F3D723435B}" type="slidenum">
               <a:rPr lang="en-US" smtClean="0"/>
-              <a:t>15</a:t>
+              <a:t>16</a:t>
             </a:fld>
             <a:endParaRPr lang="en-US"/>
           </a:p>
@@ -7320,7 +7332,7 @@
             <a:fld id="{AC78586B-2383-455D-9CE5-C5D34A08B2A8}" type="slidenum">
               <a:rPr lang="fi-FI" smtClean="0"/>
               <a:pPr/>
-              <a:t>16</a:t>
+              <a:t>17</a:t>
             </a:fld>
             <a:endParaRPr lang="fi-FI"/>
           </a:p>
@@ -7419,7 +7431,7 @@
             <a:fld id="{CB3C8FEC-6B29-4D05-ABF2-B95F59EC172F}" type="slidenum">
               <a:rPr lang="fi-FI" smtClean="0"/>
               <a:pPr/>
-              <a:t>17</a:t>
+              <a:t>18</a:t>
             </a:fld>
             <a:endParaRPr lang="fi-FI"/>
           </a:p>
@@ -7505,7 +7517,7 @@
             <a:fld id="{C9C4ABBD-F665-47FC-BB70-872A5BF534E2}" type="slidenum">
               <a:rPr lang="fi-FI" smtClean="0"/>
               <a:pPr/>
-              <a:t>20</a:t>
+              <a:t>32</a:t>
             </a:fld>
             <a:endParaRPr lang="fi-FI"/>
           </a:p>
@@ -7700,7 +7712,7 @@
           <a:p>
             <a:fld id="{A0A11959-0A35-0947-9E1F-BCB5B4FA896A}" type="datetimeFigureOut">
               <a:rPr lang="en-US" smtClean="0"/>
-              <a:t>11/5/15</a:t>
+              <a:t>3/8/16</a:t>
             </a:fld>
             <a:endParaRPr lang="en-US"/>
           </a:p>
@@ -7870,7 +7882,7 @@
           <a:p>
             <a:fld id="{A0A11959-0A35-0947-9E1F-BCB5B4FA896A}" type="datetimeFigureOut">
               <a:rPr lang="en-US" smtClean="0"/>
-              <a:t>11/5/15</a:t>
+              <a:t>3/8/16</a:t>
             </a:fld>
             <a:endParaRPr lang="en-US"/>
           </a:p>
@@ -8050,7 +8062,7 @@
           <a:p>
             <a:fld id="{A0A11959-0A35-0947-9E1F-BCB5B4FA896A}" type="datetimeFigureOut">
               <a:rPr lang="en-US" smtClean="0"/>
-              <a:t>11/5/15</a:t>
+              <a:t>3/8/16</a:t>
             </a:fld>
             <a:endParaRPr lang="en-US"/>
           </a:p>
@@ -8108,6 +8120,836 @@
   <p:clrMapOvr>
     <a:masterClrMapping/>
   </p:clrMapOvr>
+</p:sldLayout>
+</file>
+
+<file path=ppt/slideLayouts/slideLayout12.xml><?xml version="1.0" encoding="utf-8"?>
+<p:sldLayout xmlns:a="http://schemas.openxmlformats.org/drawingml/2006/main" xmlns:r="http://schemas.openxmlformats.org/officeDocument/2006/relationships" xmlns:p="http://schemas.openxmlformats.org/presentationml/2006/main" userDrawn="1">
+  <p:cSld name="5_Section Header">
+    <p:spTree>
+      <p:nvGrpSpPr>
+        <p:cNvPr id="1" name=""/>
+        <p:cNvGrpSpPr/>
+        <p:nvPr/>
+      </p:nvGrpSpPr>
+      <p:grpSpPr>
+        <a:xfrm>
+          <a:off x="0" y="0"/>
+          <a:ext cx="0" cy="0"/>
+          <a:chOff x="0" y="0"/>
+          <a:chExt cx="0" cy="0"/>
+        </a:xfrm>
+      </p:grpSpPr>
+      <p:sp>
+        <p:nvSpPr>
+          <p:cNvPr id="2" name="Title 1"/>
+          <p:cNvSpPr>
+            <a:spLocks noGrp="1"/>
+          </p:cNvSpPr>
+          <p:nvPr>
+            <p:ph type="title"/>
+          </p:nvPr>
+        </p:nvSpPr>
+        <p:spPr>
+          <a:xfrm>
+            <a:off x="609600" y="2514600"/>
+            <a:ext cx="7772400" cy="1363133"/>
+          </a:xfrm>
+        </p:spPr>
+        <p:txBody>
+          <a:bodyPr anchor="t"/>
+          <a:lstStyle>
+            <a:lvl1pPr algn="l">
+              <a:defRPr sz="4000" b="1" cap="all"/>
+            </a:lvl1pPr>
+          </a:lstStyle>
+          <a:p>
+            <a:r>
+              <a:rPr lang="en-US" dirty="0" smtClean="0"/>
+              <a:t>Click to edit Master title style</a:t>
+            </a:r>
+            <a:endParaRPr lang="en-US" dirty="0"/>
+          </a:p>
+        </p:txBody>
+      </p:sp>
+      <p:sp>
+        <p:nvSpPr>
+          <p:cNvPr id="4" name="Date Placeholder 3"/>
+          <p:cNvSpPr>
+            <a:spLocks noGrp="1"/>
+          </p:cNvSpPr>
+          <p:nvPr>
+            <p:ph type="dt" sz="half" idx="10"/>
+          </p:nvPr>
+        </p:nvSpPr>
+        <p:spPr/>
+        <p:txBody>
+          <a:bodyPr/>
+          <a:lstStyle/>
+          <a:p>
+            <a:fld id="{C19B0AE2-F9BF-A84C-8B7C-7819DE60C937}" type="datetimeFigureOut">
+              <a:rPr lang="en-US" smtClean="0">
+                <a:solidFill>
+                  <a:srgbClr val="808080">
+                    <a:tint val="75000"/>
+                  </a:srgbClr>
+                </a:solidFill>
+              </a:rPr>
+              <a:pPr/>
+              <a:t>3/8/16</a:t>
+            </a:fld>
+            <a:endParaRPr lang="en-US">
+              <a:solidFill>
+                <a:srgbClr val="808080">
+                  <a:tint val="75000"/>
+                </a:srgbClr>
+              </a:solidFill>
+            </a:endParaRPr>
+          </a:p>
+        </p:txBody>
+      </p:sp>
+      <p:sp>
+        <p:nvSpPr>
+          <p:cNvPr id="5" name="Footer Placeholder 4"/>
+          <p:cNvSpPr>
+            <a:spLocks noGrp="1"/>
+          </p:cNvSpPr>
+          <p:nvPr>
+            <p:ph type="ftr" sz="quarter" idx="11"/>
+          </p:nvPr>
+        </p:nvSpPr>
+        <p:spPr/>
+        <p:txBody>
+          <a:bodyPr/>
+          <a:lstStyle/>
+          <a:p>
+            <a:endParaRPr lang="en-US">
+              <a:solidFill>
+                <a:srgbClr val="808080">
+                  <a:tint val="75000"/>
+                </a:srgbClr>
+              </a:solidFill>
+            </a:endParaRPr>
+          </a:p>
+        </p:txBody>
+      </p:sp>
+      <p:sp>
+        <p:nvSpPr>
+          <p:cNvPr id="6" name="Slide Number Placeholder 5"/>
+          <p:cNvSpPr>
+            <a:spLocks noGrp="1"/>
+          </p:cNvSpPr>
+          <p:nvPr>
+            <p:ph type="sldNum" sz="quarter" idx="12"/>
+          </p:nvPr>
+        </p:nvSpPr>
+        <p:spPr/>
+        <p:txBody>
+          <a:bodyPr/>
+          <a:lstStyle/>
+          <a:p>
+            <a:fld id="{FAC4D9A6-F092-9741-8C38-47C4EB7F0618}" type="slidenum">
+              <a:rPr lang="en-US" smtClean="0">
+                <a:solidFill>
+                  <a:srgbClr val="808080">
+                    <a:tint val="75000"/>
+                  </a:srgbClr>
+                </a:solidFill>
+              </a:rPr>
+              <a:pPr/>
+              <a:t>‹#›</a:t>
+            </a:fld>
+            <a:endParaRPr lang="en-US">
+              <a:solidFill>
+                <a:srgbClr val="808080">
+                  <a:tint val="75000"/>
+                </a:srgbClr>
+              </a:solidFill>
+            </a:endParaRPr>
+          </a:p>
+        </p:txBody>
+      </p:sp>
+    </p:spTree>
+    <p:extLst>
+      <p:ext uri="{BB962C8B-B14F-4D97-AF65-F5344CB8AC3E}">
+        <p14:creationId xmlns:p14="http://schemas.microsoft.com/office/powerpoint/2010/main" val="1530990511"/>
+      </p:ext>
+    </p:extLst>
+  </p:cSld>
+  <p:clrMapOvr>
+    <a:masterClrMapping/>
+  </p:clrMapOvr>
+  <p:timing>
+    <p:tnLst>
+      <p:par>
+        <p:cTn xmlns:p14="http://schemas.microsoft.com/office/powerpoint/2010/main" id="1" dur="indefinite" restart="never" nodeType="tmRoot"/>
+      </p:par>
+    </p:tnLst>
+  </p:timing>
+</p:sldLayout>
+</file>
+
+<file path=ppt/slideLayouts/slideLayout13.xml><?xml version="1.0" encoding="utf-8"?>
+<p:sldLayout xmlns:a="http://schemas.openxmlformats.org/drawingml/2006/main" xmlns:r="http://schemas.openxmlformats.org/officeDocument/2006/relationships" xmlns:p="http://schemas.openxmlformats.org/presentationml/2006/main" userDrawn="1">
+  <p:cSld name="6_Section Header">
+    <p:spTree>
+      <p:nvGrpSpPr>
+        <p:cNvPr id="1" name=""/>
+        <p:cNvGrpSpPr/>
+        <p:nvPr/>
+      </p:nvGrpSpPr>
+      <p:grpSpPr>
+        <a:xfrm>
+          <a:off x="0" y="0"/>
+          <a:ext cx="0" cy="0"/>
+          <a:chOff x="0" y="0"/>
+          <a:chExt cx="0" cy="0"/>
+        </a:xfrm>
+      </p:grpSpPr>
+      <p:sp>
+        <p:nvSpPr>
+          <p:cNvPr id="2" name="Title 1"/>
+          <p:cNvSpPr>
+            <a:spLocks noGrp="1"/>
+          </p:cNvSpPr>
+          <p:nvPr>
+            <p:ph type="title"/>
+          </p:nvPr>
+        </p:nvSpPr>
+        <p:spPr>
+          <a:xfrm>
+            <a:off x="609600" y="2514600"/>
+            <a:ext cx="7772400" cy="1363133"/>
+          </a:xfrm>
+        </p:spPr>
+        <p:txBody>
+          <a:bodyPr anchor="t"/>
+          <a:lstStyle>
+            <a:lvl1pPr algn="l">
+              <a:defRPr sz="4000" b="1" cap="all"/>
+            </a:lvl1pPr>
+          </a:lstStyle>
+          <a:p>
+            <a:r>
+              <a:rPr lang="en-US" dirty="0" smtClean="0"/>
+              <a:t>Click to edit Master title style</a:t>
+            </a:r>
+            <a:endParaRPr lang="en-US" dirty="0"/>
+          </a:p>
+        </p:txBody>
+      </p:sp>
+      <p:sp>
+        <p:nvSpPr>
+          <p:cNvPr id="4" name="Date Placeholder 3"/>
+          <p:cNvSpPr>
+            <a:spLocks noGrp="1"/>
+          </p:cNvSpPr>
+          <p:nvPr>
+            <p:ph type="dt" sz="half" idx="10"/>
+          </p:nvPr>
+        </p:nvSpPr>
+        <p:spPr/>
+        <p:txBody>
+          <a:bodyPr/>
+          <a:lstStyle/>
+          <a:p>
+            <a:fld id="{C19B0AE2-F9BF-A84C-8B7C-7819DE60C937}" type="datetimeFigureOut">
+              <a:rPr lang="en-US" smtClean="0">
+                <a:solidFill>
+                  <a:srgbClr val="808080">
+                    <a:tint val="75000"/>
+                  </a:srgbClr>
+                </a:solidFill>
+              </a:rPr>
+              <a:pPr/>
+              <a:t>3/8/16</a:t>
+            </a:fld>
+            <a:endParaRPr lang="en-US">
+              <a:solidFill>
+                <a:srgbClr val="808080">
+                  <a:tint val="75000"/>
+                </a:srgbClr>
+              </a:solidFill>
+            </a:endParaRPr>
+          </a:p>
+        </p:txBody>
+      </p:sp>
+      <p:sp>
+        <p:nvSpPr>
+          <p:cNvPr id="5" name="Footer Placeholder 4"/>
+          <p:cNvSpPr>
+            <a:spLocks noGrp="1"/>
+          </p:cNvSpPr>
+          <p:nvPr>
+            <p:ph type="ftr" sz="quarter" idx="11"/>
+          </p:nvPr>
+        </p:nvSpPr>
+        <p:spPr/>
+        <p:txBody>
+          <a:bodyPr/>
+          <a:lstStyle/>
+          <a:p>
+            <a:endParaRPr lang="en-US">
+              <a:solidFill>
+                <a:srgbClr val="808080">
+                  <a:tint val="75000"/>
+                </a:srgbClr>
+              </a:solidFill>
+            </a:endParaRPr>
+          </a:p>
+        </p:txBody>
+      </p:sp>
+      <p:sp>
+        <p:nvSpPr>
+          <p:cNvPr id="6" name="Slide Number Placeholder 5"/>
+          <p:cNvSpPr>
+            <a:spLocks noGrp="1"/>
+          </p:cNvSpPr>
+          <p:nvPr>
+            <p:ph type="sldNum" sz="quarter" idx="12"/>
+          </p:nvPr>
+        </p:nvSpPr>
+        <p:spPr/>
+        <p:txBody>
+          <a:bodyPr/>
+          <a:lstStyle/>
+          <a:p>
+            <a:fld id="{FAC4D9A6-F092-9741-8C38-47C4EB7F0618}" type="slidenum">
+              <a:rPr lang="en-US" smtClean="0">
+                <a:solidFill>
+                  <a:srgbClr val="808080">
+                    <a:tint val="75000"/>
+                  </a:srgbClr>
+                </a:solidFill>
+              </a:rPr>
+              <a:pPr/>
+              <a:t>‹#›</a:t>
+            </a:fld>
+            <a:endParaRPr lang="en-US">
+              <a:solidFill>
+                <a:srgbClr val="808080">
+                  <a:tint val="75000"/>
+                </a:srgbClr>
+              </a:solidFill>
+            </a:endParaRPr>
+          </a:p>
+        </p:txBody>
+      </p:sp>
+    </p:spTree>
+    <p:extLst>
+      <p:ext uri="{BB962C8B-B14F-4D97-AF65-F5344CB8AC3E}">
+        <p14:creationId xmlns:p14="http://schemas.microsoft.com/office/powerpoint/2010/main" val="1530990511"/>
+      </p:ext>
+    </p:extLst>
+  </p:cSld>
+  <p:clrMapOvr>
+    <a:masterClrMapping/>
+  </p:clrMapOvr>
+  <p:timing>
+    <p:tnLst>
+      <p:par>
+        <p:cTn xmlns:p14="http://schemas.microsoft.com/office/powerpoint/2010/main" id="1" dur="indefinite" restart="never" nodeType="tmRoot"/>
+      </p:par>
+    </p:tnLst>
+  </p:timing>
+</p:sldLayout>
+</file>
+
+<file path=ppt/slideLayouts/slideLayout14.xml><?xml version="1.0" encoding="utf-8"?>
+<p:sldLayout xmlns:a="http://schemas.openxmlformats.org/drawingml/2006/main" xmlns:r="http://schemas.openxmlformats.org/officeDocument/2006/relationships" xmlns:p="http://schemas.openxmlformats.org/presentationml/2006/main" userDrawn="1">
+  <p:cSld name="7_Section Header">
+    <p:spTree>
+      <p:nvGrpSpPr>
+        <p:cNvPr id="1" name=""/>
+        <p:cNvGrpSpPr/>
+        <p:nvPr/>
+      </p:nvGrpSpPr>
+      <p:grpSpPr>
+        <a:xfrm>
+          <a:off x="0" y="0"/>
+          <a:ext cx="0" cy="0"/>
+          <a:chOff x="0" y="0"/>
+          <a:chExt cx="0" cy="0"/>
+        </a:xfrm>
+      </p:grpSpPr>
+      <p:sp>
+        <p:nvSpPr>
+          <p:cNvPr id="2" name="Title 1"/>
+          <p:cNvSpPr>
+            <a:spLocks noGrp="1"/>
+          </p:cNvSpPr>
+          <p:nvPr>
+            <p:ph type="title"/>
+          </p:nvPr>
+        </p:nvSpPr>
+        <p:spPr>
+          <a:xfrm>
+            <a:off x="609600" y="2514600"/>
+            <a:ext cx="7772400" cy="1363133"/>
+          </a:xfrm>
+        </p:spPr>
+        <p:txBody>
+          <a:bodyPr anchor="t"/>
+          <a:lstStyle>
+            <a:lvl1pPr algn="l">
+              <a:defRPr sz="4000" b="1" cap="all"/>
+            </a:lvl1pPr>
+          </a:lstStyle>
+          <a:p>
+            <a:r>
+              <a:rPr lang="en-US" dirty="0" smtClean="0"/>
+              <a:t>Click to edit Master title style</a:t>
+            </a:r>
+            <a:endParaRPr lang="en-US" dirty="0"/>
+          </a:p>
+        </p:txBody>
+      </p:sp>
+      <p:sp>
+        <p:nvSpPr>
+          <p:cNvPr id="4" name="Date Placeholder 3"/>
+          <p:cNvSpPr>
+            <a:spLocks noGrp="1"/>
+          </p:cNvSpPr>
+          <p:nvPr>
+            <p:ph type="dt" sz="half" idx="10"/>
+          </p:nvPr>
+        </p:nvSpPr>
+        <p:spPr/>
+        <p:txBody>
+          <a:bodyPr/>
+          <a:lstStyle/>
+          <a:p>
+            <a:fld id="{C19B0AE2-F9BF-A84C-8B7C-7819DE60C937}" type="datetimeFigureOut">
+              <a:rPr lang="en-US" smtClean="0">
+                <a:solidFill>
+                  <a:srgbClr val="808080">
+                    <a:tint val="75000"/>
+                  </a:srgbClr>
+                </a:solidFill>
+              </a:rPr>
+              <a:pPr/>
+              <a:t>3/8/16</a:t>
+            </a:fld>
+            <a:endParaRPr lang="en-US">
+              <a:solidFill>
+                <a:srgbClr val="808080">
+                  <a:tint val="75000"/>
+                </a:srgbClr>
+              </a:solidFill>
+            </a:endParaRPr>
+          </a:p>
+        </p:txBody>
+      </p:sp>
+      <p:sp>
+        <p:nvSpPr>
+          <p:cNvPr id="5" name="Footer Placeholder 4"/>
+          <p:cNvSpPr>
+            <a:spLocks noGrp="1"/>
+          </p:cNvSpPr>
+          <p:nvPr>
+            <p:ph type="ftr" sz="quarter" idx="11"/>
+          </p:nvPr>
+        </p:nvSpPr>
+        <p:spPr/>
+        <p:txBody>
+          <a:bodyPr/>
+          <a:lstStyle/>
+          <a:p>
+            <a:endParaRPr lang="en-US">
+              <a:solidFill>
+                <a:srgbClr val="808080">
+                  <a:tint val="75000"/>
+                </a:srgbClr>
+              </a:solidFill>
+            </a:endParaRPr>
+          </a:p>
+        </p:txBody>
+      </p:sp>
+      <p:sp>
+        <p:nvSpPr>
+          <p:cNvPr id="6" name="Slide Number Placeholder 5"/>
+          <p:cNvSpPr>
+            <a:spLocks noGrp="1"/>
+          </p:cNvSpPr>
+          <p:nvPr>
+            <p:ph type="sldNum" sz="quarter" idx="12"/>
+          </p:nvPr>
+        </p:nvSpPr>
+        <p:spPr/>
+        <p:txBody>
+          <a:bodyPr/>
+          <a:lstStyle/>
+          <a:p>
+            <a:fld id="{FAC4D9A6-F092-9741-8C38-47C4EB7F0618}" type="slidenum">
+              <a:rPr lang="en-US" smtClean="0">
+                <a:solidFill>
+                  <a:srgbClr val="808080">
+                    <a:tint val="75000"/>
+                  </a:srgbClr>
+                </a:solidFill>
+              </a:rPr>
+              <a:pPr/>
+              <a:t>‹#›</a:t>
+            </a:fld>
+            <a:endParaRPr lang="en-US">
+              <a:solidFill>
+                <a:srgbClr val="808080">
+                  <a:tint val="75000"/>
+                </a:srgbClr>
+              </a:solidFill>
+            </a:endParaRPr>
+          </a:p>
+        </p:txBody>
+      </p:sp>
+    </p:spTree>
+    <p:extLst>
+      <p:ext uri="{BB962C8B-B14F-4D97-AF65-F5344CB8AC3E}">
+        <p14:creationId xmlns:p14="http://schemas.microsoft.com/office/powerpoint/2010/main" val="1530990511"/>
+      </p:ext>
+    </p:extLst>
+  </p:cSld>
+  <p:clrMapOvr>
+    <a:masterClrMapping/>
+  </p:clrMapOvr>
+  <p:timing>
+    <p:tnLst>
+      <p:par>
+        <p:cTn xmlns:p14="http://schemas.microsoft.com/office/powerpoint/2010/main" id="1" dur="indefinite" restart="never" nodeType="tmRoot"/>
+      </p:par>
+    </p:tnLst>
+  </p:timing>
+</p:sldLayout>
+</file>
+
+<file path=ppt/slideLayouts/slideLayout15.xml><?xml version="1.0" encoding="utf-8"?>
+<p:sldLayout xmlns:a="http://schemas.openxmlformats.org/drawingml/2006/main" xmlns:r="http://schemas.openxmlformats.org/officeDocument/2006/relationships" xmlns:p="http://schemas.openxmlformats.org/presentationml/2006/main" userDrawn="1">
+  <p:cSld name="8_Section Header">
+    <p:spTree>
+      <p:nvGrpSpPr>
+        <p:cNvPr id="1" name=""/>
+        <p:cNvGrpSpPr/>
+        <p:nvPr/>
+      </p:nvGrpSpPr>
+      <p:grpSpPr>
+        <a:xfrm>
+          <a:off x="0" y="0"/>
+          <a:ext cx="0" cy="0"/>
+          <a:chOff x="0" y="0"/>
+          <a:chExt cx="0" cy="0"/>
+        </a:xfrm>
+      </p:grpSpPr>
+      <p:sp>
+        <p:nvSpPr>
+          <p:cNvPr id="2" name="Title 1"/>
+          <p:cNvSpPr>
+            <a:spLocks noGrp="1"/>
+          </p:cNvSpPr>
+          <p:nvPr>
+            <p:ph type="title"/>
+          </p:nvPr>
+        </p:nvSpPr>
+        <p:spPr>
+          <a:xfrm>
+            <a:off x="609600" y="2514600"/>
+            <a:ext cx="7772400" cy="1363133"/>
+          </a:xfrm>
+        </p:spPr>
+        <p:txBody>
+          <a:bodyPr anchor="t"/>
+          <a:lstStyle>
+            <a:lvl1pPr algn="l">
+              <a:defRPr sz="4000" b="1" cap="all"/>
+            </a:lvl1pPr>
+          </a:lstStyle>
+          <a:p>
+            <a:r>
+              <a:rPr lang="en-US" dirty="0" smtClean="0"/>
+              <a:t>Click to edit Master title style</a:t>
+            </a:r>
+            <a:endParaRPr lang="en-US" dirty="0"/>
+          </a:p>
+        </p:txBody>
+      </p:sp>
+      <p:sp>
+        <p:nvSpPr>
+          <p:cNvPr id="4" name="Date Placeholder 3"/>
+          <p:cNvSpPr>
+            <a:spLocks noGrp="1"/>
+          </p:cNvSpPr>
+          <p:nvPr>
+            <p:ph type="dt" sz="half" idx="10"/>
+          </p:nvPr>
+        </p:nvSpPr>
+        <p:spPr/>
+        <p:txBody>
+          <a:bodyPr/>
+          <a:lstStyle/>
+          <a:p>
+            <a:fld id="{C19B0AE2-F9BF-A84C-8B7C-7819DE60C937}" type="datetimeFigureOut">
+              <a:rPr lang="en-US" smtClean="0">
+                <a:solidFill>
+                  <a:srgbClr val="808080">
+                    <a:tint val="75000"/>
+                  </a:srgbClr>
+                </a:solidFill>
+              </a:rPr>
+              <a:pPr/>
+              <a:t>3/8/16</a:t>
+            </a:fld>
+            <a:endParaRPr lang="en-US">
+              <a:solidFill>
+                <a:srgbClr val="808080">
+                  <a:tint val="75000"/>
+                </a:srgbClr>
+              </a:solidFill>
+            </a:endParaRPr>
+          </a:p>
+        </p:txBody>
+      </p:sp>
+      <p:sp>
+        <p:nvSpPr>
+          <p:cNvPr id="5" name="Footer Placeholder 4"/>
+          <p:cNvSpPr>
+            <a:spLocks noGrp="1"/>
+          </p:cNvSpPr>
+          <p:nvPr>
+            <p:ph type="ftr" sz="quarter" idx="11"/>
+          </p:nvPr>
+        </p:nvSpPr>
+        <p:spPr/>
+        <p:txBody>
+          <a:bodyPr/>
+          <a:lstStyle/>
+          <a:p>
+            <a:endParaRPr lang="en-US">
+              <a:solidFill>
+                <a:srgbClr val="808080">
+                  <a:tint val="75000"/>
+                </a:srgbClr>
+              </a:solidFill>
+            </a:endParaRPr>
+          </a:p>
+        </p:txBody>
+      </p:sp>
+      <p:sp>
+        <p:nvSpPr>
+          <p:cNvPr id="6" name="Slide Number Placeholder 5"/>
+          <p:cNvSpPr>
+            <a:spLocks noGrp="1"/>
+          </p:cNvSpPr>
+          <p:nvPr>
+            <p:ph type="sldNum" sz="quarter" idx="12"/>
+          </p:nvPr>
+        </p:nvSpPr>
+        <p:spPr/>
+        <p:txBody>
+          <a:bodyPr/>
+          <a:lstStyle/>
+          <a:p>
+            <a:fld id="{FAC4D9A6-F092-9741-8C38-47C4EB7F0618}" type="slidenum">
+              <a:rPr lang="en-US" smtClean="0">
+                <a:solidFill>
+                  <a:srgbClr val="808080">
+                    <a:tint val="75000"/>
+                  </a:srgbClr>
+                </a:solidFill>
+              </a:rPr>
+              <a:pPr/>
+              <a:t>‹#›</a:t>
+            </a:fld>
+            <a:endParaRPr lang="en-US">
+              <a:solidFill>
+                <a:srgbClr val="808080">
+                  <a:tint val="75000"/>
+                </a:srgbClr>
+              </a:solidFill>
+            </a:endParaRPr>
+          </a:p>
+        </p:txBody>
+      </p:sp>
+    </p:spTree>
+    <p:extLst>
+      <p:ext uri="{BB962C8B-B14F-4D97-AF65-F5344CB8AC3E}">
+        <p14:creationId xmlns:p14="http://schemas.microsoft.com/office/powerpoint/2010/main" val="1530990511"/>
+      </p:ext>
+    </p:extLst>
+  </p:cSld>
+  <p:clrMapOvr>
+    <a:masterClrMapping/>
+  </p:clrMapOvr>
+  <p:timing>
+    <p:tnLst>
+      <p:par>
+        <p:cTn xmlns:p14="http://schemas.microsoft.com/office/powerpoint/2010/main" id="1" dur="indefinite" restart="never" nodeType="tmRoot"/>
+      </p:par>
+    </p:tnLst>
+  </p:timing>
+</p:sldLayout>
+</file>
+
+<file path=ppt/slideLayouts/slideLayout16.xml><?xml version="1.0" encoding="utf-8"?>
+<p:sldLayout xmlns:a="http://schemas.openxmlformats.org/drawingml/2006/main" xmlns:r="http://schemas.openxmlformats.org/officeDocument/2006/relationships" xmlns:p="http://schemas.openxmlformats.org/presentationml/2006/main" userDrawn="1">
+  <p:cSld name="9_Section Header">
+    <p:spTree>
+      <p:nvGrpSpPr>
+        <p:cNvPr id="1" name=""/>
+        <p:cNvGrpSpPr/>
+        <p:nvPr/>
+      </p:nvGrpSpPr>
+      <p:grpSpPr>
+        <a:xfrm>
+          <a:off x="0" y="0"/>
+          <a:ext cx="0" cy="0"/>
+          <a:chOff x="0" y="0"/>
+          <a:chExt cx="0" cy="0"/>
+        </a:xfrm>
+      </p:grpSpPr>
+      <p:sp>
+        <p:nvSpPr>
+          <p:cNvPr id="2" name="Title 1"/>
+          <p:cNvSpPr>
+            <a:spLocks noGrp="1"/>
+          </p:cNvSpPr>
+          <p:nvPr>
+            <p:ph type="title"/>
+          </p:nvPr>
+        </p:nvSpPr>
+        <p:spPr>
+          <a:xfrm>
+            <a:off x="609600" y="2514600"/>
+            <a:ext cx="7772400" cy="1363133"/>
+          </a:xfrm>
+        </p:spPr>
+        <p:txBody>
+          <a:bodyPr anchor="t"/>
+          <a:lstStyle>
+            <a:lvl1pPr algn="l">
+              <a:defRPr sz="4000" b="1" cap="all"/>
+            </a:lvl1pPr>
+          </a:lstStyle>
+          <a:p>
+            <a:r>
+              <a:rPr lang="en-US" dirty="0" smtClean="0"/>
+              <a:t>Click to edit Master title style</a:t>
+            </a:r>
+            <a:endParaRPr lang="en-US" dirty="0"/>
+          </a:p>
+        </p:txBody>
+      </p:sp>
+      <p:sp>
+        <p:nvSpPr>
+          <p:cNvPr id="4" name="Date Placeholder 3"/>
+          <p:cNvSpPr>
+            <a:spLocks noGrp="1"/>
+          </p:cNvSpPr>
+          <p:nvPr>
+            <p:ph type="dt" sz="half" idx="10"/>
+          </p:nvPr>
+        </p:nvSpPr>
+        <p:spPr/>
+        <p:txBody>
+          <a:bodyPr/>
+          <a:lstStyle/>
+          <a:p>
+            <a:fld id="{C19B0AE2-F9BF-A84C-8B7C-7819DE60C937}" type="datetimeFigureOut">
+              <a:rPr lang="en-US" smtClean="0">
+                <a:solidFill>
+                  <a:srgbClr val="808080">
+                    <a:tint val="75000"/>
+                  </a:srgbClr>
+                </a:solidFill>
+              </a:rPr>
+              <a:pPr/>
+              <a:t>3/8/16</a:t>
+            </a:fld>
+            <a:endParaRPr lang="en-US">
+              <a:solidFill>
+                <a:srgbClr val="808080">
+                  <a:tint val="75000"/>
+                </a:srgbClr>
+              </a:solidFill>
+            </a:endParaRPr>
+          </a:p>
+        </p:txBody>
+      </p:sp>
+      <p:sp>
+        <p:nvSpPr>
+          <p:cNvPr id="5" name="Footer Placeholder 4"/>
+          <p:cNvSpPr>
+            <a:spLocks noGrp="1"/>
+          </p:cNvSpPr>
+          <p:nvPr>
+            <p:ph type="ftr" sz="quarter" idx="11"/>
+          </p:nvPr>
+        </p:nvSpPr>
+        <p:spPr/>
+        <p:txBody>
+          <a:bodyPr/>
+          <a:lstStyle/>
+          <a:p>
+            <a:endParaRPr lang="en-US">
+              <a:solidFill>
+                <a:srgbClr val="808080">
+                  <a:tint val="75000"/>
+                </a:srgbClr>
+              </a:solidFill>
+            </a:endParaRPr>
+          </a:p>
+        </p:txBody>
+      </p:sp>
+      <p:sp>
+        <p:nvSpPr>
+          <p:cNvPr id="6" name="Slide Number Placeholder 5"/>
+          <p:cNvSpPr>
+            <a:spLocks noGrp="1"/>
+          </p:cNvSpPr>
+          <p:nvPr>
+            <p:ph type="sldNum" sz="quarter" idx="12"/>
+          </p:nvPr>
+        </p:nvSpPr>
+        <p:spPr/>
+        <p:txBody>
+          <a:bodyPr/>
+          <a:lstStyle/>
+          <a:p>
+            <a:fld id="{FAC4D9A6-F092-9741-8C38-47C4EB7F0618}" type="slidenum">
+              <a:rPr lang="en-US" smtClean="0">
+                <a:solidFill>
+                  <a:srgbClr val="808080">
+                    <a:tint val="75000"/>
+                  </a:srgbClr>
+                </a:solidFill>
+              </a:rPr>
+              <a:pPr/>
+              <a:t>‹#›</a:t>
+            </a:fld>
+            <a:endParaRPr lang="en-US">
+              <a:solidFill>
+                <a:srgbClr val="808080">
+                  <a:tint val="75000"/>
+                </a:srgbClr>
+              </a:solidFill>
+            </a:endParaRPr>
+          </a:p>
+        </p:txBody>
+      </p:sp>
+    </p:spTree>
+    <p:extLst>
+      <p:ext uri="{BB962C8B-B14F-4D97-AF65-F5344CB8AC3E}">
+        <p14:creationId xmlns:p14="http://schemas.microsoft.com/office/powerpoint/2010/main" val="1530990511"/>
+      </p:ext>
+    </p:extLst>
+  </p:cSld>
+  <p:clrMapOvr>
+    <a:masterClrMapping/>
+  </p:clrMapOvr>
+  <p:timing>
+    <p:tnLst>
+      <p:par>
+        <p:cTn xmlns:p14="http://schemas.microsoft.com/office/powerpoint/2010/main" id="1" dur="indefinite" restart="never" nodeType="tmRoot"/>
+      </p:par>
+    </p:tnLst>
+  </p:timing>
 </p:sldLayout>
 </file>
 
@@ -8220,7 +9062,7 @@
           <a:p>
             <a:fld id="{A0A11959-0A35-0947-9E1F-BCB5B4FA896A}" type="datetimeFigureOut">
               <a:rPr lang="en-US" smtClean="0"/>
-              <a:t>11/5/15</a:t>
+              <a:t>3/8/16</a:t>
             </a:fld>
             <a:endParaRPr lang="en-US"/>
           </a:p>
@@ -8466,7 +9308,7 @@
           <a:p>
             <a:fld id="{A0A11959-0A35-0947-9E1F-BCB5B4FA896A}" type="datetimeFigureOut">
               <a:rPr lang="en-US" smtClean="0"/>
-              <a:t>11/5/15</a:t>
+              <a:t>3/8/16</a:t>
             </a:fld>
             <a:endParaRPr lang="en-US"/>
           </a:p>
@@ -8754,7 +9596,7 @@
           <a:p>
             <a:fld id="{A0A11959-0A35-0947-9E1F-BCB5B4FA896A}" type="datetimeFigureOut">
               <a:rPr lang="en-US" smtClean="0"/>
-              <a:t>11/5/15</a:t>
+              <a:t>3/8/16</a:t>
             </a:fld>
             <a:endParaRPr lang="en-US"/>
           </a:p>
@@ -9176,7 +10018,7 @@
           <a:p>
             <a:fld id="{A0A11959-0A35-0947-9E1F-BCB5B4FA896A}" type="datetimeFigureOut">
               <a:rPr lang="en-US" smtClean="0"/>
-              <a:t>11/5/15</a:t>
+              <a:t>3/8/16</a:t>
             </a:fld>
             <a:endParaRPr lang="en-US"/>
           </a:p>
@@ -9294,7 +10136,7 @@
           <a:p>
             <a:fld id="{A0A11959-0A35-0947-9E1F-BCB5B4FA896A}" type="datetimeFigureOut">
               <a:rPr lang="en-US" smtClean="0"/>
-              <a:t>11/5/15</a:t>
+              <a:t>3/8/16</a:t>
             </a:fld>
             <a:endParaRPr lang="en-US"/>
           </a:p>
@@ -9389,7 +10231,7 @@
           <a:p>
             <a:fld id="{A0A11959-0A35-0947-9E1F-BCB5B4FA896A}" type="datetimeFigureOut">
               <a:rPr lang="en-US" smtClean="0"/>
-              <a:t>11/5/15</a:t>
+              <a:t>3/8/16</a:t>
             </a:fld>
             <a:endParaRPr lang="en-US"/>
           </a:p>
@@ -9666,7 +10508,7 @@
           <a:p>
             <a:fld id="{A0A11959-0A35-0947-9E1F-BCB5B4FA896A}" type="datetimeFigureOut">
               <a:rPr lang="en-US" smtClean="0"/>
-              <a:t>11/5/15</a:t>
+              <a:t>3/8/16</a:t>
             </a:fld>
             <a:endParaRPr lang="en-US"/>
           </a:p>
@@ -9923,7 +10765,7 @@
           <a:p>
             <a:fld id="{A0A11959-0A35-0947-9E1F-BCB5B4FA896A}" type="datetimeFigureOut">
               <a:rPr lang="en-US" smtClean="0"/>
-              <a:t>11/5/15</a:t>
+              <a:t>3/8/16</a:t>
             </a:fld>
             <a:endParaRPr lang="en-US"/>
           </a:p>
@@ -10136,7 +10978,7 @@
           <a:p>
             <a:fld id="{A0A11959-0A35-0947-9E1F-BCB5B4FA896A}" type="datetimeFigureOut">
               <a:rPr lang="en-US" smtClean="0"/>
-              <a:t>11/5/15</a:t>
+              <a:t>3/8/16</a:t>
             </a:fld>
             <a:endParaRPr lang="en-US"/>
           </a:p>
@@ -10240,6 +11082,11 @@
     <p:sldLayoutId id="2147483669" r:id="rId9"/>
     <p:sldLayoutId id="2147483670" r:id="rId10"/>
     <p:sldLayoutId id="2147483671" r:id="rId11"/>
+    <p:sldLayoutId id="2147483676" r:id="rId12"/>
+    <p:sldLayoutId id="2147483677" r:id="rId13"/>
+    <p:sldLayoutId id="2147483678" r:id="rId14"/>
+    <p:sldLayoutId id="2147483679" r:id="rId15"/>
+    <p:sldLayoutId id="2147483680" r:id="rId16"/>
   </p:sldLayoutIdLst>
   <p:txStyles>
     <p:titleStyle>
@@ -10637,6 +11484,121 @@
       </p:grpSpPr>
       <p:sp>
         <p:nvSpPr>
+          <p:cNvPr id="2" name="Title 1"/>
+          <p:cNvSpPr>
+            <a:spLocks noGrp="1"/>
+          </p:cNvSpPr>
+          <p:nvPr>
+            <p:ph type="title"/>
+          </p:nvPr>
+        </p:nvSpPr>
+        <p:spPr/>
+        <p:txBody>
+          <a:bodyPr>
+            <a:normAutofit fontScale="90000"/>
+          </a:bodyPr>
+          <a:lstStyle/>
+          <a:p>
+            <a:r>
+              <a:rPr lang="en-US" dirty="0" smtClean="0"/>
+              <a:t>Mob Programming Rules</a:t>
+            </a:r>
+            <a:br>
+              <a:rPr lang="en-US" dirty="0" smtClean="0"/>
+            </a:br>
+            <a:r>
+              <a:rPr lang="en-US" dirty="0" smtClean="0"/>
+              <a:t>for Exploratory Testing Activity</a:t>
+            </a:r>
+            <a:endParaRPr lang="en-US" dirty="0"/>
+          </a:p>
+        </p:txBody>
+      </p:sp>
+      <p:sp>
+        <p:nvSpPr>
+          <p:cNvPr id="3" name="Content Placeholder 2"/>
+          <p:cNvSpPr>
+            <a:spLocks noGrp="1"/>
+          </p:cNvSpPr>
+          <p:nvPr>
+            <p:ph idx="1"/>
+          </p:nvPr>
+        </p:nvSpPr>
+        <p:spPr/>
+        <p:txBody>
+          <a:bodyPr/>
+          <a:lstStyle/>
+          <a:p>
+            <a:pPr algn="ctr"/>
+            <a:endParaRPr lang="en-US" dirty="0" smtClean="0"/>
+          </a:p>
+          <a:p>
+            <a:pPr algn="ctr"/>
+            <a:endParaRPr lang="en-US" dirty="0"/>
+          </a:p>
+          <a:p>
+            <a:pPr algn="ctr"/>
+            <a:r>
+              <a:rPr lang="en-US" dirty="0" smtClean="0"/>
+              <a:t>No thinking as the driver</a:t>
+            </a:r>
+          </a:p>
+          <a:p>
+            <a:pPr algn="ctr"/>
+            <a:r>
+              <a:rPr lang="en-US" dirty="0" smtClean="0"/>
+              <a:t>Yes, and…</a:t>
+            </a:r>
+          </a:p>
+          <a:p>
+            <a:pPr algn="ctr"/>
+            <a:r>
+              <a:rPr lang="en-US" dirty="0" smtClean="0"/>
+              <a:t>Kindness, consideration and respect</a:t>
+            </a:r>
+            <a:endParaRPr lang="en-US" dirty="0"/>
+          </a:p>
+        </p:txBody>
+      </p:sp>
+    </p:spTree>
+    <p:extLst>
+      <p:ext uri="{BB962C8B-B14F-4D97-AF65-F5344CB8AC3E}">
+        <p14:creationId xmlns:p14="http://schemas.microsoft.com/office/powerpoint/2010/main" val="407345441"/>
+      </p:ext>
+    </p:extLst>
+  </p:cSld>
+  <p:clrMapOvr>
+    <a:masterClrMapping/>
+  </p:clrMapOvr>
+  <p:timing>
+    <p:tnLst>
+      <p:par>
+        <p:cTn xmlns:p14="http://schemas.microsoft.com/office/powerpoint/2010/main" id="1" dur="indefinite" restart="never" nodeType="tmRoot"/>
+      </p:par>
+    </p:tnLst>
+  </p:timing>
+</p:sld>
+</file>
+
+<file path=ppt/slides/slide11.xml><?xml version="1.0" encoding="utf-8"?>
+<p:sld xmlns:a="http://schemas.openxmlformats.org/drawingml/2006/main" xmlns:r="http://schemas.openxmlformats.org/officeDocument/2006/relationships" xmlns:p="http://schemas.openxmlformats.org/presentationml/2006/main">
+  <p:cSld>
+    <p:spTree>
+      <p:nvGrpSpPr>
+        <p:cNvPr id="1" name=""/>
+        <p:cNvGrpSpPr/>
+        <p:nvPr/>
+      </p:nvGrpSpPr>
+      <p:grpSpPr>
+        <a:xfrm>
+          <a:off x="0" y="0"/>
+          <a:ext cx="0" cy="0"/>
+          <a:chOff x="0" y="0"/>
+          <a:chExt cx="0" cy="0"/>
+        </a:xfrm>
+      </p:grpSpPr>
+      <p:sp>
+        <p:nvSpPr>
           <p:cNvPr id="4" name="Title 3"/>
           <p:cNvSpPr>
             <a:spLocks noGrp="1"/>
@@ -10710,7 +11672,7 @@
 </p:sld>
 </file>
 
-<file path=ppt/slides/slide11.xml><?xml version="1.0" encoding="utf-8"?>
+<file path=ppt/slides/slide12.xml><?xml version="1.0" encoding="utf-8"?>
 <p:sld xmlns:a="http://schemas.openxmlformats.org/drawingml/2006/main" xmlns:r="http://schemas.openxmlformats.org/officeDocument/2006/relationships" xmlns:p="http://schemas.openxmlformats.org/presentationml/2006/main">
   <p:cSld>
     <p:spTree>
@@ -11027,7 +11989,7 @@
 </p:sld>
 </file>
 
-<file path=ppt/slides/slide12.xml><?xml version="1.0" encoding="utf-8"?>
+<file path=ppt/slides/slide13.xml><?xml version="1.0" encoding="utf-8"?>
 <p:sld xmlns:a="http://schemas.openxmlformats.org/drawingml/2006/main" xmlns:r="http://schemas.openxmlformats.org/officeDocument/2006/relationships" xmlns:p="http://schemas.openxmlformats.org/presentationml/2006/main">
   <p:cSld>
     <p:spTree>
@@ -11177,7 +12139,7 @@
 </p:sld>
 </file>
 
-<file path=ppt/slides/slide13.xml><?xml version="1.0" encoding="utf-8"?>
+<file path=ppt/slides/slide14.xml><?xml version="1.0" encoding="utf-8"?>
 <p:sld xmlns:a="http://schemas.openxmlformats.org/drawingml/2006/main" xmlns:r="http://schemas.openxmlformats.org/officeDocument/2006/relationships" xmlns:p="http://schemas.openxmlformats.org/presentationml/2006/main">
   <p:cSld>
     <p:spTree>
@@ -11238,7 +12200,7 @@
 </p:sld>
 </file>
 
-<file path=ppt/slides/slide14.xml><?xml version="1.0" encoding="utf-8"?>
+<file path=ppt/slides/slide15.xml><?xml version="1.0" encoding="utf-8"?>
 <p:sld xmlns:a="http://schemas.openxmlformats.org/drawingml/2006/main" xmlns:r="http://schemas.openxmlformats.org/officeDocument/2006/relationships" xmlns:p="http://schemas.openxmlformats.org/presentationml/2006/main">
   <p:cSld>
     <p:spTree>
@@ -11608,7 +12570,7 @@
 </p:sld>
 </file>
 
-<file path=ppt/slides/slide15.xml><?xml version="1.0" encoding="utf-8"?>
+<file path=ppt/slides/slide16.xml><?xml version="1.0" encoding="utf-8"?>
 <p:sld xmlns:a="http://schemas.openxmlformats.org/drawingml/2006/main" xmlns:r="http://schemas.openxmlformats.org/officeDocument/2006/relationships" xmlns:p="http://schemas.openxmlformats.org/presentationml/2006/main">
   <p:cSld>
     <p:spTree>
@@ -12037,7 +12999,7 @@
 </p:sld>
 </file>
 
-<file path=ppt/slides/slide16.xml><?xml version="1.0" encoding="utf-8"?>
+<file path=ppt/slides/slide17.xml><?xml version="1.0" encoding="utf-8"?>
 <p:sld xmlns:a="http://schemas.openxmlformats.org/drawingml/2006/main" xmlns:r="http://schemas.openxmlformats.org/officeDocument/2006/relationships" xmlns:p="http://schemas.openxmlformats.org/presentationml/2006/main">
   <p:cSld>
     <p:spTree>
@@ -12277,7 +13239,7 @@
           <a:p>
             <a:fld id="{37917B5B-4F5C-1943-9902-B3D1F12DCB41}" type="slidenum">
               <a:rPr lang="en-US" smtClean="0"/>
-              <a:t>16</a:t>
+              <a:t>17</a:t>
             </a:fld>
             <a:endParaRPr lang="en-US"/>
           </a:p>
@@ -12303,7 +13265,7 @@
 </p:sld>
 </file>
 
-<file path=ppt/slides/slide17.xml><?xml version="1.0" encoding="utf-8"?>
+<file path=ppt/slides/slide18.xml><?xml version="1.0" encoding="utf-8"?>
 <p:sld xmlns:a="http://schemas.openxmlformats.org/drawingml/2006/main" xmlns:r="http://schemas.openxmlformats.org/officeDocument/2006/relationships" xmlns:p="http://schemas.openxmlformats.org/presentationml/2006/main">
   <p:cSld>
     <p:spTree>
@@ -14770,7 +15732,7 @@
             <a:fld id="{B6F15528-21DE-4FAA-801E-634DDDAF4B2B}" type="slidenum">
               <a:rPr lang="en-US" smtClean="0"/>
               <a:pPr/>
-              <a:t>17</a:t>
+              <a:t>18</a:t>
             </a:fld>
             <a:endParaRPr lang="en-US"/>
           </a:p>
@@ -14888,7 +15850,5383 @@
 </p:sld>
 </file>
 
-<file path=ppt/slides/slide18.xml><?xml version="1.0" encoding="utf-8"?>
+<file path=ppt/slides/slide19.xml><?xml version="1.0" encoding="utf-8"?>
+<p:sld xmlns:a="http://schemas.openxmlformats.org/drawingml/2006/main" xmlns:r="http://schemas.openxmlformats.org/officeDocument/2006/relationships" xmlns:p="http://schemas.openxmlformats.org/presentationml/2006/main">
+  <p:cSld>
+    <p:spTree>
+      <p:nvGrpSpPr>
+        <p:cNvPr id="1" name=""/>
+        <p:cNvGrpSpPr/>
+        <p:nvPr/>
+      </p:nvGrpSpPr>
+      <p:grpSpPr>
+        <a:xfrm>
+          <a:off x="0" y="0"/>
+          <a:ext cx="0" cy="0"/>
+          <a:chOff x="0" y="0"/>
+          <a:chExt cx="0" cy="0"/>
+        </a:xfrm>
+      </p:grpSpPr>
+      <p:sp>
+        <p:nvSpPr>
+          <p:cNvPr id="4" name="Title 3"/>
+          <p:cNvSpPr>
+            <a:spLocks noGrp="1"/>
+          </p:cNvSpPr>
+          <p:nvPr>
+            <p:ph type="ctrTitle"/>
+          </p:nvPr>
+        </p:nvSpPr>
+        <p:spPr>
+          <a:xfrm>
+            <a:off x="0" y="0"/>
+            <a:ext cx="9144000" cy="6858000"/>
+          </a:xfrm>
+        </p:spPr>
+        <p:txBody>
+          <a:bodyPr anchor="t">
+            <a:noAutofit/>
+          </a:bodyPr>
+          <a:lstStyle/>
+          <a:p>
+            <a:pPr algn="r"/>
+            <a:r>
+              <a:rPr lang="en-US" sz="8000" dirty="0" smtClean="0"/>
+              <a:t>Functional</a:t>
+            </a:r>
+            <a:endParaRPr lang="en-US" sz="8000" dirty="0"/>
+          </a:p>
+        </p:txBody>
+      </p:sp>
+      <p:sp>
+        <p:nvSpPr>
+          <p:cNvPr id="6" name="Rounded Rectangle 5"/>
+          <p:cNvSpPr/>
+          <p:nvPr/>
+        </p:nvSpPr>
+        <p:spPr>
+          <a:xfrm>
+            <a:off x="4191000" y="2006601"/>
+            <a:ext cx="2945962" cy="3897745"/>
+          </a:xfrm>
+          <a:prstGeom prst="roundRect">
+            <a:avLst/>
+          </a:prstGeom>
+          <a:solidFill>
+            <a:srgbClr val="008000"/>
+          </a:solidFill>
+        </p:spPr>
+        <p:style>
+          <a:lnRef idx="3">
+            <a:schemeClr val="lt1"/>
+          </a:lnRef>
+          <a:fillRef idx="1">
+            <a:schemeClr val="dk1"/>
+          </a:fillRef>
+          <a:effectRef idx="1">
+            <a:schemeClr val="dk1"/>
+          </a:effectRef>
+          <a:fontRef idx="minor">
+            <a:schemeClr val="lt1"/>
+          </a:fontRef>
+        </p:style>
+        <p:txBody>
+          <a:bodyPr rtlCol="0" anchor="ctr"/>
+          <a:lstStyle/>
+          <a:p>
+            <a:pPr algn="ctr"/>
+            <a:r>
+              <a:rPr lang="en-US" sz="2800" dirty="0" smtClean="0"/>
+              <a:t>Deterministic</a:t>
+            </a:r>
+          </a:p>
+          <a:p>
+            <a:pPr algn="ctr"/>
+            <a:endParaRPr lang="en-US" dirty="0"/>
+          </a:p>
+        </p:txBody>
+      </p:sp>
+      <p:cxnSp>
+        <p:nvCxnSpPr>
+          <p:cNvPr id="11" name="Straight Arrow Connector 10"/>
+          <p:cNvCxnSpPr/>
+          <p:nvPr/>
+        </p:nvCxnSpPr>
+        <p:spPr>
+          <a:xfrm>
+            <a:off x="2286000" y="2514603"/>
+            <a:ext cx="1905000" cy="0"/>
+          </a:xfrm>
+          <a:prstGeom prst="straightConnector1">
+            <a:avLst/>
+          </a:prstGeom>
+          <a:ln>
+            <a:solidFill>
+              <a:srgbClr val="FFFFFF"/>
+            </a:solidFill>
+            <a:tailEnd type="arrow"/>
+          </a:ln>
+        </p:spPr>
+        <p:style>
+          <a:lnRef idx="2">
+            <a:schemeClr val="dk1"/>
+          </a:lnRef>
+          <a:fillRef idx="0">
+            <a:schemeClr val="dk1"/>
+          </a:fillRef>
+          <a:effectRef idx="1">
+            <a:schemeClr val="dk1"/>
+          </a:effectRef>
+          <a:fontRef idx="minor">
+            <a:schemeClr val="tx1"/>
+          </a:fontRef>
+        </p:style>
+      </p:cxnSp>
+      <p:sp>
+        <p:nvSpPr>
+          <p:cNvPr id="24" name="TextBox 23"/>
+          <p:cNvSpPr txBox="1"/>
+          <p:nvPr/>
+        </p:nvSpPr>
+        <p:spPr>
+          <a:xfrm>
+            <a:off x="2133601" y="1701800"/>
+            <a:ext cx="1914456" cy="523220"/>
+          </a:xfrm>
+          <a:prstGeom prst="rect">
+            <a:avLst/>
+          </a:prstGeom>
+          <a:noFill/>
+        </p:spPr>
+        <p:txBody>
+          <a:bodyPr wrap="none" rtlCol="0">
+            <a:spAutoFit/>
+          </a:bodyPr>
+          <a:lstStyle/>
+          <a:p>
+            <a:r>
+              <a:rPr lang="en-US" sz="2800" dirty="0" smtClean="0">
+                <a:solidFill>
+                  <a:srgbClr val="FFFFFF"/>
+                </a:solidFill>
+              </a:rPr>
+              <a:t>All </a:t>
+            </a:r>
+            <a:r>
+              <a:rPr lang="en-US" sz="2800" dirty="0">
+                <a:solidFill>
+                  <a:srgbClr val="FFFFFF"/>
+                </a:solidFill>
+              </a:rPr>
+              <a:t>i</a:t>
+            </a:r>
+            <a:r>
+              <a:rPr lang="en-US" sz="2800" dirty="0" smtClean="0">
+                <a:solidFill>
+                  <a:srgbClr val="FFFFFF"/>
+                </a:solidFill>
+              </a:rPr>
+              <a:t>nputs </a:t>
+            </a:r>
+            <a:r>
+              <a:rPr lang="en-US" sz="2800" dirty="0">
+                <a:solidFill>
+                  <a:srgbClr val="FFFFFF"/>
+                </a:solidFill>
+              </a:rPr>
+              <a:t>i</a:t>
+            </a:r>
+            <a:r>
+              <a:rPr lang="en-US" sz="2800" dirty="0" smtClean="0">
+                <a:solidFill>
+                  <a:srgbClr val="FFFFFF"/>
+                </a:solidFill>
+              </a:rPr>
+              <a:t>n</a:t>
+            </a:r>
+            <a:endParaRPr lang="en-US" sz="2800" dirty="0">
+              <a:solidFill>
+                <a:srgbClr val="FFFFFF"/>
+              </a:solidFill>
+            </a:endParaRPr>
+          </a:p>
+        </p:txBody>
+      </p:sp>
+      <p:cxnSp>
+        <p:nvCxnSpPr>
+          <p:cNvPr id="21" name="Straight Arrow Connector 20"/>
+          <p:cNvCxnSpPr/>
+          <p:nvPr/>
+        </p:nvCxnSpPr>
+        <p:spPr>
+          <a:xfrm flipH="1">
+            <a:off x="2286000" y="5461000"/>
+            <a:ext cx="1905000" cy="0"/>
+          </a:xfrm>
+          <a:prstGeom prst="straightConnector1">
+            <a:avLst/>
+          </a:prstGeom>
+          <a:ln>
+            <a:solidFill>
+              <a:srgbClr val="FFFFFF"/>
+            </a:solidFill>
+            <a:tailEnd type="arrow"/>
+          </a:ln>
+        </p:spPr>
+        <p:style>
+          <a:lnRef idx="2">
+            <a:schemeClr val="dk1"/>
+          </a:lnRef>
+          <a:fillRef idx="0">
+            <a:schemeClr val="dk1"/>
+          </a:fillRef>
+          <a:effectRef idx="1">
+            <a:schemeClr val="dk1"/>
+          </a:effectRef>
+          <a:fontRef idx="minor">
+            <a:schemeClr val="tx1"/>
+          </a:fontRef>
+        </p:style>
+      </p:cxnSp>
+      <p:sp>
+        <p:nvSpPr>
+          <p:cNvPr id="26" name="TextBox 25"/>
+          <p:cNvSpPr txBox="1"/>
+          <p:nvPr/>
+        </p:nvSpPr>
+        <p:spPr>
+          <a:xfrm>
+            <a:off x="1981200" y="5562600"/>
+            <a:ext cx="2239515" cy="523220"/>
+          </a:xfrm>
+          <a:prstGeom prst="rect">
+            <a:avLst/>
+          </a:prstGeom>
+          <a:noFill/>
+        </p:spPr>
+        <p:txBody>
+          <a:bodyPr wrap="none" rtlCol="0">
+            <a:spAutoFit/>
+          </a:bodyPr>
+          <a:lstStyle/>
+          <a:p>
+            <a:r>
+              <a:rPr lang="en-US" sz="2800" dirty="0" smtClean="0">
+                <a:solidFill>
+                  <a:srgbClr val="FFFFFF"/>
+                </a:solidFill>
+              </a:rPr>
+              <a:t>All results out</a:t>
+            </a:r>
+            <a:endParaRPr lang="en-US" sz="2800" dirty="0">
+              <a:solidFill>
+                <a:srgbClr val="FFFFFF"/>
+              </a:solidFill>
+            </a:endParaRPr>
+          </a:p>
+        </p:txBody>
+      </p:sp>
+    </p:spTree>
+    <p:extLst>
+      <p:ext uri="{BB962C8B-B14F-4D97-AF65-F5344CB8AC3E}">
+        <p14:creationId xmlns:p14="http://schemas.microsoft.com/office/powerpoint/2010/main" val="1776914653"/>
+      </p:ext>
+    </p:extLst>
+  </p:cSld>
+  <p:clrMapOvr>
+    <a:masterClrMapping/>
+  </p:clrMapOvr>
+  <p:timing>
+    <p:tnLst>
+      <p:par>
+        <p:cTn xmlns:p14="http://schemas.microsoft.com/office/powerpoint/2010/main" id="1" dur="indefinite" restart="never" nodeType="tmRoot"/>
+      </p:par>
+    </p:tnLst>
+  </p:timing>
+</p:sld>
+</file>
+
+<file path=ppt/slides/slide2.xml><?xml version="1.0" encoding="utf-8"?>
+<p:sld xmlns:a="http://schemas.openxmlformats.org/drawingml/2006/main" xmlns:r="http://schemas.openxmlformats.org/officeDocument/2006/relationships" xmlns:p="http://schemas.openxmlformats.org/presentationml/2006/main" show="0">
+  <p:cSld>
+    <p:spTree>
+      <p:nvGrpSpPr>
+        <p:cNvPr id="1" name=""/>
+        <p:cNvGrpSpPr/>
+        <p:nvPr/>
+      </p:nvGrpSpPr>
+      <p:grpSpPr>
+        <a:xfrm>
+          <a:off x="0" y="0"/>
+          <a:ext cx="0" cy="0"/>
+          <a:chOff x="0" y="0"/>
+          <a:chExt cx="0" cy="0"/>
+        </a:xfrm>
+      </p:grpSpPr>
+      <p:sp>
+        <p:nvSpPr>
+          <p:cNvPr id="2" name="Title 1"/>
+          <p:cNvSpPr>
+            <a:spLocks noGrp="1"/>
+          </p:cNvSpPr>
+          <p:nvPr>
+            <p:ph type="title"/>
+          </p:nvPr>
+        </p:nvSpPr>
+        <p:spPr/>
+        <p:txBody>
+          <a:bodyPr>
+            <a:normAutofit/>
+          </a:bodyPr>
+          <a:lstStyle/>
+          <a:p>
+            <a:r>
+              <a:rPr lang="en-US" dirty="0" smtClean="0"/>
+              <a:t>Today’s Outline</a:t>
+            </a:r>
+            <a:endParaRPr lang="en-US" dirty="0"/>
+          </a:p>
+        </p:txBody>
+      </p:sp>
+      <p:sp>
+        <p:nvSpPr>
+          <p:cNvPr id="3" name="Content Placeholder 2"/>
+          <p:cNvSpPr>
+            <a:spLocks noGrp="1"/>
+          </p:cNvSpPr>
+          <p:nvPr>
+            <p:ph idx="1"/>
+          </p:nvPr>
+        </p:nvSpPr>
+        <p:spPr/>
+        <p:txBody>
+          <a:bodyPr>
+            <a:normAutofit fontScale="92500" lnSpcReduction="10000"/>
+          </a:bodyPr>
+          <a:lstStyle/>
+          <a:p>
+            <a:r>
+              <a:rPr lang="en-US" sz="1400" dirty="0" smtClean="0"/>
+              <a:t>Course Principles </a:t>
+            </a:r>
+          </a:p>
+          <a:p>
+            <a:pPr lvl="1"/>
+            <a:r>
+              <a:rPr lang="en-US" sz="1000" dirty="0" smtClean="0"/>
+              <a:t>We go where they go</a:t>
+            </a:r>
+          </a:p>
+          <a:p>
+            <a:pPr lvl="1"/>
+            <a:r>
+              <a:rPr lang="en-US" sz="1000" dirty="0" smtClean="0"/>
+              <a:t>We shepherd if they go crazy</a:t>
+            </a:r>
+          </a:p>
+          <a:p>
+            <a:endParaRPr lang="en-US" sz="1400" dirty="0" smtClean="0"/>
+          </a:p>
+          <a:p>
+            <a:r>
+              <a:rPr lang="en-US" sz="1400" dirty="0" smtClean="0"/>
+              <a:t>Intro</a:t>
+            </a:r>
+          </a:p>
+          <a:p>
+            <a:pPr lvl="1"/>
+            <a:r>
+              <a:rPr lang="en-US" sz="1000" dirty="0" smtClean="0"/>
+              <a:t>Lines (height, distance, name, testing, programming,</a:t>
+            </a:r>
+            <a:r>
+              <a:rPr lang="en-US" sz="1000" dirty="0"/>
+              <a:t> , exploratory testing, </a:t>
+            </a:r>
+            <a:r>
+              <a:rPr lang="en-US" sz="1000" dirty="0" smtClean="0"/>
+              <a:t> automated  testing, unit testing, Android &amp; iPhone)</a:t>
+            </a:r>
+            <a:endParaRPr lang="en-US" sz="1000" dirty="0"/>
+          </a:p>
+          <a:p>
+            <a:pPr lvl="1"/>
+            <a:r>
+              <a:rPr lang="en-US" sz="1000" dirty="0" smtClean="0"/>
+              <a:t>Strong Style Pairing </a:t>
+            </a:r>
+            <a:r>
+              <a:rPr lang="en-US" sz="1000" dirty="0" smtClean="0"/>
+              <a:t>Exercise Phone</a:t>
+            </a:r>
+          </a:p>
+          <a:p>
+            <a:pPr lvl="1"/>
+            <a:r>
+              <a:rPr lang="en-US" sz="1000" dirty="0" smtClean="0"/>
+              <a:t>How to obverse Patterns</a:t>
+            </a:r>
+            <a:endParaRPr lang="en-US" sz="1000" dirty="0" smtClean="0"/>
+          </a:p>
+          <a:p>
+            <a:pPr lvl="1"/>
+            <a:r>
+              <a:rPr lang="en-US" sz="1000" dirty="0" smtClean="0"/>
+              <a:t>Intro Mobbing</a:t>
+            </a:r>
+          </a:p>
+          <a:p>
+            <a:r>
+              <a:rPr lang="en-US" sz="1400" dirty="0" smtClean="0"/>
+              <a:t>Exploratory Testing :</a:t>
+            </a:r>
+          </a:p>
+          <a:p>
+            <a:pPr lvl="1"/>
+            <a:r>
+              <a:rPr lang="en-US" sz="1000" dirty="0" smtClean="0"/>
+              <a:t>Explore Space – Build Map  (very little guidance) </a:t>
+            </a:r>
+          </a:p>
+          <a:p>
+            <a:pPr lvl="1"/>
+            <a:r>
+              <a:rPr lang="en-US" sz="1000" dirty="0" smtClean="0"/>
+              <a:t>Basic use case (add guide)</a:t>
+            </a:r>
+          </a:p>
+          <a:p>
+            <a:pPr lvl="1"/>
+            <a:r>
+              <a:rPr lang="en-US" sz="1000" dirty="0" smtClean="0"/>
+              <a:t>Retro</a:t>
+            </a:r>
+            <a:endParaRPr lang="en-US" sz="600" dirty="0" smtClean="0"/>
+          </a:p>
+          <a:p>
+            <a:pPr lvl="1"/>
+            <a:r>
+              <a:rPr lang="en-US" sz="1000" dirty="0" smtClean="0"/>
+              <a:t>Test Specific Area (animations)</a:t>
+            </a:r>
+          </a:p>
+          <a:p>
+            <a:pPr lvl="1"/>
+            <a:r>
+              <a:rPr lang="en-US" sz="1000" dirty="0" smtClean="0"/>
+              <a:t>(possible retro)</a:t>
+            </a:r>
+          </a:p>
+          <a:p>
+            <a:pPr lvl="1"/>
+            <a:r>
+              <a:rPr lang="en-US" sz="1000" dirty="0" smtClean="0"/>
+              <a:t>Report a bug</a:t>
+            </a:r>
+          </a:p>
+          <a:p>
+            <a:pPr lvl="1"/>
+            <a:r>
+              <a:rPr lang="en-US" sz="1000" dirty="0" smtClean="0"/>
+              <a:t>Retro</a:t>
+            </a:r>
+          </a:p>
+          <a:p>
+            <a:r>
+              <a:rPr lang="en-US" sz="1400" dirty="0" smtClean="0"/>
+              <a:t>Unit Testing</a:t>
+            </a:r>
+          </a:p>
+          <a:p>
+            <a:pPr lvl="1"/>
+            <a:r>
+              <a:rPr lang="en-US" sz="1000" dirty="0" smtClean="0"/>
+              <a:t>Seams (Guided mob)</a:t>
+            </a:r>
+          </a:p>
+          <a:p>
+            <a:pPr lvl="1"/>
+            <a:r>
+              <a:rPr lang="en-US" sz="1000" dirty="0" smtClean="0"/>
+              <a:t>Retro </a:t>
+            </a:r>
+          </a:p>
+          <a:p>
+            <a:pPr lvl="1"/>
+            <a:r>
+              <a:rPr lang="en-US" sz="1000" dirty="0" smtClean="0"/>
+              <a:t>White board and multi-cases</a:t>
+            </a:r>
+          </a:p>
+          <a:p>
+            <a:pPr lvl="1"/>
+            <a:r>
+              <a:rPr lang="en-US" sz="1000" dirty="0" smtClean="0"/>
+              <a:t>Retro</a:t>
+            </a:r>
+          </a:p>
+          <a:p>
+            <a:r>
+              <a:rPr lang="en-US" sz="1400" dirty="0" smtClean="0"/>
+              <a:t>Close</a:t>
+            </a:r>
+          </a:p>
+          <a:p>
+            <a:pPr lvl="1"/>
+            <a:r>
+              <a:rPr lang="en-US" sz="1000" dirty="0" smtClean="0"/>
+              <a:t>Palette Cleansing</a:t>
+            </a:r>
+          </a:p>
+          <a:p>
+            <a:pPr lvl="1"/>
+            <a:r>
+              <a:rPr lang="en-US" sz="1000" dirty="0" smtClean="0"/>
+              <a:t>Overall Retro</a:t>
+            </a:r>
+          </a:p>
+          <a:p>
+            <a:pPr lvl="1"/>
+            <a:r>
+              <a:rPr lang="en-US" sz="1000" dirty="0" smtClean="0"/>
+              <a:t>Closing Summary</a:t>
+            </a:r>
+          </a:p>
+          <a:p>
+            <a:pPr lvl="1"/>
+            <a:endParaRPr lang="en-US" sz="1000" dirty="0" smtClean="0"/>
+          </a:p>
+          <a:p>
+            <a:pPr marL="0" indent="0">
+              <a:buNone/>
+            </a:pPr>
+            <a:endParaRPr lang="en-US" sz="1400" dirty="0"/>
+          </a:p>
+        </p:txBody>
+      </p:sp>
+    </p:spTree>
+    <p:extLst>
+      <p:ext uri="{BB962C8B-B14F-4D97-AF65-F5344CB8AC3E}">
+        <p14:creationId xmlns:p14="http://schemas.microsoft.com/office/powerpoint/2010/main" val="3092997323"/>
+      </p:ext>
+    </p:extLst>
+  </p:cSld>
+  <p:clrMapOvr>
+    <a:masterClrMapping/>
+  </p:clrMapOvr>
+  <mc:AlternateContent xmlns:mc="http://schemas.openxmlformats.org/markup-compatibility/2006">
+    <mc:Choice xmlns:p14="http://schemas.microsoft.com/office/powerpoint/2010/main" Requires="p14">
+      <p:transition spd="slow" p14:dur="2000"/>
+    </mc:Choice>
+    <mc:Fallback>
+      <p:transition xmlns:p14="http://schemas.microsoft.com/office/powerpoint/2010/main" spd="slow"/>
+    </mc:Fallback>
+  </mc:AlternateContent>
+  <p:timing>
+    <p:tnLst>
+      <p:par>
+        <p:cTn xmlns:p14="http://schemas.microsoft.com/office/powerpoint/2010/main" id="1" dur="indefinite" restart="never" nodeType="tmRoot"/>
+      </p:par>
+    </p:tnLst>
+  </p:timing>
+</p:sld>
+</file>
+
+<file path=ppt/slides/slide20.xml><?xml version="1.0" encoding="utf-8"?>
+<p:sld xmlns:a="http://schemas.openxmlformats.org/drawingml/2006/main" xmlns:r="http://schemas.openxmlformats.org/officeDocument/2006/relationships" xmlns:p="http://schemas.openxmlformats.org/presentationml/2006/main">
+  <p:cSld>
+    <p:spTree>
+      <p:nvGrpSpPr>
+        <p:cNvPr id="1" name=""/>
+        <p:cNvGrpSpPr/>
+        <p:nvPr/>
+      </p:nvGrpSpPr>
+      <p:grpSpPr>
+        <a:xfrm>
+          <a:off x="0" y="0"/>
+          <a:ext cx="0" cy="0"/>
+          <a:chOff x="0" y="0"/>
+          <a:chExt cx="0" cy="0"/>
+        </a:xfrm>
+      </p:grpSpPr>
+      <p:sp>
+        <p:nvSpPr>
+          <p:cNvPr id="4" name="Title 3"/>
+          <p:cNvSpPr>
+            <a:spLocks noGrp="1"/>
+          </p:cNvSpPr>
+          <p:nvPr>
+            <p:ph type="ctrTitle"/>
+          </p:nvPr>
+        </p:nvSpPr>
+        <p:spPr>
+          <a:xfrm>
+            <a:off x="0" y="0"/>
+            <a:ext cx="9144000" cy="6858000"/>
+          </a:xfrm>
+        </p:spPr>
+        <p:txBody>
+          <a:bodyPr anchor="t">
+            <a:noAutofit/>
+          </a:bodyPr>
+          <a:lstStyle/>
+          <a:p>
+            <a:pPr algn="r"/>
+            <a:r>
+              <a:rPr lang="en-US" sz="8000" dirty="0" smtClean="0">
+                <a:solidFill>
+                  <a:schemeClr val="accent2"/>
+                </a:solidFill>
+              </a:rPr>
+              <a:t>NON-</a:t>
+            </a:r>
+            <a:r>
+              <a:rPr lang="en-US" sz="8000" dirty="0" smtClean="0"/>
+              <a:t>Functional</a:t>
+            </a:r>
+            <a:endParaRPr lang="en-US" sz="8000" dirty="0"/>
+          </a:p>
+        </p:txBody>
+      </p:sp>
+      <p:sp>
+        <p:nvSpPr>
+          <p:cNvPr id="6" name="Rounded Rectangle 5"/>
+          <p:cNvSpPr/>
+          <p:nvPr/>
+        </p:nvSpPr>
+        <p:spPr>
+          <a:xfrm>
+            <a:off x="1905000" y="2006601"/>
+            <a:ext cx="6858000" cy="3897745"/>
+          </a:xfrm>
+          <a:prstGeom prst="roundRect">
+            <a:avLst/>
+          </a:prstGeom>
+          <a:solidFill>
+            <a:srgbClr val="981415"/>
+          </a:solidFill>
+        </p:spPr>
+        <p:style>
+          <a:lnRef idx="3">
+            <a:schemeClr val="lt1"/>
+          </a:lnRef>
+          <a:fillRef idx="1">
+            <a:schemeClr val="dk1"/>
+          </a:fillRef>
+          <a:effectRef idx="1">
+            <a:schemeClr val="dk1"/>
+          </a:effectRef>
+          <a:fontRef idx="minor">
+            <a:schemeClr val="lt1"/>
+          </a:fontRef>
+        </p:style>
+        <p:txBody>
+          <a:bodyPr rtlCol="0" anchor="ctr"/>
+          <a:lstStyle/>
+          <a:p>
+            <a:pPr algn="ctr"/>
+            <a:endParaRPr lang="en-US" dirty="0"/>
+          </a:p>
+        </p:txBody>
+      </p:sp>
+      <p:cxnSp>
+        <p:nvCxnSpPr>
+          <p:cNvPr id="11" name="Straight Arrow Connector 10"/>
+          <p:cNvCxnSpPr/>
+          <p:nvPr/>
+        </p:nvCxnSpPr>
+        <p:spPr>
+          <a:xfrm>
+            <a:off x="685800" y="2514600"/>
+            <a:ext cx="1143000" cy="0"/>
+          </a:xfrm>
+          <a:prstGeom prst="straightConnector1">
+            <a:avLst/>
+          </a:prstGeom>
+          <a:ln>
+            <a:tailEnd type="arrow"/>
+          </a:ln>
+        </p:spPr>
+        <p:style>
+          <a:lnRef idx="2">
+            <a:schemeClr val="dk1"/>
+          </a:lnRef>
+          <a:fillRef idx="0">
+            <a:schemeClr val="dk1"/>
+          </a:fillRef>
+          <a:effectRef idx="1">
+            <a:schemeClr val="dk1"/>
+          </a:effectRef>
+          <a:fontRef idx="minor">
+            <a:schemeClr val="tx1"/>
+          </a:fontRef>
+        </p:style>
+      </p:cxnSp>
+      <p:sp>
+        <p:nvSpPr>
+          <p:cNvPr id="24" name="TextBox 23"/>
+          <p:cNvSpPr txBox="1"/>
+          <p:nvPr/>
+        </p:nvSpPr>
+        <p:spPr>
+          <a:xfrm>
+            <a:off x="1905000" y="2209801"/>
+            <a:ext cx="6858000" cy="954107"/>
+          </a:xfrm>
+          <a:prstGeom prst="rect">
+            <a:avLst/>
+          </a:prstGeom>
+          <a:noFill/>
+        </p:spPr>
+        <p:txBody>
+          <a:bodyPr wrap="square" rtlCol="0">
+            <a:spAutoFit/>
+          </a:bodyPr>
+          <a:lstStyle/>
+          <a:p>
+            <a:r>
+              <a:rPr lang="en-US" sz="2800" dirty="0" smtClean="0">
+                <a:solidFill>
+                  <a:schemeClr val="lt1"/>
+                </a:solidFill>
+              </a:rPr>
+              <a:t>Get inputs as needed (global state, file, database…)</a:t>
+            </a:r>
+            <a:endParaRPr lang="en-US" sz="2800" dirty="0">
+              <a:solidFill>
+                <a:schemeClr val="lt1"/>
+              </a:solidFill>
+            </a:endParaRPr>
+          </a:p>
+        </p:txBody>
+      </p:sp>
+      <p:sp>
+        <p:nvSpPr>
+          <p:cNvPr id="8" name="TextBox 7"/>
+          <p:cNvSpPr txBox="1"/>
+          <p:nvPr/>
+        </p:nvSpPr>
+        <p:spPr>
+          <a:xfrm>
+            <a:off x="1905000" y="3665458"/>
+            <a:ext cx="6248400" cy="523220"/>
+          </a:xfrm>
+          <a:prstGeom prst="rect">
+            <a:avLst/>
+          </a:prstGeom>
+          <a:noFill/>
+        </p:spPr>
+        <p:txBody>
+          <a:bodyPr wrap="square" rtlCol="0">
+            <a:spAutoFit/>
+          </a:bodyPr>
+          <a:lstStyle/>
+          <a:p>
+            <a:r>
+              <a:rPr lang="en-US" sz="2800" dirty="0" smtClean="0">
+                <a:solidFill>
+                  <a:schemeClr val="lt1"/>
+                </a:solidFill>
+              </a:rPr>
+              <a:t>Result vary (dates, random, environment)</a:t>
+            </a:r>
+            <a:endParaRPr lang="en-US" sz="2800" dirty="0">
+              <a:solidFill>
+                <a:schemeClr val="lt1"/>
+              </a:solidFill>
+            </a:endParaRPr>
+          </a:p>
+        </p:txBody>
+      </p:sp>
+      <p:sp>
+        <p:nvSpPr>
+          <p:cNvPr id="9" name="TextBox 8"/>
+          <p:cNvSpPr txBox="1"/>
+          <p:nvPr/>
+        </p:nvSpPr>
+        <p:spPr>
+          <a:xfrm>
+            <a:off x="1905000" y="4546600"/>
+            <a:ext cx="7086600" cy="523220"/>
+          </a:xfrm>
+          <a:prstGeom prst="rect">
+            <a:avLst/>
+          </a:prstGeom>
+          <a:noFill/>
+        </p:spPr>
+        <p:txBody>
+          <a:bodyPr wrap="square" rtlCol="0">
+            <a:spAutoFit/>
+          </a:bodyPr>
+          <a:lstStyle/>
+          <a:p>
+            <a:r>
+              <a:rPr lang="en-US" sz="2800" dirty="0" smtClean="0">
+                <a:solidFill>
+                  <a:schemeClr val="lt1"/>
+                </a:solidFill>
+              </a:rPr>
+              <a:t>Store results (global, disk, database, transient) </a:t>
+            </a:r>
+            <a:endParaRPr lang="en-US" sz="2800" dirty="0">
+              <a:solidFill>
+                <a:schemeClr val="lt1"/>
+              </a:solidFill>
+            </a:endParaRPr>
+          </a:p>
+        </p:txBody>
+      </p:sp>
+    </p:spTree>
+    <p:extLst>
+      <p:ext uri="{BB962C8B-B14F-4D97-AF65-F5344CB8AC3E}">
+        <p14:creationId xmlns:p14="http://schemas.microsoft.com/office/powerpoint/2010/main" val="3321317908"/>
+      </p:ext>
+    </p:extLst>
+  </p:cSld>
+  <p:clrMapOvr>
+    <a:masterClrMapping/>
+  </p:clrMapOvr>
+  <p:timing>
+    <p:tnLst>
+      <p:par>
+        <p:cTn xmlns:p14="http://schemas.microsoft.com/office/powerpoint/2010/main" id="1" dur="indefinite" restart="never" nodeType="tmRoot"/>
+      </p:par>
+    </p:tnLst>
+  </p:timing>
+</p:sld>
+</file>
+
+<file path=ppt/slides/slide21.xml><?xml version="1.0" encoding="utf-8"?>
+<p:sld xmlns:a="http://schemas.openxmlformats.org/drawingml/2006/main" xmlns:r="http://schemas.openxmlformats.org/officeDocument/2006/relationships" xmlns:p="http://schemas.openxmlformats.org/presentationml/2006/main">
+  <p:cSld>
+    <p:spTree>
+      <p:nvGrpSpPr>
+        <p:cNvPr id="1" name=""/>
+        <p:cNvGrpSpPr/>
+        <p:nvPr/>
+      </p:nvGrpSpPr>
+      <p:grpSpPr>
+        <a:xfrm>
+          <a:off x="0" y="0"/>
+          <a:ext cx="0" cy="0"/>
+          <a:chOff x="0" y="0"/>
+          <a:chExt cx="0" cy="0"/>
+        </a:xfrm>
+      </p:grpSpPr>
+      <p:sp>
+        <p:nvSpPr>
+          <p:cNvPr id="2" name="Title 1"/>
+          <p:cNvSpPr>
+            <a:spLocks noGrp="1"/>
+          </p:cNvSpPr>
+          <p:nvPr>
+            <p:ph type="title"/>
+          </p:nvPr>
+        </p:nvSpPr>
+        <p:spPr>
+          <a:xfrm>
+            <a:off x="685800" y="76200"/>
+            <a:ext cx="7772400" cy="1363133"/>
+          </a:xfrm>
+        </p:spPr>
+        <p:txBody>
+          <a:bodyPr>
+            <a:normAutofit/>
+          </a:bodyPr>
+          <a:lstStyle/>
+          <a:p>
+            <a:r>
+              <a:rPr lang="en-US" dirty="0" smtClean="0"/>
+              <a:t>Why functional is easier for tests</a:t>
+            </a:r>
+            <a:endParaRPr lang="en-US" dirty="0"/>
+          </a:p>
+        </p:txBody>
+      </p:sp>
+      <p:sp>
+        <p:nvSpPr>
+          <p:cNvPr id="4" name="Rectangle 3"/>
+          <p:cNvSpPr/>
+          <p:nvPr/>
+        </p:nvSpPr>
+        <p:spPr>
+          <a:xfrm>
+            <a:off x="2362200" y="1295400"/>
+            <a:ext cx="4495800" cy="4876800"/>
+          </a:xfrm>
+          <a:prstGeom prst="rect">
+            <a:avLst/>
+          </a:prstGeom>
+          <a:solidFill>
+            <a:srgbClr val="72BC5C"/>
+          </a:solidFill>
+          <a:ln w="76200" cmpd="sng">
+            <a:prstDash val="dash"/>
+          </a:ln>
+        </p:spPr>
+        <p:style>
+          <a:lnRef idx="1">
+            <a:schemeClr val="dk1"/>
+          </a:lnRef>
+          <a:fillRef idx="3">
+            <a:schemeClr val="dk1"/>
+          </a:fillRef>
+          <a:effectRef idx="2">
+            <a:schemeClr val="dk1"/>
+          </a:effectRef>
+          <a:fontRef idx="minor">
+            <a:schemeClr val="lt1"/>
+          </a:fontRef>
+        </p:style>
+        <p:txBody>
+          <a:bodyPr rot="0" spcFirstLastPara="0" vertOverflow="overflow" horzOverflow="overflow" vert="horz" wrap="square" lIns="91440" tIns="45720" rIns="91440" bIns="45720" numCol="1" spcCol="0" rtlCol="0" fromWordArt="0" anchor="t" anchorCtr="0" forceAA="0" compatLnSpc="1">
+            <a:prstTxWarp prst="textNoShape">
+              <a:avLst/>
+            </a:prstTxWarp>
+            <a:noAutofit/>
+          </a:bodyPr>
+          <a:lstStyle/>
+          <a:p>
+            <a:pPr algn="ctr"/>
+            <a:r>
+              <a:rPr lang="en-US" sz="2000" b="1" dirty="0"/>
+              <a:t>Unit Test</a:t>
+            </a:r>
+          </a:p>
+        </p:txBody>
+      </p:sp>
+      <p:sp>
+        <p:nvSpPr>
+          <p:cNvPr id="5" name="Rectangle 4"/>
+          <p:cNvSpPr/>
+          <p:nvPr/>
+        </p:nvSpPr>
+        <p:spPr>
+          <a:xfrm>
+            <a:off x="3200400" y="3022600"/>
+            <a:ext cx="2895600" cy="2133600"/>
+          </a:xfrm>
+          <a:prstGeom prst="rect">
+            <a:avLst/>
+          </a:prstGeom>
+          <a:solidFill>
+            <a:srgbClr val="72BC5C"/>
+          </a:solidFill>
+          <a:ln w="76200" cmpd="sng">
+            <a:prstDash val="dash"/>
+          </a:ln>
+        </p:spPr>
+        <p:style>
+          <a:lnRef idx="1">
+            <a:schemeClr val="dk1"/>
+          </a:lnRef>
+          <a:fillRef idx="3">
+            <a:schemeClr val="dk1"/>
+          </a:fillRef>
+          <a:effectRef idx="2">
+            <a:schemeClr val="dk1"/>
+          </a:effectRef>
+          <a:fontRef idx="minor">
+            <a:schemeClr val="lt1"/>
+          </a:fontRef>
+        </p:style>
+        <p:txBody>
+          <a:bodyPr rot="0" spcFirstLastPara="0" vertOverflow="overflow" horzOverflow="overflow" vert="horz" wrap="square" lIns="91440" tIns="45720" rIns="91440" bIns="45720" numCol="1" spcCol="0" rtlCol="0" fromWordArt="0" anchor="t" anchorCtr="0" forceAA="0" compatLnSpc="1">
+            <a:prstTxWarp prst="textNoShape">
+              <a:avLst/>
+            </a:prstTxWarp>
+            <a:noAutofit/>
+          </a:bodyPr>
+          <a:lstStyle/>
+          <a:p>
+            <a:pPr algn="ctr"/>
+            <a:r>
+              <a:rPr lang="en-US" sz="2000" b="1" dirty="0" smtClean="0"/>
+              <a:t>Production Code</a:t>
+            </a:r>
+          </a:p>
+          <a:p>
+            <a:pPr algn="ctr"/>
+            <a:endParaRPr lang="en-US" sz="2000" b="1" dirty="0"/>
+          </a:p>
+          <a:p>
+            <a:pPr algn="ctr"/>
+            <a:r>
+              <a:rPr lang="en-US" sz="2000" b="1" dirty="0" smtClean="0"/>
+              <a:t>Do</a:t>
+            </a:r>
+          </a:p>
+          <a:p>
+            <a:pPr algn="ctr"/>
+            <a:r>
+              <a:rPr lang="en-US" sz="2000" b="1" dirty="0" smtClean="0"/>
+              <a:t>Verify</a:t>
+            </a:r>
+            <a:endParaRPr lang="en-US" sz="2000" b="1" dirty="0"/>
+          </a:p>
+        </p:txBody>
+      </p:sp>
+    </p:spTree>
+    <p:extLst>
+      <p:ext uri="{BB962C8B-B14F-4D97-AF65-F5344CB8AC3E}">
+        <p14:creationId xmlns:p14="http://schemas.microsoft.com/office/powerpoint/2010/main" val="677887963"/>
+      </p:ext>
+    </p:extLst>
+  </p:cSld>
+  <p:clrMapOvr>
+    <a:masterClrMapping/>
+  </p:clrMapOvr>
+  <p:timing>
+    <p:tnLst>
+      <p:par>
+        <p:cTn xmlns:p14="http://schemas.microsoft.com/office/powerpoint/2010/main" id="1" dur="indefinite" restart="never" nodeType="tmRoot"/>
+      </p:par>
+    </p:tnLst>
+  </p:timing>
+</p:sld>
+</file>
+
+<file path=ppt/slides/slide22.xml><?xml version="1.0" encoding="utf-8"?>
+<p:sld xmlns:a="http://schemas.openxmlformats.org/drawingml/2006/main" xmlns:r="http://schemas.openxmlformats.org/officeDocument/2006/relationships" xmlns:p="http://schemas.openxmlformats.org/presentationml/2006/main">
+  <p:cSld>
+    <p:spTree>
+      <p:nvGrpSpPr>
+        <p:cNvPr id="1" name=""/>
+        <p:cNvGrpSpPr/>
+        <p:nvPr/>
+      </p:nvGrpSpPr>
+      <p:grpSpPr>
+        <a:xfrm>
+          <a:off x="0" y="0"/>
+          <a:ext cx="0" cy="0"/>
+          <a:chOff x="0" y="0"/>
+          <a:chExt cx="0" cy="0"/>
+        </a:xfrm>
+      </p:grpSpPr>
+      <p:sp>
+        <p:nvSpPr>
+          <p:cNvPr id="2" name="Title 1"/>
+          <p:cNvSpPr>
+            <a:spLocks noGrp="1"/>
+          </p:cNvSpPr>
+          <p:nvPr>
+            <p:ph type="title"/>
+          </p:nvPr>
+        </p:nvSpPr>
+        <p:spPr>
+          <a:xfrm>
+            <a:off x="685800" y="76200"/>
+            <a:ext cx="7772400" cy="1363133"/>
+          </a:xfrm>
+        </p:spPr>
+        <p:txBody>
+          <a:bodyPr>
+            <a:normAutofit/>
+          </a:bodyPr>
+          <a:lstStyle/>
+          <a:p>
+            <a:r>
+              <a:rPr lang="en-US" dirty="0" smtClean="0"/>
+              <a:t>Why functional is easier for tests</a:t>
+            </a:r>
+            <a:endParaRPr lang="en-US" dirty="0"/>
+          </a:p>
+        </p:txBody>
+      </p:sp>
+      <p:sp>
+        <p:nvSpPr>
+          <p:cNvPr id="4" name="Rectangle 3"/>
+          <p:cNvSpPr/>
+          <p:nvPr/>
+        </p:nvSpPr>
+        <p:spPr>
+          <a:xfrm>
+            <a:off x="2362200" y="1295400"/>
+            <a:ext cx="4495800" cy="4876800"/>
+          </a:xfrm>
+          <a:prstGeom prst="rect">
+            <a:avLst/>
+          </a:prstGeom>
+          <a:solidFill>
+            <a:srgbClr val="72BC5C"/>
+          </a:solidFill>
+          <a:ln w="76200" cmpd="sng">
+            <a:prstDash val="dash"/>
+          </a:ln>
+        </p:spPr>
+        <p:style>
+          <a:lnRef idx="1">
+            <a:schemeClr val="dk1"/>
+          </a:lnRef>
+          <a:fillRef idx="3">
+            <a:schemeClr val="dk1"/>
+          </a:fillRef>
+          <a:effectRef idx="2">
+            <a:schemeClr val="dk1"/>
+          </a:effectRef>
+          <a:fontRef idx="minor">
+            <a:schemeClr val="lt1"/>
+          </a:fontRef>
+        </p:style>
+        <p:txBody>
+          <a:bodyPr rot="0" spcFirstLastPara="0" vertOverflow="overflow" horzOverflow="overflow" vert="horz" wrap="square" lIns="91440" tIns="45720" rIns="91440" bIns="45720" numCol="1" spcCol="0" rtlCol="0" fromWordArt="0" anchor="t" anchorCtr="0" forceAA="0" compatLnSpc="1">
+            <a:prstTxWarp prst="textNoShape">
+              <a:avLst/>
+            </a:prstTxWarp>
+            <a:noAutofit/>
+          </a:bodyPr>
+          <a:lstStyle/>
+          <a:p>
+            <a:pPr algn="ctr"/>
+            <a:r>
+              <a:rPr lang="en-US" sz="2000" b="1" dirty="0"/>
+              <a:t>Unit Test</a:t>
+            </a:r>
+          </a:p>
+        </p:txBody>
+      </p:sp>
+      <p:sp>
+        <p:nvSpPr>
+          <p:cNvPr id="5" name="Rectangle 4"/>
+          <p:cNvSpPr/>
+          <p:nvPr/>
+        </p:nvSpPr>
+        <p:spPr>
+          <a:xfrm>
+            <a:off x="3200400" y="3022600"/>
+            <a:ext cx="2895600" cy="2133600"/>
+          </a:xfrm>
+          <a:prstGeom prst="rect">
+            <a:avLst/>
+          </a:prstGeom>
+          <a:solidFill>
+            <a:srgbClr val="9A312C"/>
+          </a:solidFill>
+          <a:ln w="76200" cmpd="sng">
+            <a:prstDash val="dash"/>
+          </a:ln>
+        </p:spPr>
+        <p:style>
+          <a:lnRef idx="1">
+            <a:schemeClr val="dk1"/>
+          </a:lnRef>
+          <a:fillRef idx="3">
+            <a:schemeClr val="dk1"/>
+          </a:fillRef>
+          <a:effectRef idx="2">
+            <a:schemeClr val="dk1"/>
+          </a:effectRef>
+          <a:fontRef idx="minor">
+            <a:schemeClr val="lt1"/>
+          </a:fontRef>
+        </p:style>
+        <p:txBody>
+          <a:bodyPr rot="0" spcFirstLastPara="0" vertOverflow="overflow" horzOverflow="overflow" vert="horz" wrap="square" lIns="91440" tIns="45720" rIns="91440" bIns="45720" numCol="1" spcCol="0" rtlCol="0" fromWordArt="0" anchor="t" anchorCtr="0" forceAA="0" compatLnSpc="1">
+            <a:prstTxWarp prst="textNoShape">
+              <a:avLst/>
+            </a:prstTxWarp>
+            <a:noAutofit/>
+          </a:bodyPr>
+          <a:lstStyle/>
+          <a:p>
+            <a:pPr algn="ctr"/>
+            <a:r>
+              <a:rPr lang="en-US" sz="2000" b="1" dirty="0" smtClean="0"/>
+              <a:t>Production Code</a:t>
+            </a:r>
+          </a:p>
+          <a:p>
+            <a:pPr algn="ctr"/>
+            <a:endParaRPr lang="en-US" sz="2000" b="1" dirty="0"/>
+          </a:p>
+          <a:p>
+            <a:pPr algn="ctr"/>
+            <a:r>
+              <a:rPr lang="en-US" sz="2000" b="1" dirty="0" smtClean="0"/>
+              <a:t>Do</a:t>
+            </a:r>
+          </a:p>
+          <a:p>
+            <a:pPr algn="ctr"/>
+            <a:r>
+              <a:rPr lang="en-US" sz="2000" b="1" dirty="0" smtClean="0"/>
+              <a:t>Verify</a:t>
+            </a:r>
+            <a:endParaRPr lang="en-US" sz="2000" b="1" dirty="0"/>
+          </a:p>
+        </p:txBody>
+      </p:sp>
+      <p:sp>
+        <p:nvSpPr>
+          <p:cNvPr id="3" name="Oval 2"/>
+          <p:cNvSpPr/>
+          <p:nvPr/>
+        </p:nvSpPr>
+        <p:spPr>
+          <a:xfrm>
+            <a:off x="2667000" y="1905000"/>
+            <a:ext cx="3886200" cy="3962400"/>
+          </a:xfrm>
+          <a:prstGeom prst="ellipse">
+            <a:avLst/>
+          </a:prstGeom>
+          <a:solidFill>
+            <a:srgbClr val="72BC5C">
+              <a:alpha val="76000"/>
+            </a:srgbClr>
+          </a:solidFill>
+          <a:ln w="76200" cmpd="sng">
+            <a:prstDash val="dash"/>
+          </a:ln>
+        </p:spPr>
+        <p:style>
+          <a:lnRef idx="1">
+            <a:schemeClr val="dk1"/>
+          </a:lnRef>
+          <a:fillRef idx="3">
+            <a:schemeClr val="dk1"/>
+          </a:fillRef>
+          <a:effectRef idx="2">
+            <a:schemeClr val="dk1"/>
+          </a:effectRef>
+          <a:fontRef idx="minor">
+            <a:schemeClr val="lt1"/>
+          </a:fontRef>
+        </p:style>
+        <p:txBody>
+          <a:bodyPr rtlCol="0" anchor="t"/>
+          <a:lstStyle/>
+          <a:p>
+            <a:pPr algn="ctr"/>
+            <a:r>
+              <a:rPr lang="en-US" sz="2000" b="1" dirty="0" smtClean="0"/>
+              <a:t>Functional Harness</a:t>
+            </a:r>
+            <a:endParaRPr lang="en-US" sz="2000" b="1" dirty="0"/>
+          </a:p>
+        </p:txBody>
+      </p:sp>
+    </p:spTree>
+    <p:extLst>
+      <p:ext uri="{BB962C8B-B14F-4D97-AF65-F5344CB8AC3E}">
+        <p14:creationId xmlns:p14="http://schemas.microsoft.com/office/powerpoint/2010/main" val="966029903"/>
+      </p:ext>
+    </p:extLst>
+  </p:cSld>
+  <p:clrMapOvr>
+    <a:masterClrMapping/>
+  </p:clrMapOvr>
+  <p:timing>
+    <p:tnLst>
+      <p:par>
+        <p:cTn xmlns:p14="http://schemas.microsoft.com/office/powerpoint/2010/main" id="1" dur="indefinite" restart="never" nodeType="tmRoot">
+          <p:childTnLst>
+            <p:seq concurrent="1" nextAc="seek">
+              <p:cTn id="2" dur="indefinite" nodeType="mainSeq">
+                <p:childTnLst>
+                  <p:par>
+                    <p:cTn id="3" fill="hold">
+                      <p:stCondLst>
+                        <p:cond delay="indefinite"/>
+                      </p:stCondLst>
+                      <p:childTnLst>
+                        <p:par>
+                          <p:cTn id="4" fill="hold">
+                            <p:stCondLst>
+                              <p:cond delay="0"/>
+                            </p:stCondLst>
+                            <p:childTnLst>
+                              <p:par>
+                                <p:cTn id="5" presetID="20" presetClass="entr" presetSubtype="0" fill="hold" grpId="0" nodeType="clickEffect">
+                                  <p:stCondLst>
+                                    <p:cond delay="0"/>
+                                  </p:stCondLst>
+                                  <p:childTnLst>
+                                    <p:set>
+                                      <p:cBhvr>
+                                        <p:cTn id="6" dur="1" fill="hold">
+                                          <p:stCondLst>
+                                            <p:cond delay="0"/>
+                                          </p:stCondLst>
+                                        </p:cTn>
+                                        <p:tgtEl>
+                                          <p:spTgt spid="3"/>
+                                        </p:tgtEl>
+                                        <p:attrNameLst>
+                                          <p:attrName>style.visibility</p:attrName>
+                                        </p:attrNameLst>
+                                      </p:cBhvr>
+                                      <p:to>
+                                        <p:strVal val="visible"/>
+                                      </p:to>
+                                    </p:set>
+                                    <p:animEffect transition="in" filter="wedge">
+                                      <p:cBhvr>
+                                        <p:cTn id="7" dur="2000"/>
+                                        <p:tgtEl>
+                                          <p:spTgt spid="3"/>
+                                        </p:tgtEl>
+                                      </p:cBhvr>
+                                    </p:animEffect>
+                                  </p:childTnLst>
+                                </p:cTn>
+                              </p:par>
+                            </p:childTnLst>
+                          </p:cTn>
+                        </p:par>
+                      </p:childTnLst>
+                    </p:cTn>
+                  </p:par>
+                </p:childTnLst>
+              </p:cTn>
+              <p:prevCondLst>
+                <p:cond evt="onPrev" delay="0">
+                  <p:tgtEl>
+                    <p:sldTgt/>
+                  </p:tgtEl>
+                </p:cond>
+              </p:prevCondLst>
+              <p:nextCondLst>
+                <p:cond evt="onNext" delay="0">
+                  <p:tgtEl>
+                    <p:sldTgt/>
+                  </p:tgtEl>
+                </p:cond>
+              </p:nextCondLst>
+            </p:seq>
+          </p:childTnLst>
+        </p:cTn>
+      </p:par>
+    </p:tnLst>
+    <p:bldLst>
+      <p:bldP spid="3" grpId="0" animBg="1"/>
+    </p:bldLst>
+  </p:timing>
+</p:sld>
+</file>
+
+<file path=ppt/slides/slide23.xml><?xml version="1.0" encoding="utf-8"?>
+<p:sld xmlns:a="http://schemas.openxmlformats.org/drawingml/2006/main" xmlns:r="http://schemas.openxmlformats.org/officeDocument/2006/relationships" xmlns:p="http://schemas.openxmlformats.org/presentationml/2006/main">
+  <p:cSld>
+    <p:spTree>
+      <p:nvGrpSpPr>
+        <p:cNvPr id="1" name=""/>
+        <p:cNvGrpSpPr/>
+        <p:nvPr/>
+      </p:nvGrpSpPr>
+      <p:grpSpPr>
+        <a:xfrm>
+          <a:off x="0" y="0"/>
+          <a:ext cx="0" cy="0"/>
+          <a:chOff x="0" y="0"/>
+          <a:chExt cx="0" cy="0"/>
+        </a:xfrm>
+      </p:grpSpPr>
+      <p:sp>
+        <p:nvSpPr>
+          <p:cNvPr id="4" name="Rectangle 3"/>
+          <p:cNvSpPr/>
+          <p:nvPr/>
+        </p:nvSpPr>
+        <p:spPr>
+          <a:xfrm>
+            <a:off x="152400" y="2921001"/>
+            <a:ext cx="9197688" cy="769441"/>
+          </a:xfrm>
+          <a:prstGeom prst="rect">
+            <a:avLst/>
+          </a:prstGeom>
+        </p:spPr>
+        <p:txBody>
+          <a:bodyPr wrap="square">
+            <a:spAutoFit/>
+          </a:bodyPr>
+          <a:lstStyle/>
+          <a:p>
+            <a:r>
+              <a:rPr lang="en-US" sz="4400" b="1" dirty="0">
+                <a:solidFill>
+                  <a:schemeClr val="accent2"/>
+                </a:solidFill>
+              </a:rPr>
+              <a:t>p</a:t>
+            </a:r>
+            <a:r>
+              <a:rPr lang="en-US" sz="4400" b="1" dirty="0" smtClean="0">
+                <a:solidFill>
+                  <a:schemeClr val="accent2"/>
+                </a:solidFill>
+              </a:rPr>
+              <a:t>ublic</a:t>
+            </a:r>
+            <a:r>
+              <a:rPr lang="en-US" sz="4400" dirty="0" smtClean="0">
+                <a:solidFill>
+                  <a:schemeClr val="accent2"/>
+                </a:solidFill>
+              </a:rPr>
+              <a:t> </a:t>
+            </a:r>
+            <a:r>
+              <a:rPr lang="en-US" sz="4400" b="1" dirty="0" smtClean="0">
+                <a:solidFill>
+                  <a:schemeClr val="accent2"/>
+                </a:solidFill>
+              </a:rPr>
+              <a:t>static</a:t>
+            </a:r>
+            <a:r>
+              <a:rPr lang="en-US" sz="4400" dirty="0" smtClean="0">
+                <a:solidFill>
+                  <a:schemeClr val="accent2"/>
+                </a:solidFill>
+              </a:rPr>
+              <a:t> </a:t>
+            </a:r>
+            <a:r>
+              <a:rPr lang="en-US" sz="4400" dirty="0" smtClean="0">
+                <a:solidFill>
+                  <a:srgbClr val="AB05B6"/>
+                </a:solidFill>
+              </a:rPr>
+              <a:t>Output </a:t>
+            </a:r>
+            <a:r>
+              <a:rPr lang="en-US" sz="4400" dirty="0" smtClean="0"/>
+              <a:t>function</a:t>
+            </a:r>
+            <a:r>
+              <a:rPr lang="en-US" sz="4400" b="1" dirty="0" smtClean="0">
+                <a:solidFill>
+                  <a:srgbClr val="95B3D7"/>
+                </a:solidFill>
+              </a:rPr>
+              <a:t>(</a:t>
+            </a:r>
+            <a:r>
+              <a:rPr lang="en-US" sz="4400" dirty="0">
+                <a:solidFill>
+                  <a:srgbClr val="AB05B6"/>
+                </a:solidFill>
+              </a:rPr>
+              <a:t>inputs</a:t>
+            </a:r>
+            <a:r>
+              <a:rPr lang="en-US" sz="4400" b="1" dirty="0" smtClean="0">
+                <a:solidFill>
+                  <a:schemeClr val="accent1">
+                    <a:lumMod val="60000"/>
+                    <a:lumOff val="40000"/>
+                  </a:schemeClr>
+                </a:solidFill>
+              </a:rPr>
+              <a:t>)</a:t>
+            </a:r>
+            <a:endParaRPr lang="en-US" sz="4400" dirty="0">
+              <a:solidFill>
+                <a:schemeClr val="accent1">
+                  <a:lumMod val="60000"/>
+                  <a:lumOff val="40000"/>
+                </a:schemeClr>
+              </a:solidFill>
+            </a:endParaRPr>
+          </a:p>
+        </p:txBody>
+      </p:sp>
+    </p:spTree>
+    <p:extLst>
+      <p:ext uri="{BB962C8B-B14F-4D97-AF65-F5344CB8AC3E}">
+        <p14:creationId xmlns:p14="http://schemas.microsoft.com/office/powerpoint/2010/main" val="2070275999"/>
+      </p:ext>
+    </p:extLst>
+  </p:cSld>
+  <p:clrMapOvr>
+    <a:masterClrMapping/>
+  </p:clrMapOvr>
+  <p:timing>
+    <p:tnLst>
+      <p:par>
+        <p:cTn xmlns:p14="http://schemas.microsoft.com/office/powerpoint/2010/main" id="1" dur="indefinite" restart="never" nodeType="tmRoot"/>
+      </p:par>
+    </p:tnLst>
+  </p:timing>
+</p:sld>
+</file>
+
+<file path=ppt/slides/slide24.xml><?xml version="1.0" encoding="utf-8"?>
+<p:sld xmlns:a="http://schemas.openxmlformats.org/drawingml/2006/main" xmlns:r="http://schemas.openxmlformats.org/officeDocument/2006/relationships" xmlns:p="http://schemas.openxmlformats.org/presentationml/2006/main">
+  <p:cSld>
+    <p:spTree>
+      <p:nvGrpSpPr>
+        <p:cNvPr id="1" name=""/>
+        <p:cNvGrpSpPr/>
+        <p:nvPr/>
+      </p:nvGrpSpPr>
+      <p:grpSpPr>
+        <a:xfrm>
+          <a:off x="0" y="0"/>
+          <a:ext cx="0" cy="0"/>
+          <a:chOff x="0" y="0"/>
+          <a:chExt cx="0" cy="0"/>
+        </a:xfrm>
+      </p:grpSpPr>
+      <p:sp>
+        <p:nvSpPr>
+          <p:cNvPr id="2" name="Title 1"/>
+          <p:cNvSpPr>
+            <a:spLocks noGrp="1"/>
+          </p:cNvSpPr>
+          <p:nvPr>
+            <p:ph type="title"/>
+          </p:nvPr>
+        </p:nvSpPr>
+        <p:spPr>
+          <a:xfrm>
+            <a:off x="457200" y="177800"/>
+            <a:ext cx="7772400" cy="1363133"/>
+          </a:xfrm>
+        </p:spPr>
+        <p:txBody>
+          <a:bodyPr/>
+          <a:lstStyle/>
+          <a:p>
+            <a:r>
+              <a:rPr lang="en-US" dirty="0" smtClean="0"/>
+              <a:t>Separating functional Pieces</a:t>
+            </a:r>
+            <a:endParaRPr lang="en-US" dirty="0"/>
+          </a:p>
+        </p:txBody>
+      </p:sp>
+      <p:sp>
+        <p:nvSpPr>
+          <p:cNvPr id="5" name="Curved Down Arrow 4"/>
+          <p:cNvSpPr/>
+          <p:nvPr/>
+        </p:nvSpPr>
+        <p:spPr>
+          <a:xfrm rot="16200000">
+            <a:off x="12700" y="3238500"/>
+            <a:ext cx="3251200" cy="990600"/>
+          </a:xfrm>
+          <a:prstGeom prst="curvedDownArrow">
+            <a:avLst/>
+          </a:prstGeom>
+        </p:spPr>
+        <p:style>
+          <a:lnRef idx="1">
+            <a:schemeClr val="accent2"/>
+          </a:lnRef>
+          <a:fillRef idx="3">
+            <a:schemeClr val="accent2"/>
+          </a:fillRef>
+          <a:effectRef idx="2">
+            <a:schemeClr val="accent2"/>
+          </a:effectRef>
+          <a:fontRef idx="minor">
+            <a:schemeClr val="lt1"/>
+          </a:fontRef>
+        </p:style>
+        <p:txBody>
+          <a:bodyPr rtlCol="0" anchor="ctr"/>
+          <a:lstStyle/>
+          <a:p>
+            <a:pPr algn="ctr"/>
+            <a:endParaRPr lang="en-US">
+              <a:solidFill>
+                <a:srgbClr val="AC2214"/>
+              </a:solidFill>
+            </a:endParaRPr>
+          </a:p>
+        </p:txBody>
+      </p:sp>
+      <p:sp>
+        <p:nvSpPr>
+          <p:cNvPr id="7" name="Rectangle 6"/>
+          <p:cNvSpPr/>
+          <p:nvPr/>
+        </p:nvSpPr>
+        <p:spPr>
+          <a:xfrm>
+            <a:off x="2286000" y="2616200"/>
+            <a:ext cx="2895600" cy="812800"/>
+          </a:xfrm>
+          <a:prstGeom prst="rect">
+            <a:avLst/>
+          </a:prstGeom>
+          <a:solidFill>
+            <a:srgbClr val="9A312C"/>
+          </a:solidFill>
+          <a:ln w="76200" cmpd="sng">
+            <a:prstDash val="dash"/>
+          </a:ln>
+        </p:spPr>
+        <p:style>
+          <a:lnRef idx="1">
+            <a:schemeClr val="dk1"/>
+          </a:lnRef>
+          <a:fillRef idx="3">
+            <a:schemeClr val="dk1"/>
+          </a:fillRef>
+          <a:effectRef idx="2">
+            <a:schemeClr val="dk1"/>
+          </a:effectRef>
+          <a:fontRef idx="minor">
+            <a:schemeClr val="lt1"/>
+          </a:fontRef>
+        </p:style>
+        <p:txBody>
+          <a:bodyPr rot="0" spcFirstLastPara="0" vertOverflow="overflow" horzOverflow="overflow" vert="horz" wrap="square" lIns="91440" tIns="45720" rIns="91440" bIns="45720" numCol="1" spcCol="0" rtlCol="0" fromWordArt="0" anchor="t" anchorCtr="0" forceAA="0" compatLnSpc="1">
+            <a:prstTxWarp prst="textNoShape">
+              <a:avLst/>
+            </a:prstTxWarp>
+            <a:noAutofit/>
+          </a:bodyPr>
+          <a:lstStyle/>
+          <a:p>
+            <a:pPr algn="ctr"/>
+            <a:r>
+              <a:rPr lang="en-US" sz="2000" b="1" dirty="0" smtClean="0"/>
+              <a:t>Non-Functional</a:t>
+            </a:r>
+          </a:p>
+        </p:txBody>
+      </p:sp>
+      <p:sp>
+        <p:nvSpPr>
+          <p:cNvPr id="8" name="Rectangle 7"/>
+          <p:cNvSpPr/>
+          <p:nvPr/>
+        </p:nvSpPr>
+        <p:spPr>
+          <a:xfrm>
+            <a:off x="2286000" y="3937000"/>
+            <a:ext cx="2895600" cy="812800"/>
+          </a:xfrm>
+          <a:prstGeom prst="rect">
+            <a:avLst/>
+          </a:prstGeom>
+          <a:solidFill>
+            <a:srgbClr val="72BC5C"/>
+          </a:solidFill>
+          <a:ln w="76200" cmpd="sng">
+            <a:prstDash val="dash"/>
+          </a:ln>
+        </p:spPr>
+        <p:style>
+          <a:lnRef idx="1">
+            <a:schemeClr val="dk1"/>
+          </a:lnRef>
+          <a:fillRef idx="3">
+            <a:schemeClr val="dk1"/>
+          </a:fillRef>
+          <a:effectRef idx="2">
+            <a:schemeClr val="dk1"/>
+          </a:effectRef>
+          <a:fontRef idx="minor">
+            <a:schemeClr val="lt1"/>
+          </a:fontRef>
+        </p:style>
+        <p:txBody>
+          <a:bodyPr rot="0" spcFirstLastPara="0" vertOverflow="overflow" horzOverflow="overflow" vert="horz" wrap="square" lIns="91440" tIns="45720" rIns="91440" bIns="45720" numCol="1" spcCol="0" rtlCol="0" fromWordArt="0" anchor="t" anchorCtr="0" forceAA="0" compatLnSpc="1">
+            <a:prstTxWarp prst="textNoShape">
+              <a:avLst/>
+            </a:prstTxWarp>
+            <a:noAutofit/>
+          </a:bodyPr>
+          <a:lstStyle/>
+          <a:p>
+            <a:pPr algn="ctr"/>
+            <a:r>
+              <a:rPr lang="en-US" sz="2000" b="1" dirty="0" smtClean="0"/>
+              <a:t>Functional</a:t>
+            </a:r>
+          </a:p>
+        </p:txBody>
+      </p:sp>
+      <p:sp>
+        <p:nvSpPr>
+          <p:cNvPr id="9" name="Rectangle 8"/>
+          <p:cNvSpPr/>
+          <p:nvPr/>
+        </p:nvSpPr>
+        <p:spPr>
+          <a:xfrm>
+            <a:off x="2057401" y="1295400"/>
+            <a:ext cx="889987" cy="584776"/>
+          </a:xfrm>
+          <a:prstGeom prst="rect">
+            <a:avLst/>
+          </a:prstGeom>
+        </p:spPr>
+        <p:txBody>
+          <a:bodyPr wrap="none">
+            <a:spAutoFit/>
+          </a:bodyPr>
+          <a:lstStyle/>
+          <a:p>
+            <a:r>
+              <a:rPr lang="en-US" sz="3200" b="1" dirty="0" smtClean="0">
+                <a:solidFill>
+                  <a:schemeClr val="accent2"/>
+                </a:solidFill>
+              </a:rPr>
+              <a:t>List</a:t>
+            </a:r>
+            <a:endParaRPr lang="en-US" sz="3200" dirty="0"/>
+          </a:p>
+        </p:txBody>
+      </p:sp>
+    </p:spTree>
+    <p:extLst>
+      <p:ext uri="{BB962C8B-B14F-4D97-AF65-F5344CB8AC3E}">
+        <p14:creationId xmlns:p14="http://schemas.microsoft.com/office/powerpoint/2010/main" val="3399297891"/>
+      </p:ext>
+    </p:extLst>
+  </p:cSld>
+  <p:clrMapOvr>
+    <a:masterClrMapping/>
+  </p:clrMapOvr>
+  <p:timing>
+    <p:tnLst>
+      <p:par>
+        <p:cTn xmlns:p14="http://schemas.microsoft.com/office/powerpoint/2010/main" id="1" dur="indefinite" restart="never" nodeType="tmRoot"/>
+      </p:par>
+    </p:tnLst>
+  </p:timing>
+</p:sld>
+</file>
+
+<file path=ppt/slides/slide25.xml><?xml version="1.0" encoding="utf-8"?>
+<p:sld xmlns:a="http://schemas.openxmlformats.org/drawingml/2006/main" xmlns:r="http://schemas.openxmlformats.org/officeDocument/2006/relationships" xmlns:p="http://schemas.openxmlformats.org/presentationml/2006/main">
+  <p:cSld>
+    <p:spTree>
+      <p:nvGrpSpPr>
+        <p:cNvPr id="1" name=""/>
+        <p:cNvGrpSpPr/>
+        <p:nvPr/>
+      </p:nvGrpSpPr>
+      <p:grpSpPr>
+        <a:xfrm>
+          <a:off x="0" y="0"/>
+          <a:ext cx="0" cy="0"/>
+          <a:chOff x="0" y="0"/>
+          <a:chExt cx="0" cy="0"/>
+        </a:xfrm>
+      </p:grpSpPr>
+      <p:sp>
+        <p:nvSpPr>
+          <p:cNvPr id="2" name="Title 1"/>
+          <p:cNvSpPr>
+            <a:spLocks noGrp="1"/>
+          </p:cNvSpPr>
+          <p:nvPr>
+            <p:ph type="title"/>
+          </p:nvPr>
+        </p:nvSpPr>
+        <p:spPr>
+          <a:xfrm>
+            <a:off x="457200" y="177800"/>
+            <a:ext cx="7772400" cy="1363133"/>
+          </a:xfrm>
+        </p:spPr>
+        <p:txBody>
+          <a:bodyPr/>
+          <a:lstStyle/>
+          <a:p>
+            <a:r>
+              <a:rPr lang="en-US" dirty="0" smtClean="0"/>
+              <a:t>Separating functional Pieces</a:t>
+            </a:r>
+            <a:endParaRPr lang="en-US" dirty="0"/>
+          </a:p>
+        </p:txBody>
+      </p:sp>
+      <p:sp>
+        <p:nvSpPr>
+          <p:cNvPr id="5" name="Curved Down Arrow 4"/>
+          <p:cNvSpPr/>
+          <p:nvPr/>
+        </p:nvSpPr>
+        <p:spPr>
+          <a:xfrm rot="16200000">
+            <a:off x="736600" y="2514600"/>
+            <a:ext cx="1727200" cy="914400"/>
+          </a:xfrm>
+          <a:prstGeom prst="curvedDownArrow">
+            <a:avLst/>
+          </a:prstGeom>
+        </p:spPr>
+        <p:style>
+          <a:lnRef idx="1">
+            <a:schemeClr val="accent2"/>
+          </a:lnRef>
+          <a:fillRef idx="3">
+            <a:schemeClr val="accent2"/>
+          </a:fillRef>
+          <a:effectRef idx="2">
+            <a:schemeClr val="accent2"/>
+          </a:effectRef>
+          <a:fontRef idx="minor">
+            <a:schemeClr val="lt1"/>
+          </a:fontRef>
+        </p:style>
+        <p:txBody>
+          <a:bodyPr rtlCol="0" anchor="ctr"/>
+          <a:lstStyle/>
+          <a:p>
+            <a:pPr algn="ctr"/>
+            <a:endParaRPr lang="en-US">
+              <a:solidFill>
+                <a:srgbClr val="AC2214"/>
+              </a:solidFill>
+            </a:endParaRPr>
+          </a:p>
+        </p:txBody>
+      </p:sp>
+      <p:sp>
+        <p:nvSpPr>
+          <p:cNvPr id="7" name="Rectangle 6"/>
+          <p:cNvSpPr/>
+          <p:nvPr/>
+        </p:nvSpPr>
+        <p:spPr>
+          <a:xfrm>
+            <a:off x="2286000" y="2616200"/>
+            <a:ext cx="2895600" cy="812800"/>
+          </a:xfrm>
+          <a:prstGeom prst="rect">
+            <a:avLst/>
+          </a:prstGeom>
+          <a:solidFill>
+            <a:srgbClr val="9A312C"/>
+          </a:solidFill>
+          <a:ln w="76200" cmpd="sng">
+            <a:prstDash val="dash"/>
+          </a:ln>
+        </p:spPr>
+        <p:style>
+          <a:lnRef idx="1">
+            <a:schemeClr val="dk1"/>
+          </a:lnRef>
+          <a:fillRef idx="3">
+            <a:schemeClr val="dk1"/>
+          </a:fillRef>
+          <a:effectRef idx="2">
+            <a:schemeClr val="dk1"/>
+          </a:effectRef>
+          <a:fontRef idx="minor">
+            <a:schemeClr val="lt1"/>
+          </a:fontRef>
+        </p:style>
+        <p:txBody>
+          <a:bodyPr rot="0" spcFirstLastPara="0" vertOverflow="overflow" horzOverflow="overflow" vert="horz" wrap="square" lIns="91440" tIns="45720" rIns="91440" bIns="45720" numCol="1" spcCol="0" rtlCol="0" fromWordArt="0" anchor="t" anchorCtr="0" forceAA="0" compatLnSpc="1">
+            <a:prstTxWarp prst="textNoShape">
+              <a:avLst/>
+            </a:prstTxWarp>
+            <a:noAutofit/>
+          </a:bodyPr>
+          <a:lstStyle/>
+          <a:p>
+            <a:pPr algn="ctr"/>
+            <a:r>
+              <a:rPr lang="en-US" sz="2000" b="1" dirty="0" smtClean="0"/>
+              <a:t>Non-Functional</a:t>
+            </a:r>
+          </a:p>
+        </p:txBody>
+      </p:sp>
+      <p:sp>
+        <p:nvSpPr>
+          <p:cNvPr id="8" name="Rectangle 7"/>
+          <p:cNvSpPr/>
+          <p:nvPr/>
+        </p:nvSpPr>
+        <p:spPr>
+          <a:xfrm>
+            <a:off x="2209800" y="5054600"/>
+            <a:ext cx="2895600" cy="812800"/>
+          </a:xfrm>
+          <a:prstGeom prst="rect">
+            <a:avLst/>
+          </a:prstGeom>
+          <a:solidFill>
+            <a:srgbClr val="72BC5C"/>
+          </a:solidFill>
+          <a:ln w="76200" cmpd="sng">
+            <a:prstDash val="dash"/>
+          </a:ln>
+        </p:spPr>
+        <p:style>
+          <a:lnRef idx="1">
+            <a:schemeClr val="dk1"/>
+          </a:lnRef>
+          <a:fillRef idx="3">
+            <a:schemeClr val="dk1"/>
+          </a:fillRef>
+          <a:effectRef idx="2">
+            <a:schemeClr val="dk1"/>
+          </a:effectRef>
+          <a:fontRef idx="minor">
+            <a:schemeClr val="lt1"/>
+          </a:fontRef>
+        </p:style>
+        <p:txBody>
+          <a:bodyPr rot="0" spcFirstLastPara="0" vertOverflow="overflow" horzOverflow="overflow" vert="horz" wrap="square" lIns="91440" tIns="45720" rIns="91440" bIns="45720" numCol="1" spcCol="0" rtlCol="0" fromWordArt="0" anchor="t" anchorCtr="0" forceAA="0" compatLnSpc="1">
+            <a:prstTxWarp prst="textNoShape">
+              <a:avLst/>
+            </a:prstTxWarp>
+            <a:noAutofit/>
+          </a:bodyPr>
+          <a:lstStyle/>
+          <a:p>
+            <a:pPr algn="ctr"/>
+            <a:r>
+              <a:rPr lang="en-US" sz="2000" b="1" dirty="0" smtClean="0"/>
+              <a:t>Functional</a:t>
+            </a:r>
+          </a:p>
+        </p:txBody>
+      </p:sp>
+      <p:sp>
+        <p:nvSpPr>
+          <p:cNvPr id="6" name="Curved Down Arrow 5"/>
+          <p:cNvSpPr/>
+          <p:nvPr/>
+        </p:nvSpPr>
+        <p:spPr>
+          <a:xfrm rot="16200000">
+            <a:off x="812800" y="4953000"/>
+            <a:ext cx="1727200" cy="914400"/>
+          </a:xfrm>
+          <a:prstGeom prst="curvedDownArrow">
+            <a:avLst/>
+          </a:prstGeom>
+        </p:spPr>
+        <p:style>
+          <a:lnRef idx="1">
+            <a:schemeClr val="accent2"/>
+          </a:lnRef>
+          <a:fillRef idx="3">
+            <a:schemeClr val="accent2"/>
+          </a:fillRef>
+          <a:effectRef idx="2">
+            <a:schemeClr val="accent2"/>
+          </a:effectRef>
+          <a:fontRef idx="minor">
+            <a:schemeClr val="lt1"/>
+          </a:fontRef>
+        </p:style>
+        <p:txBody>
+          <a:bodyPr rtlCol="0" anchor="ctr"/>
+          <a:lstStyle/>
+          <a:p>
+            <a:pPr algn="ctr"/>
+            <a:endParaRPr lang="en-US">
+              <a:solidFill>
+                <a:srgbClr val="AC2214"/>
+              </a:solidFill>
+            </a:endParaRPr>
+          </a:p>
+        </p:txBody>
+      </p:sp>
+      <p:sp>
+        <p:nvSpPr>
+          <p:cNvPr id="9" name="Rectangle 8"/>
+          <p:cNvSpPr/>
+          <p:nvPr/>
+        </p:nvSpPr>
+        <p:spPr>
+          <a:xfrm>
+            <a:off x="2057401" y="1295400"/>
+            <a:ext cx="889987" cy="584776"/>
+          </a:xfrm>
+          <a:prstGeom prst="rect">
+            <a:avLst/>
+          </a:prstGeom>
+        </p:spPr>
+        <p:txBody>
+          <a:bodyPr wrap="none">
+            <a:spAutoFit/>
+          </a:bodyPr>
+          <a:lstStyle/>
+          <a:p>
+            <a:r>
+              <a:rPr lang="en-US" sz="3200" b="1" dirty="0" smtClean="0">
+                <a:solidFill>
+                  <a:schemeClr val="accent2"/>
+                </a:solidFill>
+              </a:rPr>
+              <a:t>List</a:t>
+            </a:r>
+            <a:endParaRPr lang="en-US" sz="3200" dirty="0"/>
+          </a:p>
+        </p:txBody>
+      </p:sp>
+      <p:sp>
+        <p:nvSpPr>
+          <p:cNvPr id="10" name="Rectangle 9"/>
+          <p:cNvSpPr/>
+          <p:nvPr/>
+        </p:nvSpPr>
+        <p:spPr>
+          <a:xfrm>
+            <a:off x="2133601" y="3937000"/>
+            <a:ext cx="1116411" cy="584776"/>
+          </a:xfrm>
+          <a:prstGeom prst="rect">
+            <a:avLst/>
+          </a:prstGeom>
+        </p:spPr>
+        <p:txBody>
+          <a:bodyPr wrap="none">
+            <a:spAutoFit/>
+          </a:bodyPr>
+          <a:lstStyle/>
+          <a:p>
+            <a:r>
+              <a:rPr lang="en-US" sz="3200" b="1" dirty="0" smtClean="0">
+                <a:solidFill>
+                  <a:schemeClr val="accent2"/>
+                </a:solidFill>
+              </a:rPr>
+              <a:t>List2</a:t>
+            </a:r>
+            <a:endParaRPr lang="en-US" sz="3200" dirty="0"/>
+          </a:p>
+        </p:txBody>
+      </p:sp>
+    </p:spTree>
+    <p:extLst>
+      <p:ext uri="{BB962C8B-B14F-4D97-AF65-F5344CB8AC3E}">
+        <p14:creationId xmlns:p14="http://schemas.microsoft.com/office/powerpoint/2010/main" val="1371229109"/>
+      </p:ext>
+    </p:extLst>
+  </p:cSld>
+  <p:clrMapOvr>
+    <a:masterClrMapping/>
+  </p:clrMapOvr>
+  <p:timing>
+    <p:tnLst>
+      <p:par>
+        <p:cTn xmlns:p14="http://schemas.microsoft.com/office/powerpoint/2010/main" id="1" dur="indefinite" restart="never" nodeType="tmRoot"/>
+      </p:par>
+    </p:tnLst>
+  </p:timing>
+</p:sld>
+</file>
+
+<file path=ppt/slides/slide26.xml><?xml version="1.0" encoding="utf-8"?>
+<p:sld xmlns:a="http://schemas.openxmlformats.org/drawingml/2006/main" xmlns:r="http://schemas.openxmlformats.org/officeDocument/2006/relationships" xmlns:p="http://schemas.openxmlformats.org/presentationml/2006/main">
+  <p:cSld>
+    <p:spTree>
+      <p:nvGrpSpPr>
+        <p:cNvPr id="1" name=""/>
+        <p:cNvGrpSpPr/>
+        <p:nvPr/>
+      </p:nvGrpSpPr>
+      <p:grpSpPr>
+        <a:xfrm>
+          <a:off x="0" y="0"/>
+          <a:ext cx="0" cy="0"/>
+          <a:chOff x="0" y="0"/>
+          <a:chExt cx="0" cy="0"/>
+        </a:xfrm>
+      </p:grpSpPr>
+      <p:sp>
+        <p:nvSpPr>
+          <p:cNvPr id="21" name="Rectangle 19"/>
+          <p:cNvSpPr>
+            <a:spLocks/>
+          </p:cNvSpPr>
+          <p:nvPr/>
+        </p:nvSpPr>
+        <p:spPr bwMode="auto">
+          <a:xfrm>
+            <a:off x="5416154" y="1323578"/>
+            <a:ext cx="1741289" cy="366117"/>
+          </a:xfrm>
+          <a:prstGeom prst="rect">
+            <a:avLst/>
+          </a:prstGeom>
+          <a:ln>
+            <a:headEnd type="none" w="med" len="med"/>
+            <a:tailEnd type="none" w="med" len="med"/>
+          </a:ln>
+        </p:spPr>
+        <p:style>
+          <a:lnRef idx="1">
+            <a:schemeClr val="accent1"/>
+          </a:lnRef>
+          <a:fillRef idx="3">
+            <a:schemeClr val="accent1"/>
+          </a:fillRef>
+          <a:effectRef idx="2">
+            <a:schemeClr val="accent1"/>
+          </a:effectRef>
+          <a:fontRef idx="minor">
+            <a:schemeClr val="lt1"/>
+          </a:fontRef>
+        </p:style>
+        <p:txBody>
+          <a:bodyPr lIns="0" tIns="0" rIns="0" bIns="0"/>
+          <a:lstStyle/>
+          <a:p>
+            <a:endParaRPr lang="en-US"/>
+          </a:p>
+        </p:txBody>
+      </p:sp>
+      <p:sp>
+        <p:nvSpPr>
+          <p:cNvPr id="8" name="TextBox 7"/>
+          <p:cNvSpPr txBox="1"/>
+          <p:nvPr/>
+        </p:nvSpPr>
+        <p:spPr>
+          <a:xfrm>
+            <a:off x="533400" y="4546601"/>
+            <a:ext cx="8305800" cy="769441"/>
+          </a:xfrm>
+          <a:prstGeom prst="rect">
+            <a:avLst/>
+          </a:prstGeom>
+          <a:noFill/>
+        </p:spPr>
+        <p:txBody>
+          <a:bodyPr wrap="square" rtlCol="0">
+            <a:spAutoFit/>
+          </a:bodyPr>
+          <a:lstStyle/>
+          <a:p>
+            <a:pPr lvl="0" algn="ctr"/>
+            <a:r>
+              <a:rPr lang="en-US" sz="4400" b="1" cap="all" dirty="0" smtClean="0">
+                <a:solidFill>
+                  <a:srgbClr val="FFFFFF"/>
+                </a:solidFill>
+                <a:effectLst>
+                  <a:outerShdw blurRad="38100" dist="38100" dir="2700000" algn="tl">
+                    <a:srgbClr val="000000">
+                      <a:alpha val="43137"/>
+                    </a:srgbClr>
+                  </a:outerShdw>
+                </a:effectLst>
+                <a:latin typeface="+mj-lt"/>
+                <a:ea typeface="+mj-ea"/>
+                <a:cs typeface="+mj-cs"/>
+              </a:rPr>
+              <a:t>Peel</a:t>
+            </a:r>
+            <a:endParaRPr lang="en-US" sz="4400" b="1" cap="all" dirty="0">
+              <a:solidFill>
+                <a:srgbClr val="FFFFFF"/>
+              </a:solidFill>
+              <a:effectLst>
+                <a:outerShdw blurRad="38100" dist="38100" dir="2700000" algn="tl">
+                  <a:srgbClr val="000000">
+                    <a:alpha val="43137"/>
+                  </a:srgbClr>
+                </a:outerShdw>
+              </a:effectLst>
+              <a:latin typeface="+mj-lt"/>
+              <a:ea typeface="+mj-ea"/>
+              <a:cs typeface="+mj-cs"/>
+            </a:endParaRPr>
+          </a:p>
+        </p:txBody>
+      </p:sp>
+      <p:sp>
+        <p:nvSpPr>
+          <p:cNvPr id="3" name="Rectangle 1"/>
+          <p:cNvSpPr>
+            <a:spLocks/>
+          </p:cNvSpPr>
+          <p:nvPr/>
+        </p:nvSpPr>
+        <p:spPr bwMode="auto">
+          <a:xfrm>
+            <a:off x="1960365" y="1359297"/>
+            <a:ext cx="1741289" cy="2107407"/>
+          </a:xfrm>
+          <a:prstGeom prst="rect">
+            <a:avLst/>
+          </a:prstGeom>
+          <a:ln>
+            <a:headEnd type="none" w="med" len="med"/>
+            <a:tailEnd type="none" w="med" len="med"/>
+          </a:ln>
+        </p:spPr>
+        <p:style>
+          <a:lnRef idx="1">
+            <a:schemeClr val="accent1"/>
+          </a:lnRef>
+          <a:fillRef idx="2">
+            <a:schemeClr val="accent1"/>
+          </a:fillRef>
+          <a:effectRef idx="1">
+            <a:schemeClr val="accent1"/>
+          </a:effectRef>
+          <a:fontRef idx="minor">
+            <a:schemeClr val="dk1"/>
+          </a:fontRef>
+        </p:style>
+        <p:txBody>
+          <a:bodyPr vert="horz" wrap="square" lIns="72000" tIns="45718" rIns="72000" bIns="45718" numCol="1" rtlCol="0" anchor="ctr" anchorCtr="0" compatLnSpc="1">
+            <a:prstTxWarp prst="textNoShape">
+              <a:avLst/>
+            </a:prstTxWarp>
+          </a:bodyPr>
+          <a:lstStyle/>
+          <a:p>
+            <a:pPr algn="ctr" defTabSz="914099" fontAlgn="base">
+              <a:spcBef>
+                <a:spcPct val="0"/>
+              </a:spcBef>
+              <a:spcAft>
+                <a:spcPct val="0"/>
+              </a:spcAft>
+            </a:pPr>
+            <a:endParaRPr lang="en-US" sz="2000">
+              <a:solidFill>
+                <a:srgbClr val="000000"/>
+              </a:solidFill>
+              <a:latin typeface="Calibri" pitchFamily="34" charset="0"/>
+            </a:endParaRPr>
+          </a:p>
+        </p:txBody>
+      </p:sp>
+      <p:sp>
+        <p:nvSpPr>
+          <p:cNvPr id="4" name="Rectangle 2"/>
+          <p:cNvSpPr>
+            <a:spLocks/>
+          </p:cNvSpPr>
+          <p:nvPr/>
+        </p:nvSpPr>
+        <p:spPr bwMode="auto">
+          <a:xfrm>
+            <a:off x="2138959" y="1716484"/>
+            <a:ext cx="1116211" cy="125016"/>
+          </a:xfrm>
+          <a:prstGeom prst="rect">
+            <a:avLst/>
+          </a:prstGeom>
+          <a:solidFill>
+            <a:srgbClr val="D90B00"/>
+          </a:solidFill>
+          <a:ln w="12700" cap="flat">
+            <a:solidFill>
+              <a:schemeClr val="tx1"/>
+            </a:solidFill>
+            <a:prstDash val="solid"/>
+            <a:round/>
+            <a:headEnd type="none" w="med" len="med"/>
+            <a:tailEnd type="none" w="med" len="med"/>
+          </a:ln>
+        </p:spPr>
+        <p:txBody>
+          <a:bodyPr lIns="0" tIns="0" rIns="0" bIns="0"/>
+          <a:lstStyle/>
+          <a:p>
+            <a:endParaRPr lang="en-US"/>
+          </a:p>
+        </p:txBody>
+      </p:sp>
+      <p:sp>
+        <p:nvSpPr>
+          <p:cNvPr id="5" name="Rectangle 3"/>
+          <p:cNvSpPr>
+            <a:spLocks/>
+          </p:cNvSpPr>
+          <p:nvPr/>
+        </p:nvSpPr>
+        <p:spPr bwMode="auto">
+          <a:xfrm>
+            <a:off x="2138959" y="2020093"/>
+            <a:ext cx="1116211" cy="125016"/>
+          </a:xfrm>
+          <a:prstGeom prst="rect">
+            <a:avLst/>
+          </a:prstGeom>
+          <a:solidFill>
+            <a:srgbClr val="66B132"/>
+          </a:solidFill>
+          <a:ln w="12700" cap="flat">
+            <a:solidFill>
+              <a:schemeClr val="tx1"/>
+            </a:solidFill>
+            <a:prstDash val="solid"/>
+            <a:round/>
+            <a:headEnd type="none" w="med" len="med"/>
+            <a:tailEnd type="none" w="med" len="med"/>
+          </a:ln>
+        </p:spPr>
+        <p:txBody>
+          <a:bodyPr lIns="0" tIns="0" rIns="0" bIns="0"/>
+          <a:lstStyle/>
+          <a:p>
+            <a:endParaRPr lang="en-US"/>
+          </a:p>
+        </p:txBody>
+      </p:sp>
+      <p:sp>
+        <p:nvSpPr>
+          <p:cNvPr id="6" name="Rectangle 4"/>
+          <p:cNvSpPr>
+            <a:spLocks/>
+          </p:cNvSpPr>
+          <p:nvPr/>
+        </p:nvSpPr>
+        <p:spPr bwMode="auto">
+          <a:xfrm>
+            <a:off x="2335412" y="2323703"/>
+            <a:ext cx="1116211" cy="125016"/>
+          </a:xfrm>
+          <a:prstGeom prst="rect">
+            <a:avLst/>
+          </a:prstGeom>
+          <a:solidFill>
+            <a:srgbClr val="66B132"/>
+          </a:solidFill>
+          <a:ln w="12700" cap="flat">
+            <a:solidFill>
+              <a:schemeClr val="tx1"/>
+            </a:solidFill>
+            <a:prstDash val="solid"/>
+            <a:round/>
+            <a:headEnd type="none" w="med" len="med"/>
+            <a:tailEnd type="none" w="med" len="med"/>
+          </a:ln>
+        </p:spPr>
+        <p:txBody>
+          <a:bodyPr lIns="0" tIns="0" rIns="0" bIns="0"/>
+          <a:lstStyle/>
+          <a:p>
+            <a:endParaRPr lang="en-US"/>
+          </a:p>
+        </p:txBody>
+      </p:sp>
+      <p:sp>
+        <p:nvSpPr>
+          <p:cNvPr id="7" name="Rectangle 5"/>
+          <p:cNvSpPr>
+            <a:spLocks/>
+          </p:cNvSpPr>
+          <p:nvPr/>
+        </p:nvSpPr>
+        <p:spPr bwMode="auto">
+          <a:xfrm>
+            <a:off x="2335412" y="2555875"/>
+            <a:ext cx="1116211" cy="125016"/>
+          </a:xfrm>
+          <a:prstGeom prst="rect">
+            <a:avLst/>
+          </a:prstGeom>
+          <a:solidFill>
+            <a:srgbClr val="66B132"/>
+          </a:solidFill>
+          <a:ln w="12700" cap="flat">
+            <a:solidFill>
+              <a:schemeClr val="tx1"/>
+            </a:solidFill>
+            <a:prstDash val="solid"/>
+            <a:round/>
+            <a:headEnd type="none" w="med" len="med"/>
+            <a:tailEnd type="none" w="med" len="med"/>
+          </a:ln>
+        </p:spPr>
+        <p:txBody>
+          <a:bodyPr lIns="0" tIns="0" rIns="0" bIns="0"/>
+          <a:lstStyle/>
+          <a:p>
+            <a:endParaRPr lang="en-US"/>
+          </a:p>
+        </p:txBody>
+      </p:sp>
+      <p:sp>
+        <p:nvSpPr>
+          <p:cNvPr id="9" name="Rectangle 6"/>
+          <p:cNvSpPr>
+            <a:spLocks/>
+          </p:cNvSpPr>
+          <p:nvPr/>
+        </p:nvSpPr>
+        <p:spPr bwMode="auto">
+          <a:xfrm>
+            <a:off x="2138959" y="3047008"/>
+            <a:ext cx="1116211" cy="125016"/>
+          </a:xfrm>
+          <a:prstGeom prst="rect">
+            <a:avLst/>
+          </a:prstGeom>
+          <a:solidFill>
+            <a:srgbClr val="66B132"/>
+          </a:solidFill>
+          <a:ln w="12700" cap="flat">
+            <a:solidFill>
+              <a:schemeClr val="tx1"/>
+            </a:solidFill>
+            <a:prstDash val="solid"/>
+            <a:round/>
+            <a:headEnd type="none" w="med" len="med"/>
+            <a:tailEnd type="none" w="med" len="med"/>
+          </a:ln>
+        </p:spPr>
+        <p:txBody>
+          <a:bodyPr lIns="0" tIns="0" rIns="0" bIns="0"/>
+          <a:lstStyle/>
+          <a:p>
+            <a:endParaRPr lang="en-US"/>
+          </a:p>
+        </p:txBody>
+      </p:sp>
+      <p:sp>
+        <p:nvSpPr>
+          <p:cNvPr id="10" name="Rectangle 7"/>
+          <p:cNvSpPr>
+            <a:spLocks/>
+          </p:cNvSpPr>
+          <p:nvPr/>
+        </p:nvSpPr>
+        <p:spPr bwMode="auto">
+          <a:xfrm>
+            <a:off x="2335412" y="2814836"/>
+            <a:ext cx="1116211" cy="125016"/>
+          </a:xfrm>
+          <a:prstGeom prst="rect">
+            <a:avLst/>
+          </a:prstGeom>
+          <a:solidFill>
+            <a:srgbClr val="66B132"/>
+          </a:solidFill>
+          <a:ln w="12700" cap="flat">
+            <a:solidFill>
+              <a:schemeClr val="tx1"/>
+            </a:solidFill>
+            <a:prstDash val="solid"/>
+            <a:round/>
+            <a:headEnd type="none" w="med" len="med"/>
+            <a:tailEnd type="none" w="med" len="med"/>
+          </a:ln>
+        </p:spPr>
+        <p:txBody>
+          <a:bodyPr lIns="0" tIns="0" rIns="0" bIns="0"/>
+          <a:lstStyle/>
+          <a:p>
+            <a:endParaRPr lang="en-US"/>
+          </a:p>
+        </p:txBody>
+      </p:sp>
+      <p:sp>
+        <p:nvSpPr>
+          <p:cNvPr id="11" name="Rectangle 8"/>
+          <p:cNvSpPr>
+            <a:spLocks/>
+          </p:cNvSpPr>
+          <p:nvPr/>
+        </p:nvSpPr>
+        <p:spPr bwMode="auto">
+          <a:xfrm>
+            <a:off x="5416154" y="1921867"/>
+            <a:ext cx="1741289" cy="1518047"/>
+          </a:xfrm>
+          <a:prstGeom prst="rect">
+            <a:avLst/>
+          </a:prstGeom>
+          <a:ln>
+            <a:headEnd type="none" w="med" len="med"/>
+            <a:tailEnd type="none" w="med" len="med"/>
+          </a:ln>
+        </p:spPr>
+        <p:style>
+          <a:lnRef idx="1">
+            <a:schemeClr val="accent1"/>
+          </a:lnRef>
+          <a:fillRef idx="2">
+            <a:schemeClr val="accent1"/>
+          </a:fillRef>
+          <a:effectRef idx="1">
+            <a:schemeClr val="accent1"/>
+          </a:effectRef>
+          <a:fontRef idx="minor">
+            <a:schemeClr val="dk1"/>
+          </a:fontRef>
+        </p:style>
+        <p:txBody>
+          <a:bodyPr vert="horz" wrap="square" lIns="72000" tIns="45718" rIns="72000" bIns="45718" numCol="1" rtlCol="0" anchor="ctr" anchorCtr="0" compatLnSpc="1">
+            <a:prstTxWarp prst="textNoShape">
+              <a:avLst/>
+            </a:prstTxWarp>
+          </a:bodyPr>
+          <a:lstStyle/>
+          <a:p>
+            <a:pPr algn="ctr" defTabSz="914099" fontAlgn="base">
+              <a:spcBef>
+                <a:spcPct val="0"/>
+              </a:spcBef>
+              <a:spcAft>
+                <a:spcPct val="0"/>
+              </a:spcAft>
+            </a:pPr>
+            <a:endParaRPr lang="en-US" sz="2000">
+              <a:solidFill>
+                <a:srgbClr val="000000"/>
+              </a:solidFill>
+              <a:latin typeface="Calibri" pitchFamily="34" charset="0"/>
+            </a:endParaRPr>
+          </a:p>
+        </p:txBody>
+      </p:sp>
+      <p:sp>
+        <p:nvSpPr>
+          <p:cNvPr id="12" name="Rectangle 9"/>
+          <p:cNvSpPr>
+            <a:spLocks/>
+          </p:cNvSpPr>
+          <p:nvPr/>
+        </p:nvSpPr>
+        <p:spPr bwMode="auto">
+          <a:xfrm>
+            <a:off x="5594748" y="2109391"/>
+            <a:ext cx="1116211" cy="125016"/>
+          </a:xfrm>
+          <a:prstGeom prst="rect">
+            <a:avLst/>
+          </a:prstGeom>
+          <a:solidFill>
+            <a:srgbClr val="66B132"/>
+          </a:solidFill>
+          <a:ln w="12700" cap="flat">
+            <a:solidFill>
+              <a:schemeClr val="tx1"/>
+            </a:solidFill>
+            <a:prstDash val="solid"/>
+            <a:round/>
+            <a:headEnd type="none" w="med" len="med"/>
+            <a:tailEnd type="none" w="med" len="med"/>
+          </a:ln>
+        </p:spPr>
+        <p:txBody>
+          <a:bodyPr lIns="0" tIns="0" rIns="0" bIns="0"/>
+          <a:lstStyle/>
+          <a:p>
+            <a:endParaRPr lang="en-US"/>
+          </a:p>
+        </p:txBody>
+      </p:sp>
+      <p:sp>
+        <p:nvSpPr>
+          <p:cNvPr id="13" name="Rectangle 10"/>
+          <p:cNvSpPr>
+            <a:spLocks/>
+          </p:cNvSpPr>
+          <p:nvPr/>
+        </p:nvSpPr>
+        <p:spPr bwMode="auto">
+          <a:xfrm>
+            <a:off x="5791201" y="2413000"/>
+            <a:ext cx="1116211" cy="125016"/>
+          </a:xfrm>
+          <a:prstGeom prst="rect">
+            <a:avLst/>
+          </a:prstGeom>
+          <a:solidFill>
+            <a:srgbClr val="66B132"/>
+          </a:solidFill>
+          <a:ln w="12700" cap="flat">
+            <a:solidFill>
+              <a:schemeClr val="tx1"/>
+            </a:solidFill>
+            <a:prstDash val="solid"/>
+            <a:round/>
+            <a:headEnd type="none" w="med" len="med"/>
+            <a:tailEnd type="none" w="med" len="med"/>
+          </a:ln>
+        </p:spPr>
+        <p:txBody>
+          <a:bodyPr lIns="0" tIns="0" rIns="0" bIns="0"/>
+          <a:lstStyle/>
+          <a:p>
+            <a:endParaRPr lang="en-US"/>
+          </a:p>
+        </p:txBody>
+      </p:sp>
+      <p:sp>
+        <p:nvSpPr>
+          <p:cNvPr id="14" name="Rectangle 11"/>
+          <p:cNvSpPr>
+            <a:spLocks/>
+          </p:cNvSpPr>
+          <p:nvPr/>
+        </p:nvSpPr>
+        <p:spPr bwMode="auto">
+          <a:xfrm>
+            <a:off x="5791201" y="2645172"/>
+            <a:ext cx="1116211" cy="125016"/>
+          </a:xfrm>
+          <a:prstGeom prst="rect">
+            <a:avLst/>
+          </a:prstGeom>
+          <a:solidFill>
+            <a:srgbClr val="66B132"/>
+          </a:solidFill>
+          <a:ln w="12700" cap="flat">
+            <a:solidFill>
+              <a:schemeClr val="tx1"/>
+            </a:solidFill>
+            <a:prstDash val="solid"/>
+            <a:round/>
+            <a:headEnd type="none" w="med" len="med"/>
+            <a:tailEnd type="none" w="med" len="med"/>
+          </a:ln>
+        </p:spPr>
+        <p:txBody>
+          <a:bodyPr lIns="0" tIns="0" rIns="0" bIns="0"/>
+          <a:lstStyle/>
+          <a:p>
+            <a:endParaRPr lang="en-US"/>
+          </a:p>
+        </p:txBody>
+      </p:sp>
+      <p:sp>
+        <p:nvSpPr>
+          <p:cNvPr id="15" name="Rectangle 12"/>
+          <p:cNvSpPr>
+            <a:spLocks/>
+          </p:cNvSpPr>
+          <p:nvPr/>
+        </p:nvSpPr>
+        <p:spPr bwMode="auto">
+          <a:xfrm>
+            <a:off x="5594748" y="3136304"/>
+            <a:ext cx="1116211" cy="125016"/>
+          </a:xfrm>
+          <a:prstGeom prst="rect">
+            <a:avLst/>
+          </a:prstGeom>
+          <a:solidFill>
+            <a:srgbClr val="66B132"/>
+          </a:solidFill>
+          <a:ln w="12700" cap="flat">
+            <a:solidFill>
+              <a:schemeClr val="tx1"/>
+            </a:solidFill>
+            <a:prstDash val="solid"/>
+            <a:round/>
+            <a:headEnd type="none" w="med" len="med"/>
+            <a:tailEnd type="none" w="med" len="med"/>
+          </a:ln>
+        </p:spPr>
+        <p:txBody>
+          <a:bodyPr lIns="0" tIns="0" rIns="0" bIns="0"/>
+          <a:lstStyle/>
+          <a:p>
+            <a:endParaRPr lang="en-US"/>
+          </a:p>
+        </p:txBody>
+      </p:sp>
+      <p:sp>
+        <p:nvSpPr>
+          <p:cNvPr id="16" name="Rectangle 13"/>
+          <p:cNvSpPr>
+            <a:spLocks/>
+          </p:cNvSpPr>
+          <p:nvPr/>
+        </p:nvSpPr>
+        <p:spPr bwMode="auto">
+          <a:xfrm>
+            <a:off x="5791201" y="2904132"/>
+            <a:ext cx="1116211" cy="125016"/>
+          </a:xfrm>
+          <a:prstGeom prst="rect">
+            <a:avLst/>
+          </a:prstGeom>
+          <a:solidFill>
+            <a:srgbClr val="66B132"/>
+          </a:solidFill>
+          <a:ln w="12700" cap="flat">
+            <a:solidFill>
+              <a:schemeClr val="tx1"/>
+            </a:solidFill>
+            <a:prstDash val="solid"/>
+            <a:round/>
+            <a:headEnd type="none" w="med" len="med"/>
+            <a:tailEnd type="none" w="med" len="med"/>
+          </a:ln>
+        </p:spPr>
+        <p:txBody>
+          <a:bodyPr lIns="0" tIns="0" rIns="0" bIns="0"/>
+          <a:lstStyle/>
+          <a:p>
+            <a:endParaRPr lang="en-US"/>
+          </a:p>
+        </p:txBody>
+      </p:sp>
+      <p:sp>
+        <p:nvSpPr>
+          <p:cNvPr id="17" name="Rectangle 14"/>
+          <p:cNvSpPr>
+            <a:spLocks/>
+          </p:cNvSpPr>
+          <p:nvPr/>
+        </p:nvSpPr>
+        <p:spPr bwMode="auto">
+          <a:xfrm>
+            <a:off x="5407224" y="1323578"/>
+            <a:ext cx="1741289" cy="366117"/>
+          </a:xfrm>
+          <a:prstGeom prst="rect">
+            <a:avLst/>
+          </a:prstGeom>
+          <a:solidFill>
+            <a:schemeClr val="bg1">
+              <a:lumMod val="75000"/>
+              <a:lumOff val="25000"/>
+            </a:schemeClr>
+          </a:solidFill>
+          <a:ln>
+            <a:headEnd type="none" w="med" len="med"/>
+            <a:tailEnd type="none" w="med" len="med"/>
+          </a:ln>
+        </p:spPr>
+        <p:style>
+          <a:lnRef idx="1">
+            <a:schemeClr val="accent1"/>
+          </a:lnRef>
+          <a:fillRef idx="2">
+            <a:schemeClr val="accent1"/>
+          </a:fillRef>
+          <a:effectRef idx="1">
+            <a:schemeClr val="accent1"/>
+          </a:effectRef>
+          <a:fontRef idx="minor">
+            <a:schemeClr val="dk1"/>
+          </a:fontRef>
+        </p:style>
+        <p:txBody>
+          <a:bodyPr vert="horz" wrap="square" lIns="72000" tIns="45718" rIns="72000" bIns="45718" numCol="1" rtlCol="0" anchor="ctr" anchorCtr="0" compatLnSpc="1">
+            <a:prstTxWarp prst="textNoShape">
+              <a:avLst/>
+            </a:prstTxWarp>
+          </a:bodyPr>
+          <a:lstStyle/>
+          <a:p>
+            <a:pPr algn="ctr" defTabSz="914099" fontAlgn="base">
+              <a:spcBef>
+                <a:spcPct val="0"/>
+              </a:spcBef>
+              <a:spcAft>
+                <a:spcPct val="0"/>
+              </a:spcAft>
+            </a:pPr>
+            <a:endParaRPr lang="en-US" sz="2000">
+              <a:solidFill>
+                <a:srgbClr val="000000"/>
+              </a:solidFill>
+              <a:latin typeface="Calibri" pitchFamily="34" charset="0"/>
+            </a:endParaRPr>
+          </a:p>
+        </p:txBody>
+      </p:sp>
+      <p:sp>
+        <p:nvSpPr>
+          <p:cNvPr id="18" name="Rectangle 15"/>
+          <p:cNvSpPr>
+            <a:spLocks/>
+          </p:cNvSpPr>
+          <p:nvPr/>
+        </p:nvSpPr>
+        <p:spPr bwMode="auto">
+          <a:xfrm>
+            <a:off x="5594748" y="1448593"/>
+            <a:ext cx="1116211" cy="125016"/>
+          </a:xfrm>
+          <a:prstGeom prst="rect">
+            <a:avLst/>
+          </a:prstGeom>
+          <a:solidFill>
+            <a:srgbClr val="D90B00"/>
+          </a:solidFill>
+          <a:ln w="12700" cap="flat">
+            <a:solidFill>
+              <a:schemeClr val="tx1"/>
+            </a:solidFill>
+            <a:prstDash val="solid"/>
+            <a:round/>
+            <a:headEnd type="none" w="med" len="med"/>
+            <a:tailEnd type="none" w="med" len="med"/>
+          </a:ln>
+        </p:spPr>
+        <p:txBody>
+          <a:bodyPr lIns="0" tIns="0" rIns="0" bIns="0"/>
+          <a:lstStyle/>
+          <a:p>
+            <a:endParaRPr lang="en-US"/>
+          </a:p>
+        </p:txBody>
+      </p:sp>
+      <p:sp>
+        <p:nvSpPr>
+          <p:cNvPr id="19" name="Line 16"/>
+          <p:cNvSpPr>
+            <a:spLocks noChangeShapeType="1"/>
+          </p:cNvSpPr>
+          <p:nvPr/>
+        </p:nvSpPr>
+        <p:spPr bwMode="auto">
+          <a:xfrm rot="10800000" flipH="1">
+            <a:off x="6275635" y="1677418"/>
+            <a:ext cx="0" cy="247799"/>
+          </a:xfrm>
+          <a:prstGeom prst="line">
+            <a:avLst/>
+          </a:prstGeom>
+          <a:noFill/>
+          <a:ln w="25400" cap="flat">
+            <a:solidFill>
+              <a:schemeClr val="tx1"/>
+            </a:solidFill>
+            <a:prstDash val="solid"/>
+            <a:round/>
+            <a:headEnd type="stealth" w="med" len="med"/>
+            <a:tailEnd type="none" w="med" len="med"/>
+          </a:ln>
+          <a:extLst>
+            <a:ext uri="{909E8E84-426E-40dd-AFC4-6F175D3DCCD1}">
+              <a14:hiddenFill xmlns:a14="http://schemas.microsoft.com/office/drawing/2010/main">
+                <a:solidFill>
+                  <a:srgbClr val="FFFFFF"/>
+                </a:solidFill>
+              </a14:hiddenFill>
+            </a:ext>
+          </a:extLst>
+        </p:spPr>
+        <p:txBody>
+          <a:bodyPr lIns="0" tIns="0" rIns="0" bIns="0"/>
+          <a:lstStyle/>
+          <a:p>
+            <a:endParaRPr lang="en-US"/>
+          </a:p>
+        </p:txBody>
+      </p:sp>
+      <p:sp>
+        <p:nvSpPr>
+          <p:cNvPr id="20" name="AutoShape 17"/>
+          <p:cNvSpPr>
+            <a:spLocks/>
+          </p:cNvSpPr>
+          <p:nvPr/>
+        </p:nvSpPr>
+        <p:spPr bwMode="auto">
+          <a:xfrm>
+            <a:off x="4112419" y="1948657"/>
+            <a:ext cx="892969" cy="892969"/>
+          </a:xfrm>
+          <a:prstGeom prst="rightArrow">
+            <a:avLst>
+              <a:gd name="adj1" fmla="val 32000"/>
+              <a:gd name="adj2" fmla="val 44000"/>
+            </a:avLst>
+          </a:prstGeom>
+          <a:ln>
+            <a:headEnd type="none" w="med" len="med"/>
+            <a:tailEnd type="none" w="med" len="med"/>
+          </a:ln>
+        </p:spPr>
+        <p:style>
+          <a:lnRef idx="1">
+            <a:schemeClr val="accent3"/>
+          </a:lnRef>
+          <a:fillRef idx="3">
+            <a:schemeClr val="accent3"/>
+          </a:fillRef>
+          <a:effectRef idx="2">
+            <a:schemeClr val="accent3"/>
+          </a:effectRef>
+          <a:fontRef idx="minor">
+            <a:schemeClr val="lt1"/>
+          </a:fontRef>
+        </p:style>
+        <p:txBody>
+          <a:bodyPr vert="horz" wrap="square" lIns="72000" tIns="45718" rIns="72000" bIns="45718" numCol="1" rtlCol="0" anchor="ctr" anchorCtr="0" compatLnSpc="1">
+            <a:prstTxWarp prst="textNoShape">
+              <a:avLst/>
+            </a:prstTxWarp>
+          </a:bodyPr>
+          <a:lstStyle/>
+          <a:p>
+            <a:pPr algn="ctr" defTabSz="914099" fontAlgn="base">
+              <a:spcBef>
+                <a:spcPct val="0"/>
+              </a:spcBef>
+              <a:spcAft>
+                <a:spcPct val="0"/>
+              </a:spcAft>
+            </a:pPr>
+            <a:endParaRPr lang="en-US" sz="2000">
+              <a:solidFill>
+                <a:srgbClr val="000000"/>
+              </a:solidFill>
+              <a:latin typeface="Calibri" pitchFamily="34" charset="0"/>
+            </a:endParaRPr>
+          </a:p>
+        </p:txBody>
+      </p:sp>
+      <p:sp>
+        <p:nvSpPr>
+          <p:cNvPr id="2" name="Rectangle 1"/>
+          <p:cNvSpPr/>
+          <p:nvPr/>
+        </p:nvSpPr>
+        <p:spPr>
+          <a:xfrm>
+            <a:off x="152400" y="6172200"/>
+            <a:ext cx="2636359" cy="369332"/>
+          </a:xfrm>
+          <a:prstGeom prst="rect">
+            <a:avLst/>
+          </a:prstGeom>
+        </p:spPr>
+        <p:txBody>
+          <a:bodyPr wrap="none">
+            <a:spAutoFit/>
+          </a:bodyPr>
+          <a:lstStyle/>
+          <a:p>
+            <a:r>
+              <a:rPr lang="en-US" dirty="0" smtClean="0"/>
+              <a:t>*http://</a:t>
+            </a:r>
+            <a:r>
+              <a:rPr lang="en-US" dirty="0" err="1" smtClean="0"/>
+              <a:t>lfal.co</a:t>
+            </a:r>
+            <a:r>
+              <a:rPr lang="en-US" dirty="0"/>
+              <a:t>/</a:t>
+            </a:r>
+            <a:r>
+              <a:rPr lang="en-US" dirty="0" err="1"/>
+              <a:t>PeelAndSlice</a:t>
+            </a:r>
+            <a:endParaRPr lang="en-US" dirty="0"/>
+          </a:p>
+        </p:txBody>
+      </p:sp>
+    </p:spTree>
+    <p:extLst>
+      <p:ext uri="{BB962C8B-B14F-4D97-AF65-F5344CB8AC3E}">
+        <p14:creationId xmlns:p14="http://schemas.microsoft.com/office/powerpoint/2010/main" val="2005438927"/>
+      </p:ext>
+    </p:extLst>
+  </p:cSld>
+  <p:clrMapOvr>
+    <a:masterClrMapping/>
+  </p:clrMapOvr>
+  <p:timing>
+    <p:tnLst>
+      <p:par>
+        <p:cTn xmlns:p14="http://schemas.microsoft.com/office/powerpoint/2010/main" id="1" dur="indefinite" restart="never" nodeType="tmRoot">
+          <p:childTnLst>
+            <p:seq concurrent="1" nextAc="seek">
+              <p:cTn id="2" dur="indefinite" nodeType="mainSeq">
+                <p:childTnLst>
+                  <p:par>
+                    <p:cTn id="3" fill="hold">
+                      <p:stCondLst>
+                        <p:cond delay="indefinite"/>
+                      </p:stCondLst>
+                      <p:childTnLst>
+                        <p:par>
+                          <p:cTn id="4" fill="hold">
+                            <p:stCondLst>
+                              <p:cond delay="0"/>
+                            </p:stCondLst>
+                            <p:childTnLst>
+                              <p:par>
+                                <p:cTn id="5" presetID="1" presetClass="entr" presetSubtype="0" fill="hold" grpId="0" nodeType="clickEffect">
+                                  <p:stCondLst>
+                                    <p:cond delay="0"/>
+                                  </p:stCondLst>
+                                  <p:childTnLst>
+                                    <p:set>
+                                      <p:cBhvr>
+                                        <p:cTn id="6" dur="1" fill="hold">
+                                          <p:stCondLst>
+                                            <p:cond delay="499"/>
+                                          </p:stCondLst>
+                                        </p:cTn>
+                                        <p:tgtEl>
+                                          <p:spTgt spid="11"/>
+                                        </p:tgtEl>
+                                        <p:attrNameLst>
+                                          <p:attrName>style.visibility</p:attrName>
+                                        </p:attrNameLst>
+                                      </p:cBhvr>
+                                      <p:to>
+                                        <p:strVal val="visible"/>
+                                      </p:to>
+                                    </p:set>
+                                  </p:childTnLst>
+                                </p:cTn>
+                              </p:par>
+                              <p:par>
+                                <p:cTn id="7" presetID="1" presetClass="entr" presetSubtype="0" fill="hold" grpId="0" nodeType="withEffect">
+                                  <p:stCondLst>
+                                    <p:cond delay="0"/>
+                                  </p:stCondLst>
+                                  <p:childTnLst>
+                                    <p:set>
+                                      <p:cBhvr>
+                                        <p:cTn id="8" dur="1" fill="hold">
+                                          <p:stCondLst>
+                                            <p:cond delay="499"/>
+                                          </p:stCondLst>
+                                        </p:cTn>
+                                        <p:tgtEl>
+                                          <p:spTgt spid="12"/>
+                                        </p:tgtEl>
+                                        <p:attrNameLst>
+                                          <p:attrName>style.visibility</p:attrName>
+                                        </p:attrNameLst>
+                                      </p:cBhvr>
+                                      <p:to>
+                                        <p:strVal val="visible"/>
+                                      </p:to>
+                                    </p:set>
+                                  </p:childTnLst>
+                                </p:cTn>
+                              </p:par>
+                              <p:par>
+                                <p:cTn id="9" presetID="1" presetClass="entr" presetSubtype="0" fill="hold" grpId="0" nodeType="withEffect">
+                                  <p:stCondLst>
+                                    <p:cond delay="0"/>
+                                  </p:stCondLst>
+                                  <p:childTnLst>
+                                    <p:set>
+                                      <p:cBhvr>
+                                        <p:cTn id="10" dur="1" fill="hold">
+                                          <p:stCondLst>
+                                            <p:cond delay="499"/>
+                                          </p:stCondLst>
+                                        </p:cTn>
+                                        <p:tgtEl>
+                                          <p:spTgt spid="13"/>
+                                        </p:tgtEl>
+                                        <p:attrNameLst>
+                                          <p:attrName>style.visibility</p:attrName>
+                                        </p:attrNameLst>
+                                      </p:cBhvr>
+                                      <p:to>
+                                        <p:strVal val="visible"/>
+                                      </p:to>
+                                    </p:set>
+                                  </p:childTnLst>
+                                </p:cTn>
+                              </p:par>
+                              <p:par>
+                                <p:cTn id="11" presetID="1" presetClass="entr" presetSubtype="0" fill="hold" grpId="0" nodeType="withEffect">
+                                  <p:stCondLst>
+                                    <p:cond delay="0"/>
+                                  </p:stCondLst>
+                                  <p:childTnLst>
+                                    <p:set>
+                                      <p:cBhvr>
+                                        <p:cTn id="12" dur="1" fill="hold">
+                                          <p:stCondLst>
+                                            <p:cond delay="499"/>
+                                          </p:stCondLst>
+                                        </p:cTn>
+                                        <p:tgtEl>
+                                          <p:spTgt spid="14"/>
+                                        </p:tgtEl>
+                                        <p:attrNameLst>
+                                          <p:attrName>style.visibility</p:attrName>
+                                        </p:attrNameLst>
+                                      </p:cBhvr>
+                                      <p:to>
+                                        <p:strVal val="visible"/>
+                                      </p:to>
+                                    </p:set>
+                                  </p:childTnLst>
+                                </p:cTn>
+                              </p:par>
+                              <p:par>
+                                <p:cTn id="13" presetID="1" presetClass="entr" presetSubtype="0" fill="hold" grpId="0" nodeType="withEffect">
+                                  <p:stCondLst>
+                                    <p:cond delay="0"/>
+                                  </p:stCondLst>
+                                  <p:childTnLst>
+                                    <p:set>
+                                      <p:cBhvr>
+                                        <p:cTn id="14" dur="1" fill="hold">
+                                          <p:stCondLst>
+                                            <p:cond delay="499"/>
+                                          </p:stCondLst>
+                                        </p:cTn>
+                                        <p:tgtEl>
+                                          <p:spTgt spid="15"/>
+                                        </p:tgtEl>
+                                        <p:attrNameLst>
+                                          <p:attrName>style.visibility</p:attrName>
+                                        </p:attrNameLst>
+                                      </p:cBhvr>
+                                      <p:to>
+                                        <p:strVal val="visible"/>
+                                      </p:to>
+                                    </p:set>
+                                  </p:childTnLst>
+                                </p:cTn>
+                              </p:par>
+                              <p:par>
+                                <p:cTn id="15" presetID="1" presetClass="entr" presetSubtype="0" fill="hold" grpId="0" nodeType="withEffect">
+                                  <p:stCondLst>
+                                    <p:cond delay="0"/>
+                                  </p:stCondLst>
+                                  <p:childTnLst>
+                                    <p:set>
+                                      <p:cBhvr>
+                                        <p:cTn id="16" dur="1" fill="hold">
+                                          <p:stCondLst>
+                                            <p:cond delay="499"/>
+                                          </p:stCondLst>
+                                        </p:cTn>
+                                        <p:tgtEl>
+                                          <p:spTgt spid="16"/>
+                                        </p:tgtEl>
+                                        <p:attrNameLst>
+                                          <p:attrName>style.visibility</p:attrName>
+                                        </p:attrNameLst>
+                                      </p:cBhvr>
+                                      <p:to>
+                                        <p:strVal val="visible"/>
+                                      </p:to>
+                                    </p:set>
+                                  </p:childTnLst>
+                                </p:cTn>
+                              </p:par>
+                              <p:par>
+                                <p:cTn id="17" presetID="1" presetClass="entr" presetSubtype="0" fill="hold" grpId="0" nodeType="withEffect">
+                                  <p:stCondLst>
+                                    <p:cond delay="0"/>
+                                  </p:stCondLst>
+                                  <p:childTnLst>
+                                    <p:set>
+                                      <p:cBhvr>
+                                        <p:cTn id="18" dur="1" fill="hold">
+                                          <p:stCondLst>
+                                            <p:cond delay="499"/>
+                                          </p:stCondLst>
+                                        </p:cTn>
+                                        <p:tgtEl>
+                                          <p:spTgt spid="17"/>
+                                        </p:tgtEl>
+                                        <p:attrNameLst>
+                                          <p:attrName>style.visibility</p:attrName>
+                                        </p:attrNameLst>
+                                      </p:cBhvr>
+                                      <p:to>
+                                        <p:strVal val="visible"/>
+                                      </p:to>
+                                    </p:set>
+                                  </p:childTnLst>
+                                </p:cTn>
+                              </p:par>
+                              <p:par>
+                                <p:cTn id="19" presetID="1" presetClass="entr" presetSubtype="0" fill="hold" grpId="0" nodeType="withEffect">
+                                  <p:stCondLst>
+                                    <p:cond delay="0"/>
+                                  </p:stCondLst>
+                                  <p:childTnLst>
+                                    <p:set>
+                                      <p:cBhvr>
+                                        <p:cTn id="20" dur="1" fill="hold">
+                                          <p:stCondLst>
+                                            <p:cond delay="499"/>
+                                          </p:stCondLst>
+                                        </p:cTn>
+                                        <p:tgtEl>
+                                          <p:spTgt spid="18"/>
+                                        </p:tgtEl>
+                                        <p:attrNameLst>
+                                          <p:attrName>style.visibility</p:attrName>
+                                        </p:attrNameLst>
+                                      </p:cBhvr>
+                                      <p:to>
+                                        <p:strVal val="visible"/>
+                                      </p:to>
+                                    </p:set>
+                                  </p:childTnLst>
+                                </p:cTn>
+                              </p:par>
+                              <p:par>
+                                <p:cTn id="21" presetID="1" presetClass="entr" presetSubtype="0" fill="hold" grpId="0" nodeType="withEffect">
+                                  <p:stCondLst>
+                                    <p:cond delay="0"/>
+                                  </p:stCondLst>
+                                  <p:childTnLst>
+                                    <p:set>
+                                      <p:cBhvr>
+                                        <p:cTn id="22" dur="1" fill="hold">
+                                          <p:stCondLst>
+                                            <p:cond delay="499"/>
+                                          </p:stCondLst>
+                                        </p:cTn>
+                                        <p:tgtEl>
+                                          <p:spTgt spid="19"/>
+                                        </p:tgtEl>
+                                        <p:attrNameLst>
+                                          <p:attrName>style.visibility</p:attrName>
+                                        </p:attrNameLst>
+                                      </p:cBhvr>
+                                      <p:to>
+                                        <p:strVal val="visible"/>
+                                      </p:to>
+                                    </p:set>
+                                  </p:childTnLst>
+                                </p:cTn>
+                              </p:par>
+                              <p:par>
+                                <p:cTn id="23" presetID="1" presetClass="entr" presetSubtype="0" fill="hold" grpId="0" nodeType="withEffect">
+                                  <p:stCondLst>
+                                    <p:cond delay="0"/>
+                                  </p:stCondLst>
+                                  <p:childTnLst>
+                                    <p:set>
+                                      <p:cBhvr>
+                                        <p:cTn id="24" dur="1" fill="hold">
+                                          <p:stCondLst>
+                                            <p:cond delay="499"/>
+                                          </p:stCondLst>
+                                        </p:cTn>
+                                        <p:tgtEl>
+                                          <p:spTgt spid="20"/>
+                                        </p:tgtEl>
+                                        <p:attrNameLst>
+                                          <p:attrName>style.visibility</p:attrName>
+                                        </p:attrNameLst>
+                                      </p:cBhvr>
+                                      <p:to>
+                                        <p:strVal val="visible"/>
+                                      </p:to>
+                                    </p:set>
+                                  </p:childTnLst>
+                                </p:cTn>
+                              </p:par>
+                              <p:par>
+                                <p:cTn id="25" presetID="1" presetClass="entr" presetSubtype="0" fill="hold" grpId="0" nodeType="withEffect">
+                                  <p:stCondLst>
+                                    <p:cond delay="0"/>
+                                  </p:stCondLst>
+                                  <p:childTnLst>
+                                    <p:set>
+                                      <p:cBhvr>
+                                        <p:cTn id="26" dur="1" fill="hold">
+                                          <p:stCondLst>
+                                            <p:cond delay="499"/>
+                                          </p:stCondLst>
+                                        </p:cTn>
+                                        <p:tgtEl>
+                                          <p:spTgt spid="21"/>
+                                        </p:tgtEl>
+                                        <p:attrNameLst>
+                                          <p:attrName>style.visibility</p:attrName>
+                                        </p:attrNameLst>
+                                      </p:cBhvr>
+                                      <p:to>
+                                        <p:strVal val="visible"/>
+                                      </p:to>
+                                    </p:set>
+                                  </p:childTnLst>
+                                </p:cTn>
+                              </p:par>
+                            </p:childTnLst>
+                          </p:cTn>
+                        </p:par>
+                      </p:childTnLst>
+                    </p:cTn>
+                  </p:par>
+                </p:childTnLst>
+              </p:cTn>
+              <p:prevCondLst>
+                <p:cond evt="onPrev" delay="0">
+                  <p:tgtEl>
+                    <p:sldTgt/>
+                  </p:tgtEl>
+                </p:cond>
+              </p:prevCondLst>
+              <p:nextCondLst>
+                <p:cond evt="onNext" delay="0">
+                  <p:tgtEl>
+                    <p:sldTgt/>
+                  </p:tgtEl>
+                </p:cond>
+              </p:nextCondLst>
+            </p:seq>
+          </p:childTnLst>
+        </p:cTn>
+      </p:par>
+    </p:tnLst>
+    <p:bldLst>
+      <p:bldP spid="21" grpId="0" animBg="1"/>
+      <p:bldP spid="11" grpId="0" animBg="1"/>
+      <p:bldP spid="12" grpId="0" animBg="1"/>
+      <p:bldP spid="13" grpId="0" animBg="1"/>
+      <p:bldP spid="14" grpId="0" animBg="1"/>
+      <p:bldP spid="15" grpId="0" animBg="1"/>
+      <p:bldP spid="16" grpId="0" animBg="1"/>
+      <p:bldP spid="17" grpId="0" animBg="1"/>
+      <p:bldP spid="18" grpId="0" animBg="1"/>
+      <p:bldP spid="19" grpId="0" animBg="1"/>
+      <p:bldP spid="20" grpId="0" animBg="1"/>
+    </p:bldLst>
+  </p:timing>
+</p:sld>
+</file>
+
+<file path=ppt/slides/slide27.xml><?xml version="1.0" encoding="utf-8"?>
+<p:sld xmlns:a="http://schemas.openxmlformats.org/drawingml/2006/main" xmlns:r="http://schemas.openxmlformats.org/officeDocument/2006/relationships" xmlns:p="http://schemas.openxmlformats.org/presentationml/2006/main">
+  <p:cSld>
+    <p:spTree>
+      <p:nvGrpSpPr>
+        <p:cNvPr id="1" name=""/>
+        <p:cNvGrpSpPr/>
+        <p:nvPr/>
+      </p:nvGrpSpPr>
+      <p:grpSpPr>
+        <a:xfrm>
+          <a:off x="0" y="0"/>
+          <a:ext cx="0" cy="0"/>
+          <a:chOff x="0" y="0"/>
+          <a:chExt cx="0" cy="0"/>
+        </a:xfrm>
+      </p:grpSpPr>
+      <p:sp>
+        <p:nvSpPr>
+          <p:cNvPr id="8" name="TextBox 7"/>
+          <p:cNvSpPr txBox="1"/>
+          <p:nvPr/>
+        </p:nvSpPr>
+        <p:spPr>
+          <a:xfrm>
+            <a:off x="533400" y="4546601"/>
+            <a:ext cx="8305800" cy="769441"/>
+          </a:xfrm>
+          <a:prstGeom prst="rect">
+            <a:avLst/>
+          </a:prstGeom>
+          <a:noFill/>
+        </p:spPr>
+        <p:txBody>
+          <a:bodyPr wrap="square" rtlCol="0">
+            <a:spAutoFit/>
+          </a:bodyPr>
+          <a:lstStyle/>
+          <a:p>
+            <a:pPr lvl="0" algn="ctr"/>
+            <a:r>
+              <a:rPr lang="en-US" sz="4400" b="1" cap="all" dirty="0" smtClean="0">
+                <a:effectLst>
+                  <a:outerShdw blurRad="38100" dist="38100" dir="2700000" algn="tl">
+                    <a:srgbClr val="000000">
+                      <a:alpha val="43137"/>
+                    </a:srgbClr>
+                  </a:outerShdw>
+                </a:effectLst>
+                <a:latin typeface="+mj-lt"/>
+                <a:ea typeface="+mj-ea"/>
+                <a:cs typeface="+mj-cs"/>
+              </a:rPr>
+              <a:t>SLICE</a:t>
+            </a:r>
+            <a:endParaRPr lang="en-US" sz="4400" b="1" cap="all" dirty="0">
+              <a:effectLst>
+                <a:outerShdw blurRad="38100" dist="38100" dir="2700000" algn="tl">
+                  <a:srgbClr val="000000">
+                    <a:alpha val="43137"/>
+                  </a:srgbClr>
+                </a:outerShdw>
+              </a:effectLst>
+              <a:latin typeface="+mj-lt"/>
+              <a:ea typeface="+mj-ea"/>
+              <a:cs typeface="+mj-cs"/>
+            </a:endParaRPr>
+          </a:p>
+        </p:txBody>
+      </p:sp>
+      <p:sp>
+        <p:nvSpPr>
+          <p:cNvPr id="3" name="Rectangle 1"/>
+          <p:cNvSpPr>
+            <a:spLocks/>
+          </p:cNvSpPr>
+          <p:nvPr/>
+        </p:nvSpPr>
+        <p:spPr bwMode="auto">
+          <a:xfrm>
+            <a:off x="1718668" y="1600201"/>
+            <a:ext cx="1741289" cy="1839516"/>
+          </a:xfrm>
+          <a:prstGeom prst="rect">
+            <a:avLst/>
+          </a:prstGeom>
+          <a:ln>
+            <a:headEnd type="none" w="med" len="med"/>
+            <a:tailEnd type="none" w="med" len="med"/>
+          </a:ln>
+        </p:spPr>
+        <p:style>
+          <a:lnRef idx="1">
+            <a:schemeClr val="accent1"/>
+          </a:lnRef>
+          <a:fillRef idx="2">
+            <a:schemeClr val="accent1"/>
+          </a:fillRef>
+          <a:effectRef idx="1">
+            <a:schemeClr val="accent1"/>
+          </a:effectRef>
+          <a:fontRef idx="minor">
+            <a:schemeClr val="dk1"/>
+          </a:fontRef>
+        </p:style>
+        <p:txBody>
+          <a:bodyPr vert="horz" wrap="square" lIns="72000" tIns="45718" rIns="72000" bIns="45718" numCol="1" rtlCol="0" anchor="ctr" anchorCtr="0" compatLnSpc="1">
+            <a:prstTxWarp prst="textNoShape">
+              <a:avLst/>
+            </a:prstTxWarp>
+          </a:bodyPr>
+          <a:lstStyle/>
+          <a:p>
+            <a:pPr algn="ctr" defTabSz="914099" fontAlgn="base">
+              <a:spcBef>
+                <a:spcPct val="0"/>
+              </a:spcBef>
+              <a:spcAft>
+                <a:spcPct val="0"/>
+              </a:spcAft>
+            </a:pPr>
+            <a:endParaRPr lang="en-US" sz="2000">
+              <a:solidFill>
+                <a:srgbClr val="000000"/>
+              </a:solidFill>
+              <a:latin typeface="Calibri" pitchFamily="34" charset="0"/>
+            </a:endParaRPr>
+          </a:p>
+        </p:txBody>
+      </p:sp>
+      <p:sp>
+        <p:nvSpPr>
+          <p:cNvPr id="4" name="Rectangle 2"/>
+          <p:cNvSpPr>
+            <a:spLocks/>
+          </p:cNvSpPr>
+          <p:nvPr/>
+        </p:nvSpPr>
+        <p:spPr bwMode="auto">
+          <a:xfrm>
+            <a:off x="2093715" y="2528888"/>
+            <a:ext cx="1116211" cy="125016"/>
+          </a:xfrm>
+          <a:prstGeom prst="rect">
+            <a:avLst/>
+          </a:prstGeom>
+          <a:solidFill>
+            <a:srgbClr val="D90B00"/>
+          </a:solidFill>
+          <a:ln w="12700" cap="flat">
+            <a:solidFill>
+              <a:schemeClr val="tx1"/>
+            </a:solidFill>
+            <a:prstDash val="solid"/>
+            <a:round/>
+            <a:headEnd type="none" w="med" len="med"/>
+            <a:tailEnd type="none" w="med" len="med"/>
+          </a:ln>
+        </p:spPr>
+        <p:txBody>
+          <a:bodyPr lIns="0" tIns="0" rIns="0" bIns="0"/>
+          <a:lstStyle/>
+          <a:p>
+            <a:endParaRPr lang="en-US"/>
+          </a:p>
+        </p:txBody>
+      </p:sp>
+      <p:sp>
+        <p:nvSpPr>
+          <p:cNvPr id="5" name="Rectangle 3"/>
+          <p:cNvSpPr>
+            <a:spLocks/>
+          </p:cNvSpPr>
+          <p:nvPr/>
+        </p:nvSpPr>
+        <p:spPr bwMode="auto">
+          <a:xfrm>
+            <a:off x="1897260" y="1993107"/>
+            <a:ext cx="1116211" cy="125016"/>
+          </a:xfrm>
+          <a:prstGeom prst="rect">
+            <a:avLst/>
+          </a:prstGeom>
+          <a:solidFill>
+            <a:srgbClr val="66B132"/>
+          </a:solidFill>
+          <a:ln w="12700" cap="flat">
+            <a:solidFill>
+              <a:schemeClr val="tx1"/>
+            </a:solidFill>
+            <a:prstDash val="solid"/>
+            <a:round/>
+            <a:headEnd type="none" w="med" len="med"/>
+            <a:tailEnd type="none" w="med" len="med"/>
+          </a:ln>
+        </p:spPr>
+        <p:txBody>
+          <a:bodyPr lIns="0" tIns="0" rIns="0" bIns="0"/>
+          <a:lstStyle/>
+          <a:p>
+            <a:endParaRPr lang="en-US"/>
+          </a:p>
+        </p:txBody>
+      </p:sp>
+      <p:sp>
+        <p:nvSpPr>
+          <p:cNvPr id="6" name="Rectangle 4"/>
+          <p:cNvSpPr>
+            <a:spLocks/>
+          </p:cNvSpPr>
+          <p:nvPr/>
+        </p:nvSpPr>
+        <p:spPr bwMode="auto">
+          <a:xfrm>
+            <a:off x="2093715" y="2296716"/>
+            <a:ext cx="1116211" cy="125016"/>
+          </a:xfrm>
+          <a:prstGeom prst="rect">
+            <a:avLst/>
+          </a:prstGeom>
+          <a:solidFill>
+            <a:srgbClr val="66B132"/>
+          </a:solidFill>
+          <a:ln w="12700" cap="flat">
+            <a:solidFill>
+              <a:schemeClr val="tx1"/>
+            </a:solidFill>
+            <a:prstDash val="solid"/>
+            <a:round/>
+            <a:headEnd type="none" w="med" len="med"/>
+            <a:tailEnd type="none" w="med" len="med"/>
+          </a:ln>
+        </p:spPr>
+        <p:txBody>
+          <a:bodyPr lIns="0" tIns="0" rIns="0" bIns="0"/>
+          <a:lstStyle/>
+          <a:p>
+            <a:endParaRPr lang="en-US"/>
+          </a:p>
+        </p:txBody>
+      </p:sp>
+      <p:sp>
+        <p:nvSpPr>
+          <p:cNvPr id="7" name="Rectangle 5"/>
+          <p:cNvSpPr>
+            <a:spLocks/>
+          </p:cNvSpPr>
+          <p:nvPr/>
+        </p:nvSpPr>
+        <p:spPr bwMode="auto">
+          <a:xfrm>
+            <a:off x="1897260" y="1760935"/>
+            <a:ext cx="1116211" cy="125016"/>
+          </a:xfrm>
+          <a:prstGeom prst="rect">
+            <a:avLst/>
+          </a:prstGeom>
+          <a:solidFill>
+            <a:srgbClr val="66B132"/>
+          </a:solidFill>
+          <a:ln w="12700" cap="flat">
+            <a:solidFill>
+              <a:schemeClr val="tx1"/>
+            </a:solidFill>
+            <a:prstDash val="solid"/>
+            <a:round/>
+            <a:headEnd type="none" w="med" len="med"/>
+            <a:tailEnd type="none" w="med" len="med"/>
+          </a:ln>
+        </p:spPr>
+        <p:txBody>
+          <a:bodyPr lIns="0" tIns="0" rIns="0" bIns="0"/>
+          <a:lstStyle/>
+          <a:p>
+            <a:endParaRPr lang="en-US"/>
+          </a:p>
+        </p:txBody>
+      </p:sp>
+      <p:sp>
+        <p:nvSpPr>
+          <p:cNvPr id="9" name="Rectangle 6"/>
+          <p:cNvSpPr>
+            <a:spLocks/>
+          </p:cNvSpPr>
+          <p:nvPr/>
+        </p:nvSpPr>
+        <p:spPr bwMode="auto">
+          <a:xfrm>
+            <a:off x="1897260" y="3020021"/>
+            <a:ext cx="1116211" cy="125016"/>
+          </a:xfrm>
+          <a:prstGeom prst="rect">
+            <a:avLst/>
+          </a:prstGeom>
+          <a:solidFill>
+            <a:srgbClr val="66B132"/>
+          </a:solidFill>
+          <a:ln w="12700" cap="flat">
+            <a:solidFill>
+              <a:schemeClr val="tx1"/>
+            </a:solidFill>
+            <a:prstDash val="solid"/>
+            <a:round/>
+            <a:headEnd type="none" w="med" len="med"/>
+            <a:tailEnd type="none" w="med" len="med"/>
+          </a:ln>
+        </p:spPr>
+        <p:txBody>
+          <a:bodyPr lIns="0" tIns="0" rIns="0" bIns="0"/>
+          <a:lstStyle/>
+          <a:p>
+            <a:endParaRPr lang="en-US"/>
+          </a:p>
+        </p:txBody>
+      </p:sp>
+      <p:sp>
+        <p:nvSpPr>
+          <p:cNvPr id="10" name="Rectangle 7"/>
+          <p:cNvSpPr>
+            <a:spLocks/>
+          </p:cNvSpPr>
+          <p:nvPr/>
+        </p:nvSpPr>
+        <p:spPr bwMode="auto">
+          <a:xfrm>
+            <a:off x="2093715" y="2787849"/>
+            <a:ext cx="1116211" cy="125016"/>
+          </a:xfrm>
+          <a:prstGeom prst="rect">
+            <a:avLst/>
+          </a:prstGeom>
+          <a:solidFill>
+            <a:srgbClr val="66B132"/>
+          </a:solidFill>
+          <a:ln w="12700" cap="flat">
+            <a:solidFill>
+              <a:schemeClr val="tx1"/>
+            </a:solidFill>
+            <a:prstDash val="solid"/>
+            <a:round/>
+            <a:headEnd type="none" w="med" len="med"/>
+            <a:tailEnd type="none" w="med" len="med"/>
+          </a:ln>
+        </p:spPr>
+        <p:txBody>
+          <a:bodyPr lIns="0" tIns="0" rIns="0" bIns="0"/>
+          <a:lstStyle/>
+          <a:p>
+            <a:endParaRPr lang="en-US"/>
+          </a:p>
+        </p:txBody>
+      </p:sp>
+      <p:sp>
+        <p:nvSpPr>
+          <p:cNvPr id="11" name="AutoShape 8"/>
+          <p:cNvSpPr>
+            <a:spLocks/>
+          </p:cNvSpPr>
+          <p:nvPr/>
+        </p:nvSpPr>
+        <p:spPr bwMode="auto">
+          <a:xfrm>
+            <a:off x="3549254" y="1921670"/>
+            <a:ext cx="892969" cy="892969"/>
+          </a:xfrm>
+          <a:prstGeom prst="rightArrow">
+            <a:avLst>
+              <a:gd name="adj1" fmla="val 32000"/>
+              <a:gd name="adj2" fmla="val 44000"/>
+            </a:avLst>
+          </a:prstGeom>
+          <a:ln>
+            <a:headEnd type="none" w="med" len="med"/>
+            <a:tailEnd type="none" w="med" len="med"/>
+          </a:ln>
+        </p:spPr>
+        <p:style>
+          <a:lnRef idx="1">
+            <a:schemeClr val="accent3"/>
+          </a:lnRef>
+          <a:fillRef idx="3">
+            <a:schemeClr val="accent3"/>
+          </a:fillRef>
+          <a:effectRef idx="2">
+            <a:schemeClr val="accent3"/>
+          </a:effectRef>
+          <a:fontRef idx="minor">
+            <a:schemeClr val="lt1"/>
+          </a:fontRef>
+        </p:style>
+        <p:txBody>
+          <a:bodyPr vert="horz" wrap="square" lIns="72000" tIns="45718" rIns="72000" bIns="45718" numCol="1" rtlCol="0" anchor="ctr" anchorCtr="0" compatLnSpc="1">
+            <a:prstTxWarp prst="textNoShape">
+              <a:avLst/>
+            </a:prstTxWarp>
+          </a:bodyPr>
+          <a:lstStyle/>
+          <a:p>
+            <a:pPr algn="ctr" defTabSz="914099" fontAlgn="base">
+              <a:spcBef>
+                <a:spcPct val="0"/>
+              </a:spcBef>
+              <a:spcAft>
+                <a:spcPct val="0"/>
+              </a:spcAft>
+            </a:pPr>
+            <a:endParaRPr lang="en-US" sz="2000">
+              <a:solidFill>
+                <a:srgbClr val="000000"/>
+              </a:solidFill>
+              <a:latin typeface="Calibri" pitchFamily="34" charset="0"/>
+            </a:endParaRPr>
+          </a:p>
+        </p:txBody>
+      </p:sp>
+      <p:sp>
+        <p:nvSpPr>
+          <p:cNvPr id="12" name="Rectangle 10"/>
+          <p:cNvSpPr>
+            <a:spLocks/>
+          </p:cNvSpPr>
+          <p:nvPr/>
+        </p:nvSpPr>
+        <p:spPr bwMode="auto">
+          <a:xfrm>
+            <a:off x="4495801" y="1600201"/>
+            <a:ext cx="1741289" cy="1839516"/>
+          </a:xfrm>
+          <a:prstGeom prst="rect">
+            <a:avLst/>
+          </a:prstGeom>
+          <a:ln>
+            <a:headEnd type="none" w="med" len="med"/>
+            <a:tailEnd type="none" w="med" len="med"/>
+          </a:ln>
+        </p:spPr>
+        <p:style>
+          <a:lnRef idx="1">
+            <a:schemeClr val="accent1"/>
+          </a:lnRef>
+          <a:fillRef idx="2">
+            <a:schemeClr val="accent1"/>
+          </a:fillRef>
+          <a:effectRef idx="1">
+            <a:schemeClr val="accent1"/>
+          </a:effectRef>
+          <a:fontRef idx="minor">
+            <a:schemeClr val="dk1"/>
+          </a:fontRef>
+        </p:style>
+        <p:txBody>
+          <a:bodyPr vert="horz" wrap="square" lIns="72000" tIns="45718" rIns="72000" bIns="45718" numCol="1" rtlCol="0" anchor="ctr" anchorCtr="0" compatLnSpc="1">
+            <a:prstTxWarp prst="textNoShape">
+              <a:avLst/>
+            </a:prstTxWarp>
+          </a:bodyPr>
+          <a:lstStyle/>
+          <a:p>
+            <a:pPr algn="ctr" defTabSz="914099" fontAlgn="base">
+              <a:spcBef>
+                <a:spcPct val="0"/>
+              </a:spcBef>
+              <a:spcAft>
+                <a:spcPct val="0"/>
+              </a:spcAft>
+            </a:pPr>
+            <a:endParaRPr lang="en-US" sz="2000">
+              <a:solidFill>
+                <a:srgbClr val="000000"/>
+              </a:solidFill>
+              <a:latin typeface="Calibri" pitchFamily="34" charset="0"/>
+            </a:endParaRPr>
+          </a:p>
+        </p:txBody>
+      </p:sp>
+      <p:sp>
+        <p:nvSpPr>
+          <p:cNvPr id="13" name="Rectangle 11"/>
+          <p:cNvSpPr>
+            <a:spLocks/>
+          </p:cNvSpPr>
+          <p:nvPr/>
+        </p:nvSpPr>
+        <p:spPr bwMode="auto">
+          <a:xfrm>
+            <a:off x="4674394" y="1993107"/>
+            <a:ext cx="1116211" cy="125016"/>
+          </a:xfrm>
+          <a:prstGeom prst="rect">
+            <a:avLst/>
+          </a:prstGeom>
+          <a:solidFill>
+            <a:srgbClr val="66B132"/>
+          </a:solidFill>
+          <a:ln w="12700" cap="flat">
+            <a:solidFill>
+              <a:schemeClr val="tx1"/>
+            </a:solidFill>
+            <a:prstDash val="solid"/>
+            <a:round/>
+            <a:headEnd type="none" w="med" len="med"/>
+            <a:tailEnd type="none" w="med" len="med"/>
+          </a:ln>
+        </p:spPr>
+        <p:txBody>
+          <a:bodyPr lIns="0" tIns="0" rIns="0" bIns="0"/>
+          <a:lstStyle/>
+          <a:p>
+            <a:endParaRPr lang="en-US"/>
+          </a:p>
+        </p:txBody>
+      </p:sp>
+      <p:sp>
+        <p:nvSpPr>
+          <p:cNvPr id="14" name="Rectangle 12"/>
+          <p:cNvSpPr>
+            <a:spLocks/>
+          </p:cNvSpPr>
+          <p:nvPr/>
+        </p:nvSpPr>
+        <p:spPr bwMode="auto">
+          <a:xfrm>
+            <a:off x="4870847" y="2296716"/>
+            <a:ext cx="1116211" cy="125016"/>
+          </a:xfrm>
+          <a:prstGeom prst="rect">
+            <a:avLst/>
+          </a:prstGeom>
+          <a:solidFill>
+            <a:srgbClr val="66B132"/>
+          </a:solidFill>
+          <a:ln w="12700" cap="flat">
+            <a:solidFill>
+              <a:schemeClr val="tx1"/>
+            </a:solidFill>
+            <a:prstDash val="solid"/>
+            <a:round/>
+            <a:headEnd type="none" w="med" len="med"/>
+            <a:tailEnd type="none" w="med" len="med"/>
+          </a:ln>
+        </p:spPr>
+        <p:txBody>
+          <a:bodyPr lIns="0" tIns="0" rIns="0" bIns="0"/>
+          <a:lstStyle/>
+          <a:p>
+            <a:endParaRPr lang="en-US"/>
+          </a:p>
+        </p:txBody>
+      </p:sp>
+      <p:sp>
+        <p:nvSpPr>
+          <p:cNvPr id="15" name="Rectangle 13"/>
+          <p:cNvSpPr>
+            <a:spLocks/>
+          </p:cNvSpPr>
+          <p:nvPr/>
+        </p:nvSpPr>
+        <p:spPr bwMode="auto">
+          <a:xfrm>
+            <a:off x="4674394" y="1760935"/>
+            <a:ext cx="1116211" cy="125016"/>
+          </a:xfrm>
+          <a:prstGeom prst="rect">
+            <a:avLst/>
+          </a:prstGeom>
+          <a:solidFill>
+            <a:srgbClr val="66B132"/>
+          </a:solidFill>
+          <a:ln w="12700" cap="flat">
+            <a:solidFill>
+              <a:schemeClr val="tx1"/>
+            </a:solidFill>
+            <a:prstDash val="solid"/>
+            <a:round/>
+            <a:headEnd type="none" w="med" len="med"/>
+            <a:tailEnd type="none" w="med" len="med"/>
+          </a:ln>
+        </p:spPr>
+        <p:txBody>
+          <a:bodyPr lIns="0" tIns="0" rIns="0" bIns="0"/>
+          <a:lstStyle/>
+          <a:p>
+            <a:endParaRPr lang="en-US"/>
+          </a:p>
+        </p:txBody>
+      </p:sp>
+      <p:sp>
+        <p:nvSpPr>
+          <p:cNvPr id="16" name="Rectangle 14"/>
+          <p:cNvSpPr>
+            <a:spLocks/>
+          </p:cNvSpPr>
+          <p:nvPr/>
+        </p:nvSpPr>
+        <p:spPr bwMode="auto">
+          <a:xfrm>
+            <a:off x="4674394" y="3020021"/>
+            <a:ext cx="1116211" cy="125016"/>
+          </a:xfrm>
+          <a:prstGeom prst="rect">
+            <a:avLst/>
+          </a:prstGeom>
+          <a:solidFill>
+            <a:srgbClr val="66B132"/>
+          </a:solidFill>
+          <a:ln w="12700" cap="flat">
+            <a:solidFill>
+              <a:schemeClr val="tx1"/>
+            </a:solidFill>
+            <a:prstDash val="solid"/>
+            <a:round/>
+            <a:headEnd type="none" w="med" len="med"/>
+            <a:tailEnd type="none" w="med" len="med"/>
+          </a:ln>
+        </p:spPr>
+        <p:txBody>
+          <a:bodyPr lIns="0" tIns="0" rIns="0" bIns="0"/>
+          <a:lstStyle/>
+          <a:p>
+            <a:endParaRPr lang="en-US"/>
+          </a:p>
+        </p:txBody>
+      </p:sp>
+      <p:sp>
+        <p:nvSpPr>
+          <p:cNvPr id="17" name="Rectangle 15"/>
+          <p:cNvSpPr>
+            <a:spLocks/>
+          </p:cNvSpPr>
+          <p:nvPr/>
+        </p:nvSpPr>
+        <p:spPr bwMode="auto">
+          <a:xfrm>
+            <a:off x="4870847" y="2787849"/>
+            <a:ext cx="1116211" cy="125016"/>
+          </a:xfrm>
+          <a:prstGeom prst="rect">
+            <a:avLst/>
+          </a:prstGeom>
+          <a:solidFill>
+            <a:srgbClr val="66B132"/>
+          </a:solidFill>
+          <a:ln w="12700" cap="flat">
+            <a:solidFill>
+              <a:schemeClr val="tx1"/>
+            </a:solidFill>
+            <a:prstDash val="solid"/>
+            <a:round/>
+            <a:headEnd type="none" w="med" len="med"/>
+            <a:tailEnd type="none" w="med" len="med"/>
+          </a:ln>
+        </p:spPr>
+        <p:txBody>
+          <a:bodyPr lIns="0" tIns="0" rIns="0" bIns="0"/>
+          <a:lstStyle/>
+          <a:p>
+            <a:endParaRPr lang="en-US"/>
+          </a:p>
+        </p:txBody>
+      </p:sp>
+      <p:sp>
+        <p:nvSpPr>
+          <p:cNvPr id="18" name="Rectangle 16"/>
+          <p:cNvSpPr>
+            <a:spLocks/>
+          </p:cNvSpPr>
+          <p:nvPr/>
+        </p:nvSpPr>
+        <p:spPr bwMode="auto">
+          <a:xfrm>
+            <a:off x="4870847" y="2528888"/>
+            <a:ext cx="1116211" cy="125016"/>
+          </a:xfrm>
+          <a:prstGeom prst="rect">
+            <a:avLst/>
+          </a:prstGeom>
+          <a:solidFill>
+            <a:srgbClr val="66B132"/>
+          </a:solidFill>
+          <a:ln w="12700" cap="flat">
+            <a:solidFill>
+              <a:schemeClr val="tx1"/>
+            </a:solidFill>
+            <a:prstDash val="solid"/>
+            <a:round/>
+            <a:headEnd type="none" w="med" len="med"/>
+            <a:tailEnd type="none" w="med" len="med"/>
+          </a:ln>
+        </p:spPr>
+        <p:txBody>
+          <a:bodyPr lIns="0" tIns="0" rIns="0" bIns="0"/>
+          <a:lstStyle/>
+          <a:p>
+            <a:endParaRPr lang="en-US"/>
+          </a:p>
+        </p:txBody>
+      </p:sp>
+      <p:sp>
+        <p:nvSpPr>
+          <p:cNvPr id="19" name="Line 17"/>
+          <p:cNvSpPr>
+            <a:spLocks noChangeShapeType="1"/>
+          </p:cNvSpPr>
+          <p:nvPr/>
+        </p:nvSpPr>
+        <p:spPr bwMode="auto">
+          <a:xfrm rot="10800000" flipH="1">
+            <a:off x="6073007" y="2584699"/>
+            <a:ext cx="714375" cy="11163"/>
+          </a:xfrm>
+          <a:prstGeom prst="line">
+            <a:avLst/>
+          </a:prstGeom>
+          <a:noFill/>
+          <a:ln w="25400" cap="flat">
+            <a:solidFill>
+              <a:schemeClr val="tx1"/>
+            </a:solidFill>
+            <a:prstDash val="solid"/>
+            <a:round/>
+            <a:headEnd type="stealth" w="med" len="med"/>
+            <a:tailEnd type="none" w="med" len="med"/>
+          </a:ln>
+          <a:extLst>
+            <a:ext uri="{909E8E84-426E-40dd-AFC4-6F175D3DCCD1}">
+              <a14:hiddenFill xmlns:a14="http://schemas.microsoft.com/office/drawing/2010/main">
+                <a:solidFill>
+                  <a:srgbClr val="FFFFFF"/>
+                </a:solidFill>
+              </a14:hiddenFill>
+            </a:ext>
+          </a:extLst>
+        </p:spPr>
+        <p:txBody>
+          <a:bodyPr lIns="0" tIns="0" rIns="0" bIns="0"/>
+          <a:lstStyle/>
+          <a:p>
+            <a:endParaRPr lang="en-US"/>
+          </a:p>
+        </p:txBody>
+      </p:sp>
+      <p:sp>
+        <p:nvSpPr>
+          <p:cNvPr id="20" name="Rectangle 18"/>
+          <p:cNvSpPr>
+            <a:spLocks/>
+          </p:cNvSpPr>
+          <p:nvPr/>
+        </p:nvSpPr>
+        <p:spPr bwMode="auto">
+          <a:xfrm>
+            <a:off x="6843146" y="2415312"/>
+            <a:ext cx="1339124" cy="276999"/>
+          </a:xfrm>
+          <a:prstGeom prst="rect">
+            <a:avLst/>
+          </a:prstGeom>
+          <a:noFill/>
+          <a:ln>
+            <a:noFill/>
+          </a:ln>
+          <a:extLst>
+            <a:ext uri="{909E8E84-426E-40dd-AFC4-6F175D3DCCD1}">
+              <a14:hiddenFill xmlns:a14="http://schemas.microsoft.com/office/drawing/2010/main">
+                <a:solidFill>
+                  <a:srgbClr val="FFFFFF"/>
+                </a:solidFill>
+              </a14:hiddenFill>
+            </a:ext>
+            <a:ext uri="{91240B29-F687-4f45-9708-019B960494DF}">
+              <a14:hiddenLine xmlns:a14="http://schemas.microsoft.com/office/drawing/2010/main" w="12700" cap="flat">
+                <a:solidFill>
+                  <a:schemeClr val="tx1"/>
+                </a:solidFill>
+                <a:miter lim="800000"/>
+                <a:headEnd type="none" w="med" len="med"/>
+                <a:tailEnd type="none" w="med" len="med"/>
+              </a14:hiddenLine>
+            </a:ext>
+          </a:extLst>
+        </p:spPr>
+        <p:txBody>
+          <a:bodyPr wrap="none" lIns="0" tIns="0" rIns="36280" bIns="0">
+            <a:spAutoFit/>
+          </a:bodyPr>
+          <a:lstStyle/>
+          <a:p>
+            <a:pPr marL="35873"/>
+            <a:r>
+              <a:rPr lang="en-US" dirty="0">
+                <a:solidFill>
+                  <a:schemeClr val="tx1"/>
+                </a:solidFill>
+                <a:cs typeface="Arial" charset="0"/>
+              </a:rPr>
+              <a:t>return sample</a:t>
+            </a:r>
+          </a:p>
+        </p:txBody>
+      </p:sp>
+      <p:sp>
+        <p:nvSpPr>
+          <p:cNvPr id="21" name="Line 19"/>
+          <p:cNvSpPr>
+            <a:spLocks noChangeShapeType="1"/>
+          </p:cNvSpPr>
+          <p:nvPr/>
+        </p:nvSpPr>
+        <p:spPr bwMode="auto">
+          <a:xfrm flipH="1">
+            <a:off x="6743849" y="2422849"/>
+            <a:ext cx="66973" cy="376163"/>
+          </a:xfrm>
+          <a:prstGeom prst="line">
+            <a:avLst/>
+          </a:prstGeom>
+          <a:noFill/>
+          <a:ln w="50800" cap="flat">
+            <a:solidFill>
+              <a:schemeClr val="tx1"/>
+            </a:solidFill>
+            <a:prstDash val="solid"/>
+            <a:round/>
+            <a:headEnd type="none" w="med" len="med"/>
+            <a:tailEnd type="none" w="med" len="med"/>
+          </a:ln>
+          <a:extLst>
+            <a:ext uri="{909E8E84-426E-40dd-AFC4-6F175D3DCCD1}">
+              <a14:hiddenFill xmlns:a14="http://schemas.microsoft.com/office/drawing/2010/main">
+                <a:solidFill>
+                  <a:srgbClr val="FFFFFF"/>
+                </a:solidFill>
+              </a14:hiddenFill>
+            </a:ext>
+          </a:extLst>
+        </p:spPr>
+        <p:txBody>
+          <a:bodyPr lIns="0" tIns="0" rIns="0" bIns="0"/>
+          <a:lstStyle/>
+          <a:p>
+            <a:endParaRPr lang="en-US"/>
+          </a:p>
+        </p:txBody>
+      </p:sp>
+      <p:sp>
+        <p:nvSpPr>
+          <p:cNvPr id="22" name="Rectangle 21"/>
+          <p:cNvSpPr/>
+          <p:nvPr/>
+        </p:nvSpPr>
+        <p:spPr>
+          <a:xfrm>
+            <a:off x="152400" y="6172200"/>
+            <a:ext cx="2636359" cy="369332"/>
+          </a:xfrm>
+          <a:prstGeom prst="rect">
+            <a:avLst/>
+          </a:prstGeom>
+        </p:spPr>
+        <p:txBody>
+          <a:bodyPr wrap="none">
+            <a:spAutoFit/>
+          </a:bodyPr>
+          <a:lstStyle/>
+          <a:p>
+            <a:r>
+              <a:rPr lang="en-US" dirty="0" smtClean="0"/>
+              <a:t>*http://</a:t>
+            </a:r>
+            <a:r>
+              <a:rPr lang="en-US" dirty="0" err="1" smtClean="0"/>
+              <a:t>lfal.co</a:t>
+            </a:r>
+            <a:r>
+              <a:rPr lang="en-US" dirty="0"/>
+              <a:t>/</a:t>
+            </a:r>
+            <a:r>
+              <a:rPr lang="en-US" dirty="0" err="1"/>
+              <a:t>PeelAndSlice</a:t>
+            </a:r>
+            <a:endParaRPr lang="en-US" dirty="0"/>
+          </a:p>
+        </p:txBody>
+      </p:sp>
+    </p:spTree>
+    <p:extLst>
+      <p:ext uri="{BB962C8B-B14F-4D97-AF65-F5344CB8AC3E}">
+        <p14:creationId xmlns:p14="http://schemas.microsoft.com/office/powerpoint/2010/main" val="190144710"/>
+      </p:ext>
+    </p:extLst>
+  </p:cSld>
+  <p:clrMapOvr>
+    <a:masterClrMapping/>
+  </p:clrMapOvr>
+  <p:timing>
+    <p:tnLst>
+      <p:par>
+        <p:cTn xmlns:p14="http://schemas.microsoft.com/office/powerpoint/2010/main" id="1" dur="indefinite" restart="never" nodeType="tmRoot">
+          <p:childTnLst>
+            <p:seq concurrent="1" nextAc="seek">
+              <p:cTn id="2" dur="indefinite" nodeType="mainSeq">
+                <p:childTnLst>
+                  <p:par>
+                    <p:cTn id="3" fill="hold">
+                      <p:stCondLst>
+                        <p:cond delay="indefinite"/>
+                      </p:stCondLst>
+                      <p:childTnLst>
+                        <p:par>
+                          <p:cTn id="4" fill="hold">
+                            <p:stCondLst>
+                              <p:cond delay="0"/>
+                            </p:stCondLst>
+                            <p:childTnLst>
+                              <p:par>
+                                <p:cTn id="5" presetID="1" presetClass="entr" presetSubtype="0" fill="hold" grpId="0" nodeType="clickEffect">
+                                  <p:stCondLst>
+                                    <p:cond delay="0"/>
+                                  </p:stCondLst>
+                                  <p:childTnLst>
+                                    <p:set>
+                                      <p:cBhvr>
+                                        <p:cTn id="6" dur="1" fill="hold">
+                                          <p:stCondLst>
+                                            <p:cond delay="499"/>
+                                          </p:stCondLst>
+                                        </p:cTn>
+                                        <p:tgtEl>
+                                          <p:spTgt spid="11"/>
+                                        </p:tgtEl>
+                                        <p:attrNameLst>
+                                          <p:attrName>style.visibility</p:attrName>
+                                        </p:attrNameLst>
+                                      </p:cBhvr>
+                                      <p:to>
+                                        <p:strVal val="visible"/>
+                                      </p:to>
+                                    </p:set>
+                                  </p:childTnLst>
+                                </p:cTn>
+                              </p:par>
+                              <p:par>
+                                <p:cTn id="7" presetID="1" presetClass="entr" presetSubtype="0" fill="hold" grpId="0" nodeType="withEffect">
+                                  <p:stCondLst>
+                                    <p:cond delay="0"/>
+                                  </p:stCondLst>
+                                  <p:childTnLst>
+                                    <p:set>
+                                      <p:cBhvr>
+                                        <p:cTn id="8" dur="1" fill="hold">
+                                          <p:stCondLst>
+                                            <p:cond delay="499"/>
+                                          </p:stCondLst>
+                                        </p:cTn>
+                                        <p:tgtEl>
+                                          <p:spTgt spid="12"/>
+                                        </p:tgtEl>
+                                        <p:attrNameLst>
+                                          <p:attrName>style.visibility</p:attrName>
+                                        </p:attrNameLst>
+                                      </p:cBhvr>
+                                      <p:to>
+                                        <p:strVal val="visible"/>
+                                      </p:to>
+                                    </p:set>
+                                  </p:childTnLst>
+                                </p:cTn>
+                              </p:par>
+                              <p:par>
+                                <p:cTn id="9" presetID="1" presetClass="entr" presetSubtype="0" fill="hold" grpId="0" nodeType="withEffect">
+                                  <p:stCondLst>
+                                    <p:cond delay="0"/>
+                                  </p:stCondLst>
+                                  <p:childTnLst>
+                                    <p:set>
+                                      <p:cBhvr>
+                                        <p:cTn id="10" dur="1" fill="hold">
+                                          <p:stCondLst>
+                                            <p:cond delay="499"/>
+                                          </p:stCondLst>
+                                        </p:cTn>
+                                        <p:tgtEl>
+                                          <p:spTgt spid="13"/>
+                                        </p:tgtEl>
+                                        <p:attrNameLst>
+                                          <p:attrName>style.visibility</p:attrName>
+                                        </p:attrNameLst>
+                                      </p:cBhvr>
+                                      <p:to>
+                                        <p:strVal val="visible"/>
+                                      </p:to>
+                                    </p:set>
+                                  </p:childTnLst>
+                                </p:cTn>
+                              </p:par>
+                              <p:par>
+                                <p:cTn id="11" presetID="1" presetClass="entr" presetSubtype="0" fill="hold" grpId="0" nodeType="withEffect">
+                                  <p:stCondLst>
+                                    <p:cond delay="0"/>
+                                  </p:stCondLst>
+                                  <p:childTnLst>
+                                    <p:set>
+                                      <p:cBhvr>
+                                        <p:cTn id="12" dur="1" fill="hold">
+                                          <p:stCondLst>
+                                            <p:cond delay="499"/>
+                                          </p:stCondLst>
+                                        </p:cTn>
+                                        <p:tgtEl>
+                                          <p:spTgt spid="14"/>
+                                        </p:tgtEl>
+                                        <p:attrNameLst>
+                                          <p:attrName>style.visibility</p:attrName>
+                                        </p:attrNameLst>
+                                      </p:cBhvr>
+                                      <p:to>
+                                        <p:strVal val="visible"/>
+                                      </p:to>
+                                    </p:set>
+                                  </p:childTnLst>
+                                </p:cTn>
+                              </p:par>
+                              <p:par>
+                                <p:cTn id="13" presetID="1" presetClass="entr" presetSubtype="0" fill="hold" grpId="0" nodeType="withEffect">
+                                  <p:stCondLst>
+                                    <p:cond delay="0"/>
+                                  </p:stCondLst>
+                                  <p:childTnLst>
+                                    <p:set>
+                                      <p:cBhvr>
+                                        <p:cTn id="14" dur="1" fill="hold">
+                                          <p:stCondLst>
+                                            <p:cond delay="499"/>
+                                          </p:stCondLst>
+                                        </p:cTn>
+                                        <p:tgtEl>
+                                          <p:spTgt spid="15"/>
+                                        </p:tgtEl>
+                                        <p:attrNameLst>
+                                          <p:attrName>style.visibility</p:attrName>
+                                        </p:attrNameLst>
+                                      </p:cBhvr>
+                                      <p:to>
+                                        <p:strVal val="visible"/>
+                                      </p:to>
+                                    </p:set>
+                                  </p:childTnLst>
+                                </p:cTn>
+                              </p:par>
+                              <p:par>
+                                <p:cTn id="15" presetID="1" presetClass="entr" presetSubtype="0" fill="hold" grpId="0" nodeType="withEffect">
+                                  <p:stCondLst>
+                                    <p:cond delay="0"/>
+                                  </p:stCondLst>
+                                  <p:childTnLst>
+                                    <p:set>
+                                      <p:cBhvr>
+                                        <p:cTn id="16" dur="1" fill="hold">
+                                          <p:stCondLst>
+                                            <p:cond delay="499"/>
+                                          </p:stCondLst>
+                                        </p:cTn>
+                                        <p:tgtEl>
+                                          <p:spTgt spid="16"/>
+                                        </p:tgtEl>
+                                        <p:attrNameLst>
+                                          <p:attrName>style.visibility</p:attrName>
+                                        </p:attrNameLst>
+                                      </p:cBhvr>
+                                      <p:to>
+                                        <p:strVal val="visible"/>
+                                      </p:to>
+                                    </p:set>
+                                  </p:childTnLst>
+                                </p:cTn>
+                              </p:par>
+                              <p:par>
+                                <p:cTn id="17" presetID="1" presetClass="entr" presetSubtype="0" fill="hold" grpId="0" nodeType="withEffect">
+                                  <p:stCondLst>
+                                    <p:cond delay="0"/>
+                                  </p:stCondLst>
+                                  <p:childTnLst>
+                                    <p:set>
+                                      <p:cBhvr>
+                                        <p:cTn id="18" dur="1" fill="hold">
+                                          <p:stCondLst>
+                                            <p:cond delay="499"/>
+                                          </p:stCondLst>
+                                        </p:cTn>
+                                        <p:tgtEl>
+                                          <p:spTgt spid="17"/>
+                                        </p:tgtEl>
+                                        <p:attrNameLst>
+                                          <p:attrName>style.visibility</p:attrName>
+                                        </p:attrNameLst>
+                                      </p:cBhvr>
+                                      <p:to>
+                                        <p:strVal val="visible"/>
+                                      </p:to>
+                                    </p:set>
+                                  </p:childTnLst>
+                                </p:cTn>
+                              </p:par>
+                              <p:par>
+                                <p:cTn id="19" presetID="1" presetClass="entr" presetSubtype="0" fill="hold" grpId="0" nodeType="withEffect">
+                                  <p:stCondLst>
+                                    <p:cond delay="0"/>
+                                  </p:stCondLst>
+                                  <p:childTnLst>
+                                    <p:set>
+                                      <p:cBhvr>
+                                        <p:cTn id="20" dur="1" fill="hold">
+                                          <p:stCondLst>
+                                            <p:cond delay="499"/>
+                                          </p:stCondLst>
+                                        </p:cTn>
+                                        <p:tgtEl>
+                                          <p:spTgt spid="18"/>
+                                        </p:tgtEl>
+                                        <p:attrNameLst>
+                                          <p:attrName>style.visibility</p:attrName>
+                                        </p:attrNameLst>
+                                      </p:cBhvr>
+                                      <p:to>
+                                        <p:strVal val="visible"/>
+                                      </p:to>
+                                    </p:set>
+                                  </p:childTnLst>
+                                </p:cTn>
+                              </p:par>
+                              <p:par>
+                                <p:cTn id="21" presetID="1" presetClass="entr" presetSubtype="0" fill="hold" grpId="0" nodeType="withEffect">
+                                  <p:stCondLst>
+                                    <p:cond delay="0"/>
+                                  </p:stCondLst>
+                                  <p:childTnLst>
+                                    <p:set>
+                                      <p:cBhvr>
+                                        <p:cTn id="22" dur="1" fill="hold">
+                                          <p:stCondLst>
+                                            <p:cond delay="499"/>
+                                          </p:stCondLst>
+                                        </p:cTn>
+                                        <p:tgtEl>
+                                          <p:spTgt spid="19"/>
+                                        </p:tgtEl>
+                                        <p:attrNameLst>
+                                          <p:attrName>style.visibility</p:attrName>
+                                        </p:attrNameLst>
+                                      </p:cBhvr>
+                                      <p:to>
+                                        <p:strVal val="visible"/>
+                                      </p:to>
+                                    </p:set>
+                                  </p:childTnLst>
+                                </p:cTn>
+                              </p:par>
+                              <p:par>
+                                <p:cTn id="23" presetID="1" presetClass="entr" presetSubtype="0" fill="hold" grpId="0" nodeType="withEffect">
+                                  <p:stCondLst>
+                                    <p:cond delay="0"/>
+                                  </p:stCondLst>
+                                  <p:childTnLst>
+                                    <p:set>
+                                      <p:cBhvr>
+                                        <p:cTn id="24" dur="1" fill="hold">
+                                          <p:stCondLst>
+                                            <p:cond delay="499"/>
+                                          </p:stCondLst>
+                                        </p:cTn>
+                                        <p:tgtEl>
+                                          <p:spTgt spid="20"/>
+                                        </p:tgtEl>
+                                        <p:attrNameLst>
+                                          <p:attrName>style.visibility</p:attrName>
+                                        </p:attrNameLst>
+                                      </p:cBhvr>
+                                      <p:to>
+                                        <p:strVal val="visible"/>
+                                      </p:to>
+                                    </p:set>
+                                  </p:childTnLst>
+                                </p:cTn>
+                              </p:par>
+                              <p:par>
+                                <p:cTn id="25" presetID="1" presetClass="entr" presetSubtype="0" fill="hold" grpId="0" nodeType="withEffect">
+                                  <p:stCondLst>
+                                    <p:cond delay="0"/>
+                                  </p:stCondLst>
+                                  <p:childTnLst>
+                                    <p:set>
+                                      <p:cBhvr>
+                                        <p:cTn id="26" dur="1" fill="hold">
+                                          <p:stCondLst>
+                                            <p:cond delay="499"/>
+                                          </p:stCondLst>
+                                        </p:cTn>
+                                        <p:tgtEl>
+                                          <p:spTgt spid="21"/>
+                                        </p:tgtEl>
+                                        <p:attrNameLst>
+                                          <p:attrName>style.visibility</p:attrName>
+                                        </p:attrNameLst>
+                                      </p:cBhvr>
+                                      <p:to>
+                                        <p:strVal val="visible"/>
+                                      </p:to>
+                                    </p:set>
+                                  </p:childTnLst>
+                                </p:cTn>
+                              </p:par>
+                            </p:childTnLst>
+                          </p:cTn>
+                        </p:par>
+                      </p:childTnLst>
+                    </p:cTn>
+                  </p:par>
+                </p:childTnLst>
+              </p:cTn>
+              <p:prevCondLst>
+                <p:cond evt="onPrev" delay="0">
+                  <p:tgtEl>
+                    <p:sldTgt/>
+                  </p:tgtEl>
+                </p:cond>
+              </p:prevCondLst>
+              <p:nextCondLst>
+                <p:cond evt="onNext" delay="0">
+                  <p:tgtEl>
+                    <p:sldTgt/>
+                  </p:tgtEl>
+                </p:cond>
+              </p:nextCondLst>
+            </p:seq>
+          </p:childTnLst>
+        </p:cTn>
+      </p:par>
+    </p:tnLst>
+    <p:bldLst>
+      <p:bldP spid="11" grpId="0" animBg="1"/>
+      <p:bldP spid="12" grpId="0" animBg="1"/>
+      <p:bldP spid="13" grpId="0" animBg="1"/>
+      <p:bldP spid="14" grpId="0" animBg="1"/>
+      <p:bldP spid="15" grpId="0" animBg="1"/>
+      <p:bldP spid="16" grpId="0" animBg="1"/>
+      <p:bldP spid="17" grpId="0" animBg="1"/>
+      <p:bldP spid="18" grpId="0" animBg="1"/>
+      <p:bldP spid="19" grpId="0" animBg="1"/>
+      <p:bldP spid="20" grpId="0" autoUpdateAnimBg="0"/>
+      <p:bldP spid="21" grpId="0" animBg="1"/>
+    </p:bldLst>
+  </p:timing>
+</p:sld>
+</file>
+
+<file path=ppt/slides/slide28.xml><?xml version="1.0" encoding="utf-8"?>
+<p:sld xmlns:a="http://schemas.openxmlformats.org/drawingml/2006/main" xmlns:r="http://schemas.openxmlformats.org/officeDocument/2006/relationships" xmlns:p="http://schemas.openxmlformats.org/presentationml/2006/main">
+  <p:cSld>
+    <p:spTree>
+      <p:nvGrpSpPr>
+        <p:cNvPr id="1" name=""/>
+        <p:cNvGrpSpPr/>
+        <p:nvPr/>
+      </p:nvGrpSpPr>
+      <p:grpSpPr>
+        <a:xfrm>
+          <a:off x="0" y="0"/>
+          <a:ext cx="0" cy="0"/>
+          <a:chOff x="0" y="0"/>
+          <a:chExt cx="0" cy="0"/>
+        </a:xfrm>
+      </p:grpSpPr>
+      <p:sp>
+        <p:nvSpPr>
+          <p:cNvPr id="7" name="Title 6"/>
+          <p:cNvSpPr>
+            <a:spLocks noGrp="1"/>
+          </p:cNvSpPr>
+          <p:nvPr>
+            <p:ph type="title"/>
+          </p:nvPr>
+        </p:nvSpPr>
+        <p:spPr/>
+        <p:txBody>
+          <a:bodyPr/>
+          <a:lstStyle/>
+          <a:p>
+            <a:r>
+              <a:rPr lang="en-US" dirty="0" smtClean="0"/>
+              <a:t>Why is Testing Hard?</a:t>
+            </a:r>
+            <a:endParaRPr lang="en-US" dirty="0"/>
+          </a:p>
+        </p:txBody>
+      </p:sp>
+      <p:sp>
+        <p:nvSpPr>
+          <p:cNvPr id="8" name="Content Placeholder 7"/>
+          <p:cNvSpPr>
+            <a:spLocks noGrp="1"/>
+          </p:cNvSpPr>
+          <p:nvPr>
+            <p:ph idx="1"/>
+          </p:nvPr>
+        </p:nvSpPr>
+        <p:spPr>
+          <a:xfrm>
+            <a:off x="0" y="1600202"/>
+            <a:ext cx="9144000" cy="5181599"/>
+          </a:xfrm>
+        </p:spPr>
+        <p:txBody>
+          <a:bodyPr numCol="3">
+            <a:normAutofit/>
+          </a:bodyPr>
+          <a:lstStyle/>
+          <a:p>
+            <a:pPr marL="514350" indent="-514350">
+              <a:buFont typeface="+mj-lt"/>
+              <a:buAutoNum type="arabicPeriod"/>
+            </a:pPr>
+            <a:r>
+              <a:rPr lang="en-US" dirty="0" err="1" smtClean="0">
+                <a:solidFill>
+                  <a:schemeClr val="bg2">
+                    <a:lumMod val="65000"/>
+                    <a:lumOff val="35000"/>
+                  </a:schemeClr>
+                </a:solidFill>
+              </a:rPr>
+              <a:t>XPath</a:t>
+            </a:r>
+            <a:endParaRPr lang="en-US" dirty="0" smtClean="0">
+              <a:solidFill>
+                <a:schemeClr val="bg2">
+                  <a:lumMod val="65000"/>
+                  <a:lumOff val="35000"/>
+                </a:schemeClr>
+              </a:solidFill>
+            </a:endParaRPr>
+          </a:p>
+          <a:p>
+            <a:pPr marL="514350" indent="-514350">
+              <a:buFont typeface="+mj-lt"/>
+              <a:buAutoNum type="arabicPeriod"/>
+            </a:pPr>
+            <a:r>
+              <a:rPr lang="en-US" dirty="0">
+                <a:solidFill>
+                  <a:schemeClr val="bg2">
+                    <a:lumMod val="65000"/>
+                    <a:lumOff val="35000"/>
+                  </a:schemeClr>
+                </a:solidFill>
+              </a:rPr>
+              <a:t>Finding </a:t>
+            </a:r>
+            <a:r>
+              <a:rPr lang="en-US" dirty="0" smtClean="0">
+                <a:solidFill>
+                  <a:schemeClr val="bg2">
+                    <a:lumMod val="65000"/>
+                    <a:lumOff val="35000"/>
+                  </a:schemeClr>
+                </a:solidFill>
+              </a:rPr>
+              <a:t>Elements</a:t>
+            </a:r>
+          </a:p>
+          <a:p>
+            <a:pPr marL="514350" indent="-514350">
+              <a:buFont typeface="+mj-lt"/>
+              <a:buAutoNum type="arabicPeriod"/>
+            </a:pPr>
+            <a:r>
+              <a:rPr lang="en-US" dirty="0">
+                <a:solidFill>
+                  <a:schemeClr val="bg2">
+                    <a:lumMod val="65000"/>
+                    <a:lumOff val="35000"/>
+                  </a:schemeClr>
+                </a:solidFill>
+              </a:rPr>
+              <a:t>Global </a:t>
+            </a:r>
+            <a:r>
+              <a:rPr lang="en-US" dirty="0" smtClean="0">
+                <a:solidFill>
+                  <a:schemeClr val="bg2">
+                    <a:lumMod val="65000"/>
+                    <a:lumOff val="35000"/>
+                  </a:schemeClr>
+                </a:solidFill>
+              </a:rPr>
+              <a:t>state</a:t>
+            </a:r>
+          </a:p>
+          <a:p>
+            <a:pPr marL="514350" indent="-514350">
+              <a:buFont typeface="+mj-lt"/>
+              <a:buAutoNum type="arabicPeriod"/>
+            </a:pPr>
+            <a:r>
+              <a:rPr lang="en-US" dirty="0" smtClean="0">
+                <a:solidFill>
+                  <a:schemeClr val="bg2">
+                    <a:lumMod val="65000"/>
+                    <a:lumOff val="35000"/>
+                  </a:schemeClr>
+                </a:solidFill>
+              </a:rPr>
+              <a:t>Dates</a:t>
+            </a:r>
+          </a:p>
+          <a:p>
+            <a:pPr marL="514350" indent="-514350">
+              <a:buFont typeface="+mj-lt"/>
+              <a:buAutoNum type="arabicPeriod"/>
+            </a:pPr>
+            <a:r>
+              <a:rPr lang="en-US" dirty="0">
+                <a:solidFill>
+                  <a:schemeClr val="bg2">
+                    <a:lumMod val="65000"/>
+                    <a:lumOff val="35000"/>
+                  </a:schemeClr>
+                </a:solidFill>
+              </a:rPr>
+              <a:t>Failure </a:t>
+            </a:r>
+            <a:r>
+              <a:rPr lang="en-US" dirty="0" smtClean="0">
+                <a:solidFill>
+                  <a:schemeClr val="bg2">
+                    <a:lumMod val="65000"/>
+                    <a:lumOff val="35000"/>
+                  </a:schemeClr>
+                </a:solidFill>
+              </a:rPr>
+              <a:t>cases</a:t>
+            </a:r>
+          </a:p>
+          <a:p>
+            <a:pPr marL="514350" indent="-514350">
+              <a:buFont typeface="+mj-lt"/>
+              <a:buAutoNum type="arabicPeriod"/>
+            </a:pPr>
+            <a:r>
+              <a:rPr lang="en-US" dirty="0">
+                <a:solidFill>
+                  <a:schemeClr val="bg2">
+                    <a:lumMod val="65000"/>
+                    <a:lumOff val="35000"/>
+                  </a:schemeClr>
+                </a:solidFill>
+              </a:rPr>
+              <a:t>Wait </a:t>
+            </a:r>
+            <a:r>
+              <a:rPr lang="en-US" dirty="0" smtClean="0">
+                <a:solidFill>
+                  <a:schemeClr val="bg2">
+                    <a:lumMod val="65000"/>
+                    <a:lumOff val="35000"/>
+                  </a:schemeClr>
+                </a:solidFill>
+              </a:rPr>
+              <a:t>Times</a:t>
+            </a:r>
+          </a:p>
+          <a:p>
+            <a:pPr marL="514350" indent="-514350">
+              <a:buFont typeface="+mj-lt"/>
+              <a:buAutoNum type="arabicPeriod"/>
+            </a:pPr>
+            <a:r>
+              <a:rPr lang="en-US" dirty="0" smtClean="0">
+                <a:solidFill>
+                  <a:schemeClr val="bg2">
+                    <a:lumMod val="65000"/>
+                    <a:lumOff val="35000"/>
+                  </a:schemeClr>
+                </a:solidFill>
+              </a:rPr>
+              <a:t>Mobile</a:t>
+            </a:r>
+          </a:p>
+          <a:p>
+            <a:pPr marL="514350" indent="-514350">
+              <a:buFont typeface="+mj-lt"/>
+              <a:buAutoNum type="arabicPeriod"/>
+            </a:pPr>
+            <a:r>
+              <a:rPr lang="en-US" dirty="0" smtClean="0">
+                <a:solidFill>
+                  <a:schemeClr val="bg2">
+                    <a:lumMod val="65000"/>
+                    <a:lumOff val="35000"/>
+                  </a:schemeClr>
+                </a:solidFill>
+              </a:rPr>
+              <a:t>Setup</a:t>
+            </a:r>
+          </a:p>
+          <a:p>
+            <a:pPr marL="514350" indent="-514350">
+              <a:buFont typeface="+mj-lt"/>
+              <a:buAutoNum type="arabicPeriod"/>
+            </a:pPr>
+            <a:r>
+              <a:rPr lang="en-US" dirty="0" smtClean="0">
+                <a:solidFill>
+                  <a:schemeClr val="bg2">
+                    <a:lumMod val="65000"/>
+                    <a:lumOff val="35000"/>
+                  </a:schemeClr>
+                </a:solidFill>
+              </a:rPr>
+              <a:t>Lot’s of paths</a:t>
+            </a:r>
+          </a:p>
+          <a:p>
+            <a:pPr marL="514350" indent="-514350">
+              <a:buFont typeface="+mj-lt"/>
+              <a:buAutoNum type="arabicPeriod"/>
+            </a:pPr>
+            <a:r>
+              <a:rPr lang="en-US" dirty="0" smtClean="0">
+                <a:solidFill>
+                  <a:schemeClr val="bg2">
+                    <a:lumMod val="65000"/>
+                    <a:lumOff val="35000"/>
+                  </a:schemeClr>
+                </a:solidFill>
+              </a:rPr>
+              <a:t>Environment</a:t>
+            </a:r>
+          </a:p>
+          <a:p>
+            <a:pPr marL="514350" indent="-514350">
+              <a:buFont typeface="+mj-lt"/>
+              <a:buAutoNum type="arabicPeriod"/>
+            </a:pPr>
+            <a:r>
+              <a:rPr lang="en-US" dirty="0" smtClean="0">
+                <a:solidFill>
+                  <a:schemeClr val="bg2">
+                    <a:lumMod val="65000"/>
+                    <a:lumOff val="35000"/>
+                  </a:schemeClr>
+                </a:solidFill>
+              </a:rPr>
+              <a:t>Uncontrollable Variables</a:t>
+            </a:r>
+          </a:p>
+          <a:p>
+            <a:pPr marL="514350" indent="-514350">
+              <a:buFont typeface="+mj-lt"/>
+              <a:buAutoNum type="arabicPeriod"/>
+            </a:pPr>
+            <a:r>
+              <a:rPr lang="en-US" dirty="0" smtClean="0">
+                <a:solidFill>
+                  <a:schemeClr val="bg2">
+                    <a:lumMod val="65000"/>
+                    <a:lumOff val="35000"/>
+                  </a:schemeClr>
+                </a:solidFill>
+              </a:rPr>
+              <a:t>UI</a:t>
+            </a:r>
+          </a:p>
+          <a:p>
+            <a:pPr marL="514350" indent="-514350">
+              <a:buFont typeface="+mj-lt"/>
+              <a:buAutoNum type="arabicPeriod"/>
+            </a:pPr>
+            <a:r>
+              <a:rPr lang="en-US" dirty="0" smtClean="0">
+                <a:solidFill>
+                  <a:schemeClr val="bg2">
+                    <a:lumMod val="65000"/>
+                    <a:lumOff val="35000"/>
+                  </a:schemeClr>
+                </a:solidFill>
+              </a:rPr>
+              <a:t>Money</a:t>
+            </a:r>
+          </a:p>
+          <a:p>
+            <a:pPr marL="514350" indent="-514350">
+              <a:buFont typeface="+mj-lt"/>
+              <a:buAutoNum type="arabicPeriod"/>
+            </a:pPr>
+            <a:r>
+              <a:rPr lang="en-US" dirty="0" smtClean="0">
+                <a:solidFill>
+                  <a:schemeClr val="bg2">
+                    <a:lumMod val="65000"/>
+                    <a:lumOff val="35000"/>
+                  </a:schemeClr>
+                </a:solidFill>
+              </a:rPr>
+              <a:t>Dates</a:t>
+            </a:r>
+          </a:p>
+          <a:p>
+            <a:pPr marL="514350" indent="-514350">
+              <a:buFont typeface="+mj-lt"/>
+              <a:buAutoNum type="arabicPeriod"/>
+            </a:pPr>
+            <a:r>
+              <a:rPr lang="en-US" dirty="0" smtClean="0">
+                <a:solidFill>
+                  <a:schemeClr val="bg2">
+                    <a:lumMod val="65000"/>
+                    <a:lumOff val="35000"/>
+                  </a:schemeClr>
+                </a:solidFill>
+              </a:rPr>
+              <a:t>Database</a:t>
+            </a:r>
+          </a:p>
+          <a:p>
+            <a:pPr marL="514350" indent="-514350">
+              <a:buFont typeface="+mj-lt"/>
+              <a:buAutoNum type="arabicPeriod"/>
+            </a:pPr>
+            <a:r>
+              <a:rPr lang="en-US" dirty="0" smtClean="0">
+                <a:solidFill>
+                  <a:schemeClr val="bg2">
+                    <a:lumMod val="65000"/>
+                    <a:lumOff val="35000"/>
+                  </a:schemeClr>
+                </a:solidFill>
+              </a:rPr>
+              <a:t>Integration</a:t>
+            </a:r>
+          </a:p>
+          <a:p>
+            <a:pPr marL="514350" indent="-514350">
+              <a:buFont typeface="+mj-lt"/>
+              <a:buAutoNum type="arabicPeriod"/>
+            </a:pPr>
+            <a:r>
+              <a:rPr lang="en-US" dirty="0" smtClean="0">
+                <a:solidFill>
+                  <a:schemeClr val="bg2">
+                    <a:lumMod val="65000"/>
+                    <a:lumOff val="35000"/>
+                  </a:schemeClr>
+                </a:solidFill>
+              </a:rPr>
+              <a:t>Finding Elements</a:t>
+            </a:r>
+          </a:p>
+          <a:p>
+            <a:pPr marL="514350" indent="-514350">
+              <a:buFont typeface="+mj-lt"/>
+              <a:buAutoNum type="arabicPeriod"/>
+            </a:pPr>
+            <a:r>
+              <a:rPr lang="en-US" dirty="0" smtClean="0">
+                <a:solidFill>
+                  <a:schemeClr val="bg2">
+                    <a:lumMod val="65000"/>
+                    <a:lumOff val="35000"/>
+                  </a:schemeClr>
+                </a:solidFill>
+              </a:rPr>
+              <a:t>Timing</a:t>
+            </a:r>
+          </a:p>
+          <a:p>
+            <a:pPr marL="0" indent="0">
+              <a:buNone/>
+            </a:pPr>
+            <a:endParaRPr lang="en-US" dirty="0" smtClean="0">
+              <a:solidFill>
+                <a:schemeClr val="bg2">
+                  <a:lumMod val="65000"/>
+                  <a:lumOff val="35000"/>
+                </a:schemeClr>
+              </a:solidFill>
+            </a:endParaRPr>
+          </a:p>
+        </p:txBody>
+      </p:sp>
+    </p:spTree>
+    <p:extLst>
+      <p:ext uri="{BB962C8B-B14F-4D97-AF65-F5344CB8AC3E}">
+        <p14:creationId xmlns:p14="http://schemas.microsoft.com/office/powerpoint/2010/main" val="3955841851"/>
+      </p:ext>
+    </p:extLst>
+  </p:cSld>
+  <p:clrMapOvr>
+    <a:masterClrMapping/>
+  </p:clrMapOvr>
+  <p:timing>
+    <p:tnLst>
+      <p:par>
+        <p:cTn xmlns:p14="http://schemas.microsoft.com/office/powerpoint/2010/main" id="1" dur="indefinite" restart="never" nodeType="tmRoot"/>
+      </p:par>
+    </p:tnLst>
+  </p:timing>
+</p:sld>
+</file>
+
+<file path=ppt/slides/slide29.xml><?xml version="1.0" encoding="utf-8"?>
+<p:sld xmlns:a="http://schemas.openxmlformats.org/drawingml/2006/main" xmlns:r="http://schemas.openxmlformats.org/officeDocument/2006/relationships" xmlns:p="http://schemas.openxmlformats.org/presentationml/2006/main">
+  <p:cSld>
+    <p:spTree>
+      <p:nvGrpSpPr>
+        <p:cNvPr id="1" name=""/>
+        <p:cNvGrpSpPr/>
+        <p:nvPr/>
+      </p:nvGrpSpPr>
+      <p:grpSpPr>
+        <a:xfrm>
+          <a:off x="0" y="0"/>
+          <a:ext cx="0" cy="0"/>
+          <a:chOff x="0" y="0"/>
+          <a:chExt cx="0" cy="0"/>
+        </a:xfrm>
+      </p:grpSpPr>
+      <p:sp>
+        <p:nvSpPr>
+          <p:cNvPr id="2" name="Title 1"/>
+          <p:cNvSpPr>
+            <a:spLocks noGrp="1"/>
+          </p:cNvSpPr>
+          <p:nvPr>
+            <p:ph type="title"/>
+          </p:nvPr>
+        </p:nvSpPr>
+        <p:spPr/>
+        <p:txBody>
+          <a:bodyPr/>
+          <a:lstStyle/>
+          <a:p>
+            <a:r>
+              <a:rPr lang="en-US" dirty="0" err="1" smtClean="0"/>
+              <a:t>MobTimer</a:t>
+            </a:r>
+            <a:endParaRPr lang="en-US" dirty="0"/>
+          </a:p>
+        </p:txBody>
+      </p:sp>
+      <p:pic>
+        <p:nvPicPr>
+          <p:cNvPr id="3" name="Picture 2" descr="MobTimer - MobTime.Overview.png"/>
+          <p:cNvPicPr>
+            <a:picLocks noChangeAspect="1"/>
+          </p:cNvPicPr>
+          <p:nvPr/>
+        </p:nvPicPr>
+        <p:blipFill>
+          <a:blip r:embed="rId2">
+            <a:extLst>
+              <a:ext uri="{28A0092B-C50C-407E-A947-70E740481C1C}">
+                <a14:useLocalDpi xmlns:a14="http://schemas.microsoft.com/office/drawing/2010/main" val="0"/>
+              </a:ext>
+            </a:extLst>
+          </a:blip>
+          <a:stretch>
+            <a:fillRect/>
+          </a:stretch>
+        </p:blipFill>
+        <p:spPr>
+          <a:xfrm>
+            <a:off x="0" y="1860488"/>
+            <a:ext cx="9144000" cy="3349625"/>
+          </a:xfrm>
+          <a:prstGeom prst="rect">
+            <a:avLst/>
+          </a:prstGeom>
+        </p:spPr>
+      </p:pic>
+    </p:spTree>
+    <p:extLst>
+      <p:ext uri="{BB962C8B-B14F-4D97-AF65-F5344CB8AC3E}">
+        <p14:creationId xmlns:p14="http://schemas.microsoft.com/office/powerpoint/2010/main" val="3235096280"/>
+      </p:ext>
+    </p:extLst>
+  </p:cSld>
+  <p:clrMapOvr>
+    <a:masterClrMapping/>
+  </p:clrMapOvr>
+  <p:timing>
+    <p:tnLst>
+      <p:par>
+        <p:cTn xmlns:p14="http://schemas.microsoft.com/office/powerpoint/2010/main" id="1" dur="indefinite" restart="never" nodeType="tmRoot"/>
+      </p:par>
+    </p:tnLst>
+  </p:timing>
+</p:sld>
+</file>
+
+<file path=ppt/slides/slide3.xml><?xml version="1.0" encoding="utf-8"?>
+<p:sld xmlns:a="http://schemas.openxmlformats.org/drawingml/2006/main" xmlns:r="http://schemas.openxmlformats.org/officeDocument/2006/relationships" xmlns:p="http://schemas.openxmlformats.org/presentationml/2006/main">
+  <p:cSld>
+    <p:spTree>
+      <p:nvGrpSpPr>
+        <p:cNvPr id="1" name=""/>
+        <p:cNvGrpSpPr/>
+        <p:nvPr/>
+      </p:nvGrpSpPr>
+      <p:grpSpPr>
+        <a:xfrm>
+          <a:off x="0" y="0"/>
+          <a:ext cx="0" cy="0"/>
+          <a:chOff x="0" y="0"/>
+          <a:chExt cx="0" cy="0"/>
+        </a:xfrm>
+      </p:grpSpPr>
+      <p:sp>
+        <p:nvSpPr>
+          <p:cNvPr id="4" name="Title 3"/>
+          <p:cNvSpPr>
+            <a:spLocks noGrp="1"/>
+          </p:cNvSpPr>
+          <p:nvPr>
+            <p:ph type="title"/>
+          </p:nvPr>
+        </p:nvSpPr>
+        <p:spPr>
+          <a:xfrm>
+            <a:off x="798946" y="377774"/>
+            <a:ext cx="7772400" cy="1362075"/>
+          </a:xfrm>
+        </p:spPr>
+        <p:txBody>
+          <a:bodyPr>
+            <a:noAutofit/>
+          </a:bodyPr>
+          <a:lstStyle/>
+          <a:p>
+            <a:pPr algn="ctr"/>
+            <a:r>
+              <a:rPr lang="en-US" sz="5400" dirty="0" smtClean="0"/>
+              <a:t>Course Vision</a:t>
+            </a:r>
+            <a:br>
+              <a:rPr lang="en-US" sz="5400" dirty="0" smtClean="0"/>
+            </a:br>
+            <a:endParaRPr lang="en-US" sz="5400" dirty="0"/>
+          </a:p>
+        </p:txBody>
+      </p:sp>
+      <p:pic>
+        <p:nvPicPr>
+          <p:cNvPr id="7" name="Picture 6" descr="Llewellyn.jpg"/>
+          <p:cNvPicPr>
+            <a:picLocks noChangeAspect="1"/>
+          </p:cNvPicPr>
+          <p:nvPr/>
+        </p:nvPicPr>
+        <p:blipFill>
+          <a:blip r:embed="rId2">
+            <a:extLst>
+              <a:ext uri="{28A0092B-C50C-407E-A947-70E740481C1C}">
+                <a14:useLocalDpi xmlns:a14="http://schemas.microsoft.com/office/drawing/2010/main" val="0"/>
+              </a:ext>
+            </a:extLst>
+          </a:blip>
+          <a:stretch>
+            <a:fillRect/>
+          </a:stretch>
+        </p:blipFill>
+        <p:spPr>
+          <a:xfrm>
+            <a:off x="5491523" y="2220485"/>
+            <a:ext cx="2343025" cy="2343025"/>
+          </a:xfrm>
+          <a:prstGeom prst="rect">
+            <a:avLst/>
+          </a:prstGeom>
+          <a:ln>
+            <a:noFill/>
+          </a:ln>
+          <a:effectLst>
+            <a:outerShdw blurRad="292100" dist="139700" dir="2700000" algn="tl" rotWithShape="0">
+              <a:srgbClr val="333333">
+                <a:alpha val="65000"/>
+              </a:srgbClr>
+            </a:outerShdw>
+          </a:effectLst>
+        </p:spPr>
+      </p:pic>
+      <p:sp>
+        <p:nvSpPr>
+          <p:cNvPr id="8" name="TextBox 7"/>
+          <p:cNvSpPr txBox="1"/>
+          <p:nvPr/>
+        </p:nvSpPr>
+        <p:spPr>
+          <a:xfrm>
+            <a:off x="1375530" y="4926921"/>
+            <a:ext cx="2486228" cy="461665"/>
+          </a:xfrm>
+          <a:prstGeom prst="rect">
+            <a:avLst/>
+          </a:prstGeom>
+          <a:noFill/>
+        </p:spPr>
+        <p:txBody>
+          <a:bodyPr wrap="none" rtlCol="0">
+            <a:spAutoFit/>
+          </a:bodyPr>
+          <a:lstStyle/>
+          <a:p>
+            <a:pPr algn="ctr"/>
+            <a:r>
+              <a:rPr lang="en-US" sz="2400" dirty="0" smtClean="0"/>
+              <a:t>Exploratory Tester</a:t>
+            </a:r>
+            <a:endParaRPr lang="en-US" sz="2400" dirty="0"/>
+          </a:p>
+        </p:txBody>
+      </p:sp>
+      <p:sp>
+        <p:nvSpPr>
+          <p:cNvPr id="9" name="TextBox 8"/>
+          <p:cNvSpPr txBox="1"/>
+          <p:nvPr/>
+        </p:nvSpPr>
+        <p:spPr>
+          <a:xfrm>
+            <a:off x="5274906" y="4926921"/>
+            <a:ext cx="2880716" cy="461665"/>
+          </a:xfrm>
+          <a:prstGeom prst="rect">
+            <a:avLst/>
+          </a:prstGeom>
+          <a:noFill/>
+        </p:spPr>
+        <p:txBody>
+          <a:bodyPr wrap="none" rtlCol="0">
+            <a:spAutoFit/>
+          </a:bodyPr>
+          <a:lstStyle/>
+          <a:p>
+            <a:pPr algn="ctr"/>
+            <a:r>
+              <a:rPr lang="en-US" sz="2400" dirty="0" smtClean="0"/>
+              <a:t>Extreme Programmer</a:t>
+            </a:r>
+            <a:endParaRPr lang="en-US" sz="2400" dirty="0"/>
+          </a:p>
+        </p:txBody>
+      </p:sp>
+      <p:sp>
+        <p:nvSpPr>
+          <p:cNvPr id="2" name="TextBox 1"/>
+          <p:cNvSpPr txBox="1"/>
+          <p:nvPr/>
+        </p:nvSpPr>
+        <p:spPr>
+          <a:xfrm>
+            <a:off x="2023264" y="5629101"/>
+            <a:ext cx="5243818" cy="646331"/>
+          </a:xfrm>
+          <a:prstGeom prst="rect">
+            <a:avLst/>
+          </a:prstGeom>
+          <a:noFill/>
+        </p:spPr>
+        <p:txBody>
+          <a:bodyPr wrap="none" rtlCol="0">
+            <a:spAutoFit/>
+          </a:bodyPr>
+          <a:lstStyle/>
+          <a:p>
+            <a:pPr algn="ctr"/>
+            <a:r>
+              <a:rPr lang="en-US" sz="3600" b="1" dirty="0" smtClean="0">
+                <a:solidFill>
+                  <a:schemeClr val="accent3"/>
+                </a:solidFill>
+              </a:rPr>
+              <a:t>MOB PROGRAMMING</a:t>
+            </a:r>
+            <a:endParaRPr lang="en-US" sz="3600" b="1" dirty="0">
+              <a:solidFill>
+                <a:schemeClr val="accent3"/>
+              </a:solidFill>
+            </a:endParaRPr>
+          </a:p>
+        </p:txBody>
+      </p:sp>
+      <p:pic>
+        <p:nvPicPr>
+          <p:cNvPr id="3" name="Picture 2" descr="maaret_square.jpg"/>
+          <p:cNvPicPr>
+            <a:picLocks noChangeAspect="1"/>
+          </p:cNvPicPr>
+          <p:nvPr/>
+        </p:nvPicPr>
+        <p:blipFill>
+          <a:blip r:embed="rId3">
+            <a:extLst>
+              <a:ext uri="{28A0092B-C50C-407E-A947-70E740481C1C}">
+                <a14:useLocalDpi xmlns:a14="http://schemas.microsoft.com/office/drawing/2010/main" val="0"/>
+              </a:ext>
+            </a:extLst>
+          </a:blip>
+          <a:stretch>
+            <a:fillRect/>
+          </a:stretch>
+        </p:blipFill>
+        <p:spPr>
+          <a:xfrm>
+            <a:off x="1400059" y="2273721"/>
+            <a:ext cx="2343025" cy="2343025"/>
+          </a:xfrm>
+          <a:prstGeom prst="rect">
+            <a:avLst/>
+          </a:prstGeom>
+        </p:spPr>
+      </p:pic>
+    </p:spTree>
+    <p:extLst>
+      <p:ext uri="{BB962C8B-B14F-4D97-AF65-F5344CB8AC3E}">
+        <p14:creationId xmlns:p14="http://schemas.microsoft.com/office/powerpoint/2010/main" val="1303557016"/>
+      </p:ext>
+    </p:extLst>
+  </p:cSld>
+  <p:clrMapOvr>
+    <a:masterClrMapping/>
+  </p:clrMapOvr>
+  <p:timing>
+    <p:tnLst>
+      <p:par>
+        <p:cTn xmlns:p14="http://schemas.microsoft.com/office/powerpoint/2010/main" id="1" dur="indefinite" restart="never" nodeType="tmRoot"/>
+      </p:par>
+    </p:tnLst>
+  </p:timing>
+</p:sld>
+</file>
+
+<file path=ppt/slides/slide30.xml><?xml version="1.0" encoding="utf-8"?>
 <p:sld xmlns:a="http://schemas.openxmlformats.org/drawingml/2006/main" xmlns:r="http://schemas.openxmlformats.org/officeDocument/2006/relationships" xmlns:p="http://schemas.openxmlformats.org/presentationml/2006/main">
   <p:cSld>
     <p:spTree>
@@ -14990,7 +21328,7 @@
 </p:sld>
 </file>
 
-<file path=ppt/slides/slide19.xml><?xml version="1.0" encoding="utf-8"?>
+<file path=ppt/slides/slide31.xml><?xml version="1.0" encoding="utf-8"?>
 <p:sld xmlns:a="http://schemas.openxmlformats.org/drawingml/2006/main" xmlns:r="http://schemas.openxmlformats.org/officeDocument/2006/relationships" xmlns:p="http://schemas.openxmlformats.org/presentationml/2006/main">
   <p:cSld>
     <p:spTree>
@@ -15118,16 +21456,38 @@
           <a:prstGeom prst="rect">
             <a:avLst/>
           </a:prstGeom>
-          <a:ln>
-            <a:noFill/>
+          <a:solidFill>
+            <a:srgbClr val="FFFFFF">
+              <a:shade val="85000"/>
+            </a:srgbClr>
+          </a:solidFill>
+          <a:ln w="38100" cap="sq" cmpd="sng">
+            <a:solidFill>
+              <a:srgbClr val="FFFFFF"/>
+            </a:solidFill>
+            <a:miter lim="800000"/>
           </a:ln>
           <a:effectLst>
-            <a:outerShdw blurRad="292100" dist="139700" dir="2700000" algn="tl" rotWithShape="0">
-              <a:srgbClr val="333333">
-                <a:alpha val="65000"/>
+            <a:outerShdw blurRad="65000" dist="50800" dir="12900000" kx="195000" ky="145000" algn="tl" rotWithShape="0">
+              <a:srgbClr val="000000">
+                <a:alpha val="30000"/>
               </a:srgbClr>
             </a:outerShdw>
           </a:effectLst>
+          <a:scene3d>
+            <a:camera prst="orthographicFront">
+              <a:rot lat="0" lon="0" rev="360000"/>
+            </a:camera>
+            <a:lightRig rig="twoPt" dir="t">
+              <a:rot lat="0" lon="0" rev="7200000"/>
+            </a:lightRig>
+          </a:scene3d>
+          <a:sp3d contourW="12700">
+            <a:bevelT w="25400" h="19050"/>
+            <a:contourClr>
+              <a:srgbClr val="969696"/>
+            </a:contourClr>
+          </a:sp3d>
         </p:spPr>
       </p:pic>
       <p:sp>
@@ -15223,6 +21583,38 @@
           <a:prstGeom prst="rect">
             <a:avLst/>
           </a:prstGeom>
+          <a:solidFill>
+            <a:srgbClr val="FFFFFF">
+              <a:shade val="85000"/>
+            </a:srgbClr>
+          </a:solidFill>
+          <a:ln w="38100" cap="sq" cmpd="sng">
+            <a:solidFill>
+              <a:srgbClr val="FFFFFF"/>
+            </a:solidFill>
+            <a:miter lim="800000"/>
+          </a:ln>
+          <a:effectLst>
+            <a:outerShdw blurRad="65000" dist="50800" dir="12900000" kx="195000" ky="145000" algn="tl" rotWithShape="0">
+              <a:srgbClr val="000000">
+                <a:alpha val="30000"/>
+              </a:srgbClr>
+            </a:outerShdw>
+          </a:effectLst>
+          <a:scene3d>
+            <a:camera prst="orthographicFront">
+              <a:rot lat="0" lon="0" rev="360000"/>
+            </a:camera>
+            <a:lightRig rig="twoPt" dir="t">
+              <a:rot lat="0" lon="0" rev="7200000"/>
+            </a:lightRig>
+          </a:scene3d>
+          <a:sp3d contourW="12700">
+            <a:bevelT w="25400" h="19050"/>
+            <a:contourClr>
+              <a:srgbClr val="969696"/>
+            </a:contourClr>
+          </a:sp3d>
         </p:spPr>
       </p:pic>
     </p:spTree>
@@ -15245,249 +21637,7 @@
 </p:sld>
 </file>
 
-<file path=ppt/slides/slide2.xml><?xml version="1.0" encoding="utf-8"?>
-<p:sld xmlns:a="http://schemas.openxmlformats.org/drawingml/2006/main" xmlns:r="http://schemas.openxmlformats.org/officeDocument/2006/relationships" xmlns:p="http://schemas.openxmlformats.org/presentationml/2006/main">
-  <p:cSld>
-    <p:spTree>
-      <p:nvGrpSpPr>
-        <p:cNvPr id="1" name=""/>
-        <p:cNvGrpSpPr/>
-        <p:nvPr/>
-      </p:nvGrpSpPr>
-      <p:grpSpPr>
-        <a:xfrm>
-          <a:off x="0" y="0"/>
-          <a:ext cx="0" cy="0"/>
-          <a:chOff x="0" y="0"/>
-          <a:chExt cx="0" cy="0"/>
-        </a:xfrm>
-      </p:grpSpPr>
-      <p:sp>
-        <p:nvSpPr>
-          <p:cNvPr id="4" name="Title 3"/>
-          <p:cNvSpPr>
-            <a:spLocks noGrp="1"/>
-          </p:cNvSpPr>
-          <p:nvPr>
-            <p:ph type="title"/>
-          </p:nvPr>
-        </p:nvSpPr>
-        <p:spPr>
-          <a:xfrm>
-            <a:off x="798946" y="377774"/>
-            <a:ext cx="7772400" cy="1362075"/>
-          </a:xfrm>
-        </p:spPr>
-        <p:txBody>
-          <a:bodyPr>
-            <a:noAutofit/>
-          </a:bodyPr>
-          <a:lstStyle/>
-          <a:p>
-            <a:pPr algn="ctr"/>
-            <a:r>
-              <a:rPr lang="en-US" sz="5400" dirty="0" smtClean="0"/>
-              <a:t>Course Vision</a:t>
-            </a:r>
-            <a:br>
-              <a:rPr lang="en-US" sz="5400" dirty="0" smtClean="0"/>
-            </a:br>
-            <a:endParaRPr lang="en-US" sz="5400" dirty="0"/>
-          </a:p>
-        </p:txBody>
-      </p:sp>
-      <p:pic>
-        <p:nvPicPr>
-          <p:cNvPr id="7" name="Picture 6" descr="Llewellyn.jpg"/>
-          <p:cNvPicPr>
-            <a:picLocks noChangeAspect="1"/>
-          </p:cNvPicPr>
-          <p:nvPr/>
-        </p:nvPicPr>
-        <p:blipFill>
-          <a:blip r:embed="rId2">
-            <a:extLst>
-              <a:ext uri="{28A0092B-C50C-407E-A947-70E740481C1C}">
-                <a14:useLocalDpi xmlns:a14="http://schemas.microsoft.com/office/drawing/2010/main" val="0"/>
-              </a:ext>
-            </a:extLst>
-          </a:blip>
-          <a:stretch>
-            <a:fillRect/>
-          </a:stretch>
-        </p:blipFill>
-        <p:spPr>
-          <a:xfrm>
-            <a:off x="5491523" y="2220485"/>
-            <a:ext cx="2343025" cy="2343025"/>
-          </a:xfrm>
-          <a:prstGeom prst="rect">
-            <a:avLst/>
-          </a:prstGeom>
-          <a:ln>
-            <a:noFill/>
-          </a:ln>
-          <a:effectLst>
-            <a:outerShdw blurRad="292100" dist="139700" dir="2700000" algn="tl" rotWithShape="0">
-              <a:srgbClr val="333333">
-                <a:alpha val="65000"/>
-              </a:srgbClr>
-            </a:outerShdw>
-          </a:effectLst>
-        </p:spPr>
-      </p:pic>
-      <p:sp>
-        <p:nvSpPr>
-          <p:cNvPr id="8" name="TextBox 7"/>
-          <p:cNvSpPr txBox="1"/>
-          <p:nvPr/>
-        </p:nvSpPr>
-        <p:spPr>
-          <a:xfrm>
-            <a:off x="1375530" y="4926921"/>
-            <a:ext cx="2486228" cy="461665"/>
-          </a:xfrm>
-          <a:prstGeom prst="rect">
-            <a:avLst/>
-          </a:prstGeom>
-          <a:noFill/>
-        </p:spPr>
-        <p:txBody>
-          <a:bodyPr wrap="none" rtlCol="0">
-            <a:spAutoFit/>
-          </a:bodyPr>
-          <a:lstStyle/>
-          <a:p>
-            <a:pPr algn="ctr"/>
-            <a:r>
-              <a:rPr lang="en-US" sz="2400" dirty="0" smtClean="0"/>
-              <a:t>Exploratory Tester</a:t>
-            </a:r>
-            <a:endParaRPr lang="en-US" sz="2400" dirty="0"/>
-          </a:p>
-        </p:txBody>
-      </p:sp>
-      <p:sp>
-        <p:nvSpPr>
-          <p:cNvPr id="9" name="TextBox 8"/>
-          <p:cNvSpPr txBox="1"/>
-          <p:nvPr/>
-        </p:nvSpPr>
-        <p:spPr>
-          <a:xfrm>
-            <a:off x="5274906" y="4926921"/>
-            <a:ext cx="2880716" cy="461665"/>
-          </a:xfrm>
-          <a:prstGeom prst="rect">
-            <a:avLst/>
-          </a:prstGeom>
-          <a:noFill/>
-        </p:spPr>
-        <p:txBody>
-          <a:bodyPr wrap="none" rtlCol="0">
-            <a:spAutoFit/>
-          </a:bodyPr>
-          <a:lstStyle/>
-          <a:p>
-            <a:pPr algn="ctr"/>
-            <a:r>
-              <a:rPr lang="en-US" sz="2400" dirty="0" smtClean="0"/>
-              <a:t>Extreme Programmer</a:t>
-            </a:r>
-            <a:endParaRPr lang="en-US" sz="2400" dirty="0"/>
-          </a:p>
-        </p:txBody>
-      </p:sp>
-      <p:sp>
-        <p:nvSpPr>
-          <p:cNvPr id="2" name="TextBox 1"/>
-          <p:cNvSpPr txBox="1"/>
-          <p:nvPr/>
-        </p:nvSpPr>
-        <p:spPr>
-          <a:xfrm>
-            <a:off x="2023264" y="5629101"/>
-            <a:ext cx="5243818" cy="646331"/>
-          </a:xfrm>
-          <a:prstGeom prst="rect">
-            <a:avLst/>
-          </a:prstGeom>
-          <a:noFill/>
-        </p:spPr>
-        <p:txBody>
-          <a:bodyPr wrap="none" rtlCol="0">
-            <a:spAutoFit/>
-          </a:bodyPr>
-          <a:lstStyle/>
-          <a:p>
-            <a:pPr algn="ctr"/>
-            <a:r>
-              <a:rPr lang="en-US" sz="3600" b="1" dirty="0" smtClean="0">
-                <a:solidFill>
-                  <a:schemeClr val="accent3"/>
-                </a:solidFill>
-              </a:rPr>
-              <a:t>MOB PROGRAMMING</a:t>
-            </a:r>
-            <a:endParaRPr lang="en-US" sz="3600" b="1" dirty="0">
-              <a:solidFill>
-                <a:schemeClr val="accent3"/>
-              </a:solidFill>
-            </a:endParaRPr>
-          </a:p>
-        </p:txBody>
-      </p:sp>
-      <p:pic>
-        <p:nvPicPr>
-          <p:cNvPr id="3" name="Picture 2" descr="maaret_square.jpg"/>
-          <p:cNvPicPr>
-            <a:picLocks noChangeAspect="1"/>
-          </p:cNvPicPr>
-          <p:nvPr/>
-        </p:nvPicPr>
-        <p:blipFill>
-          <a:blip r:embed="rId3">
-            <a:extLst>
-              <a:ext uri="{28A0092B-C50C-407E-A947-70E740481C1C}">
-                <a14:useLocalDpi xmlns:a14="http://schemas.microsoft.com/office/drawing/2010/main" val="0"/>
-              </a:ext>
-            </a:extLst>
-          </a:blip>
-          <a:stretch>
-            <a:fillRect/>
-          </a:stretch>
-        </p:blipFill>
-        <p:spPr>
-          <a:xfrm>
-            <a:off x="1400059" y="2273721"/>
-            <a:ext cx="2343025" cy="2343025"/>
-          </a:xfrm>
-          <a:prstGeom prst="rect">
-            <a:avLst/>
-          </a:prstGeom>
-        </p:spPr>
-      </p:pic>
-    </p:spTree>
-    <p:extLst>
-      <p:ext uri="{BB962C8B-B14F-4D97-AF65-F5344CB8AC3E}">
-        <p14:creationId xmlns:p14="http://schemas.microsoft.com/office/powerpoint/2010/main" val="1303557016"/>
-      </p:ext>
-    </p:extLst>
-  </p:cSld>
-  <p:clrMapOvr>
-    <a:masterClrMapping/>
-  </p:clrMapOvr>
-  <p:timing>
-    <p:tnLst>
-      <p:par>
-        <p:cTn xmlns:p14="http://schemas.microsoft.com/office/powerpoint/2010/main" id="1" dur="indefinite" restart="never" nodeType="tmRoot"/>
-      </p:par>
-    </p:tnLst>
-  </p:timing>
-</p:sld>
-</file>
-
-<file path=ppt/slides/slide20.xml><?xml version="1.0" encoding="utf-8"?>
+<file path=ppt/slides/slide32.xml><?xml version="1.0" encoding="utf-8"?>
 <p:sld xmlns:a="http://schemas.openxmlformats.org/drawingml/2006/main" xmlns:r="http://schemas.openxmlformats.org/officeDocument/2006/relationships" xmlns:p="http://schemas.openxmlformats.org/presentationml/2006/main">
   <p:cSld>
     <p:spTree>
@@ -15624,7 +21774,7 @@
 </p:sld>
 </file>
 
-<file path=ppt/slides/slide21.xml><?xml version="1.0" encoding="utf-8"?>
+<file path=ppt/slides/slide33.xml><?xml version="1.0" encoding="utf-8"?>
 <p:sld xmlns:a="http://schemas.openxmlformats.org/drawingml/2006/main" xmlns:r="http://schemas.openxmlformats.org/officeDocument/2006/relationships" xmlns:p="http://schemas.openxmlformats.org/presentationml/2006/main">
   <p:cSld>
     <p:spTree>
@@ -15750,7 +21900,7 @@
 </p:sld>
 </file>
 
-<file path=ppt/slides/slide22.xml><?xml version="1.0" encoding="utf-8"?>
+<file path=ppt/slides/slide34.xml><?xml version="1.0" encoding="utf-8"?>
 <p:sld xmlns:a="http://schemas.openxmlformats.org/drawingml/2006/main" xmlns:r="http://schemas.openxmlformats.org/officeDocument/2006/relationships" xmlns:p="http://schemas.openxmlformats.org/presentationml/2006/main">
   <p:cSld>
     <p:spTree>
@@ -16019,7 +22169,7 @@
 </p:sld>
 </file>
 
-<file path=ppt/slides/slide3.xml><?xml version="1.0" encoding="utf-8"?>
+<file path=ppt/slides/slide4.xml><?xml version="1.0" encoding="utf-8"?>
 <p:sld xmlns:a="http://schemas.openxmlformats.org/drawingml/2006/main" xmlns:r="http://schemas.openxmlformats.org/officeDocument/2006/relationships" xmlns:p="http://schemas.openxmlformats.org/presentationml/2006/main">
   <p:cSld>
     <p:spTree>
@@ -16204,7 +22354,7 @@
 </p:sld>
 </file>
 
-<file path=ppt/slides/slide4.xml><?xml version="1.0" encoding="utf-8"?>
+<file path=ppt/slides/slide5.xml><?xml version="1.0" encoding="utf-8"?>
 <p:sld xmlns:a="http://schemas.openxmlformats.org/drawingml/2006/main" xmlns:r="http://schemas.openxmlformats.org/officeDocument/2006/relationships" xmlns:p="http://schemas.openxmlformats.org/presentationml/2006/main">
   <p:cSld>
     <p:spTree>
@@ -16507,7 +22657,7 @@
 </p:sld>
 </file>
 
-<file path=ppt/slides/slide5.xml><?xml version="1.0" encoding="utf-8"?>
+<file path=ppt/slides/slide6.xml><?xml version="1.0" encoding="utf-8"?>
 <p:sld xmlns:a="http://schemas.openxmlformats.org/drawingml/2006/main" xmlns:r="http://schemas.openxmlformats.org/officeDocument/2006/relationships" xmlns:p="http://schemas.openxmlformats.org/presentationml/2006/main" show="0">
   <p:cSld>
     <p:spTree>
@@ -16605,7 +22755,7 @@
 </p:sld>
 </file>
 
-<file path=ppt/slides/slide6.xml><?xml version="1.0" encoding="utf-8"?>
+<file path=ppt/slides/slide7.xml><?xml version="1.0" encoding="utf-8"?>
 <p:sld xmlns:a="http://schemas.openxmlformats.org/drawingml/2006/main" xmlns:r="http://schemas.openxmlformats.org/officeDocument/2006/relationships" xmlns:p="http://schemas.openxmlformats.org/presentationml/2006/main" show="0">
   <p:cSld>
     <p:spTree>
@@ -16703,7 +22853,7 @@
 </p:sld>
 </file>
 
-<file path=ppt/slides/slide7.xml><?xml version="1.0" encoding="utf-8"?>
+<file path=ppt/slides/slide8.xml><?xml version="1.0" encoding="utf-8"?>
 <p:sld xmlns:a="http://schemas.openxmlformats.org/drawingml/2006/main" xmlns:r="http://schemas.openxmlformats.org/officeDocument/2006/relationships" xmlns:p="http://schemas.openxmlformats.org/presentationml/2006/main">
   <p:cSld>
     <p:spTree>
@@ -17142,7 +23292,7 @@
 </p:sld>
 </file>
 
-<file path=ppt/slides/slide8.xml><?xml version="1.0" encoding="utf-8"?>
+<file path=ppt/slides/slide9.xml><?xml version="1.0" encoding="utf-8"?>
 <p:sld xmlns:a="http://schemas.openxmlformats.org/drawingml/2006/main" xmlns:r="http://schemas.openxmlformats.org/officeDocument/2006/relationships" xmlns:p="http://schemas.openxmlformats.org/presentationml/2006/main">
   <p:cSld>
     <p:spTree>
@@ -18364,121 +24514,6 @@
       <p:bldP spid="2" grpId="0" animBg="1"/>
       <p:bldP spid="10" grpId="0" animBg="1"/>
     </p:bldLst>
-  </p:timing>
-</p:sld>
-</file>
-
-<file path=ppt/slides/slide9.xml><?xml version="1.0" encoding="utf-8"?>
-<p:sld xmlns:a="http://schemas.openxmlformats.org/drawingml/2006/main" xmlns:r="http://schemas.openxmlformats.org/officeDocument/2006/relationships" xmlns:p="http://schemas.openxmlformats.org/presentationml/2006/main">
-  <p:cSld>
-    <p:spTree>
-      <p:nvGrpSpPr>
-        <p:cNvPr id="1" name=""/>
-        <p:cNvGrpSpPr/>
-        <p:nvPr/>
-      </p:nvGrpSpPr>
-      <p:grpSpPr>
-        <a:xfrm>
-          <a:off x="0" y="0"/>
-          <a:ext cx="0" cy="0"/>
-          <a:chOff x="0" y="0"/>
-          <a:chExt cx="0" cy="0"/>
-        </a:xfrm>
-      </p:grpSpPr>
-      <p:sp>
-        <p:nvSpPr>
-          <p:cNvPr id="2" name="Title 1"/>
-          <p:cNvSpPr>
-            <a:spLocks noGrp="1"/>
-          </p:cNvSpPr>
-          <p:nvPr>
-            <p:ph type="title"/>
-          </p:nvPr>
-        </p:nvSpPr>
-        <p:spPr/>
-        <p:txBody>
-          <a:bodyPr>
-            <a:normAutofit fontScale="90000"/>
-          </a:bodyPr>
-          <a:lstStyle/>
-          <a:p>
-            <a:r>
-              <a:rPr lang="en-US" dirty="0" smtClean="0"/>
-              <a:t>Mob Programming Rules</a:t>
-            </a:r>
-            <a:br>
-              <a:rPr lang="en-US" dirty="0" smtClean="0"/>
-            </a:br>
-            <a:r>
-              <a:rPr lang="en-US" dirty="0" smtClean="0"/>
-              <a:t>for Exploratory Testing Activity</a:t>
-            </a:r>
-            <a:endParaRPr lang="en-US" dirty="0"/>
-          </a:p>
-        </p:txBody>
-      </p:sp>
-      <p:sp>
-        <p:nvSpPr>
-          <p:cNvPr id="3" name="Content Placeholder 2"/>
-          <p:cNvSpPr>
-            <a:spLocks noGrp="1"/>
-          </p:cNvSpPr>
-          <p:nvPr>
-            <p:ph idx="1"/>
-          </p:nvPr>
-        </p:nvSpPr>
-        <p:spPr/>
-        <p:txBody>
-          <a:bodyPr/>
-          <a:lstStyle/>
-          <a:p>
-            <a:pPr algn="ctr"/>
-            <a:endParaRPr lang="en-US" dirty="0" smtClean="0"/>
-          </a:p>
-          <a:p>
-            <a:pPr algn="ctr"/>
-            <a:endParaRPr lang="en-US" dirty="0"/>
-          </a:p>
-          <a:p>
-            <a:pPr algn="ctr"/>
-            <a:r>
-              <a:rPr lang="en-US" dirty="0" smtClean="0"/>
-              <a:t>No thinking as the driver</a:t>
-            </a:r>
-          </a:p>
-          <a:p>
-            <a:pPr algn="ctr"/>
-            <a:r>
-              <a:rPr lang="en-US" dirty="0" smtClean="0"/>
-              <a:t>Yes, and…</a:t>
-            </a:r>
-          </a:p>
-          <a:p>
-            <a:pPr algn="ctr"/>
-            <a:r>
-              <a:rPr lang="en-US" dirty="0" smtClean="0"/>
-              <a:t>Kindness, consideration and respect</a:t>
-            </a:r>
-            <a:endParaRPr lang="en-US" dirty="0"/>
-          </a:p>
-        </p:txBody>
-      </p:sp>
-    </p:spTree>
-    <p:extLst>
-      <p:ext uri="{BB962C8B-B14F-4D97-AF65-F5344CB8AC3E}">
-        <p14:creationId xmlns:p14="http://schemas.microsoft.com/office/powerpoint/2010/main" val="407345441"/>
-      </p:ext>
-    </p:extLst>
-  </p:cSld>
-  <p:clrMapOvr>
-    <a:masterClrMapping/>
-  </p:clrMapOvr>
-  <p:timing>
-    <p:tnLst>
-      <p:par>
-        <p:cTn xmlns:p14="http://schemas.microsoft.com/office/powerpoint/2010/main" id="1" dur="indefinite" restart="never" nodeType="tmRoot"/>
-      </p:par>
-    </p:tnLst>
   </p:timing>
 </p:sld>
 </file>

--- a/Courseware/ExploratoryAndUnitTesting.pptx
+++ b/Courseware/ExploratoryAndUnitTesting.pptx
@@ -19,13 +19,13 @@
     <p:sldId id="274" r:id="rId10"/>
     <p:sldId id="257" r:id="rId11"/>
     <p:sldId id="258" r:id="rId12"/>
-    <p:sldId id="259" r:id="rId13"/>
-    <p:sldId id="272" r:id="rId14"/>
-    <p:sldId id="286" r:id="rId15"/>
+    <p:sldId id="277" r:id="rId13"/>
+    <p:sldId id="259" r:id="rId14"/>
+    <p:sldId id="272" r:id="rId15"/>
     <p:sldId id="276" r:id="rId16"/>
-    <p:sldId id="277" r:id="rId17"/>
-    <p:sldId id="261" r:id="rId18"/>
-    <p:sldId id="260" r:id="rId19"/>
+    <p:sldId id="261" r:id="rId17"/>
+    <p:sldId id="260" r:id="rId18"/>
+    <p:sldId id="286" r:id="rId19"/>
     <p:sldId id="289" r:id="rId20"/>
     <p:sldId id="290" r:id="rId21"/>
     <p:sldId id="295" r:id="rId22"/>
@@ -7006,20 +7006,128 @@
           <a:bodyPr/>
           <a:lstStyle/>
           <a:p>
+            <a:pPr marL="0" marR="0" indent="0" algn="l" defTabSz="457200" rtl="0" eaLnBrk="1" fontAlgn="auto" latinLnBrk="0" hangingPunct="1">
+              <a:lnSpc>
+                <a:spcPct val="100000"/>
+              </a:lnSpc>
+              <a:spcBef>
+                <a:spcPts val="0"/>
+              </a:spcBef>
+              <a:spcAft>
+                <a:spcPts val="0"/>
+              </a:spcAft>
+              <a:buClrTx/>
+              <a:buSzTx/>
+              <a:buFontTx/>
+              <a:buNone/>
+              <a:tabLst/>
+              <a:defRPr/>
+            </a:pPr>
+            <a:r>
+              <a:rPr lang="en-US" baseline="0" dirty="0" smtClean="0"/>
+              <a:t>“there’s a process of knowing” – learning</a:t>
+            </a:r>
+          </a:p>
+          <a:p>
+            <a:endParaRPr lang="en-US" dirty="0" smtClean="0"/>
+          </a:p>
+          <a:p>
+            <a:endParaRPr lang="en-US" dirty="0" smtClean="0"/>
+          </a:p>
+          <a:p>
             <a:r>
               <a:rPr lang="en-US" dirty="0" smtClean="0"/>
-              <a:t>Unit</a:t>
+              <a:t>Does not give as regression;</a:t>
             </a:r>
             <a:r>
               <a:rPr lang="en-US" baseline="0" dirty="0" smtClean="0"/>
-              <a:t> testing focuses on what we know should exist. </a:t>
+              <a:t> serendipity (safety against things happening randomly) / unwanted serendipity events. </a:t>
             </a:r>
           </a:p>
           <a:p>
             <a:endParaRPr lang="en-US" baseline="0" dirty="0" smtClean="0"/>
           </a:p>
           <a:p>
-            <a:endParaRPr lang="en-US" dirty="0"/>
+            <a:r>
+              <a:rPr lang="en-US" dirty="0" smtClean="0"/>
+              <a:t>This is what it</a:t>
+            </a:r>
+            <a:r>
+              <a:rPr lang="en-US" baseline="0" dirty="0" smtClean="0"/>
+              <a:t> is and what it could  be. There’s a direction to it, not just statement of what it is. </a:t>
+            </a:r>
+          </a:p>
+          <a:p>
+            <a:r>
+              <a:rPr lang="en-US" baseline="0" dirty="0" smtClean="0"/>
+              <a:t>Coaching is not just feedback, it’s pointing them to the right way. </a:t>
+            </a:r>
+          </a:p>
+          <a:p>
+            <a:endParaRPr lang="en-US" baseline="0" dirty="0" smtClean="0"/>
+          </a:p>
+          <a:p>
+            <a:r>
+              <a:rPr lang="en-US" baseline="0" dirty="0" smtClean="0"/>
+              <a:t>Safety. </a:t>
+            </a:r>
+          </a:p>
+          <a:p>
+            <a:endParaRPr lang="en-US" baseline="0" dirty="0" smtClean="0"/>
+          </a:p>
+          <a:p>
+            <a:r>
+              <a:rPr lang="en-US" baseline="0" dirty="0" smtClean="0"/>
+              <a:t>EXPERIENCE (the verb) rather than facts ; emotions over facts. REACTIONS. </a:t>
+            </a:r>
+          </a:p>
+          <a:p>
+            <a:endParaRPr lang="en-US" baseline="0" dirty="0" smtClean="0"/>
+          </a:p>
+          <a:p>
+            <a:r>
+              <a:rPr lang="en-US" baseline="0" dirty="0" smtClean="0"/>
+              <a:t>HISTORY, Lessons learned, checklists. Modeling. </a:t>
+            </a:r>
+          </a:p>
+          <a:p>
+            <a:endParaRPr lang="en-US" baseline="0" dirty="0" smtClean="0"/>
+          </a:p>
+          <a:p>
+            <a:r>
+              <a:rPr lang="en-US" baseline="0" dirty="0" smtClean="0"/>
+              <a:t>UNDERSTANDING – where you start (knowing the thing (code &amp; environment), knowing the user, knowing the problems, knowing the developers (how to help them and what they do so that you can efficiently test), knowing the hackers (weird use cases outside common ‘have you tried reading it upside down’) , knowing all stakeholders, knowing the business priorities)</a:t>
+            </a:r>
+          </a:p>
+          <a:p>
+            <a:endParaRPr lang="en-US" baseline="0" dirty="0" smtClean="0"/>
+          </a:p>
+          <a:p>
+            <a:r>
+              <a:rPr lang="en-US" baseline="0" dirty="0" smtClean="0"/>
+              <a:t>Uncovering things I cannot know, giving the application a change to reveal information for me. </a:t>
+            </a:r>
+          </a:p>
+          <a:p>
+            <a:endParaRPr lang="en-US" baseline="0" dirty="0" smtClean="0"/>
+          </a:p>
+          <a:p>
+            <a:endParaRPr lang="en-US" baseline="0" dirty="0" smtClean="0"/>
+          </a:p>
+          <a:p>
+            <a:r>
+              <a:rPr lang="en-US" baseline="0" dirty="0" smtClean="0"/>
+              <a:t>This allows you to know things. </a:t>
+            </a:r>
+          </a:p>
+          <a:p>
+            <a:endParaRPr lang="en-US" baseline="0" dirty="0" smtClean="0"/>
+          </a:p>
+          <a:p>
+            <a:r>
+              <a:rPr lang="en-US" baseline="0" dirty="0" smtClean="0"/>
+              <a:t> </a:t>
+            </a:r>
           </a:p>
         </p:txBody>
       </p:sp>
@@ -7040,7 +7148,7 @@
           <a:p>
             <a:fld id="{DDB516CE-D814-CC47-9A3A-08F3D723435B}" type="slidenum">
               <a:rPr lang="en-US" smtClean="0"/>
-              <a:t>15</a:t>
+              <a:t>12</a:t>
             </a:fld>
             <a:endParaRPr lang="en-US"/>
           </a:p>
@@ -7049,7 +7157,7 @@
     </p:spTree>
     <p:extLst>
       <p:ext uri="{BB962C8B-B14F-4D97-AF65-F5344CB8AC3E}">
-        <p14:creationId xmlns:p14="http://schemas.microsoft.com/office/powerpoint/2010/main" val="2190497222"/>
+        <p14:creationId xmlns:p14="http://schemas.microsoft.com/office/powerpoint/2010/main" val="3738914185"/>
       </p:ext>
     </p:extLst>
   </p:cSld>
@@ -7103,128 +7211,20 @@
           <a:bodyPr/>
           <a:lstStyle/>
           <a:p>
-            <a:pPr marL="0" marR="0" indent="0" algn="l" defTabSz="457200" rtl="0" eaLnBrk="1" fontAlgn="auto" latinLnBrk="0" hangingPunct="1">
-              <a:lnSpc>
-                <a:spcPct val="100000"/>
-              </a:lnSpc>
-              <a:spcBef>
-                <a:spcPts val="0"/>
-              </a:spcBef>
-              <a:spcAft>
-                <a:spcPts val="0"/>
-              </a:spcAft>
-              <a:buClrTx/>
-              <a:buSzTx/>
-              <a:buFontTx/>
-              <a:buNone/>
-              <a:tabLst/>
-              <a:defRPr/>
-            </a:pPr>
+            <a:r>
+              <a:rPr lang="en-US" dirty="0" smtClean="0"/>
+              <a:t>Unit</a:t>
+            </a:r>
             <a:r>
               <a:rPr lang="en-US" baseline="0" dirty="0" smtClean="0"/>
-              <a:t>“there’s a process of knowing” – learning</a:t>
-            </a:r>
-          </a:p>
-          <a:p>
-            <a:endParaRPr lang="en-US" dirty="0" smtClean="0"/>
-          </a:p>
-          <a:p>
-            <a:endParaRPr lang="en-US" dirty="0" smtClean="0"/>
-          </a:p>
-          <a:p>
-            <a:r>
-              <a:rPr lang="en-US" dirty="0" smtClean="0"/>
-              <a:t>Does not give as regression;</a:t>
-            </a:r>
-            <a:r>
-              <a:rPr lang="en-US" baseline="0" dirty="0" smtClean="0"/>
-              <a:t> serendipity (safety against things happening randomly) / unwanted serendipity events. </a:t>
+              <a:t> testing focuses on what we know should exist. </a:t>
             </a:r>
           </a:p>
           <a:p>
             <a:endParaRPr lang="en-US" baseline="0" dirty="0" smtClean="0"/>
           </a:p>
           <a:p>
-            <a:r>
-              <a:rPr lang="en-US" dirty="0" smtClean="0"/>
-              <a:t>This is what it</a:t>
-            </a:r>
-            <a:r>
-              <a:rPr lang="en-US" baseline="0" dirty="0" smtClean="0"/>
-              <a:t> is and what it could  be. There’s a direction to it, not just statement of what it is. </a:t>
-            </a:r>
-          </a:p>
-          <a:p>
-            <a:r>
-              <a:rPr lang="en-US" baseline="0" dirty="0" smtClean="0"/>
-              <a:t>Coaching is not just feedback, it’s pointing them to the right way. </a:t>
-            </a:r>
-          </a:p>
-          <a:p>
-            <a:endParaRPr lang="en-US" baseline="0" dirty="0" smtClean="0"/>
-          </a:p>
-          <a:p>
-            <a:r>
-              <a:rPr lang="en-US" baseline="0" dirty="0" smtClean="0"/>
-              <a:t>Safety. </a:t>
-            </a:r>
-          </a:p>
-          <a:p>
-            <a:endParaRPr lang="en-US" baseline="0" dirty="0" smtClean="0"/>
-          </a:p>
-          <a:p>
-            <a:r>
-              <a:rPr lang="en-US" baseline="0" dirty="0" smtClean="0"/>
-              <a:t>EXPERIENCE (the verb) rather than facts ; emotions over facts. REACTIONS. </a:t>
-            </a:r>
-          </a:p>
-          <a:p>
-            <a:endParaRPr lang="en-US" baseline="0" dirty="0" smtClean="0"/>
-          </a:p>
-          <a:p>
-            <a:r>
-              <a:rPr lang="en-US" baseline="0" dirty="0" smtClean="0"/>
-              <a:t>HISTORY, Lessons learned, checklists. Modeling. </a:t>
-            </a:r>
-          </a:p>
-          <a:p>
-            <a:endParaRPr lang="en-US" baseline="0" dirty="0" smtClean="0"/>
-          </a:p>
-          <a:p>
-            <a:r>
-              <a:rPr lang="en-US" baseline="0" dirty="0" smtClean="0"/>
-              <a:t>UNDERSTANDING – where you start (knowing the thing (code &amp; environment), knowing the user, knowing the problems, knowing the developers (how to help them and what they do so that you can efficiently test), knowing the hackers (weird use cases outside common ‘have you tried reading it upside down’) , knowing all stakeholders, knowing the business priorities)</a:t>
-            </a:r>
-          </a:p>
-          <a:p>
-            <a:endParaRPr lang="en-US" baseline="0" dirty="0" smtClean="0"/>
-          </a:p>
-          <a:p>
-            <a:r>
-              <a:rPr lang="en-US" baseline="0" dirty="0" smtClean="0"/>
-              <a:t>Uncovering things I cannot know, giving the application a change to reveal information for me. </a:t>
-            </a:r>
-          </a:p>
-          <a:p>
-            <a:endParaRPr lang="en-US" baseline="0" dirty="0" smtClean="0"/>
-          </a:p>
-          <a:p>
-            <a:endParaRPr lang="en-US" baseline="0" dirty="0" smtClean="0"/>
-          </a:p>
-          <a:p>
-            <a:r>
-              <a:rPr lang="en-US" baseline="0" dirty="0" smtClean="0"/>
-              <a:t>This allows you to know things. </a:t>
-            </a:r>
-          </a:p>
-          <a:p>
-            <a:endParaRPr lang="en-US" baseline="0" dirty="0" smtClean="0"/>
-          </a:p>
-          <a:p>
-            <a:r>
-              <a:rPr lang="en-US" baseline="0" dirty="0" smtClean="0"/>
-              <a:t> </a:t>
-            </a:r>
+            <a:endParaRPr lang="en-US" dirty="0"/>
           </a:p>
         </p:txBody>
       </p:sp>
@@ -7245,7 +7245,7 @@
           <a:p>
             <a:fld id="{DDB516CE-D814-CC47-9A3A-08F3D723435B}" type="slidenum">
               <a:rPr lang="en-US" smtClean="0"/>
-              <a:t>16</a:t>
+              <a:t>15</a:t>
             </a:fld>
             <a:endParaRPr lang="en-US"/>
           </a:p>
@@ -7254,7 +7254,7 @@
     </p:spTree>
     <p:extLst>
       <p:ext uri="{BB962C8B-B14F-4D97-AF65-F5344CB8AC3E}">
-        <p14:creationId xmlns:p14="http://schemas.microsoft.com/office/powerpoint/2010/main" val="3738914185"/>
+        <p14:creationId xmlns:p14="http://schemas.microsoft.com/office/powerpoint/2010/main" val="2190497222"/>
       </p:ext>
     </p:extLst>
   </p:cSld>
@@ -7332,7 +7332,7 @@
             <a:fld id="{AC78586B-2383-455D-9CE5-C5D34A08B2A8}" type="slidenum">
               <a:rPr lang="fi-FI" smtClean="0"/>
               <a:pPr/>
-              <a:t>17</a:t>
+              <a:t>16</a:t>
             </a:fld>
             <a:endParaRPr lang="fi-FI"/>
           </a:p>
@@ -7431,7 +7431,7 @@
             <a:fld id="{CB3C8FEC-6B29-4D05-ABF2-B95F59EC172F}" type="slidenum">
               <a:rPr lang="fi-FI" smtClean="0"/>
               <a:pPr/>
-              <a:t>18</a:t>
+              <a:t>17</a:t>
             </a:fld>
             <a:endParaRPr lang="fi-FI"/>
           </a:p>
@@ -11691,6 +11691,435 @@
       </p:grpSpPr>
       <p:sp>
         <p:nvSpPr>
+          <p:cNvPr id="7" name="Up Arrow 6"/>
+          <p:cNvSpPr/>
+          <p:nvPr/>
+        </p:nvSpPr>
+        <p:spPr>
+          <a:xfrm>
+            <a:off x="1297407" y="1615628"/>
+            <a:ext cx="1036969" cy="3539546"/>
+          </a:xfrm>
+          <a:prstGeom prst="upArrow">
+            <a:avLst/>
+          </a:prstGeom>
+          <a:gradFill>
+            <a:gsLst>
+              <a:gs pos="99000">
+                <a:schemeClr val="accent1">
+                  <a:shade val="51000"/>
+                  <a:satMod val="130000"/>
+                </a:schemeClr>
+              </a:gs>
+              <a:gs pos="100000">
+                <a:schemeClr val="accent1">
+                  <a:shade val="93000"/>
+                  <a:satMod val="130000"/>
+                </a:schemeClr>
+              </a:gs>
+              <a:gs pos="53000">
+                <a:schemeClr val="accent1">
+                  <a:shade val="94000"/>
+                  <a:satMod val="135000"/>
+                </a:schemeClr>
+              </a:gs>
+              <a:gs pos="19000">
+                <a:schemeClr val="bg1"/>
+              </a:gs>
+            </a:gsLst>
+          </a:gradFill>
+          <a:ln>
+            <a:noFill/>
+          </a:ln>
+        </p:spPr>
+        <p:style>
+          <a:lnRef idx="1">
+            <a:schemeClr val="accent1"/>
+          </a:lnRef>
+          <a:fillRef idx="3">
+            <a:schemeClr val="accent1"/>
+          </a:fillRef>
+          <a:effectRef idx="2">
+            <a:schemeClr val="accent1"/>
+          </a:effectRef>
+          <a:fontRef idx="minor">
+            <a:schemeClr val="lt1"/>
+          </a:fontRef>
+        </p:style>
+        <p:txBody>
+          <a:bodyPr rtlCol="0" anchor="ctr"/>
+          <a:lstStyle/>
+          <a:p>
+            <a:pPr algn="ctr"/>
+            <a:endParaRPr lang="en-US" dirty="0"/>
+          </a:p>
+        </p:txBody>
+      </p:sp>
+      <p:sp>
+        <p:nvSpPr>
+          <p:cNvPr id="8" name="Up Arrow 7"/>
+          <p:cNvSpPr/>
+          <p:nvPr/>
+        </p:nvSpPr>
+        <p:spPr>
+          <a:xfrm rot="10800000">
+            <a:off x="6710787" y="1600200"/>
+            <a:ext cx="1036969" cy="4525963"/>
+          </a:xfrm>
+          <a:prstGeom prst="upArrow">
+            <a:avLst/>
+          </a:prstGeom>
+          <a:gradFill>
+            <a:gsLst>
+              <a:gs pos="99000">
+                <a:schemeClr val="accent1">
+                  <a:shade val="51000"/>
+                  <a:satMod val="130000"/>
+                </a:schemeClr>
+              </a:gs>
+              <a:gs pos="100000">
+                <a:schemeClr val="accent1">
+                  <a:shade val="93000"/>
+                  <a:satMod val="130000"/>
+                </a:schemeClr>
+              </a:gs>
+              <a:gs pos="53000">
+                <a:schemeClr val="accent1">
+                  <a:shade val="94000"/>
+                  <a:satMod val="135000"/>
+                </a:schemeClr>
+              </a:gs>
+              <a:gs pos="19000">
+                <a:schemeClr val="bg1"/>
+              </a:gs>
+            </a:gsLst>
+          </a:gradFill>
+          <a:ln>
+            <a:noFill/>
+          </a:ln>
+        </p:spPr>
+        <p:style>
+          <a:lnRef idx="1">
+            <a:schemeClr val="accent1"/>
+          </a:lnRef>
+          <a:fillRef idx="3">
+            <a:schemeClr val="accent1"/>
+          </a:fillRef>
+          <a:effectRef idx="2">
+            <a:schemeClr val="accent1"/>
+          </a:effectRef>
+          <a:fontRef idx="minor">
+            <a:schemeClr val="lt1"/>
+          </a:fontRef>
+        </p:style>
+        <p:txBody>
+          <a:bodyPr rtlCol="0" anchor="ctr"/>
+          <a:lstStyle/>
+          <a:p>
+            <a:pPr algn="ctr"/>
+            <a:endParaRPr lang="en-US" dirty="0"/>
+          </a:p>
+        </p:txBody>
+      </p:sp>
+      <p:sp>
+        <p:nvSpPr>
+          <p:cNvPr id="4" name="Title 3"/>
+          <p:cNvSpPr>
+            <a:spLocks noGrp="1"/>
+          </p:cNvSpPr>
+          <p:nvPr>
+            <p:ph type="title"/>
+          </p:nvPr>
+        </p:nvSpPr>
+        <p:spPr/>
+        <p:txBody>
+          <a:bodyPr/>
+          <a:lstStyle/>
+          <a:p>
+            <a:r>
+              <a:rPr lang="en-US" dirty="0" smtClean="0"/>
+              <a:t>What Testing Gives Us</a:t>
+            </a:r>
+            <a:endParaRPr lang="en-US" dirty="0"/>
+          </a:p>
+        </p:txBody>
+      </p:sp>
+      <p:sp>
+        <p:nvSpPr>
+          <p:cNvPr id="5" name="TextBox 4"/>
+          <p:cNvSpPr txBox="1"/>
+          <p:nvPr/>
+        </p:nvSpPr>
+        <p:spPr>
+          <a:xfrm rot="16200000">
+            <a:off x="990646" y="2556325"/>
+            <a:ext cx="1634282" cy="461665"/>
+          </a:xfrm>
+          <a:prstGeom prst="rect">
+            <a:avLst/>
+          </a:prstGeom>
+          <a:noFill/>
+        </p:spPr>
+        <p:txBody>
+          <a:bodyPr wrap="none" rtlCol="0">
+            <a:spAutoFit/>
+          </a:bodyPr>
+          <a:lstStyle/>
+          <a:p>
+            <a:r>
+              <a:rPr lang="en-US" sz="2400" dirty="0" smtClean="0"/>
+              <a:t>Unit Testing</a:t>
+            </a:r>
+            <a:endParaRPr lang="en-US" sz="2400" dirty="0"/>
+          </a:p>
+        </p:txBody>
+      </p:sp>
+      <p:sp>
+        <p:nvSpPr>
+          <p:cNvPr id="6" name="TextBox 5"/>
+          <p:cNvSpPr txBox="1"/>
+          <p:nvPr/>
+        </p:nvSpPr>
+        <p:spPr>
+          <a:xfrm rot="16200000">
+            <a:off x="5898350" y="4215436"/>
+            <a:ext cx="2582859" cy="461665"/>
+          </a:xfrm>
+          <a:prstGeom prst="rect">
+            <a:avLst/>
+          </a:prstGeom>
+          <a:noFill/>
+        </p:spPr>
+        <p:txBody>
+          <a:bodyPr wrap="none" rtlCol="0">
+            <a:spAutoFit/>
+          </a:bodyPr>
+          <a:lstStyle/>
+          <a:p>
+            <a:r>
+              <a:rPr lang="en-US" sz="2400" dirty="0" smtClean="0"/>
+              <a:t>Exploratory Testing</a:t>
+            </a:r>
+            <a:endParaRPr lang="en-US" sz="2400" dirty="0"/>
+          </a:p>
+        </p:txBody>
+      </p:sp>
+      <p:sp>
+        <p:nvSpPr>
+          <p:cNvPr id="17" name="TextBox 16"/>
+          <p:cNvSpPr txBox="1"/>
+          <p:nvPr/>
+        </p:nvSpPr>
+        <p:spPr>
+          <a:xfrm>
+            <a:off x="2154094" y="2147282"/>
+            <a:ext cx="2597361" cy="1815882"/>
+          </a:xfrm>
+          <a:prstGeom prst="rect">
+            <a:avLst/>
+          </a:prstGeom>
+          <a:noFill/>
+        </p:spPr>
+        <p:txBody>
+          <a:bodyPr wrap="none" rtlCol="0">
+            <a:spAutoFit/>
+          </a:bodyPr>
+          <a:lstStyle/>
+          <a:p>
+            <a:r>
+              <a:rPr lang="en-US" sz="2800" dirty="0" smtClean="0"/>
+              <a:t>SPEC</a:t>
+            </a:r>
+          </a:p>
+          <a:p>
+            <a:r>
+              <a:rPr lang="en-US" sz="2800" dirty="0" smtClean="0"/>
+              <a:t>FEEDBACK</a:t>
+            </a:r>
+          </a:p>
+          <a:p>
+            <a:r>
+              <a:rPr lang="en-US" sz="2800" dirty="0" smtClean="0"/>
+              <a:t>REGRESSION</a:t>
+            </a:r>
+          </a:p>
+          <a:p>
+            <a:r>
+              <a:rPr lang="en-US" sz="2800" dirty="0" smtClean="0"/>
+              <a:t>GRANULARITY</a:t>
+            </a:r>
+            <a:endParaRPr lang="en-US" sz="2800" dirty="0"/>
+          </a:p>
+        </p:txBody>
+      </p:sp>
+      <p:sp>
+        <p:nvSpPr>
+          <p:cNvPr id="18" name="TextBox 17"/>
+          <p:cNvSpPr txBox="1"/>
+          <p:nvPr/>
+        </p:nvSpPr>
+        <p:spPr>
+          <a:xfrm>
+            <a:off x="3174859" y="3829387"/>
+            <a:ext cx="3749878" cy="1815882"/>
+          </a:xfrm>
+          <a:prstGeom prst="rect">
+            <a:avLst/>
+          </a:prstGeom>
+          <a:noFill/>
+        </p:spPr>
+        <p:txBody>
+          <a:bodyPr wrap="square" rtlCol="0">
+            <a:spAutoFit/>
+          </a:bodyPr>
+          <a:lstStyle/>
+          <a:p>
+            <a:pPr algn="r"/>
+            <a:r>
+              <a:rPr lang="en-US" sz="2800" dirty="0" smtClean="0"/>
+              <a:t>GUIDANCE</a:t>
+            </a:r>
+          </a:p>
+          <a:p>
+            <a:pPr algn="r"/>
+            <a:r>
+              <a:rPr lang="en-US" sz="2800" dirty="0" smtClean="0"/>
+              <a:t>UNDERSTANDING</a:t>
+            </a:r>
+          </a:p>
+          <a:p>
+            <a:pPr algn="r"/>
+            <a:r>
+              <a:rPr lang="en-US" sz="2800" dirty="0" smtClean="0"/>
+              <a:t>MODELS</a:t>
+            </a:r>
+          </a:p>
+          <a:p>
+            <a:pPr algn="r"/>
+            <a:r>
+              <a:rPr lang="en-US" sz="2800" dirty="0" smtClean="0"/>
+              <a:t>SERENDIPITY</a:t>
+            </a:r>
+          </a:p>
+        </p:txBody>
+      </p:sp>
+      <p:sp>
+        <p:nvSpPr>
+          <p:cNvPr id="19" name="TextBox 18"/>
+          <p:cNvSpPr txBox="1"/>
+          <p:nvPr/>
+        </p:nvSpPr>
+        <p:spPr>
+          <a:xfrm>
+            <a:off x="759536" y="4856323"/>
+            <a:ext cx="2154093" cy="1384995"/>
+          </a:xfrm>
+          <a:prstGeom prst="rect">
+            <a:avLst/>
+          </a:prstGeom>
+          <a:noFill/>
+        </p:spPr>
+        <p:txBody>
+          <a:bodyPr wrap="square" rtlCol="0">
+            <a:spAutoFit/>
+          </a:bodyPr>
+          <a:lstStyle/>
+          <a:p>
+            <a:pPr algn="ctr"/>
+            <a:r>
+              <a:rPr lang="en-US" sz="2800" dirty="0" smtClean="0">
+                <a:solidFill>
+                  <a:schemeClr val="accent6"/>
+                </a:solidFill>
+              </a:rPr>
+              <a:t>Testing as artifact creation</a:t>
+            </a:r>
+            <a:endParaRPr lang="en-US" sz="2800" dirty="0">
+              <a:solidFill>
+                <a:schemeClr val="accent6"/>
+              </a:solidFill>
+            </a:endParaRPr>
+          </a:p>
+        </p:txBody>
+      </p:sp>
+      <p:sp>
+        <p:nvSpPr>
+          <p:cNvPr id="20" name="TextBox 19"/>
+          <p:cNvSpPr txBox="1"/>
+          <p:nvPr/>
+        </p:nvSpPr>
+        <p:spPr>
+          <a:xfrm>
+            <a:off x="6178882" y="1470421"/>
+            <a:ext cx="2154093" cy="954107"/>
+          </a:xfrm>
+          <a:prstGeom prst="rect">
+            <a:avLst/>
+          </a:prstGeom>
+          <a:noFill/>
+        </p:spPr>
+        <p:txBody>
+          <a:bodyPr wrap="square" rtlCol="0">
+            <a:spAutoFit/>
+          </a:bodyPr>
+          <a:lstStyle/>
+          <a:p>
+            <a:pPr algn="ctr"/>
+            <a:r>
+              <a:rPr lang="en-US" sz="2800" dirty="0" smtClean="0">
+                <a:solidFill>
+                  <a:schemeClr val="accent6"/>
+                </a:solidFill>
+              </a:rPr>
+              <a:t>Testing as performance</a:t>
+            </a:r>
+            <a:endParaRPr lang="en-US" sz="2800" dirty="0">
+              <a:solidFill>
+                <a:schemeClr val="accent6"/>
+              </a:solidFill>
+            </a:endParaRPr>
+          </a:p>
+        </p:txBody>
+      </p:sp>
+    </p:spTree>
+    <p:extLst>
+      <p:ext uri="{BB962C8B-B14F-4D97-AF65-F5344CB8AC3E}">
+        <p14:creationId xmlns:p14="http://schemas.microsoft.com/office/powerpoint/2010/main" val="1823567881"/>
+      </p:ext>
+    </p:extLst>
+  </p:cSld>
+  <p:clrMapOvr>
+    <a:masterClrMapping/>
+  </p:clrMapOvr>
+  <p:timing>
+    <p:tnLst>
+      <p:par>
+        <p:cTn xmlns:p14="http://schemas.microsoft.com/office/powerpoint/2010/main" id="1" dur="indefinite" restart="never" nodeType="tmRoot"/>
+      </p:par>
+    </p:tnLst>
+  </p:timing>
+</p:sld>
+</file>
+
+<file path=ppt/slides/slide13.xml><?xml version="1.0" encoding="utf-8"?>
+<p:sld xmlns:a="http://schemas.openxmlformats.org/drawingml/2006/main" xmlns:r="http://schemas.openxmlformats.org/officeDocument/2006/relationships" xmlns:p="http://schemas.openxmlformats.org/presentationml/2006/main">
+  <p:cSld>
+    <p:spTree>
+      <p:nvGrpSpPr>
+        <p:cNvPr id="1" name=""/>
+        <p:cNvGrpSpPr/>
+        <p:nvPr/>
+      </p:nvGrpSpPr>
+      <p:grpSpPr>
+        <a:xfrm>
+          <a:off x="0" y="0"/>
+          <a:ext cx="0" cy="0"/>
+          <a:chOff x="0" y="0"/>
+          <a:chExt cx="0" cy="0"/>
+        </a:xfrm>
+      </p:grpSpPr>
+      <p:sp>
+        <p:nvSpPr>
           <p:cNvPr id="2" name="Title 1"/>
           <p:cNvSpPr>
             <a:spLocks noGrp="1"/>
@@ -11989,156 +12418,6 @@
 </p:sld>
 </file>
 
-<file path=ppt/slides/slide13.xml><?xml version="1.0" encoding="utf-8"?>
-<p:sld xmlns:a="http://schemas.openxmlformats.org/drawingml/2006/main" xmlns:r="http://schemas.openxmlformats.org/officeDocument/2006/relationships" xmlns:p="http://schemas.openxmlformats.org/presentationml/2006/main">
-  <p:cSld>
-    <p:spTree>
-      <p:nvGrpSpPr>
-        <p:cNvPr id="1" name=""/>
-        <p:cNvGrpSpPr/>
-        <p:nvPr/>
-      </p:nvGrpSpPr>
-      <p:grpSpPr>
-        <a:xfrm>
-          <a:off x="0" y="0"/>
-          <a:ext cx="0" cy="0"/>
-          <a:chOff x="0" y="0"/>
-          <a:chExt cx="0" cy="0"/>
-        </a:xfrm>
-      </p:grpSpPr>
-      <p:sp>
-        <p:nvSpPr>
-          <p:cNvPr id="2" name="Title 1"/>
-          <p:cNvSpPr>
-            <a:spLocks noGrp="1"/>
-          </p:cNvSpPr>
-          <p:nvPr>
-            <p:ph type="title"/>
-          </p:nvPr>
-        </p:nvSpPr>
-        <p:spPr>
-          <a:xfrm>
-            <a:off x="457200" y="274638"/>
-            <a:ext cx="8229600" cy="6216080"/>
-          </a:xfrm>
-        </p:spPr>
-        <p:txBody>
-          <a:bodyPr>
-            <a:normAutofit/>
-          </a:bodyPr>
-          <a:lstStyle/>
-          <a:p>
-            <a:r>
-              <a:rPr lang="en-US" dirty="0" smtClean="0">
-                <a:solidFill>
-                  <a:srgbClr val="FF0000"/>
-                </a:solidFill>
-              </a:rPr>
-              <a:t>S</a:t>
-            </a:r>
-            <a:r>
-              <a:rPr lang="en-US" dirty="0" smtClean="0"/>
-              <a:t>tructure</a:t>
-            </a:r>
-            <a:br>
-              <a:rPr lang="en-US" dirty="0" smtClean="0"/>
-            </a:br>
-            <a:r>
-              <a:rPr lang="en-US" dirty="0" smtClean="0">
-                <a:solidFill>
-                  <a:srgbClr val="FF0000"/>
-                </a:solidFill>
-              </a:rPr>
-              <a:t>F</a:t>
-            </a:r>
-            <a:r>
-              <a:rPr lang="en-US" dirty="0" smtClean="0"/>
-              <a:t>unction</a:t>
-            </a:r>
-            <a:br>
-              <a:rPr lang="en-US" dirty="0" smtClean="0"/>
-            </a:br>
-            <a:r>
-              <a:rPr lang="en-US" dirty="0" smtClean="0">
-                <a:solidFill>
-                  <a:srgbClr val="FF0000"/>
-                </a:solidFill>
-              </a:rPr>
-              <a:t>D</a:t>
-            </a:r>
-            <a:r>
-              <a:rPr lang="en-US" dirty="0" smtClean="0"/>
-              <a:t>ata</a:t>
-            </a:r>
-            <a:br>
-              <a:rPr lang="en-US" dirty="0" smtClean="0"/>
-            </a:br>
-            <a:r>
-              <a:rPr lang="en-US" dirty="0" smtClean="0">
-                <a:solidFill>
-                  <a:srgbClr val="FF0000"/>
-                </a:solidFill>
-              </a:rPr>
-              <a:t>P</a:t>
-            </a:r>
-            <a:r>
-              <a:rPr lang="en-US" dirty="0" smtClean="0"/>
-              <a:t>latform</a:t>
-            </a:r>
-            <a:br>
-              <a:rPr lang="en-US" dirty="0" smtClean="0"/>
-            </a:br>
-            <a:r>
-              <a:rPr lang="en-US" dirty="0" smtClean="0">
-                <a:solidFill>
-                  <a:srgbClr val="FF0000"/>
-                </a:solidFill>
-              </a:rPr>
-              <a:t>O</a:t>
-            </a:r>
-            <a:r>
-              <a:rPr lang="en-US" dirty="0" smtClean="0"/>
-              <a:t>perations</a:t>
-            </a:r>
-            <a:br>
-              <a:rPr lang="en-US" dirty="0" smtClean="0"/>
-            </a:br>
-            <a:r>
-              <a:rPr lang="en-US" dirty="0" smtClean="0">
-                <a:solidFill>
-                  <a:srgbClr val="FF0000"/>
-                </a:solidFill>
-              </a:rPr>
-              <a:t>T</a:t>
-            </a:r>
-            <a:r>
-              <a:rPr lang="en-US" dirty="0" smtClean="0"/>
-              <a:t>ime</a:t>
-            </a:r>
-            <a:endParaRPr lang="en-US" dirty="0"/>
-          </a:p>
-        </p:txBody>
-      </p:sp>
-    </p:spTree>
-    <p:extLst>
-      <p:ext uri="{BB962C8B-B14F-4D97-AF65-F5344CB8AC3E}">
-        <p14:creationId xmlns:p14="http://schemas.microsoft.com/office/powerpoint/2010/main" val="1074525818"/>
-      </p:ext>
-    </p:extLst>
-  </p:cSld>
-  <p:clrMapOvr>
-    <a:masterClrMapping/>
-  </p:clrMapOvr>
-  <p:timing>
-    <p:tnLst>
-      <p:par>
-        <p:cTn xmlns:p14="http://schemas.microsoft.com/office/powerpoint/2010/main" id="1" dur="indefinite" restart="never" nodeType="tmRoot"/>
-      </p:par>
-    </p:tnLst>
-  </p:timing>
-</p:sld>
-</file>
-
 <file path=ppt/slides/slide14.xml><?xml version="1.0" encoding="utf-8"?>
 <p:sld xmlns:a="http://schemas.openxmlformats.org/drawingml/2006/main" xmlns:r="http://schemas.openxmlformats.org/officeDocument/2006/relationships" xmlns:p="http://schemas.openxmlformats.org/presentationml/2006/main">
   <p:cSld>
@@ -12156,34 +12435,123 @@
           <a:chExt cx="0" cy="0"/>
         </a:xfrm>
       </p:grpSpPr>
-      <p:pic>
-        <p:nvPicPr>
-          <p:cNvPr id="26" name="Picture 25"/>
-          <p:cNvPicPr>
-            <a:picLocks noChangeAspect="1"/>
-          </p:cNvPicPr>
-          <p:nvPr/>
-        </p:nvPicPr>
-        <p:blipFill>
-          <a:blip r:embed="rId2"/>
-          <a:stretch>
-            <a:fillRect/>
-          </a:stretch>
-        </p:blipFill>
+      <p:sp>
+        <p:nvSpPr>
+          <p:cNvPr id="2" name="Title 1"/>
+          <p:cNvSpPr>
+            <a:spLocks noGrp="1"/>
+          </p:cNvSpPr>
+          <p:nvPr>
+            <p:ph type="title"/>
+          </p:nvPr>
+        </p:nvSpPr>
         <p:spPr>
           <a:xfrm>
-            <a:off x="234950" y="1035050"/>
-            <a:ext cx="8712200" cy="4800600"/>
+            <a:off x="457200" y="274638"/>
+            <a:ext cx="8229600" cy="6216080"/>
           </a:xfrm>
-          <a:prstGeom prst="rect">
-            <a:avLst/>
-          </a:prstGeom>
         </p:spPr>
-      </p:pic>
+        <p:txBody>
+          <a:bodyPr>
+            <a:normAutofit/>
+          </a:bodyPr>
+          <a:lstStyle/>
+          <a:p>
+            <a:r>
+              <a:rPr lang="en-US" dirty="0" smtClean="0">
+                <a:solidFill>
+                  <a:srgbClr val="FF0000"/>
+                </a:solidFill>
+              </a:rPr>
+              <a:t>S</a:t>
+            </a:r>
+            <a:r>
+              <a:rPr lang="en-US" dirty="0" smtClean="0"/>
+              <a:t>tructure</a:t>
+            </a:r>
+            <a:br>
+              <a:rPr lang="en-US" dirty="0" smtClean="0"/>
+            </a:br>
+            <a:r>
+              <a:rPr lang="en-US" dirty="0" smtClean="0">
+                <a:solidFill>
+                  <a:srgbClr val="FF0000"/>
+                </a:solidFill>
+              </a:rPr>
+              <a:t>F</a:t>
+            </a:r>
+            <a:r>
+              <a:rPr lang="en-US" dirty="0" smtClean="0"/>
+              <a:t>unction</a:t>
+            </a:r>
+            <a:br>
+              <a:rPr lang="en-US" dirty="0" smtClean="0"/>
+            </a:br>
+            <a:r>
+              <a:rPr lang="en-US" dirty="0" smtClean="0">
+                <a:solidFill>
+                  <a:srgbClr val="FF0000"/>
+                </a:solidFill>
+              </a:rPr>
+              <a:t>D</a:t>
+            </a:r>
+            <a:r>
+              <a:rPr lang="en-US" dirty="0" smtClean="0"/>
+              <a:t>ata</a:t>
+            </a:r>
+            <a:br>
+              <a:rPr lang="en-US" dirty="0" smtClean="0"/>
+            </a:br>
+            <a:r>
+              <a:rPr lang="en-US" dirty="0" smtClean="0">
+                <a:solidFill>
+                  <a:srgbClr val="FF0000"/>
+                </a:solidFill>
+              </a:rPr>
+              <a:t>P</a:t>
+            </a:r>
+            <a:r>
+              <a:rPr lang="en-US" dirty="0" smtClean="0"/>
+              <a:t>latform</a:t>
+            </a:r>
+            <a:br>
+              <a:rPr lang="en-US" dirty="0" smtClean="0"/>
+            </a:br>
+            <a:r>
+              <a:rPr lang="en-US" dirty="0" smtClean="0">
+                <a:solidFill>
+                  <a:srgbClr val="FF0000"/>
+                </a:solidFill>
+              </a:rPr>
+              <a:t>O</a:t>
+            </a:r>
+            <a:r>
+              <a:rPr lang="en-US" dirty="0" smtClean="0"/>
+              <a:t>perations</a:t>
+            </a:r>
+            <a:br>
+              <a:rPr lang="en-US" dirty="0" smtClean="0"/>
+            </a:br>
+            <a:r>
+              <a:rPr lang="en-US" dirty="0" smtClean="0">
+                <a:solidFill>
+                  <a:srgbClr val="FF0000"/>
+                </a:solidFill>
+              </a:rPr>
+              <a:t>T</a:t>
+            </a:r>
+            <a:r>
+              <a:rPr lang="en-US" dirty="0" smtClean="0"/>
+              <a:t>ime</a:t>
+            </a:r>
+            <a:endParaRPr lang="en-US" dirty="0"/>
+          </a:p>
+        </p:txBody>
+      </p:sp>
     </p:spTree>
     <p:extLst>
       <p:ext uri="{BB962C8B-B14F-4D97-AF65-F5344CB8AC3E}">
-        <p14:creationId xmlns:p14="http://schemas.microsoft.com/office/powerpoint/2010/main" val="4170771497"/>
+        <p14:creationId xmlns:p14="http://schemas.microsoft.com/office/powerpoint/2010/main" val="1074525818"/>
       </p:ext>
     </p:extLst>
   </p:cSld>
@@ -12589,435 +12957,6 @@
       </p:grpSpPr>
       <p:sp>
         <p:nvSpPr>
-          <p:cNvPr id="7" name="Up Arrow 6"/>
-          <p:cNvSpPr/>
-          <p:nvPr/>
-        </p:nvSpPr>
-        <p:spPr>
-          <a:xfrm>
-            <a:off x="1297407" y="1615628"/>
-            <a:ext cx="1036969" cy="3539546"/>
-          </a:xfrm>
-          <a:prstGeom prst="upArrow">
-            <a:avLst/>
-          </a:prstGeom>
-          <a:gradFill>
-            <a:gsLst>
-              <a:gs pos="99000">
-                <a:schemeClr val="accent1">
-                  <a:shade val="51000"/>
-                  <a:satMod val="130000"/>
-                </a:schemeClr>
-              </a:gs>
-              <a:gs pos="100000">
-                <a:schemeClr val="accent1">
-                  <a:shade val="93000"/>
-                  <a:satMod val="130000"/>
-                </a:schemeClr>
-              </a:gs>
-              <a:gs pos="53000">
-                <a:schemeClr val="accent1">
-                  <a:shade val="94000"/>
-                  <a:satMod val="135000"/>
-                </a:schemeClr>
-              </a:gs>
-              <a:gs pos="19000">
-                <a:schemeClr val="bg1"/>
-              </a:gs>
-            </a:gsLst>
-          </a:gradFill>
-          <a:ln>
-            <a:noFill/>
-          </a:ln>
-        </p:spPr>
-        <p:style>
-          <a:lnRef idx="1">
-            <a:schemeClr val="accent1"/>
-          </a:lnRef>
-          <a:fillRef idx="3">
-            <a:schemeClr val="accent1"/>
-          </a:fillRef>
-          <a:effectRef idx="2">
-            <a:schemeClr val="accent1"/>
-          </a:effectRef>
-          <a:fontRef idx="minor">
-            <a:schemeClr val="lt1"/>
-          </a:fontRef>
-        </p:style>
-        <p:txBody>
-          <a:bodyPr rtlCol="0" anchor="ctr"/>
-          <a:lstStyle/>
-          <a:p>
-            <a:pPr algn="ctr"/>
-            <a:endParaRPr lang="en-US" dirty="0"/>
-          </a:p>
-        </p:txBody>
-      </p:sp>
-      <p:sp>
-        <p:nvSpPr>
-          <p:cNvPr id="8" name="Up Arrow 7"/>
-          <p:cNvSpPr/>
-          <p:nvPr/>
-        </p:nvSpPr>
-        <p:spPr>
-          <a:xfrm rot="10800000">
-            <a:off x="6710787" y="1600200"/>
-            <a:ext cx="1036969" cy="4525963"/>
-          </a:xfrm>
-          <a:prstGeom prst="upArrow">
-            <a:avLst/>
-          </a:prstGeom>
-          <a:gradFill>
-            <a:gsLst>
-              <a:gs pos="99000">
-                <a:schemeClr val="accent1">
-                  <a:shade val="51000"/>
-                  <a:satMod val="130000"/>
-                </a:schemeClr>
-              </a:gs>
-              <a:gs pos="100000">
-                <a:schemeClr val="accent1">
-                  <a:shade val="93000"/>
-                  <a:satMod val="130000"/>
-                </a:schemeClr>
-              </a:gs>
-              <a:gs pos="53000">
-                <a:schemeClr val="accent1">
-                  <a:shade val="94000"/>
-                  <a:satMod val="135000"/>
-                </a:schemeClr>
-              </a:gs>
-              <a:gs pos="19000">
-                <a:schemeClr val="bg1"/>
-              </a:gs>
-            </a:gsLst>
-          </a:gradFill>
-          <a:ln>
-            <a:noFill/>
-          </a:ln>
-        </p:spPr>
-        <p:style>
-          <a:lnRef idx="1">
-            <a:schemeClr val="accent1"/>
-          </a:lnRef>
-          <a:fillRef idx="3">
-            <a:schemeClr val="accent1"/>
-          </a:fillRef>
-          <a:effectRef idx="2">
-            <a:schemeClr val="accent1"/>
-          </a:effectRef>
-          <a:fontRef idx="minor">
-            <a:schemeClr val="lt1"/>
-          </a:fontRef>
-        </p:style>
-        <p:txBody>
-          <a:bodyPr rtlCol="0" anchor="ctr"/>
-          <a:lstStyle/>
-          <a:p>
-            <a:pPr algn="ctr"/>
-            <a:endParaRPr lang="en-US" dirty="0"/>
-          </a:p>
-        </p:txBody>
-      </p:sp>
-      <p:sp>
-        <p:nvSpPr>
-          <p:cNvPr id="4" name="Title 3"/>
-          <p:cNvSpPr>
-            <a:spLocks noGrp="1"/>
-          </p:cNvSpPr>
-          <p:nvPr>
-            <p:ph type="title"/>
-          </p:nvPr>
-        </p:nvSpPr>
-        <p:spPr/>
-        <p:txBody>
-          <a:bodyPr/>
-          <a:lstStyle/>
-          <a:p>
-            <a:r>
-              <a:rPr lang="en-US" dirty="0" smtClean="0"/>
-              <a:t>What Testing Gives Us</a:t>
-            </a:r>
-            <a:endParaRPr lang="en-US" dirty="0"/>
-          </a:p>
-        </p:txBody>
-      </p:sp>
-      <p:sp>
-        <p:nvSpPr>
-          <p:cNvPr id="5" name="TextBox 4"/>
-          <p:cNvSpPr txBox="1"/>
-          <p:nvPr/>
-        </p:nvSpPr>
-        <p:spPr>
-          <a:xfrm rot="16200000">
-            <a:off x="990646" y="2556325"/>
-            <a:ext cx="1634282" cy="461665"/>
-          </a:xfrm>
-          <a:prstGeom prst="rect">
-            <a:avLst/>
-          </a:prstGeom>
-          <a:noFill/>
-        </p:spPr>
-        <p:txBody>
-          <a:bodyPr wrap="none" rtlCol="0">
-            <a:spAutoFit/>
-          </a:bodyPr>
-          <a:lstStyle/>
-          <a:p>
-            <a:r>
-              <a:rPr lang="en-US" sz="2400" dirty="0" smtClean="0"/>
-              <a:t>Unit Testing</a:t>
-            </a:r>
-            <a:endParaRPr lang="en-US" sz="2400" dirty="0"/>
-          </a:p>
-        </p:txBody>
-      </p:sp>
-      <p:sp>
-        <p:nvSpPr>
-          <p:cNvPr id="6" name="TextBox 5"/>
-          <p:cNvSpPr txBox="1"/>
-          <p:nvPr/>
-        </p:nvSpPr>
-        <p:spPr>
-          <a:xfrm rot="16200000">
-            <a:off x="5898350" y="4215436"/>
-            <a:ext cx="2582859" cy="461665"/>
-          </a:xfrm>
-          <a:prstGeom prst="rect">
-            <a:avLst/>
-          </a:prstGeom>
-          <a:noFill/>
-        </p:spPr>
-        <p:txBody>
-          <a:bodyPr wrap="none" rtlCol="0">
-            <a:spAutoFit/>
-          </a:bodyPr>
-          <a:lstStyle/>
-          <a:p>
-            <a:r>
-              <a:rPr lang="en-US" sz="2400" dirty="0" smtClean="0"/>
-              <a:t>Exploratory Testing</a:t>
-            </a:r>
-            <a:endParaRPr lang="en-US" sz="2400" dirty="0"/>
-          </a:p>
-        </p:txBody>
-      </p:sp>
-      <p:sp>
-        <p:nvSpPr>
-          <p:cNvPr id="17" name="TextBox 16"/>
-          <p:cNvSpPr txBox="1"/>
-          <p:nvPr/>
-        </p:nvSpPr>
-        <p:spPr>
-          <a:xfrm>
-            <a:off x="2154094" y="2147282"/>
-            <a:ext cx="2597361" cy="1815882"/>
-          </a:xfrm>
-          <a:prstGeom prst="rect">
-            <a:avLst/>
-          </a:prstGeom>
-          <a:noFill/>
-        </p:spPr>
-        <p:txBody>
-          <a:bodyPr wrap="none" rtlCol="0">
-            <a:spAutoFit/>
-          </a:bodyPr>
-          <a:lstStyle/>
-          <a:p>
-            <a:r>
-              <a:rPr lang="en-US" sz="2800" dirty="0" smtClean="0"/>
-              <a:t>SPEC</a:t>
-            </a:r>
-          </a:p>
-          <a:p>
-            <a:r>
-              <a:rPr lang="en-US" sz="2800" dirty="0" smtClean="0"/>
-              <a:t>FEEDBACK</a:t>
-            </a:r>
-          </a:p>
-          <a:p>
-            <a:r>
-              <a:rPr lang="en-US" sz="2800" dirty="0" smtClean="0"/>
-              <a:t>REGRESSION</a:t>
-            </a:r>
-          </a:p>
-          <a:p>
-            <a:r>
-              <a:rPr lang="en-US" sz="2800" dirty="0" smtClean="0"/>
-              <a:t>GRANULARITY</a:t>
-            </a:r>
-            <a:endParaRPr lang="en-US" sz="2800" dirty="0"/>
-          </a:p>
-        </p:txBody>
-      </p:sp>
-      <p:sp>
-        <p:nvSpPr>
-          <p:cNvPr id="18" name="TextBox 17"/>
-          <p:cNvSpPr txBox="1"/>
-          <p:nvPr/>
-        </p:nvSpPr>
-        <p:spPr>
-          <a:xfrm>
-            <a:off x="3174859" y="3829387"/>
-            <a:ext cx="3749878" cy="1815882"/>
-          </a:xfrm>
-          <a:prstGeom prst="rect">
-            <a:avLst/>
-          </a:prstGeom>
-          <a:noFill/>
-        </p:spPr>
-        <p:txBody>
-          <a:bodyPr wrap="square" rtlCol="0">
-            <a:spAutoFit/>
-          </a:bodyPr>
-          <a:lstStyle/>
-          <a:p>
-            <a:pPr algn="r"/>
-            <a:r>
-              <a:rPr lang="en-US" sz="2800" dirty="0" smtClean="0"/>
-              <a:t>GUIDANCE</a:t>
-            </a:r>
-          </a:p>
-          <a:p>
-            <a:pPr algn="r"/>
-            <a:r>
-              <a:rPr lang="en-US" sz="2800" dirty="0" smtClean="0"/>
-              <a:t>UNDERSTANDING</a:t>
-            </a:r>
-          </a:p>
-          <a:p>
-            <a:pPr algn="r"/>
-            <a:r>
-              <a:rPr lang="en-US" sz="2800" dirty="0" smtClean="0"/>
-              <a:t>MODELS</a:t>
-            </a:r>
-          </a:p>
-          <a:p>
-            <a:pPr algn="r"/>
-            <a:r>
-              <a:rPr lang="en-US" sz="2800" dirty="0" smtClean="0"/>
-              <a:t>SERENDIPITY</a:t>
-            </a:r>
-          </a:p>
-        </p:txBody>
-      </p:sp>
-      <p:sp>
-        <p:nvSpPr>
-          <p:cNvPr id="19" name="TextBox 18"/>
-          <p:cNvSpPr txBox="1"/>
-          <p:nvPr/>
-        </p:nvSpPr>
-        <p:spPr>
-          <a:xfrm>
-            <a:off x="759536" y="4856323"/>
-            <a:ext cx="2154093" cy="1384995"/>
-          </a:xfrm>
-          <a:prstGeom prst="rect">
-            <a:avLst/>
-          </a:prstGeom>
-          <a:noFill/>
-        </p:spPr>
-        <p:txBody>
-          <a:bodyPr wrap="square" rtlCol="0">
-            <a:spAutoFit/>
-          </a:bodyPr>
-          <a:lstStyle/>
-          <a:p>
-            <a:pPr algn="ctr"/>
-            <a:r>
-              <a:rPr lang="en-US" sz="2800" dirty="0" smtClean="0">
-                <a:solidFill>
-                  <a:schemeClr val="accent6"/>
-                </a:solidFill>
-              </a:rPr>
-              <a:t>Testing as artifact creation</a:t>
-            </a:r>
-            <a:endParaRPr lang="en-US" sz="2800" dirty="0">
-              <a:solidFill>
-                <a:schemeClr val="accent6"/>
-              </a:solidFill>
-            </a:endParaRPr>
-          </a:p>
-        </p:txBody>
-      </p:sp>
-      <p:sp>
-        <p:nvSpPr>
-          <p:cNvPr id="20" name="TextBox 19"/>
-          <p:cNvSpPr txBox="1"/>
-          <p:nvPr/>
-        </p:nvSpPr>
-        <p:spPr>
-          <a:xfrm>
-            <a:off x="6178882" y="1470421"/>
-            <a:ext cx="2154093" cy="954107"/>
-          </a:xfrm>
-          <a:prstGeom prst="rect">
-            <a:avLst/>
-          </a:prstGeom>
-          <a:noFill/>
-        </p:spPr>
-        <p:txBody>
-          <a:bodyPr wrap="square" rtlCol="0">
-            <a:spAutoFit/>
-          </a:bodyPr>
-          <a:lstStyle/>
-          <a:p>
-            <a:pPr algn="ctr"/>
-            <a:r>
-              <a:rPr lang="en-US" sz="2800" dirty="0" smtClean="0">
-                <a:solidFill>
-                  <a:schemeClr val="accent6"/>
-                </a:solidFill>
-              </a:rPr>
-              <a:t>Testing as performance</a:t>
-            </a:r>
-            <a:endParaRPr lang="en-US" sz="2800" dirty="0">
-              <a:solidFill>
-                <a:schemeClr val="accent6"/>
-              </a:solidFill>
-            </a:endParaRPr>
-          </a:p>
-        </p:txBody>
-      </p:sp>
-    </p:spTree>
-    <p:extLst>
-      <p:ext uri="{BB962C8B-B14F-4D97-AF65-F5344CB8AC3E}">
-        <p14:creationId xmlns:p14="http://schemas.microsoft.com/office/powerpoint/2010/main" val="1823567881"/>
-      </p:ext>
-    </p:extLst>
-  </p:cSld>
-  <p:clrMapOvr>
-    <a:masterClrMapping/>
-  </p:clrMapOvr>
-  <p:timing>
-    <p:tnLst>
-      <p:par>
-        <p:cTn xmlns:p14="http://schemas.microsoft.com/office/powerpoint/2010/main" id="1" dur="indefinite" restart="never" nodeType="tmRoot"/>
-      </p:par>
-    </p:tnLst>
-  </p:timing>
-</p:sld>
-</file>
-
-<file path=ppt/slides/slide17.xml><?xml version="1.0" encoding="utf-8"?>
-<p:sld xmlns:a="http://schemas.openxmlformats.org/drawingml/2006/main" xmlns:r="http://schemas.openxmlformats.org/officeDocument/2006/relationships" xmlns:p="http://schemas.openxmlformats.org/presentationml/2006/main">
-  <p:cSld>
-    <p:spTree>
-      <p:nvGrpSpPr>
-        <p:cNvPr id="1" name=""/>
-        <p:cNvGrpSpPr/>
-        <p:nvPr/>
-      </p:nvGrpSpPr>
-      <p:grpSpPr>
-        <a:xfrm>
-          <a:off x="0" y="0"/>
-          <a:ext cx="0" cy="0"/>
-          <a:chOff x="0" y="0"/>
-          <a:chExt cx="0" cy="0"/>
-        </a:xfrm>
-      </p:grpSpPr>
-      <p:sp>
-        <p:nvSpPr>
           <p:cNvPr id="5" name="Title 4"/>
           <p:cNvSpPr>
             <a:spLocks noGrp="1"/>
@@ -13239,7 +13178,7 @@
           <a:p>
             <a:fld id="{37917B5B-4F5C-1943-9902-B3D1F12DCB41}" type="slidenum">
               <a:rPr lang="en-US" smtClean="0"/>
-              <a:t>17</a:t>
+              <a:t>16</a:t>
             </a:fld>
             <a:endParaRPr lang="en-US"/>
           </a:p>
@@ -13265,7 +13204,7 @@
 </p:sld>
 </file>
 
-<file path=ppt/slides/slide18.xml><?xml version="1.0" encoding="utf-8"?>
+<file path=ppt/slides/slide17.xml><?xml version="1.0" encoding="utf-8"?>
 <p:sld xmlns:a="http://schemas.openxmlformats.org/drawingml/2006/main" xmlns:r="http://schemas.openxmlformats.org/officeDocument/2006/relationships" xmlns:p="http://schemas.openxmlformats.org/presentationml/2006/main">
   <p:cSld>
     <p:spTree>
@@ -15732,7 +15671,7 @@
             <a:fld id="{B6F15528-21DE-4FAA-801E-634DDDAF4B2B}" type="slidenum">
               <a:rPr lang="en-US" smtClean="0"/>
               <a:pPr/>
-              <a:t>18</a:t>
+              <a:t>17</a:t>
             </a:fld>
             <a:endParaRPr lang="en-US"/>
           </a:p>
@@ -15834,6 +15773,67 @@
     <p:extLst>
       <p:ext uri="{BB962C8B-B14F-4D97-AF65-F5344CB8AC3E}">
         <p14:creationId xmlns:p14="http://schemas.microsoft.com/office/powerpoint/2010/main" val="2124030691"/>
+      </p:ext>
+    </p:extLst>
+  </p:cSld>
+  <p:clrMapOvr>
+    <a:masterClrMapping/>
+  </p:clrMapOvr>
+  <p:timing>
+    <p:tnLst>
+      <p:par>
+        <p:cTn xmlns:p14="http://schemas.microsoft.com/office/powerpoint/2010/main" id="1" dur="indefinite" restart="never" nodeType="tmRoot"/>
+      </p:par>
+    </p:tnLst>
+  </p:timing>
+</p:sld>
+</file>
+
+<file path=ppt/slides/slide18.xml><?xml version="1.0" encoding="utf-8"?>
+<p:sld xmlns:a="http://schemas.openxmlformats.org/drawingml/2006/main" xmlns:r="http://schemas.openxmlformats.org/officeDocument/2006/relationships" xmlns:p="http://schemas.openxmlformats.org/presentationml/2006/main">
+  <p:cSld>
+    <p:spTree>
+      <p:nvGrpSpPr>
+        <p:cNvPr id="1" name=""/>
+        <p:cNvGrpSpPr/>
+        <p:nvPr/>
+      </p:nvGrpSpPr>
+      <p:grpSpPr>
+        <a:xfrm>
+          <a:off x="0" y="0"/>
+          <a:ext cx="0" cy="0"/>
+          <a:chOff x="0" y="0"/>
+          <a:chExt cx="0" cy="0"/>
+        </a:xfrm>
+      </p:grpSpPr>
+      <p:pic>
+        <p:nvPicPr>
+          <p:cNvPr id="26" name="Picture 25"/>
+          <p:cNvPicPr>
+            <a:picLocks noChangeAspect="1"/>
+          </p:cNvPicPr>
+          <p:nvPr/>
+        </p:nvPicPr>
+        <p:blipFill>
+          <a:blip r:embed="rId2"/>
+          <a:stretch>
+            <a:fillRect/>
+          </a:stretch>
+        </p:blipFill>
+        <p:spPr>
+          <a:xfrm>
+            <a:off x="234950" y="1035050"/>
+            <a:ext cx="8712200" cy="4800600"/>
+          </a:xfrm>
+          <a:prstGeom prst="rect">
+            <a:avLst/>
+          </a:prstGeom>
+        </p:spPr>
+      </p:pic>
+    </p:spTree>
+    <p:extLst>
+      <p:ext uri="{BB962C8B-B14F-4D97-AF65-F5344CB8AC3E}">
+        <p14:creationId xmlns:p14="http://schemas.microsoft.com/office/powerpoint/2010/main" val="4170771497"/>
       </p:ext>
     </p:extLst>
   </p:cSld>
